--- a/exercise2/DPDCAssignment2Group01.pptx
+++ b/exercise2/DPDCAssignment2Group01.pptx
@@ -6666,12 +6666,27 @@
               <a:rPr lang="en-US" dirty="0" smtClean="0"/>
               <a:t>Result: 4min?</a:t>
             </a:r>
+            <a:endParaRPr lang="en-US" dirty="0"/>
           </a:p>
           <a:p>
             <a:pPr marL="285750" indent="-285750">
               <a:buFont typeface="Arial"/>
               <a:buChar char="•"/>
             </a:pPr>
+            <a:r>
+              <a:rPr lang="en-US" dirty="0" smtClean="0"/>
+              <a:t>No, we could do better</a:t>
+            </a:r>
+          </a:p>
+          <a:p>
+            <a:pPr marL="731838" lvl="1" indent="-285750">
+              <a:buFont typeface="Arial"/>
+              <a:buChar char="•"/>
+            </a:pPr>
+            <a:r>
+              <a:rPr lang="en-US" dirty="0" smtClean="0"/>
+              <a:t>3min</a:t>
+            </a:r>
             <a:endParaRPr lang="en-US" dirty="0"/>
           </a:p>
           <a:p>
@@ -6681,7 +6696,7 @@
             </a:pPr>
             <a:r>
               <a:rPr lang="en-US" dirty="0" smtClean="0"/>
-              <a:t>No, we could do better</a:t>
+              <a:t>Reading small files first</a:t>
             </a:r>
           </a:p>
           <a:p>
@@ -6691,7 +6706,7 @@
             </a:pPr>
             <a:r>
               <a:rPr lang="en-US" dirty="0" smtClean="0"/>
-              <a:t>3min</a:t>
+              <a:t>we get a lot of INDs very fast</a:t>
             </a:r>
           </a:p>
           <a:p>
@@ -6699,6 +6714,10 @@
               <a:buFont typeface="Arial"/>
               <a:buChar char="•"/>
             </a:pPr>
+            <a:r>
+              <a:rPr lang="en-US" dirty="0" smtClean="0"/>
+              <a:t>Graph?</a:t>
+            </a:r>
             <a:endParaRPr lang="en-US" dirty="0"/>
           </a:p>
           <a:p>
@@ -6708,27 +6727,15 @@
             </a:pPr>
             <a:r>
               <a:rPr lang="en-US" dirty="0" smtClean="0"/>
-              <a:t>Reading small files first</a:t>
-            </a:r>
-          </a:p>
-          <a:p>
-            <a:pPr marL="731838" lvl="1" indent="-285750">
-              <a:buFont typeface="Arial"/>
-              <a:buChar char="•"/>
-            </a:pPr>
+              <a:t>cons: memory usage increases linearly with data size (</a:t>
+            </a:r>
+            <a:r>
+              <a:rPr lang="en-US" dirty="0" err="1" smtClean="0"/>
+              <a:t>uniques</a:t>
+            </a:r>
             <a:r>
               <a:rPr lang="en-US" dirty="0" smtClean="0"/>
-              <a:t>we get a lot of INDs very fast</a:t>
-            </a:r>
-          </a:p>
-          <a:p>
-            <a:pPr marL="731838" lvl="1" indent="-285750">
-              <a:buFont typeface="Arial"/>
-              <a:buChar char="•"/>
-            </a:pPr>
-            <a:r>
-              <a:rPr lang="en-US" dirty="0" smtClean="0"/>
-              <a:t>Graph?</a:t>
+              <a:t>)</a:t>
             </a:r>
           </a:p>
         </p:txBody>

--- a/exercise2/DPDCAssignment2Group01.pptx
+++ b/exercise2/DPDCAssignment2Group01.pptx
@@ -6,10 +6,10 @@
     <p:sldMasterId id="2147483653" r:id="rId2"/>
   </p:sldMasterIdLst>
   <p:notesMasterIdLst>
-    <p:notesMasterId r:id="rId10"/>
+    <p:notesMasterId r:id="rId21"/>
   </p:notesMasterIdLst>
   <p:handoutMasterIdLst>
-    <p:handoutMasterId r:id="rId11"/>
+    <p:handoutMasterId r:id="rId22"/>
   </p:handoutMasterIdLst>
   <p:sldIdLst>
     <p:sldId id="256" r:id="rId3"/>
@@ -18,7 +18,18 @@
     <p:sldId id="259" r:id="rId6"/>
     <p:sldId id="260" r:id="rId7"/>
     <p:sldId id="261" r:id="rId8"/>
-    <p:sldId id="262" r:id="rId9"/>
+    <p:sldId id="263" r:id="rId9"/>
+    <p:sldId id="265" r:id="rId10"/>
+    <p:sldId id="266" r:id="rId11"/>
+    <p:sldId id="264" r:id="rId12"/>
+    <p:sldId id="267" r:id="rId13"/>
+    <p:sldId id="268" r:id="rId14"/>
+    <p:sldId id="269" r:id="rId15"/>
+    <p:sldId id="270" r:id="rId16"/>
+    <p:sldId id="271" r:id="rId17"/>
+    <p:sldId id="272" r:id="rId18"/>
+    <p:sldId id="273" r:id="rId19"/>
+    <p:sldId id="262" r:id="rId20"/>
   </p:sldIdLst>
   <p:sldSz cx="9144000" cy="6858000" type="screen4x3"/>
   <p:notesSz cx="7772400" cy="10515600"/>
@@ -5432,6 +5443,6016 @@
 </p:sld>
 </file>
 
+<file path=ppt/slides/slide10.xml><?xml version="1.0" encoding="utf-8"?>
+<p:sld xmlns:a="http://schemas.openxmlformats.org/drawingml/2006/main" xmlns:r="http://schemas.openxmlformats.org/officeDocument/2006/relationships" xmlns:p="http://schemas.openxmlformats.org/presentationml/2006/main">
+  <p:cSld>
+    <p:spTree>
+      <p:nvGrpSpPr>
+        <p:cNvPr id="1" name=""/>
+        <p:cNvGrpSpPr/>
+        <p:nvPr/>
+      </p:nvGrpSpPr>
+      <p:grpSpPr>
+        <a:xfrm>
+          <a:off x="0" y="0"/>
+          <a:ext cx="0" cy="0"/>
+          <a:chOff x="0" y="0"/>
+          <a:chExt cx="0" cy="0"/>
+        </a:xfrm>
+      </p:grpSpPr>
+      <p:sp>
+        <p:nvSpPr>
+          <p:cNvPr id="4" name="Footer Placeholder 3"/>
+          <p:cNvSpPr>
+            <a:spLocks noGrp="1"/>
+          </p:cNvSpPr>
+          <p:nvPr>
+            <p:ph type="ftr" sz="quarter" idx="10"/>
+          </p:nvPr>
+        </p:nvSpPr>
+        <p:spPr/>
+        <p:txBody>
+          <a:bodyPr/>
+          <a:lstStyle/>
+          <a:p>
+            <a:r>
+              <a:rPr lang="de-DE" smtClean="0"/>
+              <a:t>DPDC – Assignment 1 | Christoph Oehlke, Markus Hinsche | May 16, 2013 </a:t>
+            </a:r>
+            <a:endParaRPr lang="de-DE"/>
+          </a:p>
+        </p:txBody>
+      </p:sp>
+      <p:sp>
+        <p:nvSpPr>
+          <p:cNvPr id="5" name="Slide Number Placeholder 4"/>
+          <p:cNvSpPr>
+            <a:spLocks noGrp="1"/>
+          </p:cNvSpPr>
+          <p:nvPr>
+            <p:ph type="sldNum" sz="quarter" idx="11"/>
+          </p:nvPr>
+        </p:nvSpPr>
+        <p:spPr/>
+        <p:txBody>
+          <a:bodyPr/>
+          <a:lstStyle/>
+          <a:p>
+            <a:fld id="{0C6113F6-D982-4F1F-82B4-AFA466AB9AFB}" type="slidenum">
+              <a:rPr lang="de-DE" smtClean="0"/>
+              <a:pPr/>
+              <a:t>10</a:t>
+            </a:fld>
+            <a:endParaRPr lang="de-DE"/>
+          </a:p>
+        </p:txBody>
+      </p:sp>
+      <p:sp>
+        <p:nvSpPr>
+          <p:cNvPr id="9" name="Title 1"/>
+          <p:cNvSpPr>
+            <a:spLocks noGrp="1"/>
+          </p:cNvSpPr>
+          <p:nvPr>
+            <p:ph type="title"/>
+          </p:nvPr>
+        </p:nvSpPr>
+        <p:spPr>
+          <a:xfrm>
+            <a:off x="787400" y="0"/>
+            <a:ext cx="6243638" cy="1008063"/>
+          </a:xfrm>
+        </p:spPr>
+        <p:txBody>
+          <a:bodyPr/>
+          <a:lstStyle/>
+          <a:p>
+            <a:r>
+              <a:rPr lang="en-US" dirty="0" smtClean="0"/>
+              <a:t>INDS core algorithm – case 2 – IND</a:t>
+            </a:r>
+            <a:endParaRPr lang="en-US" dirty="0"/>
+          </a:p>
+        </p:txBody>
+      </p:sp>
+      <p:graphicFrame>
+        <p:nvGraphicFramePr>
+          <p:cNvPr id="16" name="Table 8"/>
+          <p:cNvGraphicFramePr>
+            <a:graphicFrameLocks noGrp="1"/>
+          </p:cNvGraphicFramePr>
+          <p:nvPr>
+            <p:extLst>
+              <p:ext uri="{D42A27DB-BD31-4B8C-83A1-F6EECF244321}">
+                <p14:modId xmlns:p14="http://schemas.microsoft.com/office/powerpoint/2010/main" val="934854126"/>
+              </p:ext>
+            </p:extLst>
+          </p:nvPr>
+        </p:nvGraphicFramePr>
+        <p:xfrm>
+          <a:off x="5014249" y="2245892"/>
+          <a:ext cx="2326104" cy="1784985"/>
+        </p:xfrm>
+        <a:graphic>
+          <a:graphicData uri="http://schemas.openxmlformats.org/drawingml/2006/table">
+            <a:tbl>
+              <a:tblPr firstRow="1" bandRow="1">
+                <a:tableStyleId>{5C22544A-7EE6-4342-B048-85BDC9FD1C3A}</a:tableStyleId>
+              </a:tblPr>
+              <a:tblGrid>
+                <a:gridCol w="1163052"/>
+                <a:gridCol w="1163052"/>
+              </a:tblGrid>
+              <a:tr h="249846">
+                <a:tc>
+                  <a:txBody>
+                    <a:bodyPr/>
+                    <a:lstStyle/>
+                    <a:p>
+                      <a:pPr algn="ctr"/>
+                      <a:r>
+                        <a:rPr lang="en-US" dirty="0" smtClean="0">
+                          <a:solidFill>
+                            <a:srgbClr val="FFFFFF"/>
+                          </a:solidFill>
+                        </a:rPr>
+                        <a:t>T1 C1</a:t>
+                      </a:r>
+                      <a:endParaRPr lang="en-US" dirty="0">
+                        <a:solidFill>
+                          <a:srgbClr val="FFFFFF"/>
+                        </a:solidFill>
+                      </a:endParaRPr>
+                    </a:p>
+                  </a:txBody>
+                  <a:tcPr/>
+                </a:tc>
+                <a:tc>
+                  <a:txBody>
+                    <a:bodyPr/>
+                    <a:lstStyle/>
+                    <a:p>
+                      <a:pPr algn="ctr"/>
+                      <a:r>
+                        <a:rPr lang="en-US" dirty="0" smtClean="0"/>
+                        <a:t>T1 C2</a:t>
+                      </a:r>
+                      <a:endParaRPr lang="en-US" dirty="0"/>
+                    </a:p>
+                  </a:txBody>
+                  <a:tcPr/>
+                </a:tc>
+              </a:tr>
+              <a:tr h="249846">
+                <a:tc>
+                  <a:txBody>
+                    <a:bodyPr/>
+                    <a:lstStyle/>
+                    <a:p>
+                      <a:pPr algn="ctr" fontAlgn="b"/>
+                      <a:r>
+                        <a:rPr lang="en-US" dirty="0" smtClean="0">
+                          <a:solidFill>
+                            <a:schemeClr val="tx1"/>
+                          </a:solidFill>
+                        </a:rPr>
+                        <a:t>1</a:t>
+                      </a:r>
+                      <a:endParaRPr lang="en-US" dirty="0">
+                        <a:solidFill>
+                          <a:schemeClr val="tx1"/>
+                        </a:solidFill>
+                      </a:endParaRPr>
+                    </a:p>
+                  </a:txBody>
+                  <a:tcPr marL="9525" marR="9525" marT="9525" marB="0" anchor="b"/>
+                </a:tc>
+                <a:tc>
+                  <a:txBody>
+                    <a:bodyPr/>
+                    <a:lstStyle/>
+                    <a:p>
+                      <a:pPr algn="ctr" fontAlgn="b"/>
+                      <a:r>
+                        <a:rPr lang="en-US" dirty="0" smtClean="0"/>
+                        <a:t>2</a:t>
+                      </a:r>
+                      <a:endParaRPr lang="en-US" dirty="0"/>
+                    </a:p>
+                  </a:txBody>
+                  <a:tcPr marL="9525" marR="9525" marT="9525" marB="0" anchor="b"/>
+                </a:tc>
+              </a:tr>
+              <a:tr h="249846">
+                <a:tc>
+                  <a:txBody>
+                    <a:bodyPr/>
+                    <a:lstStyle/>
+                    <a:p>
+                      <a:pPr algn="ctr" fontAlgn="b"/>
+                      <a:r>
+                        <a:rPr lang="en-US" dirty="0" smtClean="0">
+                          <a:solidFill>
+                            <a:schemeClr val="tx1"/>
+                          </a:solidFill>
+                        </a:rPr>
+                        <a:t>3</a:t>
+                      </a:r>
+                      <a:endParaRPr lang="en-US" dirty="0">
+                        <a:solidFill>
+                          <a:schemeClr val="tx1"/>
+                        </a:solidFill>
+                      </a:endParaRPr>
+                    </a:p>
+                  </a:txBody>
+                  <a:tcPr marL="9525" marR="9525" marT="9525" marB="0" anchor="b"/>
+                </a:tc>
+                <a:tc>
+                  <a:txBody>
+                    <a:bodyPr/>
+                    <a:lstStyle/>
+                    <a:p>
+                      <a:pPr algn="ctr" fontAlgn="b"/>
+                      <a:r>
+                        <a:rPr lang="en-US" dirty="0" smtClean="0"/>
+                        <a:t>5</a:t>
+                      </a:r>
+                      <a:endParaRPr lang="en-US" dirty="0"/>
+                    </a:p>
+                  </a:txBody>
+                  <a:tcPr marL="9525" marR="9525" marT="9525" marB="0" anchor="b"/>
+                </a:tc>
+              </a:tr>
+              <a:tr h="249846">
+                <a:tc>
+                  <a:txBody>
+                    <a:bodyPr/>
+                    <a:lstStyle/>
+                    <a:p>
+                      <a:pPr algn="ctr" fontAlgn="b"/>
+                      <a:r>
+                        <a:rPr lang="en-US" dirty="0" smtClean="0">
+                          <a:solidFill>
+                            <a:schemeClr val="tx1"/>
+                          </a:solidFill>
+                        </a:rPr>
+                        <a:t>4</a:t>
+                      </a:r>
+                      <a:endParaRPr lang="en-US" dirty="0">
+                        <a:solidFill>
+                          <a:schemeClr val="tx1"/>
+                        </a:solidFill>
+                      </a:endParaRPr>
+                    </a:p>
+                  </a:txBody>
+                  <a:tcPr marL="9525" marR="9525" marT="9525" marB="0" anchor="b"/>
+                </a:tc>
+                <a:tc>
+                  <a:txBody>
+                    <a:bodyPr/>
+                    <a:lstStyle/>
+                    <a:p>
+                      <a:pPr algn="ctr" fontAlgn="b"/>
+                      <a:r>
+                        <a:rPr lang="en-US" dirty="0" smtClean="0"/>
+                        <a:t>8</a:t>
+                      </a:r>
+                      <a:endParaRPr lang="en-US" dirty="0"/>
+                    </a:p>
+                  </a:txBody>
+                  <a:tcPr marL="9525" marR="9525" marT="9525" marB="0" anchor="b"/>
+                </a:tc>
+              </a:tr>
+              <a:tr h="249846">
+                <a:tc>
+                  <a:txBody>
+                    <a:bodyPr/>
+                    <a:lstStyle/>
+                    <a:p>
+                      <a:pPr algn="ctr" fontAlgn="b"/>
+                      <a:r>
+                        <a:rPr lang="en-US" dirty="0" smtClean="0">
+                          <a:solidFill>
+                            <a:schemeClr val="tx1"/>
+                          </a:solidFill>
+                        </a:rPr>
+                        <a:t>6 </a:t>
+                      </a:r>
+                      <a:endParaRPr lang="en-US" dirty="0">
+                        <a:solidFill>
+                          <a:schemeClr val="tx1"/>
+                        </a:solidFill>
+                      </a:endParaRPr>
+                    </a:p>
+                  </a:txBody>
+                  <a:tcPr marL="9525" marR="9525" marT="9525" marB="0" anchor="b"/>
+                </a:tc>
+                <a:tc>
+                  <a:txBody>
+                    <a:bodyPr/>
+                    <a:lstStyle/>
+                    <a:p>
+                      <a:pPr algn="ctr" fontAlgn="b"/>
+                      <a:endParaRPr lang="en-US" dirty="0"/>
+                    </a:p>
+                  </a:txBody>
+                  <a:tcPr marL="9525" marR="9525" marT="9525" marB="0" anchor="b"/>
+                </a:tc>
+              </a:tr>
+              <a:tr h="249846">
+                <a:tc>
+                  <a:txBody>
+                    <a:bodyPr/>
+                    <a:lstStyle/>
+                    <a:p>
+                      <a:pPr algn="ctr" fontAlgn="b"/>
+                      <a:r>
+                        <a:rPr lang="en-US" dirty="0" smtClean="0">
+                          <a:solidFill>
+                            <a:schemeClr val="tx1"/>
+                          </a:solidFill>
+                        </a:rPr>
+                        <a:t>7</a:t>
+                      </a:r>
+                      <a:endParaRPr lang="en-US" dirty="0">
+                        <a:solidFill>
+                          <a:schemeClr val="tx1"/>
+                        </a:solidFill>
+                      </a:endParaRPr>
+                    </a:p>
+                  </a:txBody>
+                  <a:tcPr marL="9525" marR="9525" marT="9525" marB="0" anchor="b"/>
+                </a:tc>
+                <a:tc>
+                  <a:txBody>
+                    <a:bodyPr/>
+                    <a:lstStyle/>
+                    <a:p>
+                      <a:pPr algn="ctr" fontAlgn="b"/>
+                      <a:endParaRPr lang="en-US" dirty="0"/>
+                    </a:p>
+                  </a:txBody>
+                  <a:tcPr marL="9525" marR="9525" marT="9525" marB="0" anchor="b"/>
+                </a:tc>
+              </a:tr>
+            </a:tbl>
+          </a:graphicData>
+        </a:graphic>
+      </p:graphicFrame>
+      <p:graphicFrame>
+        <p:nvGraphicFramePr>
+          <p:cNvPr id="17" name="Table 8"/>
+          <p:cNvGraphicFramePr>
+            <a:graphicFrameLocks noGrp="1"/>
+          </p:cNvGraphicFramePr>
+          <p:nvPr>
+            <p:extLst>
+              <p:ext uri="{D42A27DB-BD31-4B8C-83A1-F6EECF244321}">
+                <p14:modId xmlns:p14="http://schemas.microsoft.com/office/powerpoint/2010/main" val="4174292406"/>
+              </p:ext>
+            </p:extLst>
+          </p:nvPr>
+        </p:nvGraphicFramePr>
+        <p:xfrm>
+          <a:off x="2371558" y="2251239"/>
+          <a:ext cx="2326104" cy="1501140"/>
+        </p:xfrm>
+        <a:graphic>
+          <a:graphicData uri="http://schemas.openxmlformats.org/drawingml/2006/table">
+            <a:tbl>
+              <a:tblPr firstRow="1" bandRow="1">
+                <a:tableStyleId>{5C22544A-7EE6-4342-B048-85BDC9FD1C3A}</a:tableStyleId>
+              </a:tblPr>
+              <a:tblGrid>
+                <a:gridCol w="1163052"/>
+                <a:gridCol w="1163052"/>
+              </a:tblGrid>
+              <a:tr h="249846">
+                <a:tc>
+                  <a:txBody>
+                    <a:bodyPr/>
+                    <a:lstStyle/>
+                    <a:p>
+                      <a:pPr algn="ctr"/>
+                      <a:r>
+                        <a:rPr lang="en-US" dirty="0" smtClean="0"/>
+                        <a:t>T2 C1</a:t>
+                      </a:r>
+                      <a:endParaRPr lang="en-US" dirty="0"/>
+                    </a:p>
+                  </a:txBody>
+                  <a:tcPr/>
+                </a:tc>
+                <a:tc>
+                  <a:txBody>
+                    <a:bodyPr/>
+                    <a:lstStyle/>
+                    <a:p>
+                      <a:pPr algn="ctr"/>
+                      <a:r>
+                        <a:rPr lang="en-US" dirty="0" smtClean="0">
+                          <a:solidFill>
+                            <a:schemeClr val="bg1"/>
+                          </a:solidFill>
+                        </a:rPr>
+                        <a:t>T2 C2</a:t>
+                      </a:r>
+                      <a:endParaRPr lang="en-US" dirty="0">
+                        <a:solidFill>
+                          <a:schemeClr val="bg1"/>
+                        </a:solidFill>
+                      </a:endParaRPr>
+                    </a:p>
+                  </a:txBody>
+                  <a:tcPr/>
+                </a:tc>
+              </a:tr>
+              <a:tr h="249846">
+                <a:tc>
+                  <a:txBody>
+                    <a:bodyPr/>
+                    <a:lstStyle/>
+                    <a:p>
+                      <a:pPr algn="ctr" fontAlgn="b"/>
+                      <a:r>
+                        <a:rPr lang="en-US" dirty="0" smtClean="0"/>
+                        <a:t>2</a:t>
+                      </a:r>
+                      <a:endParaRPr lang="en-US" dirty="0"/>
+                    </a:p>
+                  </a:txBody>
+                  <a:tcPr marL="9525" marR="9525" marT="9525" marB="0" anchor="b"/>
+                </a:tc>
+                <a:tc>
+                  <a:txBody>
+                    <a:bodyPr/>
+                    <a:lstStyle/>
+                    <a:p>
+                      <a:pPr algn="ctr" fontAlgn="b"/>
+                      <a:r>
+                        <a:rPr lang="en-US" dirty="0" smtClean="0">
+                          <a:solidFill>
+                            <a:schemeClr val="tx1"/>
+                          </a:solidFill>
+                        </a:rPr>
+                        <a:t>1</a:t>
+                      </a:r>
+                      <a:endParaRPr lang="en-US" dirty="0">
+                        <a:solidFill>
+                          <a:schemeClr val="tx1"/>
+                        </a:solidFill>
+                      </a:endParaRPr>
+                    </a:p>
+                  </a:txBody>
+                  <a:tcPr marL="9525" marR="9525" marT="9525" marB="0" anchor="b"/>
+                </a:tc>
+              </a:tr>
+              <a:tr h="249846">
+                <a:tc>
+                  <a:txBody>
+                    <a:bodyPr/>
+                    <a:lstStyle/>
+                    <a:p>
+                      <a:pPr algn="ctr" fontAlgn="b"/>
+                      <a:r>
+                        <a:rPr lang="en-US" dirty="0" smtClean="0"/>
+                        <a:t>4</a:t>
+                      </a:r>
+                      <a:endParaRPr lang="en-US" dirty="0"/>
+                    </a:p>
+                  </a:txBody>
+                  <a:tcPr marL="9525" marR="9525" marT="9525" marB="0" anchor="b"/>
+                </a:tc>
+                <a:tc>
+                  <a:txBody>
+                    <a:bodyPr/>
+                    <a:lstStyle/>
+                    <a:p>
+                      <a:pPr algn="ctr" fontAlgn="b"/>
+                      <a:r>
+                        <a:rPr lang="en-US" dirty="0" smtClean="0">
+                          <a:solidFill>
+                            <a:schemeClr val="tx1"/>
+                          </a:solidFill>
+                        </a:rPr>
+                        <a:t>4</a:t>
+                      </a:r>
+                      <a:endParaRPr lang="en-US" dirty="0">
+                        <a:solidFill>
+                          <a:schemeClr val="tx1"/>
+                        </a:solidFill>
+                      </a:endParaRPr>
+                    </a:p>
+                  </a:txBody>
+                  <a:tcPr marL="9525" marR="9525" marT="9525" marB="0" anchor="b"/>
+                </a:tc>
+              </a:tr>
+              <a:tr h="249846">
+                <a:tc>
+                  <a:txBody>
+                    <a:bodyPr/>
+                    <a:lstStyle/>
+                    <a:p>
+                      <a:pPr algn="ctr" fontAlgn="b"/>
+                      <a:r>
+                        <a:rPr lang="en-US" dirty="0" smtClean="0"/>
+                        <a:t>5</a:t>
+                      </a:r>
+                      <a:endParaRPr lang="en-US" dirty="0"/>
+                    </a:p>
+                  </a:txBody>
+                  <a:tcPr marL="9525" marR="9525" marT="9525" marB="0" anchor="b"/>
+                </a:tc>
+                <a:tc>
+                  <a:txBody>
+                    <a:bodyPr/>
+                    <a:lstStyle/>
+                    <a:p>
+                      <a:pPr algn="ctr" fontAlgn="b"/>
+                      <a:r>
+                        <a:rPr lang="en-US" dirty="0" smtClean="0">
+                          <a:solidFill>
+                            <a:schemeClr val="tx1"/>
+                          </a:solidFill>
+                        </a:rPr>
+                        <a:t>6</a:t>
+                      </a:r>
+                      <a:endParaRPr lang="en-US" dirty="0">
+                        <a:solidFill>
+                          <a:schemeClr val="tx1"/>
+                        </a:solidFill>
+                      </a:endParaRPr>
+                    </a:p>
+                  </a:txBody>
+                  <a:tcPr marL="9525" marR="9525" marT="9525" marB="0" anchor="b"/>
+                </a:tc>
+              </a:tr>
+              <a:tr h="249846">
+                <a:tc>
+                  <a:txBody>
+                    <a:bodyPr/>
+                    <a:lstStyle/>
+                    <a:p>
+                      <a:pPr algn="ctr" fontAlgn="b"/>
+                      <a:endParaRPr lang="en-US" dirty="0"/>
+                    </a:p>
+                  </a:txBody>
+                  <a:tcPr marL="9525" marR="9525" marT="9525" marB="0" anchor="b"/>
+                </a:tc>
+                <a:tc>
+                  <a:txBody>
+                    <a:bodyPr/>
+                    <a:lstStyle/>
+                    <a:p>
+                      <a:pPr algn="ctr" fontAlgn="b"/>
+                      <a:endParaRPr lang="en-US" dirty="0">
+                        <a:solidFill>
+                          <a:schemeClr val="tx1"/>
+                        </a:solidFill>
+                      </a:endParaRPr>
+                    </a:p>
+                  </a:txBody>
+                  <a:tcPr marL="9525" marR="9525" marT="9525" marB="0" anchor="b"/>
+                </a:tc>
+              </a:tr>
+            </a:tbl>
+          </a:graphicData>
+        </a:graphic>
+      </p:graphicFrame>
+      <p:sp>
+        <p:nvSpPr>
+          <p:cNvPr id="18" name="Rounded Rectangle 17"/>
+          <p:cNvSpPr/>
+          <p:nvPr/>
+        </p:nvSpPr>
+        <p:spPr bwMode="auto">
+          <a:xfrm>
+            <a:off x="3569366" y="2005263"/>
+            <a:ext cx="1136316" cy="2045369"/>
+          </a:xfrm>
+          <a:prstGeom prst="roundRect">
+            <a:avLst/>
+          </a:prstGeom>
+          <a:noFill/>
+          <a:ln w="101600" cap="flat" cmpd="sng" algn="ctr">
+            <a:solidFill>
+              <a:srgbClr val="3366FF"/>
+            </a:solidFill>
+            <a:prstDash val="solid"/>
+            <a:round/>
+            <a:headEnd type="none" w="med" len="med"/>
+            <a:tailEnd type="none" w="med" len="med"/>
+          </a:ln>
+          <a:effectLst/>
+        </p:spPr>
+        <p:txBody>
+          <a:bodyPr/>
+          <a:lstStyle/>
+          <a:p>
+            <a:endParaRPr lang="en-US"/>
+          </a:p>
+        </p:txBody>
+      </p:sp>
+      <p:sp>
+        <p:nvSpPr>
+          <p:cNvPr id="19" name="Rounded Rectangle 18"/>
+          <p:cNvSpPr/>
+          <p:nvPr/>
+        </p:nvSpPr>
+        <p:spPr bwMode="auto">
+          <a:xfrm>
+            <a:off x="5058613" y="2010610"/>
+            <a:ext cx="1136316" cy="2045369"/>
+          </a:xfrm>
+          <a:prstGeom prst="roundRect">
+            <a:avLst/>
+          </a:prstGeom>
+          <a:noFill/>
+          <a:ln w="101600" cap="flat" cmpd="sng" algn="ctr">
+            <a:solidFill>
+              <a:srgbClr val="3366FF"/>
+            </a:solidFill>
+            <a:prstDash val="solid"/>
+            <a:round/>
+            <a:headEnd type="none" w="med" len="med"/>
+            <a:tailEnd type="none" w="med" len="med"/>
+          </a:ln>
+          <a:effectLst/>
+        </p:spPr>
+        <p:txBody>
+          <a:bodyPr/>
+          <a:lstStyle/>
+          <a:p>
+            <a:endParaRPr lang="en-US"/>
+          </a:p>
+        </p:txBody>
+      </p:sp>
+      <p:cxnSp>
+        <p:nvCxnSpPr>
+          <p:cNvPr id="20" name="Straight Connector 19"/>
+          <p:cNvCxnSpPr/>
+          <p:nvPr/>
+        </p:nvCxnSpPr>
+        <p:spPr bwMode="auto">
+          <a:xfrm>
+            <a:off x="3326886" y="2780928"/>
+            <a:ext cx="702489" cy="628"/>
+          </a:xfrm>
+          <a:prstGeom prst="line">
+            <a:avLst/>
+          </a:prstGeom>
+          <a:solidFill>
+            <a:schemeClr val="accent1"/>
+          </a:solidFill>
+          <a:ln w="76200" cap="flat" cmpd="sng" algn="ctr">
+            <a:solidFill>
+              <a:srgbClr val="3366FF"/>
+            </a:solidFill>
+            <a:prstDash val="solid"/>
+            <a:round/>
+            <a:headEnd type="none" w="med" len="med"/>
+            <a:tailEnd type="triangle" w="lg"/>
+          </a:ln>
+          <a:effectLst/>
+        </p:spPr>
+      </p:cxnSp>
+      <p:cxnSp>
+        <p:nvCxnSpPr>
+          <p:cNvPr id="21" name="Straight Connector 20"/>
+          <p:cNvCxnSpPr/>
+          <p:nvPr/>
+        </p:nvCxnSpPr>
+        <p:spPr bwMode="auto">
+          <a:xfrm>
+            <a:off x="4842865" y="2786275"/>
+            <a:ext cx="702489" cy="628"/>
+          </a:xfrm>
+          <a:prstGeom prst="line">
+            <a:avLst/>
+          </a:prstGeom>
+          <a:solidFill>
+            <a:schemeClr val="accent1"/>
+          </a:solidFill>
+          <a:ln w="76200" cap="flat" cmpd="sng" algn="ctr">
+            <a:solidFill>
+              <a:srgbClr val="3366FF"/>
+            </a:solidFill>
+            <a:prstDash val="solid"/>
+            <a:round/>
+            <a:headEnd type="none" w="med" len="med"/>
+            <a:tailEnd type="triangle" w="lg"/>
+          </a:ln>
+          <a:effectLst/>
+        </p:spPr>
+      </p:cxnSp>
+      <p:sp>
+        <p:nvSpPr>
+          <p:cNvPr id="22" name="Content Placeholder 2"/>
+          <p:cNvSpPr>
+            <a:spLocks noGrp="1"/>
+          </p:cNvSpPr>
+          <p:nvPr>
+            <p:ph idx="1"/>
+          </p:nvPr>
+        </p:nvSpPr>
+        <p:spPr>
+          <a:xfrm>
+            <a:off x="719138" y="4531895"/>
+            <a:ext cx="8174037" cy="1992730"/>
+          </a:xfrm>
+        </p:spPr>
+        <p:txBody>
+          <a:bodyPr/>
+          <a:lstStyle/>
+          <a:p>
+            <a:pPr marL="285750" indent="-285750">
+              <a:buFont typeface="Arial"/>
+              <a:buChar char="•"/>
+            </a:pPr>
+            <a:r>
+              <a:rPr lang="en-US" dirty="0" smtClean="0"/>
+              <a:t>iterator on the right goes down until</a:t>
+            </a:r>
+          </a:p>
+          <a:p>
+            <a:pPr marL="731838" lvl="1" indent="-285750">
+              <a:buFont typeface="Arial"/>
+              <a:buChar char="•"/>
+            </a:pPr>
+            <a:r>
+              <a:rPr lang="en-US" dirty="0" smtClean="0"/>
+              <a:t>case 1: (left number == right number)</a:t>
+            </a:r>
+          </a:p>
+          <a:p>
+            <a:pPr marL="1179513" lvl="2" indent="-285750">
+              <a:buFont typeface="Arial"/>
+              <a:buChar char="•"/>
+            </a:pPr>
+            <a:r>
+              <a:rPr lang="en-US" dirty="0" smtClean="0"/>
+              <a:t>left iterator increased (algorithm proceeds)</a:t>
+            </a:r>
+          </a:p>
+          <a:p>
+            <a:pPr marL="731838" lvl="1" indent="-285750">
+              <a:buFont typeface="Arial"/>
+              <a:buChar char="•"/>
+            </a:pPr>
+            <a:r>
+              <a:rPr lang="en-US" dirty="0" smtClean="0"/>
+              <a:t>case 2: (right number &gt; left number)</a:t>
+            </a:r>
+          </a:p>
+          <a:p>
+            <a:pPr marL="1179513" lvl="2" indent="-285750">
+              <a:buFont typeface="Arial"/>
+              <a:buChar char="•"/>
+            </a:pPr>
+            <a:r>
+              <a:rPr lang="en-US" dirty="0" smtClean="0"/>
+              <a:t>no IND (algorithm stops)</a:t>
+            </a:r>
+          </a:p>
+        </p:txBody>
+      </p:sp>
+    </p:spTree>
+    <p:extLst>
+      <p:ext uri="{BB962C8B-B14F-4D97-AF65-F5344CB8AC3E}">
+        <p14:creationId xmlns:p14="http://schemas.microsoft.com/office/powerpoint/2010/main" val="3942872229"/>
+      </p:ext>
+    </p:extLst>
+  </p:cSld>
+  <p:clrMapOvr>
+    <a:masterClrMapping/>
+  </p:clrMapOvr>
+</p:sld>
+</file>
+
+<file path=ppt/slides/slide11.xml><?xml version="1.0" encoding="utf-8"?>
+<p:sld xmlns:a="http://schemas.openxmlformats.org/drawingml/2006/main" xmlns:r="http://schemas.openxmlformats.org/officeDocument/2006/relationships" xmlns:p="http://schemas.openxmlformats.org/presentationml/2006/main">
+  <p:cSld>
+    <p:spTree>
+      <p:nvGrpSpPr>
+        <p:cNvPr id="1" name=""/>
+        <p:cNvGrpSpPr/>
+        <p:nvPr/>
+      </p:nvGrpSpPr>
+      <p:grpSpPr>
+        <a:xfrm>
+          <a:off x="0" y="0"/>
+          <a:ext cx="0" cy="0"/>
+          <a:chOff x="0" y="0"/>
+          <a:chExt cx="0" cy="0"/>
+        </a:xfrm>
+      </p:grpSpPr>
+      <p:sp>
+        <p:nvSpPr>
+          <p:cNvPr id="4" name="Footer Placeholder 3"/>
+          <p:cNvSpPr>
+            <a:spLocks noGrp="1"/>
+          </p:cNvSpPr>
+          <p:nvPr>
+            <p:ph type="ftr" sz="quarter" idx="10"/>
+          </p:nvPr>
+        </p:nvSpPr>
+        <p:spPr/>
+        <p:txBody>
+          <a:bodyPr/>
+          <a:lstStyle/>
+          <a:p>
+            <a:r>
+              <a:rPr lang="de-DE" smtClean="0"/>
+              <a:t>DPDC – Assignment 1 | Christoph Oehlke, Markus Hinsche | May 16, 2013 </a:t>
+            </a:r>
+            <a:endParaRPr lang="de-DE"/>
+          </a:p>
+        </p:txBody>
+      </p:sp>
+      <p:sp>
+        <p:nvSpPr>
+          <p:cNvPr id="5" name="Slide Number Placeholder 4"/>
+          <p:cNvSpPr>
+            <a:spLocks noGrp="1"/>
+          </p:cNvSpPr>
+          <p:nvPr>
+            <p:ph type="sldNum" sz="quarter" idx="11"/>
+          </p:nvPr>
+        </p:nvSpPr>
+        <p:spPr/>
+        <p:txBody>
+          <a:bodyPr/>
+          <a:lstStyle/>
+          <a:p>
+            <a:fld id="{0C6113F6-D982-4F1F-82B4-AFA466AB9AFB}" type="slidenum">
+              <a:rPr lang="de-DE" smtClean="0"/>
+              <a:pPr/>
+              <a:t>11</a:t>
+            </a:fld>
+            <a:endParaRPr lang="de-DE"/>
+          </a:p>
+        </p:txBody>
+      </p:sp>
+      <p:sp>
+        <p:nvSpPr>
+          <p:cNvPr id="9" name="Title 1"/>
+          <p:cNvSpPr>
+            <a:spLocks noGrp="1"/>
+          </p:cNvSpPr>
+          <p:nvPr>
+            <p:ph type="title"/>
+          </p:nvPr>
+        </p:nvSpPr>
+        <p:spPr>
+          <a:xfrm>
+            <a:off x="787400" y="0"/>
+            <a:ext cx="6243638" cy="1008063"/>
+          </a:xfrm>
+        </p:spPr>
+        <p:txBody>
+          <a:bodyPr/>
+          <a:lstStyle/>
+          <a:p>
+            <a:r>
+              <a:rPr lang="en-US" dirty="0" smtClean="0"/>
+              <a:t>INDS core algorithm – case 2 – IND</a:t>
+            </a:r>
+            <a:endParaRPr lang="en-US" dirty="0"/>
+          </a:p>
+        </p:txBody>
+      </p:sp>
+      <p:graphicFrame>
+        <p:nvGraphicFramePr>
+          <p:cNvPr id="16" name="Table 8"/>
+          <p:cNvGraphicFramePr>
+            <a:graphicFrameLocks noGrp="1"/>
+          </p:cNvGraphicFramePr>
+          <p:nvPr>
+            <p:extLst>
+              <p:ext uri="{D42A27DB-BD31-4B8C-83A1-F6EECF244321}">
+                <p14:modId xmlns:p14="http://schemas.microsoft.com/office/powerpoint/2010/main" val="1111823114"/>
+              </p:ext>
+            </p:extLst>
+          </p:nvPr>
+        </p:nvGraphicFramePr>
+        <p:xfrm>
+          <a:off x="5014249" y="2245892"/>
+          <a:ext cx="2326104" cy="1784985"/>
+        </p:xfrm>
+        <a:graphic>
+          <a:graphicData uri="http://schemas.openxmlformats.org/drawingml/2006/table">
+            <a:tbl>
+              <a:tblPr firstRow="1" bandRow="1">
+                <a:tableStyleId>{5C22544A-7EE6-4342-B048-85BDC9FD1C3A}</a:tableStyleId>
+              </a:tblPr>
+              <a:tblGrid>
+                <a:gridCol w="1163052"/>
+                <a:gridCol w="1163052"/>
+              </a:tblGrid>
+              <a:tr h="249846">
+                <a:tc>
+                  <a:txBody>
+                    <a:bodyPr/>
+                    <a:lstStyle/>
+                    <a:p>
+                      <a:pPr algn="ctr"/>
+                      <a:r>
+                        <a:rPr lang="en-US" dirty="0" smtClean="0">
+                          <a:solidFill>
+                            <a:srgbClr val="FFFFFF"/>
+                          </a:solidFill>
+                        </a:rPr>
+                        <a:t>T1 C1</a:t>
+                      </a:r>
+                      <a:endParaRPr lang="en-US" dirty="0">
+                        <a:solidFill>
+                          <a:srgbClr val="FFFFFF"/>
+                        </a:solidFill>
+                      </a:endParaRPr>
+                    </a:p>
+                  </a:txBody>
+                  <a:tcPr/>
+                </a:tc>
+                <a:tc>
+                  <a:txBody>
+                    <a:bodyPr/>
+                    <a:lstStyle/>
+                    <a:p>
+                      <a:pPr algn="ctr"/>
+                      <a:r>
+                        <a:rPr lang="en-US" dirty="0" smtClean="0"/>
+                        <a:t>T1 C2</a:t>
+                      </a:r>
+                      <a:endParaRPr lang="en-US" dirty="0"/>
+                    </a:p>
+                  </a:txBody>
+                  <a:tcPr/>
+                </a:tc>
+              </a:tr>
+              <a:tr h="249846">
+                <a:tc>
+                  <a:txBody>
+                    <a:bodyPr/>
+                    <a:lstStyle/>
+                    <a:p>
+                      <a:pPr algn="ctr" fontAlgn="b"/>
+                      <a:r>
+                        <a:rPr lang="en-US" dirty="0" smtClean="0">
+                          <a:solidFill>
+                            <a:schemeClr val="tx1"/>
+                          </a:solidFill>
+                        </a:rPr>
+                        <a:t>1</a:t>
+                      </a:r>
+                      <a:endParaRPr lang="en-US" dirty="0">
+                        <a:solidFill>
+                          <a:schemeClr val="tx1"/>
+                        </a:solidFill>
+                      </a:endParaRPr>
+                    </a:p>
+                  </a:txBody>
+                  <a:tcPr marL="9525" marR="9525" marT="9525" marB="0" anchor="b"/>
+                </a:tc>
+                <a:tc>
+                  <a:txBody>
+                    <a:bodyPr/>
+                    <a:lstStyle/>
+                    <a:p>
+                      <a:pPr algn="ctr" fontAlgn="b"/>
+                      <a:r>
+                        <a:rPr lang="en-US" dirty="0" smtClean="0"/>
+                        <a:t>2</a:t>
+                      </a:r>
+                      <a:endParaRPr lang="en-US" dirty="0"/>
+                    </a:p>
+                  </a:txBody>
+                  <a:tcPr marL="9525" marR="9525" marT="9525" marB="0" anchor="b"/>
+                </a:tc>
+              </a:tr>
+              <a:tr h="249846">
+                <a:tc>
+                  <a:txBody>
+                    <a:bodyPr/>
+                    <a:lstStyle/>
+                    <a:p>
+                      <a:pPr algn="ctr" fontAlgn="b"/>
+                      <a:r>
+                        <a:rPr lang="en-US" dirty="0" smtClean="0">
+                          <a:solidFill>
+                            <a:schemeClr val="tx1"/>
+                          </a:solidFill>
+                        </a:rPr>
+                        <a:t>3</a:t>
+                      </a:r>
+                      <a:endParaRPr lang="en-US" dirty="0">
+                        <a:solidFill>
+                          <a:schemeClr val="tx1"/>
+                        </a:solidFill>
+                      </a:endParaRPr>
+                    </a:p>
+                  </a:txBody>
+                  <a:tcPr marL="9525" marR="9525" marT="9525" marB="0" anchor="b"/>
+                </a:tc>
+                <a:tc>
+                  <a:txBody>
+                    <a:bodyPr/>
+                    <a:lstStyle/>
+                    <a:p>
+                      <a:pPr algn="ctr" fontAlgn="b"/>
+                      <a:r>
+                        <a:rPr lang="en-US" dirty="0" smtClean="0"/>
+                        <a:t>5</a:t>
+                      </a:r>
+                      <a:endParaRPr lang="en-US" dirty="0"/>
+                    </a:p>
+                  </a:txBody>
+                  <a:tcPr marL="9525" marR="9525" marT="9525" marB="0" anchor="b"/>
+                </a:tc>
+              </a:tr>
+              <a:tr h="249846">
+                <a:tc>
+                  <a:txBody>
+                    <a:bodyPr/>
+                    <a:lstStyle/>
+                    <a:p>
+                      <a:pPr algn="ctr" fontAlgn="b"/>
+                      <a:r>
+                        <a:rPr lang="en-US" dirty="0" smtClean="0">
+                          <a:solidFill>
+                            <a:schemeClr val="tx1"/>
+                          </a:solidFill>
+                        </a:rPr>
+                        <a:t>4</a:t>
+                      </a:r>
+                      <a:endParaRPr lang="en-US" dirty="0">
+                        <a:solidFill>
+                          <a:schemeClr val="tx1"/>
+                        </a:solidFill>
+                      </a:endParaRPr>
+                    </a:p>
+                  </a:txBody>
+                  <a:tcPr marL="9525" marR="9525" marT="9525" marB="0" anchor="b"/>
+                </a:tc>
+                <a:tc>
+                  <a:txBody>
+                    <a:bodyPr/>
+                    <a:lstStyle/>
+                    <a:p>
+                      <a:pPr algn="ctr" fontAlgn="b"/>
+                      <a:r>
+                        <a:rPr lang="en-US" dirty="0" smtClean="0"/>
+                        <a:t>8</a:t>
+                      </a:r>
+                      <a:endParaRPr lang="en-US" dirty="0"/>
+                    </a:p>
+                  </a:txBody>
+                  <a:tcPr marL="9525" marR="9525" marT="9525" marB="0" anchor="b"/>
+                </a:tc>
+              </a:tr>
+              <a:tr h="249846">
+                <a:tc>
+                  <a:txBody>
+                    <a:bodyPr/>
+                    <a:lstStyle/>
+                    <a:p>
+                      <a:pPr algn="ctr" fontAlgn="b"/>
+                      <a:r>
+                        <a:rPr lang="en-US" dirty="0" smtClean="0">
+                          <a:solidFill>
+                            <a:schemeClr val="tx1"/>
+                          </a:solidFill>
+                        </a:rPr>
+                        <a:t>6 </a:t>
+                      </a:r>
+                      <a:endParaRPr lang="en-US" dirty="0">
+                        <a:solidFill>
+                          <a:schemeClr val="tx1"/>
+                        </a:solidFill>
+                      </a:endParaRPr>
+                    </a:p>
+                  </a:txBody>
+                  <a:tcPr marL="9525" marR="9525" marT="9525" marB="0" anchor="b"/>
+                </a:tc>
+                <a:tc>
+                  <a:txBody>
+                    <a:bodyPr/>
+                    <a:lstStyle/>
+                    <a:p>
+                      <a:pPr algn="ctr" fontAlgn="b"/>
+                      <a:endParaRPr lang="en-US" dirty="0"/>
+                    </a:p>
+                  </a:txBody>
+                  <a:tcPr marL="9525" marR="9525" marT="9525" marB="0" anchor="b"/>
+                </a:tc>
+              </a:tr>
+              <a:tr h="249846">
+                <a:tc>
+                  <a:txBody>
+                    <a:bodyPr/>
+                    <a:lstStyle/>
+                    <a:p>
+                      <a:pPr algn="ctr" fontAlgn="b"/>
+                      <a:r>
+                        <a:rPr lang="en-US" dirty="0" smtClean="0">
+                          <a:solidFill>
+                            <a:schemeClr val="tx1"/>
+                          </a:solidFill>
+                        </a:rPr>
+                        <a:t>7</a:t>
+                      </a:r>
+                      <a:endParaRPr lang="en-US" dirty="0">
+                        <a:solidFill>
+                          <a:schemeClr val="tx1"/>
+                        </a:solidFill>
+                      </a:endParaRPr>
+                    </a:p>
+                  </a:txBody>
+                  <a:tcPr marL="9525" marR="9525" marT="9525" marB="0" anchor="b"/>
+                </a:tc>
+                <a:tc>
+                  <a:txBody>
+                    <a:bodyPr/>
+                    <a:lstStyle/>
+                    <a:p>
+                      <a:pPr algn="ctr" fontAlgn="b"/>
+                      <a:endParaRPr lang="en-US" dirty="0"/>
+                    </a:p>
+                  </a:txBody>
+                  <a:tcPr marL="9525" marR="9525" marT="9525" marB="0" anchor="b"/>
+                </a:tc>
+              </a:tr>
+            </a:tbl>
+          </a:graphicData>
+        </a:graphic>
+      </p:graphicFrame>
+      <p:graphicFrame>
+        <p:nvGraphicFramePr>
+          <p:cNvPr id="17" name="Table 8"/>
+          <p:cNvGraphicFramePr>
+            <a:graphicFrameLocks noGrp="1"/>
+          </p:cNvGraphicFramePr>
+          <p:nvPr>
+            <p:extLst>
+              <p:ext uri="{D42A27DB-BD31-4B8C-83A1-F6EECF244321}">
+                <p14:modId xmlns:p14="http://schemas.microsoft.com/office/powerpoint/2010/main" val="1568584065"/>
+              </p:ext>
+            </p:extLst>
+          </p:nvPr>
+        </p:nvGraphicFramePr>
+        <p:xfrm>
+          <a:off x="2371558" y="2251239"/>
+          <a:ext cx="2326104" cy="1501140"/>
+        </p:xfrm>
+        <a:graphic>
+          <a:graphicData uri="http://schemas.openxmlformats.org/drawingml/2006/table">
+            <a:tbl>
+              <a:tblPr firstRow="1" bandRow="1">
+                <a:tableStyleId>{5C22544A-7EE6-4342-B048-85BDC9FD1C3A}</a:tableStyleId>
+              </a:tblPr>
+              <a:tblGrid>
+                <a:gridCol w="1163052"/>
+                <a:gridCol w="1163052"/>
+              </a:tblGrid>
+              <a:tr h="249846">
+                <a:tc>
+                  <a:txBody>
+                    <a:bodyPr/>
+                    <a:lstStyle/>
+                    <a:p>
+                      <a:pPr algn="ctr"/>
+                      <a:r>
+                        <a:rPr lang="en-US" dirty="0" smtClean="0"/>
+                        <a:t>T2 C1</a:t>
+                      </a:r>
+                      <a:endParaRPr lang="en-US" dirty="0"/>
+                    </a:p>
+                  </a:txBody>
+                  <a:tcPr/>
+                </a:tc>
+                <a:tc>
+                  <a:txBody>
+                    <a:bodyPr/>
+                    <a:lstStyle/>
+                    <a:p>
+                      <a:pPr algn="ctr"/>
+                      <a:r>
+                        <a:rPr lang="en-US" dirty="0" smtClean="0">
+                          <a:solidFill>
+                            <a:schemeClr val="bg1"/>
+                          </a:solidFill>
+                        </a:rPr>
+                        <a:t>T2 C2</a:t>
+                      </a:r>
+                      <a:endParaRPr lang="en-US" dirty="0">
+                        <a:solidFill>
+                          <a:schemeClr val="bg1"/>
+                        </a:solidFill>
+                      </a:endParaRPr>
+                    </a:p>
+                  </a:txBody>
+                  <a:tcPr/>
+                </a:tc>
+              </a:tr>
+              <a:tr h="249846">
+                <a:tc>
+                  <a:txBody>
+                    <a:bodyPr/>
+                    <a:lstStyle/>
+                    <a:p>
+                      <a:pPr algn="ctr" fontAlgn="b"/>
+                      <a:r>
+                        <a:rPr lang="en-US" dirty="0" smtClean="0"/>
+                        <a:t>2</a:t>
+                      </a:r>
+                      <a:endParaRPr lang="en-US" dirty="0"/>
+                    </a:p>
+                  </a:txBody>
+                  <a:tcPr marL="9525" marR="9525" marT="9525" marB="0" anchor="b"/>
+                </a:tc>
+                <a:tc>
+                  <a:txBody>
+                    <a:bodyPr/>
+                    <a:lstStyle/>
+                    <a:p>
+                      <a:pPr algn="ctr" fontAlgn="b"/>
+                      <a:r>
+                        <a:rPr lang="en-US" dirty="0" smtClean="0">
+                          <a:solidFill>
+                            <a:schemeClr val="tx1"/>
+                          </a:solidFill>
+                        </a:rPr>
+                        <a:t>1</a:t>
+                      </a:r>
+                      <a:endParaRPr lang="en-US" dirty="0">
+                        <a:solidFill>
+                          <a:schemeClr val="tx1"/>
+                        </a:solidFill>
+                      </a:endParaRPr>
+                    </a:p>
+                  </a:txBody>
+                  <a:tcPr marL="9525" marR="9525" marT="9525" marB="0" anchor="b"/>
+                </a:tc>
+              </a:tr>
+              <a:tr h="249846">
+                <a:tc>
+                  <a:txBody>
+                    <a:bodyPr/>
+                    <a:lstStyle/>
+                    <a:p>
+                      <a:pPr algn="ctr" fontAlgn="b"/>
+                      <a:r>
+                        <a:rPr lang="en-US" dirty="0" smtClean="0"/>
+                        <a:t>4</a:t>
+                      </a:r>
+                      <a:endParaRPr lang="en-US" dirty="0"/>
+                    </a:p>
+                  </a:txBody>
+                  <a:tcPr marL="9525" marR="9525" marT="9525" marB="0" anchor="b"/>
+                </a:tc>
+                <a:tc>
+                  <a:txBody>
+                    <a:bodyPr/>
+                    <a:lstStyle/>
+                    <a:p>
+                      <a:pPr algn="ctr" fontAlgn="b"/>
+                      <a:r>
+                        <a:rPr lang="en-US" dirty="0" smtClean="0">
+                          <a:solidFill>
+                            <a:schemeClr val="tx1"/>
+                          </a:solidFill>
+                        </a:rPr>
+                        <a:t>4</a:t>
+                      </a:r>
+                      <a:endParaRPr lang="en-US" dirty="0">
+                        <a:solidFill>
+                          <a:schemeClr val="tx1"/>
+                        </a:solidFill>
+                      </a:endParaRPr>
+                    </a:p>
+                  </a:txBody>
+                  <a:tcPr marL="9525" marR="9525" marT="9525" marB="0" anchor="b"/>
+                </a:tc>
+              </a:tr>
+              <a:tr h="249846">
+                <a:tc>
+                  <a:txBody>
+                    <a:bodyPr/>
+                    <a:lstStyle/>
+                    <a:p>
+                      <a:pPr algn="ctr" fontAlgn="b"/>
+                      <a:r>
+                        <a:rPr lang="en-US" dirty="0" smtClean="0"/>
+                        <a:t>5</a:t>
+                      </a:r>
+                      <a:endParaRPr lang="en-US" dirty="0"/>
+                    </a:p>
+                  </a:txBody>
+                  <a:tcPr marL="9525" marR="9525" marT="9525" marB="0" anchor="b"/>
+                </a:tc>
+                <a:tc>
+                  <a:txBody>
+                    <a:bodyPr/>
+                    <a:lstStyle/>
+                    <a:p>
+                      <a:pPr algn="ctr" fontAlgn="b"/>
+                      <a:r>
+                        <a:rPr lang="en-US" dirty="0" smtClean="0">
+                          <a:solidFill>
+                            <a:schemeClr val="tx1"/>
+                          </a:solidFill>
+                        </a:rPr>
+                        <a:t>6</a:t>
+                      </a:r>
+                      <a:endParaRPr lang="en-US" dirty="0">
+                        <a:solidFill>
+                          <a:schemeClr val="tx1"/>
+                        </a:solidFill>
+                      </a:endParaRPr>
+                    </a:p>
+                  </a:txBody>
+                  <a:tcPr marL="9525" marR="9525" marT="9525" marB="0" anchor="b"/>
+                </a:tc>
+              </a:tr>
+              <a:tr h="249846">
+                <a:tc>
+                  <a:txBody>
+                    <a:bodyPr/>
+                    <a:lstStyle/>
+                    <a:p>
+                      <a:pPr algn="ctr" fontAlgn="b"/>
+                      <a:endParaRPr lang="en-US" dirty="0"/>
+                    </a:p>
+                  </a:txBody>
+                  <a:tcPr marL="9525" marR="9525" marT="9525" marB="0" anchor="b"/>
+                </a:tc>
+                <a:tc>
+                  <a:txBody>
+                    <a:bodyPr/>
+                    <a:lstStyle/>
+                    <a:p>
+                      <a:pPr algn="ctr" fontAlgn="b"/>
+                      <a:endParaRPr lang="en-US" dirty="0">
+                        <a:solidFill>
+                          <a:schemeClr val="tx1"/>
+                        </a:solidFill>
+                      </a:endParaRPr>
+                    </a:p>
+                  </a:txBody>
+                  <a:tcPr marL="9525" marR="9525" marT="9525" marB="0" anchor="b"/>
+                </a:tc>
+              </a:tr>
+            </a:tbl>
+          </a:graphicData>
+        </a:graphic>
+      </p:graphicFrame>
+      <p:sp>
+        <p:nvSpPr>
+          <p:cNvPr id="18" name="Rounded Rectangle 17"/>
+          <p:cNvSpPr/>
+          <p:nvPr/>
+        </p:nvSpPr>
+        <p:spPr bwMode="auto">
+          <a:xfrm>
+            <a:off x="3569366" y="2005263"/>
+            <a:ext cx="1136316" cy="2045369"/>
+          </a:xfrm>
+          <a:prstGeom prst="roundRect">
+            <a:avLst/>
+          </a:prstGeom>
+          <a:noFill/>
+          <a:ln w="101600" cap="flat" cmpd="sng" algn="ctr">
+            <a:solidFill>
+              <a:srgbClr val="3366FF"/>
+            </a:solidFill>
+            <a:prstDash val="solid"/>
+            <a:round/>
+            <a:headEnd type="none" w="med" len="med"/>
+            <a:tailEnd type="none" w="med" len="med"/>
+          </a:ln>
+          <a:effectLst/>
+        </p:spPr>
+        <p:txBody>
+          <a:bodyPr/>
+          <a:lstStyle/>
+          <a:p>
+            <a:endParaRPr lang="en-US"/>
+          </a:p>
+        </p:txBody>
+      </p:sp>
+      <p:sp>
+        <p:nvSpPr>
+          <p:cNvPr id="19" name="Rounded Rectangle 18"/>
+          <p:cNvSpPr/>
+          <p:nvPr/>
+        </p:nvSpPr>
+        <p:spPr bwMode="auto">
+          <a:xfrm>
+            <a:off x="5058613" y="2010610"/>
+            <a:ext cx="1136316" cy="2045369"/>
+          </a:xfrm>
+          <a:prstGeom prst="roundRect">
+            <a:avLst/>
+          </a:prstGeom>
+          <a:noFill/>
+          <a:ln w="101600" cap="flat" cmpd="sng" algn="ctr">
+            <a:solidFill>
+              <a:srgbClr val="3366FF"/>
+            </a:solidFill>
+            <a:prstDash val="solid"/>
+            <a:round/>
+            <a:headEnd type="none" w="med" len="med"/>
+            <a:tailEnd type="none" w="med" len="med"/>
+          </a:ln>
+          <a:effectLst/>
+        </p:spPr>
+        <p:txBody>
+          <a:bodyPr/>
+          <a:lstStyle/>
+          <a:p>
+            <a:endParaRPr lang="en-US"/>
+          </a:p>
+        </p:txBody>
+      </p:sp>
+      <p:cxnSp>
+        <p:nvCxnSpPr>
+          <p:cNvPr id="20" name="Straight Connector 19"/>
+          <p:cNvCxnSpPr/>
+          <p:nvPr/>
+        </p:nvCxnSpPr>
+        <p:spPr bwMode="auto">
+          <a:xfrm>
+            <a:off x="3340254" y="3034928"/>
+            <a:ext cx="702489" cy="628"/>
+          </a:xfrm>
+          <a:prstGeom prst="line">
+            <a:avLst/>
+          </a:prstGeom>
+          <a:solidFill>
+            <a:schemeClr val="accent1"/>
+          </a:solidFill>
+          <a:ln w="76200" cap="flat" cmpd="sng" algn="ctr">
+            <a:solidFill>
+              <a:srgbClr val="3366FF"/>
+            </a:solidFill>
+            <a:prstDash val="solid"/>
+            <a:round/>
+            <a:headEnd type="none" w="med" len="med"/>
+            <a:tailEnd type="triangle" w="lg"/>
+          </a:ln>
+          <a:effectLst/>
+        </p:spPr>
+      </p:cxnSp>
+      <p:cxnSp>
+        <p:nvCxnSpPr>
+          <p:cNvPr id="21" name="Straight Connector 20"/>
+          <p:cNvCxnSpPr/>
+          <p:nvPr/>
+        </p:nvCxnSpPr>
+        <p:spPr bwMode="auto">
+          <a:xfrm>
+            <a:off x="4842865" y="2786275"/>
+            <a:ext cx="702489" cy="628"/>
+          </a:xfrm>
+          <a:prstGeom prst="line">
+            <a:avLst/>
+          </a:prstGeom>
+          <a:solidFill>
+            <a:schemeClr val="accent1"/>
+          </a:solidFill>
+          <a:ln w="76200" cap="flat" cmpd="sng" algn="ctr">
+            <a:solidFill>
+              <a:srgbClr val="3366FF"/>
+            </a:solidFill>
+            <a:prstDash val="solid"/>
+            <a:round/>
+            <a:headEnd type="none" w="med" len="med"/>
+            <a:tailEnd type="triangle" w="lg"/>
+          </a:ln>
+          <a:effectLst/>
+        </p:spPr>
+      </p:cxnSp>
+      <p:sp>
+        <p:nvSpPr>
+          <p:cNvPr id="22" name="Content Placeholder 2"/>
+          <p:cNvSpPr>
+            <a:spLocks noGrp="1"/>
+          </p:cNvSpPr>
+          <p:nvPr>
+            <p:ph idx="1"/>
+          </p:nvPr>
+        </p:nvSpPr>
+        <p:spPr>
+          <a:xfrm>
+            <a:off x="719138" y="4531895"/>
+            <a:ext cx="8174037" cy="1992730"/>
+          </a:xfrm>
+        </p:spPr>
+        <p:txBody>
+          <a:bodyPr/>
+          <a:lstStyle/>
+          <a:p>
+            <a:pPr marL="285750" indent="-285750">
+              <a:buFont typeface="Arial"/>
+              <a:buChar char="•"/>
+            </a:pPr>
+            <a:r>
+              <a:rPr lang="en-US" dirty="0" smtClean="0"/>
+              <a:t>iterator on the right goes down until</a:t>
+            </a:r>
+          </a:p>
+          <a:p>
+            <a:pPr marL="731838" lvl="1" indent="-285750">
+              <a:buFont typeface="Arial"/>
+              <a:buChar char="•"/>
+            </a:pPr>
+            <a:r>
+              <a:rPr lang="en-US" dirty="0" smtClean="0"/>
+              <a:t>case 1: (left number == right number)</a:t>
+            </a:r>
+          </a:p>
+          <a:p>
+            <a:pPr marL="1179513" lvl="2" indent="-285750">
+              <a:buFont typeface="Arial"/>
+              <a:buChar char="•"/>
+            </a:pPr>
+            <a:r>
+              <a:rPr lang="en-US" dirty="0" smtClean="0"/>
+              <a:t>left iterator increased (algorithm proceeds)</a:t>
+            </a:r>
+          </a:p>
+          <a:p>
+            <a:pPr marL="731838" lvl="1" indent="-285750">
+              <a:buFont typeface="Arial"/>
+              <a:buChar char="•"/>
+            </a:pPr>
+            <a:r>
+              <a:rPr lang="en-US" dirty="0" smtClean="0"/>
+              <a:t>case 2: (right number &gt; left number)</a:t>
+            </a:r>
+          </a:p>
+          <a:p>
+            <a:pPr marL="1179513" lvl="2" indent="-285750">
+              <a:buFont typeface="Arial"/>
+              <a:buChar char="•"/>
+            </a:pPr>
+            <a:r>
+              <a:rPr lang="en-US" dirty="0" smtClean="0"/>
+              <a:t>no IND (algorithm stops)</a:t>
+            </a:r>
+          </a:p>
+        </p:txBody>
+      </p:sp>
+    </p:spTree>
+    <p:extLst>
+      <p:ext uri="{BB962C8B-B14F-4D97-AF65-F5344CB8AC3E}">
+        <p14:creationId xmlns:p14="http://schemas.microsoft.com/office/powerpoint/2010/main" val="808613977"/>
+      </p:ext>
+    </p:extLst>
+  </p:cSld>
+  <p:clrMapOvr>
+    <a:masterClrMapping/>
+  </p:clrMapOvr>
+</p:sld>
+</file>
+
+<file path=ppt/slides/slide12.xml><?xml version="1.0" encoding="utf-8"?>
+<p:sld xmlns:a="http://schemas.openxmlformats.org/drawingml/2006/main" xmlns:r="http://schemas.openxmlformats.org/officeDocument/2006/relationships" xmlns:p="http://schemas.openxmlformats.org/presentationml/2006/main">
+  <p:cSld>
+    <p:spTree>
+      <p:nvGrpSpPr>
+        <p:cNvPr id="1" name=""/>
+        <p:cNvGrpSpPr/>
+        <p:nvPr/>
+      </p:nvGrpSpPr>
+      <p:grpSpPr>
+        <a:xfrm>
+          <a:off x="0" y="0"/>
+          <a:ext cx="0" cy="0"/>
+          <a:chOff x="0" y="0"/>
+          <a:chExt cx="0" cy="0"/>
+        </a:xfrm>
+      </p:grpSpPr>
+      <p:sp>
+        <p:nvSpPr>
+          <p:cNvPr id="4" name="Footer Placeholder 3"/>
+          <p:cNvSpPr>
+            <a:spLocks noGrp="1"/>
+          </p:cNvSpPr>
+          <p:nvPr>
+            <p:ph type="ftr" sz="quarter" idx="10"/>
+          </p:nvPr>
+        </p:nvSpPr>
+        <p:spPr/>
+        <p:txBody>
+          <a:bodyPr/>
+          <a:lstStyle/>
+          <a:p>
+            <a:r>
+              <a:rPr lang="de-DE" smtClean="0"/>
+              <a:t>DPDC – Assignment 1 | Christoph Oehlke, Markus Hinsche | May 16, 2013 </a:t>
+            </a:r>
+            <a:endParaRPr lang="de-DE"/>
+          </a:p>
+        </p:txBody>
+      </p:sp>
+      <p:sp>
+        <p:nvSpPr>
+          <p:cNvPr id="5" name="Slide Number Placeholder 4"/>
+          <p:cNvSpPr>
+            <a:spLocks noGrp="1"/>
+          </p:cNvSpPr>
+          <p:nvPr>
+            <p:ph type="sldNum" sz="quarter" idx="11"/>
+          </p:nvPr>
+        </p:nvSpPr>
+        <p:spPr/>
+        <p:txBody>
+          <a:bodyPr/>
+          <a:lstStyle/>
+          <a:p>
+            <a:fld id="{0C6113F6-D982-4F1F-82B4-AFA466AB9AFB}" type="slidenum">
+              <a:rPr lang="de-DE" smtClean="0"/>
+              <a:pPr/>
+              <a:t>12</a:t>
+            </a:fld>
+            <a:endParaRPr lang="de-DE"/>
+          </a:p>
+        </p:txBody>
+      </p:sp>
+      <p:sp>
+        <p:nvSpPr>
+          <p:cNvPr id="9" name="Title 1"/>
+          <p:cNvSpPr>
+            <a:spLocks noGrp="1"/>
+          </p:cNvSpPr>
+          <p:nvPr>
+            <p:ph type="title"/>
+          </p:nvPr>
+        </p:nvSpPr>
+        <p:spPr>
+          <a:xfrm>
+            <a:off x="787400" y="0"/>
+            <a:ext cx="6243638" cy="1008063"/>
+          </a:xfrm>
+        </p:spPr>
+        <p:txBody>
+          <a:bodyPr/>
+          <a:lstStyle/>
+          <a:p>
+            <a:r>
+              <a:rPr lang="en-US" dirty="0" smtClean="0"/>
+              <a:t>INDS core algorithm – case 2 – IND</a:t>
+            </a:r>
+            <a:endParaRPr lang="en-US" dirty="0"/>
+          </a:p>
+        </p:txBody>
+      </p:sp>
+      <p:graphicFrame>
+        <p:nvGraphicFramePr>
+          <p:cNvPr id="16" name="Table 8"/>
+          <p:cNvGraphicFramePr>
+            <a:graphicFrameLocks noGrp="1"/>
+          </p:cNvGraphicFramePr>
+          <p:nvPr>
+            <p:extLst>
+              <p:ext uri="{D42A27DB-BD31-4B8C-83A1-F6EECF244321}">
+                <p14:modId xmlns:p14="http://schemas.microsoft.com/office/powerpoint/2010/main" val="870193227"/>
+              </p:ext>
+            </p:extLst>
+          </p:nvPr>
+        </p:nvGraphicFramePr>
+        <p:xfrm>
+          <a:off x="5014249" y="2245892"/>
+          <a:ext cx="2326104" cy="1784985"/>
+        </p:xfrm>
+        <a:graphic>
+          <a:graphicData uri="http://schemas.openxmlformats.org/drawingml/2006/table">
+            <a:tbl>
+              <a:tblPr firstRow="1" bandRow="1">
+                <a:tableStyleId>{5C22544A-7EE6-4342-B048-85BDC9FD1C3A}</a:tableStyleId>
+              </a:tblPr>
+              <a:tblGrid>
+                <a:gridCol w="1163052"/>
+                <a:gridCol w="1163052"/>
+              </a:tblGrid>
+              <a:tr h="249846">
+                <a:tc>
+                  <a:txBody>
+                    <a:bodyPr/>
+                    <a:lstStyle/>
+                    <a:p>
+                      <a:pPr algn="ctr"/>
+                      <a:r>
+                        <a:rPr lang="en-US" dirty="0" smtClean="0">
+                          <a:solidFill>
+                            <a:srgbClr val="FFFFFF"/>
+                          </a:solidFill>
+                        </a:rPr>
+                        <a:t>T1 C1</a:t>
+                      </a:r>
+                      <a:endParaRPr lang="en-US" dirty="0">
+                        <a:solidFill>
+                          <a:srgbClr val="FFFFFF"/>
+                        </a:solidFill>
+                      </a:endParaRPr>
+                    </a:p>
+                  </a:txBody>
+                  <a:tcPr/>
+                </a:tc>
+                <a:tc>
+                  <a:txBody>
+                    <a:bodyPr/>
+                    <a:lstStyle/>
+                    <a:p>
+                      <a:pPr algn="ctr"/>
+                      <a:r>
+                        <a:rPr lang="en-US" dirty="0" smtClean="0"/>
+                        <a:t>T1 C2</a:t>
+                      </a:r>
+                      <a:endParaRPr lang="en-US" dirty="0"/>
+                    </a:p>
+                  </a:txBody>
+                  <a:tcPr/>
+                </a:tc>
+              </a:tr>
+              <a:tr h="249846">
+                <a:tc>
+                  <a:txBody>
+                    <a:bodyPr/>
+                    <a:lstStyle/>
+                    <a:p>
+                      <a:pPr algn="ctr" fontAlgn="b"/>
+                      <a:r>
+                        <a:rPr lang="en-US" dirty="0" smtClean="0">
+                          <a:solidFill>
+                            <a:schemeClr val="tx1"/>
+                          </a:solidFill>
+                        </a:rPr>
+                        <a:t>1</a:t>
+                      </a:r>
+                      <a:endParaRPr lang="en-US" dirty="0">
+                        <a:solidFill>
+                          <a:schemeClr val="tx1"/>
+                        </a:solidFill>
+                      </a:endParaRPr>
+                    </a:p>
+                  </a:txBody>
+                  <a:tcPr marL="9525" marR="9525" marT="9525" marB="0" anchor="b"/>
+                </a:tc>
+                <a:tc>
+                  <a:txBody>
+                    <a:bodyPr/>
+                    <a:lstStyle/>
+                    <a:p>
+                      <a:pPr algn="ctr" fontAlgn="b"/>
+                      <a:r>
+                        <a:rPr lang="en-US" dirty="0" smtClean="0"/>
+                        <a:t>2</a:t>
+                      </a:r>
+                      <a:endParaRPr lang="en-US" dirty="0"/>
+                    </a:p>
+                  </a:txBody>
+                  <a:tcPr marL="9525" marR="9525" marT="9525" marB="0" anchor="b"/>
+                </a:tc>
+              </a:tr>
+              <a:tr h="249846">
+                <a:tc>
+                  <a:txBody>
+                    <a:bodyPr/>
+                    <a:lstStyle/>
+                    <a:p>
+                      <a:pPr algn="ctr" fontAlgn="b"/>
+                      <a:r>
+                        <a:rPr lang="en-US" dirty="0" smtClean="0">
+                          <a:solidFill>
+                            <a:schemeClr val="tx1"/>
+                          </a:solidFill>
+                        </a:rPr>
+                        <a:t>3</a:t>
+                      </a:r>
+                      <a:endParaRPr lang="en-US" dirty="0">
+                        <a:solidFill>
+                          <a:schemeClr val="tx1"/>
+                        </a:solidFill>
+                      </a:endParaRPr>
+                    </a:p>
+                  </a:txBody>
+                  <a:tcPr marL="9525" marR="9525" marT="9525" marB="0" anchor="b"/>
+                </a:tc>
+                <a:tc>
+                  <a:txBody>
+                    <a:bodyPr/>
+                    <a:lstStyle/>
+                    <a:p>
+                      <a:pPr algn="ctr" fontAlgn="b"/>
+                      <a:r>
+                        <a:rPr lang="en-US" dirty="0" smtClean="0"/>
+                        <a:t>5</a:t>
+                      </a:r>
+                      <a:endParaRPr lang="en-US" dirty="0"/>
+                    </a:p>
+                  </a:txBody>
+                  <a:tcPr marL="9525" marR="9525" marT="9525" marB="0" anchor="b"/>
+                </a:tc>
+              </a:tr>
+              <a:tr h="249846">
+                <a:tc>
+                  <a:txBody>
+                    <a:bodyPr/>
+                    <a:lstStyle/>
+                    <a:p>
+                      <a:pPr algn="ctr" fontAlgn="b"/>
+                      <a:r>
+                        <a:rPr lang="en-US" dirty="0" smtClean="0">
+                          <a:solidFill>
+                            <a:schemeClr val="tx1"/>
+                          </a:solidFill>
+                        </a:rPr>
+                        <a:t>4</a:t>
+                      </a:r>
+                      <a:endParaRPr lang="en-US" dirty="0">
+                        <a:solidFill>
+                          <a:schemeClr val="tx1"/>
+                        </a:solidFill>
+                      </a:endParaRPr>
+                    </a:p>
+                  </a:txBody>
+                  <a:tcPr marL="9525" marR="9525" marT="9525" marB="0" anchor="b"/>
+                </a:tc>
+                <a:tc>
+                  <a:txBody>
+                    <a:bodyPr/>
+                    <a:lstStyle/>
+                    <a:p>
+                      <a:pPr algn="ctr" fontAlgn="b"/>
+                      <a:r>
+                        <a:rPr lang="en-US" dirty="0" smtClean="0"/>
+                        <a:t>8</a:t>
+                      </a:r>
+                      <a:endParaRPr lang="en-US" dirty="0"/>
+                    </a:p>
+                  </a:txBody>
+                  <a:tcPr marL="9525" marR="9525" marT="9525" marB="0" anchor="b"/>
+                </a:tc>
+              </a:tr>
+              <a:tr h="249846">
+                <a:tc>
+                  <a:txBody>
+                    <a:bodyPr/>
+                    <a:lstStyle/>
+                    <a:p>
+                      <a:pPr algn="ctr" fontAlgn="b"/>
+                      <a:r>
+                        <a:rPr lang="en-US" dirty="0" smtClean="0">
+                          <a:solidFill>
+                            <a:schemeClr val="tx1"/>
+                          </a:solidFill>
+                        </a:rPr>
+                        <a:t>6 </a:t>
+                      </a:r>
+                      <a:endParaRPr lang="en-US" dirty="0">
+                        <a:solidFill>
+                          <a:schemeClr val="tx1"/>
+                        </a:solidFill>
+                      </a:endParaRPr>
+                    </a:p>
+                  </a:txBody>
+                  <a:tcPr marL="9525" marR="9525" marT="9525" marB="0" anchor="b"/>
+                </a:tc>
+                <a:tc>
+                  <a:txBody>
+                    <a:bodyPr/>
+                    <a:lstStyle/>
+                    <a:p>
+                      <a:pPr algn="ctr" fontAlgn="b"/>
+                      <a:endParaRPr lang="en-US" dirty="0"/>
+                    </a:p>
+                  </a:txBody>
+                  <a:tcPr marL="9525" marR="9525" marT="9525" marB="0" anchor="b"/>
+                </a:tc>
+              </a:tr>
+              <a:tr h="249846">
+                <a:tc>
+                  <a:txBody>
+                    <a:bodyPr/>
+                    <a:lstStyle/>
+                    <a:p>
+                      <a:pPr algn="ctr" fontAlgn="b"/>
+                      <a:r>
+                        <a:rPr lang="en-US" dirty="0" smtClean="0">
+                          <a:solidFill>
+                            <a:schemeClr val="tx1"/>
+                          </a:solidFill>
+                        </a:rPr>
+                        <a:t>7</a:t>
+                      </a:r>
+                      <a:endParaRPr lang="en-US" dirty="0">
+                        <a:solidFill>
+                          <a:schemeClr val="tx1"/>
+                        </a:solidFill>
+                      </a:endParaRPr>
+                    </a:p>
+                  </a:txBody>
+                  <a:tcPr marL="9525" marR="9525" marT="9525" marB="0" anchor="b"/>
+                </a:tc>
+                <a:tc>
+                  <a:txBody>
+                    <a:bodyPr/>
+                    <a:lstStyle/>
+                    <a:p>
+                      <a:pPr algn="ctr" fontAlgn="b"/>
+                      <a:endParaRPr lang="en-US" dirty="0"/>
+                    </a:p>
+                  </a:txBody>
+                  <a:tcPr marL="9525" marR="9525" marT="9525" marB="0" anchor="b"/>
+                </a:tc>
+              </a:tr>
+            </a:tbl>
+          </a:graphicData>
+        </a:graphic>
+      </p:graphicFrame>
+      <p:graphicFrame>
+        <p:nvGraphicFramePr>
+          <p:cNvPr id="17" name="Table 8"/>
+          <p:cNvGraphicFramePr>
+            <a:graphicFrameLocks noGrp="1"/>
+          </p:cNvGraphicFramePr>
+          <p:nvPr>
+            <p:extLst>
+              <p:ext uri="{D42A27DB-BD31-4B8C-83A1-F6EECF244321}">
+                <p14:modId xmlns:p14="http://schemas.microsoft.com/office/powerpoint/2010/main" val="3478543452"/>
+              </p:ext>
+            </p:extLst>
+          </p:nvPr>
+        </p:nvGraphicFramePr>
+        <p:xfrm>
+          <a:off x="2371558" y="2251239"/>
+          <a:ext cx="2326104" cy="1501140"/>
+        </p:xfrm>
+        <a:graphic>
+          <a:graphicData uri="http://schemas.openxmlformats.org/drawingml/2006/table">
+            <a:tbl>
+              <a:tblPr firstRow="1" bandRow="1">
+                <a:tableStyleId>{5C22544A-7EE6-4342-B048-85BDC9FD1C3A}</a:tableStyleId>
+              </a:tblPr>
+              <a:tblGrid>
+                <a:gridCol w="1163052"/>
+                <a:gridCol w="1163052"/>
+              </a:tblGrid>
+              <a:tr h="249846">
+                <a:tc>
+                  <a:txBody>
+                    <a:bodyPr/>
+                    <a:lstStyle/>
+                    <a:p>
+                      <a:pPr algn="ctr"/>
+                      <a:r>
+                        <a:rPr lang="en-US" dirty="0" smtClean="0"/>
+                        <a:t>T2 C1</a:t>
+                      </a:r>
+                      <a:endParaRPr lang="en-US" dirty="0"/>
+                    </a:p>
+                  </a:txBody>
+                  <a:tcPr/>
+                </a:tc>
+                <a:tc>
+                  <a:txBody>
+                    <a:bodyPr/>
+                    <a:lstStyle/>
+                    <a:p>
+                      <a:pPr algn="ctr"/>
+                      <a:r>
+                        <a:rPr lang="en-US" dirty="0" smtClean="0">
+                          <a:solidFill>
+                            <a:schemeClr val="bg1"/>
+                          </a:solidFill>
+                        </a:rPr>
+                        <a:t>T2 C2</a:t>
+                      </a:r>
+                      <a:endParaRPr lang="en-US" dirty="0">
+                        <a:solidFill>
+                          <a:schemeClr val="bg1"/>
+                        </a:solidFill>
+                      </a:endParaRPr>
+                    </a:p>
+                  </a:txBody>
+                  <a:tcPr/>
+                </a:tc>
+              </a:tr>
+              <a:tr h="249846">
+                <a:tc>
+                  <a:txBody>
+                    <a:bodyPr/>
+                    <a:lstStyle/>
+                    <a:p>
+                      <a:pPr algn="ctr" fontAlgn="b"/>
+                      <a:r>
+                        <a:rPr lang="en-US" dirty="0" smtClean="0"/>
+                        <a:t>2</a:t>
+                      </a:r>
+                      <a:endParaRPr lang="en-US" dirty="0"/>
+                    </a:p>
+                  </a:txBody>
+                  <a:tcPr marL="9525" marR="9525" marT="9525" marB="0" anchor="b"/>
+                </a:tc>
+                <a:tc>
+                  <a:txBody>
+                    <a:bodyPr/>
+                    <a:lstStyle/>
+                    <a:p>
+                      <a:pPr algn="ctr" fontAlgn="b"/>
+                      <a:r>
+                        <a:rPr lang="en-US" dirty="0" smtClean="0">
+                          <a:solidFill>
+                            <a:schemeClr val="tx1"/>
+                          </a:solidFill>
+                        </a:rPr>
+                        <a:t>1</a:t>
+                      </a:r>
+                      <a:endParaRPr lang="en-US" dirty="0">
+                        <a:solidFill>
+                          <a:schemeClr val="tx1"/>
+                        </a:solidFill>
+                      </a:endParaRPr>
+                    </a:p>
+                  </a:txBody>
+                  <a:tcPr marL="9525" marR="9525" marT="9525" marB="0" anchor="b"/>
+                </a:tc>
+              </a:tr>
+              <a:tr h="249846">
+                <a:tc>
+                  <a:txBody>
+                    <a:bodyPr/>
+                    <a:lstStyle/>
+                    <a:p>
+                      <a:pPr algn="ctr" fontAlgn="b"/>
+                      <a:r>
+                        <a:rPr lang="en-US" dirty="0" smtClean="0"/>
+                        <a:t>4</a:t>
+                      </a:r>
+                      <a:endParaRPr lang="en-US" dirty="0"/>
+                    </a:p>
+                  </a:txBody>
+                  <a:tcPr marL="9525" marR="9525" marT="9525" marB="0" anchor="b"/>
+                </a:tc>
+                <a:tc>
+                  <a:txBody>
+                    <a:bodyPr/>
+                    <a:lstStyle/>
+                    <a:p>
+                      <a:pPr algn="ctr" fontAlgn="b"/>
+                      <a:r>
+                        <a:rPr lang="en-US" dirty="0" smtClean="0">
+                          <a:solidFill>
+                            <a:schemeClr val="tx1"/>
+                          </a:solidFill>
+                        </a:rPr>
+                        <a:t>4</a:t>
+                      </a:r>
+                      <a:endParaRPr lang="en-US" dirty="0">
+                        <a:solidFill>
+                          <a:schemeClr val="tx1"/>
+                        </a:solidFill>
+                      </a:endParaRPr>
+                    </a:p>
+                  </a:txBody>
+                  <a:tcPr marL="9525" marR="9525" marT="9525" marB="0" anchor="b"/>
+                </a:tc>
+              </a:tr>
+              <a:tr h="249846">
+                <a:tc>
+                  <a:txBody>
+                    <a:bodyPr/>
+                    <a:lstStyle/>
+                    <a:p>
+                      <a:pPr algn="ctr" fontAlgn="b"/>
+                      <a:r>
+                        <a:rPr lang="en-US" dirty="0" smtClean="0"/>
+                        <a:t>5</a:t>
+                      </a:r>
+                      <a:endParaRPr lang="en-US" dirty="0"/>
+                    </a:p>
+                  </a:txBody>
+                  <a:tcPr marL="9525" marR="9525" marT="9525" marB="0" anchor="b"/>
+                </a:tc>
+                <a:tc>
+                  <a:txBody>
+                    <a:bodyPr/>
+                    <a:lstStyle/>
+                    <a:p>
+                      <a:pPr algn="ctr" fontAlgn="b"/>
+                      <a:r>
+                        <a:rPr lang="en-US" dirty="0" smtClean="0">
+                          <a:solidFill>
+                            <a:schemeClr val="tx1"/>
+                          </a:solidFill>
+                        </a:rPr>
+                        <a:t>6</a:t>
+                      </a:r>
+                      <a:endParaRPr lang="en-US" dirty="0">
+                        <a:solidFill>
+                          <a:schemeClr val="tx1"/>
+                        </a:solidFill>
+                      </a:endParaRPr>
+                    </a:p>
+                  </a:txBody>
+                  <a:tcPr marL="9525" marR="9525" marT="9525" marB="0" anchor="b"/>
+                </a:tc>
+              </a:tr>
+              <a:tr h="249846">
+                <a:tc>
+                  <a:txBody>
+                    <a:bodyPr/>
+                    <a:lstStyle/>
+                    <a:p>
+                      <a:pPr algn="ctr" fontAlgn="b"/>
+                      <a:endParaRPr lang="en-US" dirty="0"/>
+                    </a:p>
+                  </a:txBody>
+                  <a:tcPr marL="9525" marR="9525" marT="9525" marB="0" anchor="b"/>
+                </a:tc>
+                <a:tc>
+                  <a:txBody>
+                    <a:bodyPr/>
+                    <a:lstStyle/>
+                    <a:p>
+                      <a:pPr algn="ctr" fontAlgn="b"/>
+                      <a:endParaRPr lang="en-US" dirty="0">
+                        <a:solidFill>
+                          <a:schemeClr val="tx1"/>
+                        </a:solidFill>
+                      </a:endParaRPr>
+                    </a:p>
+                  </a:txBody>
+                  <a:tcPr marL="9525" marR="9525" marT="9525" marB="0" anchor="b"/>
+                </a:tc>
+              </a:tr>
+            </a:tbl>
+          </a:graphicData>
+        </a:graphic>
+      </p:graphicFrame>
+      <p:sp>
+        <p:nvSpPr>
+          <p:cNvPr id="18" name="Rounded Rectangle 17"/>
+          <p:cNvSpPr/>
+          <p:nvPr/>
+        </p:nvSpPr>
+        <p:spPr bwMode="auto">
+          <a:xfrm>
+            <a:off x="3569366" y="2005263"/>
+            <a:ext cx="1136316" cy="2045369"/>
+          </a:xfrm>
+          <a:prstGeom prst="roundRect">
+            <a:avLst/>
+          </a:prstGeom>
+          <a:noFill/>
+          <a:ln w="101600" cap="flat" cmpd="sng" algn="ctr">
+            <a:solidFill>
+              <a:srgbClr val="3366FF"/>
+            </a:solidFill>
+            <a:prstDash val="solid"/>
+            <a:round/>
+            <a:headEnd type="none" w="med" len="med"/>
+            <a:tailEnd type="none" w="med" len="med"/>
+          </a:ln>
+          <a:effectLst/>
+        </p:spPr>
+        <p:txBody>
+          <a:bodyPr/>
+          <a:lstStyle/>
+          <a:p>
+            <a:endParaRPr lang="en-US"/>
+          </a:p>
+        </p:txBody>
+      </p:sp>
+      <p:sp>
+        <p:nvSpPr>
+          <p:cNvPr id="19" name="Rounded Rectangle 18"/>
+          <p:cNvSpPr/>
+          <p:nvPr/>
+        </p:nvSpPr>
+        <p:spPr bwMode="auto">
+          <a:xfrm>
+            <a:off x="5058613" y="2010610"/>
+            <a:ext cx="1136316" cy="2045369"/>
+          </a:xfrm>
+          <a:prstGeom prst="roundRect">
+            <a:avLst/>
+          </a:prstGeom>
+          <a:noFill/>
+          <a:ln w="101600" cap="flat" cmpd="sng" algn="ctr">
+            <a:solidFill>
+              <a:srgbClr val="3366FF"/>
+            </a:solidFill>
+            <a:prstDash val="solid"/>
+            <a:round/>
+            <a:headEnd type="none" w="med" len="med"/>
+            <a:tailEnd type="none" w="med" len="med"/>
+          </a:ln>
+          <a:effectLst/>
+        </p:spPr>
+        <p:txBody>
+          <a:bodyPr/>
+          <a:lstStyle/>
+          <a:p>
+            <a:endParaRPr lang="en-US"/>
+          </a:p>
+        </p:txBody>
+      </p:sp>
+      <p:cxnSp>
+        <p:nvCxnSpPr>
+          <p:cNvPr id="20" name="Straight Connector 19"/>
+          <p:cNvCxnSpPr/>
+          <p:nvPr/>
+        </p:nvCxnSpPr>
+        <p:spPr bwMode="auto">
+          <a:xfrm>
+            <a:off x="3340254" y="3034928"/>
+            <a:ext cx="702489" cy="628"/>
+          </a:xfrm>
+          <a:prstGeom prst="line">
+            <a:avLst/>
+          </a:prstGeom>
+          <a:solidFill>
+            <a:schemeClr val="accent1"/>
+          </a:solidFill>
+          <a:ln w="76200" cap="flat" cmpd="sng" algn="ctr">
+            <a:solidFill>
+              <a:srgbClr val="3366FF"/>
+            </a:solidFill>
+            <a:prstDash val="solid"/>
+            <a:round/>
+            <a:headEnd type="none" w="med" len="med"/>
+            <a:tailEnd type="triangle" w="lg"/>
+          </a:ln>
+          <a:effectLst/>
+        </p:spPr>
+      </p:cxnSp>
+      <p:cxnSp>
+        <p:nvCxnSpPr>
+          <p:cNvPr id="21" name="Straight Connector 20"/>
+          <p:cNvCxnSpPr/>
+          <p:nvPr/>
+        </p:nvCxnSpPr>
+        <p:spPr bwMode="auto">
+          <a:xfrm>
+            <a:off x="4842865" y="3013538"/>
+            <a:ext cx="702489" cy="628"/>
+          </a:xfrm>
+          <a:prstGeom prst="line">
+            <a:avLst/>
+          </a:prstGeom>
+          <a:solidFill>
+            <a:schemeClr val="accent1"/>
+          </a:solidFill>
+          <a:ln w="76200" cap="flat" cmpd="sng" algn="ctr">
+            <a:solidFill>
+              <a:srgbClr val="3366FF"/>
+            </a:solidFill>
+            <a:prstDash val="solid"/>
+            <a:round/>
+            <a:headEnd type="none" w="med" len="med"/>
+            <a:tailEnd type="triangle" w="lg"/>
+          </a:ln>
+          <a:effectLst/>
+        </p:spPr>
+      </p:cxnSp>
+      <p:sp>
+        <p:nvSpPr>
+          <p:cNvPr id="22" name="Content Placeholder 2"/>
+          <p:cNvSpPr>
+            <a:spLocks noGrp="1"/>
+          </p:cNvSpPr>
+          <p:nvPr>
+            <p:ph idx="1"/>
+          </p:nvPr>
+        </p:nvSpPr>
+        <p:spPr>
+          <a:xfrm>
+            <a:off x="719138" y="4531895"/>
+            <a:ext cx="8174037" cy="1992730"/>
+          </a:xfrm>
+        </p:spPr>
+        <p:txBody>
+          <a:bodyPr/>
+          <a:lstStyle/>
+          <a:p>
+            <a:pPr marL="285750" indent="-285750">
+              <a:buFont typeface="Arial"/>
+              <a:buChar char="•"/>
+            </a:pPr>
+            <a:r>
+              <a:rPr lang="en-US" dirty="0" smtClean="0"/>
+              <a:t>iterator on the right goes down until</a:t>
+            </a:r>
+          </a:p>
+          <a:p>
+            <a:pPr marL="731838" lvl="1" indent="-285750">
+              <a:buFont typeface="Arial"/>
+              <a:buChar char="•"/>
+            </a:pPr>
+            <a:r>
+              <a:rPr lang="en-US" dirty="0" smtClean="0"/>
+              <a:t>case 1: (left number == right number)</a:t>
+            </a:r>
+          </a:p>
+          <a:p>
+            <a:pPr marL="1179513" lvl="2" indent="-285750">
+              <a:buFont typeface="Arial"/>
+              <a:buChar char="•"/>
+            </a:pPr>
+            <a:r>
+              <a:rPr lang="en-US" dirty="0" smtClean="0"/>
+              <a:t>left iterator increased (algorithm proceeds)</a:t>
+            </a:r>
+          </a:p>
+          <a:p>
+            <a:pPr marL="731838" lvl="1" indent="-285750">
+              <a:buFont typeface="Arial"/>
+              <a:buChar char="•"/>
+            </a:pPr>
+            <a:r>
+              <a:rPr lang="en-US" dirty="0" smtClean="0"/>
+              <a:t>case 2: (right number &gt; left number)</a:t>
+            </a:r>
+          </a:p>
+          <a:p>
+            <a:pPr marL="1179513" lvl="2" indent="-285750">
+              <a:buFont typeface="Arial"/>
+              <a:buChar char="•"/>
+            </a:pPr>
+            <a:r>
+              <a:rPr lang="en-US" dirty="0" smtClean="0"/>
+              <a:t>no IND (algorithm stops)</a:t>
+            </a:r>
+          </a:p>
+        </p:txBody>
+      </p:sp>
+    </p:spTree>
+    <p:extLst>
+      <p:ext uri="{BB962C8B-B14F-4D97-AF65-F5344CB8AC3E}">
+        <p14:creationId xmlns:p14="http://schemas.microsoft.com/office/powerpoint/2010/main" val="1139510275"/>
+      </p:ext>
+    </p:extLst>
+  </p:cSld>
+  <p:clrMapOvr>
+    <a:masterClrMapping/>
+  </p:clrMapOvr>
+</p:sld>
+</file>
+
+<file path=ppt/slides/slide13.xml><?xml version="1.0" encoding="utf-8"?>
+<p:sld xmlns:a="http://schemas.openxmlformats.org/drawingml/2006/main" xmlns:r="http://schemas.openxmlformats.org/officeDocument/2006/relationships" xmlns:p="http://schemas.openxmlformats.org/presentationml/2006/main">
+  <p:cSld>
+    <p:spTree>
+      <p:nvGrpSpPr>
+        <p:cNvPr id="1" name=""/>
+        <p:cNvGrpSpPr/>
+        <p:nvPr/>
+      </p:nvGrpSpPr>
+      <p:grpSpPr>
+        <a:xfrm>
+          <a:off x="0" y="0"/>
+          <a:ext cx="0" cy="0"/>
+          <a:chOff x="0" y="0"/>
+          <a:chExt cx="0" cy="0"/>
+        </a:xfrm>
+      </p:grpSpPr>
+      <p:sp>
+        <p:nvSpPr>
+          <p:cNvPr id="4" name="Footer Placeholder 3"/>
+          <p:cNvSpPr>
+            <a:spLocks noGrp="1"/>
+          </p:cNvSpPr>
+          <p:nvPr>
+            <p:ph type="ftr" sz="quarter" idx="10"/>
+          </p:nvPr>
+        </p:nvSpPr>
+        <p:spPr/>
+        <p:txBody>
+          <a:bodyPr/>
+          <a:lstStyle/>
+          <a:p>
+            <a:r>
+              <a:rPr lang="de-DE" smtClean="0"/>
+              <a:t>DPDC – Assignment 1 | Christoph Oehlke, Markus Hinsche | May 16, 2013 </a:t>
+            </a:r>
+            <a:endParaRPr lang="de-DE"/>
+          </a:p>
+        </p:txBody>
+      </p:sp>
+      <p:sp>
+        <p:nvSpPr>
+          <p:cNvPr id="5" name="Slide Number Placeholder 4"/>
+          <p:cNvSpPr>
+            <a:spLocks noGrp="1"/>
+          </p:cNvSpPr>
+          <p:nvPr>
+            <p:ph type="sldNum" sz="quarter" idx="11"/>
+          </p:nvPr>
+        </p:nvSpPr>
+        <p:spPr/>
+        <p:txBody>
+          <a:bodyPr/>
+          <a:lstStyle/>
+          <a:p>
+            <a:fld id="{0C6113F6-D982-4F1F-82B4-AFA466AB9AFB}" type="slidenum">
+              <a:rPr lang="de-DE" smtClean="0"/>
+              <a:pPr/>
+              <a:t>13</a:t>
+            </a:fld>
+            <a:endParaRPr lang="de-DE"/>
+          </a:p>
+        </p:txBody>
+      </p:sp>
+      <p:sp>
+        <p:nvSpPr>
+          <p:cNvPr id="9" name="Title 1"/>
+          <p:cNvSpPr>
+            <a:spLocks noGrp="1"/>
+          </p:cNvSpPr>
+          <p:nvPr>
+            <p:ph type="title"/>
+          </p:nvPr>
+        </p:nvSpPr>
+        <p:spPr>
+          <a:xfrm>
+            <a:off x="787400" y="0"/>
+            <a:ext cx="6243638" cy="1008063"/>
+          </a:xfrm>
+        </p:spPr>
+        <p:txBody>
+          <a:bodyPr/>
+          <a:lstStyle/>
+          <a:p>
+            <a:r>
+              <a:rPr lang="en-US" dirty="0" smtClean="0"/>
+              <a:t>INDS core algorithm – case 2 – IND</a:t>
+            </a:r>
+            <a:endParaRPr lang="en-US" dirty="0"/>
+          </a:p>
+        </p:txBody>
+      </p:sp>
+      <p:graphicFrame>
+        <p:nvGraphicFramePr>
+          <p:cNvPr id="16" name="Table 8"/>
+          <p:cNvGraphicFramePr>
+            <a:graphicFrameLocks noGrp="1"/>
+          </p:cNvGraphicFramePr>
+          <p:nvPr>
+            <p:extLst>
+              <p:ext uri="{D42A27DB-BD31-4B8C-83A1-F6EECF244321}">
+                <p14:modId xmlns:p14="http://schemas.microsoft.com/office/powerpoint/2010/main" val="3063196604"/>
+              </p:ext>
+            </p:extLst>
+          </p:nvPr>
+        </p:nvGraphicFramePr>
+        <p:xfrm>
+          <a:off x="5014249" y="2245892"/>
+          <a:ext cx="2326104" cy="1784985"/>
+        </p:xfrm>
+        <a:graphic>
+          <a:graphicData uri="http://schemas.openxmlformats.org/drawingml/2006/table">
+            <a:tbl>
+              <a:tblPr firstRow="1" bandRow="1">
+                <a:tableStyleId>{5C22544A-7EE6-4342-B048-85BDC9FD1C3A}</a:tableStyleId>
+              </a:tblPr>
+              <a:tblGrid>
+                <a:gridCol w="1163052"/>
+                <a:gridCol w="1163052"/>
+              </a:tblGrid>
+              <a:tr h="249846">
+                <a:tc>
+                  <a:txBody>
+                    <a:bodyPr/>
+                    <a:lstStyle/>
+                    <a:p>
+                      <a:pPr algn="ctr"/>
+                      <a:r>
+                        <a:rPr lang="en-US" dirty="0" smtClean="0">
+                          <a:solidFill>
+                            <a:srgbClr val="FFFFFF"/>
+                          </a:solidFill>
+                        </a:rPr>
+                        <a:t>T1 C1</a:t>
+                      </a:r>
+                      <a:endParaRPr lang="en-US" dirty="0">
+                        <a:solidFill>
+                          <a:srgbClr val="FFFFFF"/>
+                        </a:solidFill>
+                      </a:endParaRPr>
+                    </a:p>
+                  </a:txBody>
+                  <a:tcPr/>
+                </a:tc>
+                <a:tc>
+                  <a:txBody>
+                    <a:bodyPr/>
+                    <a:lstStyle/>
+                    <a:p>
+                      <a:pPr algn="ctr"/>
+                      <a:r>
+                        <a:rPr lang="en-US" dirty="0" smtClean="0"/>
+                        <a:t>T1 C2</a:t>
+                      </a:r>
+                      <a:endParaRPr lang="en-US" dirty="0"/>
+                    </a:p>
+                  </a:txBody>
+                  <a:tcPr/>
+                </a:tc>
+              </a:tr>
+              <a:tr h="249846">
+                <a:tc>
+                  <a:txBody>
+                    <a:bodyPr/>
+                    <a:lstStyle/>
+                    <a:p>
+                      <a:pPr algn="ctr" fontAlgn="b"/>
+                      <a:r>
+                        <a:rPr lang="en-US" dirty="0" smtClean="0">
+                          <a:solidFill>
+                            <a:schemeClr val="tx1"/>
+                          </a:solidFill>
+                        </a:rPr>
+                        <a:t>1</a:t>
+                      </a:r>
+                      <a:endParaRPr lang="en-US" dirty="0">
+                        <a:solidFill>
+                          <a:schemeClr val="tx1"/>
+                        </a:solidFill>
+                      </a:endParaRPr>
+                    </a:p>
+                  </a:txBody>
+                  <a:tcPr marL="9525" marR="9525" marT="9525" marB="0" anchor="b"/>
+                </a:tc>
+                <a:tc>
+                  <a:txBody>
+                    <a:bodyPr/>
+                    <a:lstStyle/>
+                    <a:p>
+                      <a:pPr algn="ctr" fontAlgn="b"/>
+                      <a:r>
+                        <a:rPr lang="en-US" dirty="0" smtClean="0"/>
+                        <a:t>2</a:t>
+                      </a:r>
+                      <a:endParaRPr lang="en-US" dirty="0"/>
+                    </a:p>
+                  </a:txBody>
+                  <a:tcPr marL="9525" marR="9525" marT="9525" marB="0" anchor="b"/>
+                </a:tc>
+              </a:tr>
+              <a:tr h="249846">
+                <a:tc>
+                  <a:txBody>
+                    <a:bodyPr/>
+                    <a:lstStyle/>
+                    <a:p>
+                      <a:pPr algn="ctr" fontAlgn="b"/>
+                      <a:r>
+                        <a:rPr lang="en-US" dirty="0" smtClean="0">
+                          <a:solidFill>
+                            <a:schemeClr val="tx1"/>
+                          </a:solidFill>
+                        </a:rPr>
+                        <a:t>3</a:t>
+                      </a:r>
+                      <a:endParaRPr lang="en-US" dirty="0">
+                        <a:solidFill>
+                          <a:schemeClr val="tx1"/>
+                        </a:solidFill>
+                      </a:endParaRPr>
+                    </a:p>
+                  </a:txBody>
+                  <a:tcPr marL="9525" marR="9525" marT="9525" marB="0" anchor="b"/>
+                </a:tc>
+                <a:tc>
+                  <a:txBody>
+                    <a:bodyPr/>
+                    <a:lstStyle/>
+                    <a:p>
+                      <a:pPr algn="ctr" fontAlgn="b"/>
+                      <a:r>
+                        <a:rPr lang="en-US" dirty="0" smtClean="0"/>
+                        <a:t>5</a:t>
+                      </a:r>
+                      <a:endParaRPr lang="en-US" dirty="0"/>
+                    </a:p>
+                  </a:txBody>
+                  <a:tcPr marL="9525" marR="9525" marT="9525" marB="0" anchor="b"/>
+                </a:tc>
+              </a:tr>
+              <a:tr h="249846">
+                <a:tc>
+                  <a:txBody>
+                    <a:bodyPr/>
+                    <a:lstStyle/>
+                    <a:p>
+                      <a:pPr algn="ctr" fontAlgn="b"/>
+                      <a:r>
+                        <a:rPr lang="en-US" dirty="0" smtClean="0">
+                          <a:solidFill>
+                            <a:schemeClr val="tx1"/>
+                          </a:solidFill>
+                        </a:rPr>
+                        <a:t>4</a:t>
+                      </a:r>
+                      <a:endParaRPr lang="en-US" dirty="0">
+                        <a:solidFill>
+                          <a:schemeClr val="tx1"/>
+                        </a:solidFill>
+                      </a:endParaRPr>
+                    </a:p>
+                  </a:txBody>
+                  <a:tcPr marL="9525" marR="9525" marT="9525" marB="0" anchor="b"/>
+                </a:tc>
+                <a:tc>
+                  <a:txBody>
+                    <a:bodyPr/>
+                    <a:lstStyle/>
+                    <a:p>
+                      <a:pPr algn="ctr" fontAlgn="b"/>
+                      <a:r>
+                        <a:rPr lang="en-US" dirty="0" smtClean="0"/>
+                        <a:t>8</a:t>
+                      </a:r>
+                      <a:endParaRPr lang="en-US" dirty="0"/>
+                    </a:p>
+                  </a:txBody>
+                  <a:tcPr marL="9525" marR="9525" marT="9525" marB="0" anchor="b"/>
+                </a:tc>
+              </a:tr>
+              <a:tr h="249846">
+                <a:tc>
+                  <a:txBody>
+                    <a:bodyPr/>
+                    <a:lstStyle/>
+                    <a:p>
+                      <a:pPr algn="ctr" fontAlgn="b"/>
+                      <a:r>
+                        <a:rPr lang="en-US" dirty="0" smtClean="0">
+                          <a:solidFill>
+                            <a:schemeClr val="tx1"/>
+                          </a:solidFill>
+                        </a:rPr>
+                        <a:t>6 </a:t>
+                      </a:r>
+                      <a:endParaRPr lang="en-US" dirty="0">
+                        <a:solidFill>
+                          <a:schemeClr val="tx1"/>
+                        </a:solidFill>
+                      </a:endParaRPr>
+                    </a:p>
+                  </a:txBody>
+                  <a:tcPr marL="9525" marR="9525" marT="9525" marB="0" anchor="b"/>
+                </a:tc>
+                <a:tc>
+                  <a:txBody>
+                    <a:bodyPr/>
+                    <a:lstStyle/>
+                    <a:p>
+                      <a:pPr algn="ctr" fontAlgn="b"/>
+                      <a:endParaRPr lang="en-US" dirty="0"/>
+                    </a:p>
+                  </a:txBody>
+                  <a:tcPr marL="9525" marR="9525" marT="9525" marB="0" anchor="b"/>
+                </a:tc>
+              </a:tr>
+              <a:tr h="249846">
+                <a:tc>
+                  <a:txBody>
+                    <a:bodyPr/>
+                    <a:lstStyle/>
+                    <a:p>
+                      <a:pPr algn="ctr" fontAlgn="b"/>
+                      <a:r>
+                        <a:rPr lang="en-US" dirty="0" smtClean="0">
+                          <a:solidFill>
+                            <a:schemeClr val="tx1"/>
+                          </a:solidFill>
+                        </a:rPr>
+                        <a:t>7</a:t>
+                      </a:r>
+                      <a:endParaRPr lang="en-US" dirty="0">
+                        <a:solidFill>
+                          <a:schemeClr val="tx1"/>
+                        </a:solidFill>
+                      </a:endParaRPr>
+                    </a:p>
+                  </a:txBody>
+                  <a:tcPr marL="9525" marR="9525" marT="9525" marB="0" anchor="b"/>
+                </a:tc>
+                <a:tc>
+                  <a:txBody>
+                    <a:bodyPr/>
+                    <a:lstStyle/>
+                    <a:p>
+                      <a:pPr algn="ctr" fontAlgn="b"/>
+                      <a:endParaRPr lang="en-US" dirty="0"/>
+                    </a:p>
+                  </a:txBody>
+                  <a:tcPr marL="9525" marR="9525" marT="9525" marB="0" anchor="b"/>
+                </a:tc>
+              </a:tr>
+            </a:tbl>
+          </a:graphicData>
+        </a:graphic>
+      </p:graphicFrame>
+      <p:graphicFrame>
+        <p:nvGraphicFramePr>
+          <p:cNvPr id="17" name="Table 8"/>
+          <p:cNvGraphicFramePr>
+            <a:graphicFrameLocks noGrp="1"/>
+          </p:cNvGraphicFramePr>
+          <p:nvPr>
+            <p:extLst>
+              <p:ext uri="{D42A27DB-BD31-4B8C-83A1-F6EECF244321}">
+                <p14:modId xmlns:p14="http://schemas.microsoft.com/office/powerpoint/2010/main" val="2656514980"/>
+              </p:ext>
+            </p:extLst>
+          </p:nvPr>
+        </p:nvGraphicFramePr>
+        <p:xfrm>
+          <a:off x="2371558" y="2251239"/>
+          <a:ext cx="2326104" cy="1501140"/>
+        </p:xfrm>
+        <a:graphic>
+          <a:graphicData uri="http://schemas.openxmlformats.org/drawingml/2006/table">
+            <a:tbl>
+              <a:tblPr firstRow="1" bandRow="1">
+                <a:tableStyleId>{5C22544A-7EE6-4342-B048-85BDC9FD1C3A}</a:tableStyleId>
+              </a:tblPr>
+              <a:tblGrid>
+                <a:gridCol w="1163052"/>
+                <a:gridCol w="1163052"/>
+              </a:tblGrid>
+              <a:tr h="249846">
+                <a:tc>
+                  <a:txBody>
+                    <a:bodyPr/>
+                    <a:lstStyle/>
+                    <a:p>
+                      <a:pPr algn="ctr"/>
+                      <a:r>
+                        <a:rPr lang="en-US" dirty="0" smtClean="0"/>
+                        <a:t>T2 C1</a:t>
+                      </a:r>
+                      <a:endParaRPr lang="en-US" dirty="0"/>
+                    </a:p>
+                  </a:txBody>
+                  <a:tcPr/>
+                </a:tc>
+                <a:tc>
+                  <a:txBody>
+                    <a:bodyPr/>
+                    <a:lstStyle/>
+                    <a:p>
+                      <a:pPr algn="ctr"/>
+                      <a:r>
+                        <a:rPr lang="en-US" dirty="0" smtClean="0">
+                          <a:solidFill>
+                            <a:schemeClr val="bg1"/>
+                          </a:solidFill>
+                        </a:rPr>
+                        <a:t>T2 C2</a:t>
+                      </a:r>
+                      <a:endParaRPr lang="en-US" dirty="0">
+                        <a:solidFill>
+                          <a:schemeClr val="bg1"/>
+                        </a:solidFill>
+                      </a:endParaRPr>
+                    </a:p>
+                  </a:txBody>
+                  <a:tcPr/>
+                </a:tc>
+              </a:tr>
+              <a:tr h="249846">
+                <a:tc>
+                  <a:txBody>
+                    <a:bodyPr/>
+                    <a:lstStyle/>
+                    <a:p>
+                      <a:pPr algn="ctr" fontAlgn="b"/>
+                      <a:r>
+                        <a:rPr lang="en-US" dirty="0" smtClean="0"/>
+                        <a:t>2</a:t>
+                      </a:r>
+                      <a:endParaRPr lang="en-US" dirty="0"/>
+                    </a:p>
+                  </a:txBody>
+                  <a:tcPr marL="9525" marR="9525" marT="9525" marB="0" anchor="b"/>
+                </a:tc>
+                <a:tc>
+                  <a:txBody>
+                    <a:bodyPr/>
+                    <a:lstStyle/>
+                    <a:p>
+                      <a:pPr algn="ctr" fontAlgn="b"/>
+                      <a:r>
+                        <a:rPr lang="en-US" dirty="0" smtClean="0">
+                          <a:solidFill>
+                            <a:schemeClr val="tx1"/>
+                          </a:solidFill>
+                        </a:rPr>
+                        <a:t>1</a:t>
+                      </a:r>
+                      <a:endParaRPr lang="en-US" dirty="0">
+                        <a:solidFill>
+                          <a:schemeClr val="tx1"/>
+                        </a:solidFill>
+                      </a:endParaRPr>
+                    </a:p>
+                  </a:txBody>
+                  <a:tcPr marL="9525" marR="9525" marT="9525" marB="0" anchor="b"/>
+                </a:tc>
+              </a:tr>
+              <a:tr h="249846">
+                <a:tc>
+                  <a:txBody>
+                    <a:bodyPr/>
+                    <a:lstStyle/>
+                    <a:p>
+                      <a:pPr algn="ctr" fontAlgn="b"/>
+                      <a:r>
+                        <a:rPr lang="en-US" dirty="0" smtClean="0"/>
+                        <a:t>4</a:t>
+                      </a:r>
+                      <a:endParaRPr lang="en-US" dirty="0"/>
+                    </a:p>
+                  </a:txBody>
+                  <a:tcPr marL="9525" marR="9525" marT="9525" marB="0" anchor="b"/>
+                </a:tc>
+                <a:tc>
+                  <a:txBody>
+                    <a:bodyPr/>
+                    <a:lstStyle/>
+                    <a:p>
+                      <a:pPr algn="ctr" fontAlgn="b"/>
+                      <a:r>
+                        <a:rPr lang="en-US" dirty="0" smtClean="0">
+                          <a:solidFill>
+                            <a:schemeClr val="tx1"/>
+                          </a:solidFill>
+                        </a:rPr>
+                        <a:t>4</a:t>
+                      </a:r>
+                      <a:endParaRPr lang="en-US" dirty="0">
+                        <a:solidFill>
+                          <a:schemeClr val="tx1"/>
+                        </a:solidFill>
+                      </a:endParaRPr>
+                    </a:p>
+                  </a:txBody>
+                  <a:tcPr marL="9525" marR="9525" marT="9525" marB="0" anchor="b"/>
+                </a:tc>
+              </a:tr>
+              <a:tr h="249846">
+                <a:tc>
+                  <a:txBody>
+                    <a:bodyPr/>
+                    <a:lstStyle/>
+                    <a:p>
+                      <a:pPr algn="ctr" fontAlgn="b"/>
+                      <a:r>
+                        <a:rPr lang="en-US" dirty="0" smtClean="0"/>
+                        <a:t>5</a:t>
+                      </a:r>
+                      <a:endParaRPr lang="en-US" dirty="0"/>
+                    </a:p>
+                  </a:txBody>
+                  <a:tcPr marL="9525" marR="9525" marT="9525" marB="0" anchor="b"/>
+                </a:tc>
+                <a:tc>
+                  <a:txBody>
+                    <a:bodyPr/>
+                    <a:lstStyle/>
+                    <a:p>
+                      <a:pPr algn="ctr" fontAlgn="b"/>
+                      <a:r>
+                        <a:rPr lang="en-US" dirty="0" smtClean="0">
+                          <a:solidFill>
+                            <a:schemeClr val="tx1"/>
+                          </a:solidFill>
+                        </a:rPr>
+                        <a:t>6</a:t>
+                      </a:r>
+                      <a:endParaRPr lang="en-US" dirty="0">
+                        <a:solidFill>
+                          <a:schemeClr val="tx1"/>
+                        </a:solidFill>
+                      </a:endParaRPr>
+                    </a:p>
+                  </a:txBody>
+                  <a:tcPr marL="9525" marR="9525" marT="9525" marB="0" anchor="b"/>
+                </a:tc>
+              </a:tr>
+              <a:tr h="249846">
+                <a:tc>
+                  <a:txBody>
+                    <a:bodyPr/>
+                    <a:lstStyle/>
+                    <a:p>
+                      <a:pPr algn="ctr" fontAlgn="b"/>
+                      <a:endParaRPr lang="en-US" dirty="0"/>
+                    </a:p>
+                  </a:txBody>
+                  <a:tcPr marL="9525" marR="9525" marT="9525" marB="0" anchor="b"/>
+                </a:tc>
+                <a:tc>
+                  <a:txBody>
+                    <a:bodyPr/>
+                    <a:lstStyle/>
+                    <a:p>
+                      <a:pPr algn="ctr" fontAlgn="b"/>
+                      <a:endParaRPr lang="en-US" dirty="0">
+                        <a:solidFill>
+                          <a:schemeClr val="tx1"/>
+                        </a:solidFill>
+                      </a:endParaRPr>
+                    </a:p>
+                  </a:txBody>
+                  <a:tcPr marL="9525" marR="9525" marT="9525" marB="0" anchor="b"/>
+                </a:tc>
+              </a:tr>
+            </a:tbl>
+          </a:graphicData>
+        </a:graphic>
+      </p:graphicFrame>
+      <p:sp>
+        <p:nvSpPr>
+          <p:cNvPr id="18" name="Rounded Rectangle 17"/>
+          <p:cNvSpPr/>
+          <p:nvPr/>
+        </p:nvSpPr>
+        <p:spPr bwMode="auto">
+          <a:xfrm>
+            <a:off x="3569366" y="2005263"/>
+            <a:ext cx="1136316" cy="2045369"/>
+          </a:xfrm>
+          <a:prstGeom prst="roundRect">
+            <a:avLst/>
+          </a:prstGeom>
+          <a:noFill/>
+          <a:ln w="101600" cap="flat" cmpd="sng" algn="ctr">
+            <a:solidFill>
+              <a:srgbClr val="3366FF"/>
+            </a:solidFill>
+            <a:prstDash val="solid"/>
+            <a:round/>
+            <a:headEnd type="none" w="med" len="med"/>
+            <a:tailEnd type="none" w="med" len="med"/>
+          </a:ln>
+          <a:effectLst/>
+        </p:spPr>
+        <p:txBody>
+          <a:bodyPr/>
+          <a:lstStyle/>
+          <a:p>
+            <a:endParaRPr lang="en-US"/>
+          </a:p>
+        </p:txBody>
+      </p:sp>
+      <p:sp>
+        <p:nvSpPr>
+          <p:cNvPr id="19" name="Rounded Rectangle 18"/>
+          <p:cNvSpPr/>
+          <p:nvPr/>
+        </p:nvSpPr>
+        <p:spPr bwMode="auto">
+          <a:xfrm>
+            <a:off x="5058613" y="2010610"/>
+            <a:ext cx="1136316" cy="2045369"/>
+          </a:xfrm>
+          <a:prstGeom prst="roundRect">
+            <a:avLst/>
+          </a:prstGeom>
+          <a:noFill/>
+          <a:ln w="101600" cap="flat" cmpd="sng" algn="ctr">
+            <a:solidFill>
+              <a:srgbClr val="3366FF"/>
+            </a:solidFill>
+            <a:prstDash val="solid"/>
+            <a:round/>
+            <a:headEnd type="none" w="med" len="med"/>
+            <a:tailEnd type="none" w="med" len="med"/>
+          </a:ln>
+          <a:effectLst/>
+        </p:spPr>
+        <p:txBody>
+          <a:bodyPr/>
+          <a:lstStyle/>
+          <a:p>
+            <a:endParaRPr lang="en-US"/>
+          </a:p>
+        </p:txBody>
+      </p:sp>
+      <p:cxnSp>
+        <p:nvCxnSpPr>
+          <p:cNvPr id="20" name="Straight Connector 19"/>
+          <p:cNvCxnSpPr/>
+          <p:nvPr/>
+        </p:nvCxnSpPr>
+        <p:spPr bwMode="auto">
+          <a:xfrm>
+            <a:off x="3340254" y="3034928"/>
+            <a:ext cx="702489" cy="628"/>
+          </a:xfrm>
+          <a:prstGeom prst="line">
+            <a:avLst/>
+          </a:prstGeom>
+          <a:solidFill>
+            <a:schemeClr val="accent1"/>
+          </a:solidFill>
+          <a:ln w="76200" cap="flat" cmpd="sng" algn="ctr">
+            <a:solidFill>
+              <a:srgbClr val="3366FF"/>
+            </a:solidFill>
+            <a:prstDash val="solid"/>
+            <a:round/>
+            <a:headEnd type="none" w="med" len="med"/>
+            <a:tailEnd type="triangle" w="lg"/>
+          </a:ln>
+          <a:effectLst/>
+        </p:spPr>
+      </p:cxnSp>
+      <p:cxnSp>
+        <p:nvCxnSpPr>
+          <p:cNvPr id="21" name="Straight Connector 20"/>
+          <p:cNvCxnSpPr/>
+          <p:nvPr/>
+        </p:nvCxnSpPr>
+        <p:spPr bwMode="auto">
+          <a:xfrm>
+            <a:off x="4816128" y="3321012"/>
+            <a:ext cx="702489" cy="628"/>
+          </a:xfrm>
+          <a:prstGeom prst="line">
+            <a:avLst/>
+          </a:prstGeom>
+          <a:solidFill>
+            <a:schemeClr val="accent1"/>
+          </a:solidFill>
+          <a:ln w="76200" cap="flat" cmpd="sng" algn="ctr">
+            <a:solidFill>
+              <a:srgbClr val="3366FF"/>
+            </a:solidFill>
+            <a:prstDash val="solid"/>
+            <a:round/>
+            <a:headEnd type="none" w="med" len="med"/>
+            <a:tailEnd type="triangle" w="lg"/>
+          </a:ln>
+          <a:effectLst/>
+        </p:spPr>
+      </p:cxnSp>
+      <p:sp>
+        <p:nvSpPr>
+          <p:cNvPr id="22" name="Content Placeholder 2"/>
+          <p:cNvSpPr>
+            <a:spLocks noGrp="1"/>
+          </p:cNvSpPr>
+          <p:nvPr>
+            <p:ph idx="1"/>
+          </p:nvPr>
+        </p:nvSpPr>
+        <p:spPr>
+          <a:xfrm>
+            <a:off x="719138" y="4531895"/>
+            <a:ext cx="8174037" cy="1992730"/>
+          </a:xfrm>
+        </p:spPr>
+        <p:txBody>
+          <a:bodyPr/>
+          <a:lstStyle/>
+          <a:p>
+            <a:pPr marL="285750" indent="-285750">
+              <a:buFont typeface="Arial"/>
+              <a:buChar char="•"/>
+            </a:pPr>
+            <a:r>
+              <a:rPr lang="en-US" dirty="0" smtClean="0"/>
+              <a:t>iterator on the right goes down until</a:t>
+            </a:r>
+          </a:p>
+          <a:p>
+            <a:pPr marL="731838" lvl="1" indent="-285750">
+              <a:buFont typeface="Arial"/>
+              <a:buChar char="•"/>
+            </a:pPr>
+            <a:r>
+              <a:rPr lang="en-US" dirty="0" smtClean="0"/>
+              <a:t>case 1: (left number == right number)</a:t>
+            </a:r>
+          </a:p>
+          <a:p>
+            <a:pPr marL="1179513" lvl="2" indent="-285750">
+              <a:buFont typeface="Arial"/>
+              <a:buChar char="•"/>
+            </a:pPr>
+            <a:r>
+              <a:rPr lang="en-US" dirty="0" smtClean="0"/>
+              <a:t>left iterator increased (algorithm proceeds)</a:t>
+            </a:r>
+          </a:p>
+          <a:p>
+            <a:pPr marL="731838" lvl="1" indent="-285750">
+              <a:buFont typeface="Arial"/>
+              <a:buChar char="•"/>
+            </a:pPr>
+            <a:r>
+              <a:rPr lang="en-US" dirty="0" smtClean="0"/>
+              <a:t>case 2: (right number &gt; left number)</a:t>
+            </a:r>
+          </a:p>
+          <a:p>
+            <a:pPr marL="1179513" lvl="2" indent="-285750">
+              <a:buFont typeface="Arial"/>
+              <a:buChar char="•"/>
+            </a:pPr>
+            <a:r>
+              <a:rPr lang="en-US" dirty="0" smtClean="0"/>
+              <a:t>no IND (algorithm stops)</a:t>
+            </a:r>
+          </a:p>
+        </p:txBody>
+      </p:sp>
+    </p:spTree>
+    <p:extLst>
+      <p:ext uri="{BB962C8B-B14F-4D97-AF65-F5344CB8AC3E}">
+        <p14:creationId xmlns:p14="http://schemas.microsoft.com/office/powerpoint/2010/main" val="1849309674"/>
+      </p:ext>
+    </p:extLst>
+  </p:cSld>
+  <p:clrMapOvr>
+    <a:masterClrMapping/>
+  </p:clrMapOvr>
+</p:sld>
+</file>
+
+<file path=ppt/slides/slide14.xml><?xml version="1.0" encoding="utf-8"?>
+<p:sld xmlns:a="http://schemas.openxmlformats.org/drawingml/2006/main" xmlns:r="http://schemas.openxmlformats.org/officeDocument/2006/relationships" xmlns:p="http://schemas.openxmlformats.org/presentationml/2006/main">
+  <p:cSld>
+    <p:spTree>
+      <p:nvGrpSpPr>
+        <p:cNvPr id="1" name=""/>
+        <p:cNvGrpSpPr/>
+        <p:nvPr/>
+      </p:nvGrpSpPr>
+      <p:grpSpPr>
+        <a:xfrm>
+          <a:off x="0" y="0"/>
+          <a:ext cx="0" cy="0"/>
+          <a:chOff x="0" y="0"/>
+          <a:chExt cx="0" cy="0"/>
+        </a:xfrm>
+      </p:grpSpPr>
+      <p:sp>
+        <p:nvSpPr>
+          <p:cNvPr id="4" name="Footer Placeholder 3"/>
+          <p:cNvSpPr>
+            <a:spLocks noGrp="1"/>
+          </p:cNvSpPr>
+          <p:nvPr>
+            <p:ph type="ftr" sz="quarter" idx="10"/>
+          </p:nvPr>
+        </p:nvSpPr>
+        <p:spPr/>
+        <p:txBody>
+          <a:bodyPr/>
+          <a:lstStyle/>
+          <a:p>
+            <a:r>
+              <a:rPr lang="de-DE" smtClean="0"/>
+              <a:t>DPDC – Assignment 1 | Christoph Oehlke, Markus Hinsche | May 16, 2013 </a:t>
+            </a:r>
+            <a:endParaRPr lang="de-DE"/>
+          </a:p>
+        </p:txBody>
+      </p:sp>
+      <p:sp>
+        <p:nvSpPr>
+          <p:cNvPr id="5" name="Slide Number Placeholder 4"/>
+          <p:cNvSpPr>
+            <a:spLocks noGrp="1"/>
+          </p:cNvSpPr>
+          <p:nvPr>
+            <p:ph type="sldNum" sz="quarter" idx="11"/>
+          </p:nvPr>
+        </p:nvSpPr>
+        <p:spPr/>
+        <p:txBody>
+          <a:bodyPr/>
+          <a:lstStyle/>
+          <a:p>
+            <a:fld id="{0C6113F6-D982-4F1F-82B4-AFA466AB9AFB}" type="slidenum">
+              <a:rPr lang="de-DE" smtClean="0"/>
+              <a:pPr/>
+              <a:t>14</a:t>
+            </a:fld>
+            <a:endParaRPr lang="de-DE"/>
+          </a:p>
+        </p:txBody>
+      </p:sp>
+      <p:sp>
+        <p:nvSpPr>
+          <p:cNvPr id="9" name="Title 1"/>
+          <p:cNvSpPr>
+            <a:spLocks noGrp="1"/>
+          </p:cNvSpPr>
+          <p:nvPr>
+            <p:ph type="title"/>
+          </p:nvPr>
+        </p:nvSpPr>
+        <p:spPr>
+          <a:xfrm>
+            <a:off x="787400" y="0"/>
+            <a:ext cx="6243638" cy="1008063"/>
+          </a:xfrm>
+        </p:spPr>
+        <p:txBody>
+          <a:bodyPr/>
+          <a:lstStyle/>
+          <a:p>
+            <a:r>
+              <a:rPr lang="en-US" dirty="0" smtClean="0"/>
+              <a:t>INDS core algorithm – case 2 – IND</a:t>
+            </a:r>
+            <a:endParaRPr lang="en-US" dirty="0"/>
+          </a:p>
+        </p:txBody>
+      </p:sp>
+      <p:graphicFrame>
+        <p:nvGraphicFramePr>
+          <p:cNvPr id="16" name="Table 8"/>
+          <p:cNvGraphicFramePr>
+            <a:graphicFrameLocks noGrp="1"/>
+          </p:cNvGraphicFramePr>
+          <p:nvPr>
+            <p:extLst>
+              <p:ext uri="{D42A27DB-BD31-4B8C-83A1-F6EECF244321}">
+                <p14:modId xmlns:p14="http://schemas.microsoft.com/office/powerpoint/2010/main" val="1369052221"/>
+              </p:ext>
+            </p:extLst>
+          </p:nvPr>
+        </p:nvGraphicFramePr>
+        <p:xfrm>
+          <a:off x="5014249" y="2245892"/>
+          <a:ext cx="2326104" cy="1784985"/>
+        </p:xfrm>
+        <a:graphic>
+          <a:graphicData uri="http://schemas.openxmlformats.org/drawingml/2006/table">
+            <a:tbl>
+              <a:tblPr firstRow="1" bandRow="1">
+                <a:tableStyleId>{5C22544A-7EE6-4342-B048-85BDC9FD1C3A}</a:tableStyleId>
+              </a:tblPr>
+              <a:tblGrid>
+                <a:gridCol w="1163052"/>
+                <a:gridCol w="1163052"/>
+              </a:tblGrid>
+              <a:tr h="249846">
+                <a:tc>
+                  <a:txBody>
+                    <a:bodyPr/>
+                    <a:lstStyle/>
+                    <a:p>
+                      <a:pPr algn="ctr"/>
+                      <a:r>
+                        <a:rPr lang="en-US" dirty="0" smtClean="0">
+                          <a:solidFill>
+                            <a:srgbClr val="FFFFFF"/>
+                          </a:solidFill>
+                        </a:rPr>
+                        <a:t>T1 C1</a:t>
+                      </a:r>
+                      <a:endParaRPr lang="en-US" dirty="0">
+                        <a:solidFill>
+                          <a:srgbClr val="FFFFFF"/>
+                        </a:solidFill>
+                      </a:endParaRPr>
+                    </a:p>
+                  </a:txBody>
+                  <a:tcPr/>
+                </a:tc>
+                <a:tc>
+                  <a:txBody>
+                    <a:bodyPr/>
+                    <a:lstStyle/>
+                    <a:p>
+                      <a:pPr algn="ctr"/>
+                      <a:r>
+                        <a:rPr lang="en-US" dirty="0" smtClean="0"/>
+                        <a:t>T1 C2</a:t>
+                      </a:r>
+                      <a:endParaRPr lang="en-US" dirty="0"/>
+                    </a:p>
+                  </a:txBody>
+                  <a:tcPr/>
+                </a:tc>
+              </a:tr>
+              <a:tr h="249846">
+                <a:tc>
+                  <a:txBody>
+                    <a:bodyPr/>
+                    <a:lstStyle/>
+                    <a:p>
+                      <a:pPr algn="ctr" fontAlgn="b"/>
+                      <a:r>
+                        <a:rPr lang="en-US" dirty="0" smtClean="0">
+                          <a:solidFill>
+                            <a:schemeClr val="tx1"/>
+                          </a:solidFill>
+                        </a:rPr>
+                        <a:t>1</a:t>
+                      </a:r>
+                      <a:endParaRPr lang="en-US" dirty="0">
+                        <a:solidFill>
+                          <a:schemeClr val="tx1"/>
+                        </a:solidFill>
+                      </a:endParaRPr>
+                    </a:p>
+                  </a:txBody>
+                  <a:tcPr marL="9525" marR="9525" marT="9525" marB="0" anchor="b"/>
+                </a:tc>
+                <a:tc>
+                  <a:txBody>
+                    <a:bodyPr/>
+                    <a:lstStyle/>
+                    <a:p>
+                      <a:pPr algn="ctr" fontAlgn="b"/>
+                      <a:r>
+                        <a:rPr lang="en-US" dirty="0" smtClean="0"/>
+                        <a:t>2</a:t>
+                      </a:r>
+                      <a:endParaRPr lang="en-US" dirty="0"/>
+                    </a:p>
+                  </a:txBody>
+                  <a:tcPr marL="9525" marR="9525" marT="9525" marB="0" anchor="b"/>
+                </a:tc>
+              </a:tr>
+              <a:tr h="249846">
+                <a:tc>
+                  <a:txBody>
+                    <a:bodyPr/>
+                    <a:lstStyle/>
+                    <a:p>
+                      <a:pPr algn="ctr" fontAlgn="b"/>
+                      <a:r>
+                        <a:rPr lang="en-US" dirty="0" smtClean="0">
+                          <a:solidFill>
+                            <a:schemeClr val="tx1"/>
+                          </a:solidFill>
+                        </a:rPr>
+                        <a:t>3</a:t>
+                      </a:r>
+                      <a:endParaRPr lang="en-US" dirty="0">
+                        <a:solidFill>
+                          <a:schemeClr val="tx1"/>
+                        </a:solidFill>
+                      </a:endParaRPr>
+                    </a:p>
+                  </a:txBody>
+                  <a:tcPr marL="9525" marR="9525" marT="9525" marB="0" anchor="b"/>
+                </a:tc>
+                <a:tc>
+                  <a:txBody>
+                    <a:bodyPr/>
+                    <a:lstStyle/>
+                    <a:p>
+                      <a:pPr algn="ctr" fontAlgn="b"/>
+                      <a:r>
+                        <a:rPr lang="en-US" dirty="0" smtClean="0"/>
+                        <a:t>5</a:t>
+                      </a:r>
+                      <a:endParaRPr lang="en-US" dirty="0"/>
+                    </a:p>
+                  </a:txBody>
+                  <a:tcPr marL="9525" marR="9525" marT="9525" marB="0" anchor="b"/>
+                </a:tc>
+              </a:tr>
+              <a:tr h="249846">
+                <a:tc>
+                  <a:txBody>
+                    <a:bodyPr/>
+                    <a:lstStyle/>
+                    <a:p>
+                      <a:pPr algn="ctr" fontAlgn="b"/>
+                      <a:r>
+                        <a:rPr lang="en-US" dirty="0" smtClean="0">
+                          <a:solidFill>
+                            <a:schemeClr val="tx1"/>
+                          </a:solidFill>
+                        </a:rPr>
+                        <a:t>4</a:t>
+                      </a:r>
+                      <a:endParaRPr lang="en-US" dirty="0">
+                        <a:solidFill>
+                          <a:schemeClr val="tx1"/>
+                        </a:solidFill>
+                      </a:endParaRPr>
+                    </a:p>
+                  </a:txBody>
+                  <a:tcPr marL="9525" marR="9525" marT="9525" marB="0" anchor="b"/>
+                </a:tc>
+                <a:tc>
+                  <a:txBody>
+                    <a:bodyPr/>
+                    <a:lstStyle/>
+                    <a:p>
+                      <a:pPr algn="ctr" fontAlgn="b"/>
+                      <a:r>
+                        <a:rPr lang="en-US" dirty="0" smtClean="0"/>
+                        <a:t>8</a:t>
+                      </a:r>
+                      <a:endParaRPr lang="en-US" dirty="0"/>
+                    </a:p>
+                  </a:txBody>
+                  <a:tcPr marL="9525" marR="9525" marT="9525" marB="0" anchor="b"/>
+                </a:tc>
+              </a:tr>
+              <a:tr h="249846">
+                <a:tc>
+                  <a:txBody>
+                    <a:bodyPr/>
+                    <a:lstStyle/>
+                    <a:p>
+                      <a:pPr algn="ctr" fontAlgn="b"/>
+                      <a:r>
+                        <a:rPr lang="en-US" dirty="0" smtClean="0">
+                          <a:solidFill>
+                            <a:schemeClr val="tx1"/>
+                          </a:solidFill>
+                        </a:rPr>
+                        <a:t>6 </a:t>
+                      </a:r>
+                      <a:endParaRPr lang="en-US" dirty="0">
+                        <a:solidFill>
+                          <a:schemeClr val="tx1"/>
+                        </a:solidFill>
+                      </a:endParaRPr>
+                    </a:p>
+                  </a:txBody>
+                  <a:tcPr marL="9525" marR="9525" marT="9525" marB="0" anchor="b"/>
+                </a:tc>
+                <a:tc>
+                  <a:txBody>
+                    <a:bodyPr/>
+                    <a:lstStyle/>
+                    <a:p>
+                      <a:pPr algn="ctr" fontAlgn="b"/>
+                      <a:endParaRPr lang="en-US" dirty="0"/>
+                    </a:p>
+                  </a:txBody>
+                  <a:tcPr marL="9525" marR="9525" marT="9525" marB="0" anchor="b"/>
+                </a:tc>
+              </a:tr>
+              <a:tr h="249846">
+                <a:tc>
+                  <a:txBody>
+                    <a:bodyPr/>
+                    <a:lstStyle/>
+                    <a:p>
+                      <a:pPr algn="ctr" fontAlgn="b"/>
+                      <a:r>
+                        <a:rPr lang="en-US" dirty="0" smtClean="0">
+                          <a:solidFill>
+                            <a:schemeClr val="tx1"/>
+                          </a:solidFill>
+                        </a:rPr>
+                        <a:t>7</a:t>
+                      </a:r>
+                      <a:endParaRPr lang="en-US" dirty="0">
+                        <a:solidFill>
+                          <a:schemeClr val="tx1"/>
+                        </a:solidFill>
+                      </a:endParaRPr>
+                    </a:p>
+                  </a:txBody>
+                  <a:tcPr marL="9525" marR="9525" marT="9525" marB="0" anchor="b"/>
+                </a:tc>
+                <a:tc>
+                  <a:txBody>
+                    <a:bodyPr/>
+                    <a:lstStyle/>
+                    <a:p>
+                      <a:pPr algn="ctr" fontAlgn="b"/>
+                      <a:endParaRPr lang="en-US" dirty="0"/>
+                    </a:p>
+                  </a:txBody>
+                  <a:tcPr marL="9525" marR="9525" marT="9525" marB="0" anchor="b"/>
+                </a:tc>
+              </a:tr>
+            </a:tbl>
+          </a:graphicData>
+        </a:graphic>
+      </p:graphicFrame>
+      <p:graphicFrame>
+        <p:nvGraphicFramePr>
+          <p:cNvPr id="17" name="Table 8"/>
+          <p:cNvGraphicFramePr>
+            <a:graphicFrameLocks noGrp="1"/>
+          </p:cNvGraphicFramePr>
+          <p:nvPr>
+            <p:extLst>
+              <p:ext uri="{D42A27DB-BD31-4B8C-83A1-F6EECF244321}">
+                <p14:modId xmlns:p14="http://schemas.microsoft.com/office/powerpoint/2010/main" val="3077377948"/>
+              </p:ext>
+            </p:extLst>
+          </p:nvPr>
+        </p:nvGraphicFramePr>
+        <p:xfrm>
+          <a:off x="2371558" y="2251239"/>
+          <a:ext cx="2326104" cy="1501140"/>
+        </p:xfrm>
+        <a:graphic>
+          <a:graphicData uri="http://schemas.openxmlformats.org/drawingml/2006/table">
+            <a:tbl>
+              <a:tblPr firstRow="1" bandRow="1">
+                <a:tableStyleId>{5C22544A-7EE6-4342-B048-85BDC9FD1C3A}</a:tableStyleId>
+              </a:tblPr>
+              <a:tblGrid>
+                <a:gridCol w="1163052"/>
+                <a:gridCol w="1163052"/>
+              </a:tblGrid>
+              <a:tr h="249846">
+                <a:tc>
+                  <a:txBody>
+                    <a:bodyPr/>
+                    <a:lstStyle/>
+                    <a:p>
+                      <a:pPr algn="ctr"/>
+                      <a:r>
+                        <a:rPr lang="en-US" dirty="0" smtClean="0"/>
+                        <a:t>T2 C1</a:t>
+                      </a:r>
+                      <a:endParaRPr lang="en-US" dirty="0"/>
+                    </a:p>
+                  </a:txBody>
+                  <a:tcPr/>
+                </a:tc>
+                <a:tc>
+                  <a:txBody>
+                    <a:bodyPr/>
+                    <a:lstStyle/>
+                    <a:p>
+                      <a:pPr algn="ctr"/>
+                      <a:r>
+                        <a:rPr lang="en-US" dirty="0" smtClean="0">
+                          <a:solidFill>
+                            <a:schemeClr val="bg1"/>
+                          </a:solidFill>
+                        </a:rPr>
+                        <a:t>T2 C2</a:t>
+                      </a:r>
+                      <a:endParaRPr lang="en-US" dirty="0">
+                        <a:solidFill>
+                          <a:schemeClr val="bg1"/>
+                        </a:solidFill>
+                      </a:endParaRPr>
+                    </a:p>
+                  </a:txBody>
+                  <a:tcPr/>
+                </a:tc>
+              </a:tr>
+              <a:tr h="249846">
+                <a:tc>
+                  <a:txBody>
+                    <a:bodyPr/>
+                    <a:lstStyle/>
+                    <a:p>
+                      <a:pPr algn="ctr" fontAlgn="b"/>
+                      <a:r>
+                        <a:rPr lang="en-US" dirty="0" smtClean="0"/>
+                        <a:t>2</a:t>
+                      </a:r>
+                      <a:endParaRPr lang="en-US" dirty="0"/>
+                    </a:p>
+                  </a:txBody>
+                  <a:tcPr marL="9525" marR="9525" marT="9525" marB="0" anchor="b"/>
+                </a:tc>
+                <a:tc>
+                  <a:txBody>
+                    <a:bodyPr/>
+                    <a:lstStyle/>
+                    <a:p>
+                      <a:pPr algn="ctr" fontAlgn="b"/>
+                      <a:r>
+                        <a:rPr lang="en-US" dirty="0" smtClean="0">
+                          <a:solidFill>
+                            <a:schemeClr val="tx1"/>
+                          </a:solidFill>
+                        </a:rPr>
+                        <a:t>1</a:t>
+                      </a:r>
+                      <a:endParaRPr lang="en-US" dirty="0">
+                        <a:solidFill>
+                          <a:schemeClr val="tx1"/>
+                        </a:solidFill>
+                      </a:endParaRPr>
+                    </a:p>
+                  </a:txBody>
+                  <a:tcPr marL="9525" marR="9525" marT="9525" marB="0" anchor="b"/>
+                </a:tc>
+              </a:tr>
+              <a:tr h="249846">
+                <a:tc>
+                  <a:txBody>
+                    <a:bodyPr/>
+                    <a:lstStyle/>
+                    <a:p>
+                      <a:pPr algn="ctr" fontAlgn="b"/>
+                      <a:r>
+                        <a:rPr lang="en-US" dirty="0" smtClean="0"/>
+                        <a:t>4</a:t>
+                      </a:r>
+                      <a:endParaRPr lang="en-US" dirty="0"/>
+                    </a:p>
+                  </a:txBody>
+                  <a:tcPr marL="9525" marR="9525" marT="9525" marB="0" anchor="b"/>
+                </a:tc>
+                <a:tc>
+                  <a:txBody>
+                    <a:bodyPr/>
+                    <a:lstStyle/>
+                    <a:p>
+                      <a:pPr algn="ctr" fontAlgn="b"/>
+                      <a:r>
+                        <a:rPr lang="en-US" dirty="0" smtClean="0">
+                          <a:solidFill>
+                            <a:schemeClr val="tx1"/>
+                          </a:solidFill>
+                        </a:rPr>
+                        <a:t>4</a:t>
+                      </a:r>
+                      <a:endParaRPr lang="en-US" dirty="0">
+                        <a:solidFill>
+                          <a:schemeClr val="tx1"/>
+                        </a:solidFill>
+                      </a:endParaRPr>
+                    </a:p>
+                  </a:txBody>
+                  <a:tcPr marL="9525" marR="9525" marT="9525" marB="0" anchor="b"/>
+                </a:tc>
+              </a:tr>
+              <a:tr h="249846">
+                <a:tc>
+                  <a:txBody>
+                    <a:bodyPr/>
+                    <a:lstStyle/>
+                    <a:p>
+                      <a:pPr algn="ctr" fontAlgn="b"/>
+                      <a:r>
+                        <a:rPr lang="en-US" dirty="0" smtClean="0"/>
+                        <a:t>5</a:t>
+                      </a:r>
+                      <a:endParaRPr lang="en-US" dirty="0"/>
+                    </a:p>
+                  </a:txBody>
+                  <a:tcPr marL="9525" marR="9525" marT="9525" marB="0" anchor="b"/>
+                </a:tc>
+                <a:tc>
+                  <a:txBody>
+                    <a:bodyPr/>
+                    <a:lstStyle/>
+                    <a:p>
+                      <a:pPr algn="ctr" fontAlgn="b"/>
+                      <a:r>
+                        <a:rPr lang="en-US" dirty="0" smtClean="0">
+                          <a:solidFill>
+                            <a:schemeClr val="tx1"/>
+                          </a:solidFill>
+                        </a:rPr>
+                        <a:t>6</a:t>
+                      </a:r>
+                      <a:endParaRPr lang="en-US" dirty="0">
+                        <a:solidFill>
+                          <a:schemeClr val="tx1"/>
+                        </a:solidFill>
+                      </a:endParaRPr>
+                    </a:p>
+                  </a:txBody>
+                  <a:tcPr marL="9525" marR="9525" marT="9525" marB="0" anchor="b"/>
+                </a:tc>
+              </a:tr>
+              <a:tr h="249846">
+                <a:tc>
+                  <a:txBody>
+                    <a:bodyPr/>
+                    <a:lstStyle/>
+                    <a:p>
+                      <a:pPr algn="ctr" fontAlgn="b"/>
+                      <a:endParaRPr lang="en-US" dirty="0"/>
+                    </a:p>
+                  </a:txBody>
+                  <a:tcPr marL="9525" marR="9525" marT="9525" marB="0" anchor="b"/>
+                </a:tc>
+                <a:tc>
+                  <a:txBody>
+                    <a:bodyPr/>
+                    <a:lstStyle/>
+                    <a:p>
+                      <a:pPr algn="ctr" fontAlgn="b"/>
+                      <a:endParaRPr lang="en-US" dirty="0">
+                        <a:solidFill>
+                          <a:schemeClr val="tx1"/>
+                        </a:solidFill>
+                      </a:endParaRPr>
+                    </a:p>
+                  </a:txBody>
+                  <a:tcPr marL="9525" marR="9525" marT="9525" marB="0" anchor="b"/>
+                </a:tc>
+              </a:tr>
+            </a:tbl>
+          </a:graphicData>
+        </a:graphic>
+      </p:graphicFrame>
+      <p:sp>
+        <p:nvSpPr>
+          <p:cNvPr id="18" name="Rounded Rectangle 17"/>
+          <p:cNvSpPr/>
+          <p:nvPr/>
+        </p:nvSpPr>
+        <p:spPr bwMode="auto">
+          <a:xfrm>
+            <a:off x="3569366" y="2005263"/>
+            <a:ext cx="1136316" cy="2045369"/>
+          </a:xfrm>
+          <a:prstGeom prst="roundRect">
+            <a:avLst/>
+          </a:prstGeom>
+          <a:noFill/>
+          <a:ln w="101600" cap="flat" cmpd="sng" algn="ctr">
+            <a:solidFill>
+              <a:srgbClr val="3366FF"/>
+            </a:solidFill>
+            <a:prstDash val="solid"/>
+            <a:round/>
+            <a:headEnd type="none" w="med" len="med"/>
+            <a:tailEnd type="none" w="med" len="med"/>
+          </a:ln>
+          <a:effectLst/>
+        </p:spPr>
+        <p:txBody>
+          <a:bodyPr/>
+          <a:lstStyle/>
+          <a:p>
+            <a:endParaRPr lang="en-US"/>
+          </a:p>
+        </p:txBody>
+      </p:sp>
+      <p:sp>
+        <p:nvSpPr>
+          <p:cNvPr id="19" name="Rounded Rectangle 18"/>
+          <p:cNvSpPr/>
+          <p:nvPr/>
+        </p:nvSpPr>
+        <p:spPr bwMode="auto">
+          <a:xfrm>
+            <a:off x="5058613" y="2010610"/>
+            <a:ext cx="1136316" cy="2045369"/>
+          </a:xfrm>
+          <a:prstGeom prst="roundRect">
+            <a:avLst/>
+          </a:prstGeom>
+          <a:noFill/>
+          <a:ln w="101600" cap="flat" cmpd="sng" algn="ctr">
+            <a:solidFill>
+              <a:srgbClr val="3366FF"/>
+            </a:solidFill>
+            <a:prstDash val="solid"/>
+            <a:round/>
+            <a:headEnd type="none" w="med" len="med"/>
+            <a:tailEnd type="none" w="med" len="med"/>
+          </a:ln>
+          <a:effectLst/>
+        </p:spPr>
+        <p:txBody>
+          <a:bodyPr/>
+          <a:lstStyle/>
+          <a:p>
+            <a:endParaRPr lang="en-US"/>
+          </a:p>
+        </p:txBody>
+      </p:sp>
+      <p:cxnSp>
+        <p:nvCxnSpPr>
+          <p:cNvPr id="20" name="Straight Connector 19"/>
+          <p:cNvCxnSpPr/>
+          <p:nvPr/>
+        </p:nvCxnSpPr>
+        <p:spPr bwMode="auto">
+          <a:xfrm>
+            <a:off x="3340254" y="3302296"/>
+            <a:ext cx="702489" cy="628"/>
+          </a:xfrm>
+          <a:prstGeom prst="line">
+            <a:avLst/>
+          </a:prstGeom>
+          <a:solidFill>
+            <a:schemeClr val="accent1"/>
+          </a:solidFill>
+          <a:ln w="76200" cap="flat" cmpd="sng" algn="ctr">
+            <a:solidFill>
+              <a:srgbClr val="3366FF"/>
+            </a:solidFill>
+            <a:prstDash val="solid"/>
+            <a:round/>
+            <a:headEnd type="none" w="med" len="med"/>
+            <a:tailEnd type="triangle" w="lg"/>
+          </a:ln>
+          <a:effectLst/>
+        </p:spPr>
+      </p:cxnSp>
+      <p:cxnSp>
+        <p:nvCxnSpPr>
+          <p:cNvPr id="21" name="Straight Connector 20"/>
+          <p:cNvCxnSpPr/>
+          <p:nvPr/>
+        </p:nvCxnSpPr>
+        <p:spPr bwMode="auto">
+          <a:xfrm>
+            <a:off x="4816128" y="3321012"/>
+            <a:ext cx="702489" cy="628"/>
+          </a:xfrm>
+          <a:prstGeom prst="line">
+            <a:avLst/>
+          </a:prstGeom>
+          <a:solidFill>
+            <a:schemeClr val="accent1"/>
+          </a:solidFill>
+          <a:ln w="76200" cap="flat" cmpd="sng" algn="ctr">
+            <a:solidFill>
+              <a:srgbClr val="3366FF"/>
+            </a:solidFill>
+            <a:prstDash val="solid"/>
+            <a:round/>
+            <a:headEnd type="none" w="med" len="med"/>
+            <a:tailEnd type="triangle" w="lg"/>
+          </a:ln>
+          <a:effectLst/>
+        </p:spPr>
+      </p:cxnSp>
+      <p:sp>
+        <p:nvSpPr>
+          <p:cNvPr id="22" name="Content Placeholder 2"/>
+          <p:cNvSpPr>
+            <a:spLocks noGrp="1"/>
+          </p:cNvSpPr>
+          <p:nvPr>
+            <p:ph idx="1"/>
+          </p:nvPr>
+        </p:nvSpPr>
+        <p:spPr>
+          <a:xfrm>
+            <a:off x="719138" y="4531895"/>
+            <a:ext cx="8174037" cy="1992730"/>
+          </a:xfrm>
+        </p:spPr>
+        <p:txBody>
+          <a:bodyPr/>
+          <a:lstStyle/>
+          <a:p>
+            <a:pPr marL="285750" indent="-285750">
+              <a:buFont typeface="Arial"/>
+              <a:buChar char="•"/>
+            </a:pPr>
+            <a:r>
+              <a:rPr lang="en-US" dirty="0" smtClean="0"/>
+              <a:t>iterator on the right goes down until</a:t>
+            </a:r>
+          </a:p>
+          <a:p>
+            <a:pPr marL="731838" lvl="1" indent="-285750">
+              <a:buFont typeface="Arial"/>
+              <a:buChar char="•"/>
+            </a:pPr>
+            <a:r>
+              <a:rPr lang="en-US" dirty="0" smtClean="0"/>
+              <a:t>case 1: (left number == right number)</a:t>
+            </a:r>
+          </a:p>
+          <a:p>
+            <a:pPr marL="1179513" lvl="2" indent="-285750">
+              <a:buFont typeface="Arial"/>
+              <a:buChar char="•"/>
+            </a:pPr>
+            <a:r>
+              <a:rPr lang="en-US" dirty="0" smtClean="0"/>
+              <a:t>left iterator increased (algorithm proceeds)</a:t>
+            </a:r>
+          </a:p>
+          <a:p>
+            <a:pPr marL="731838" lvl="1" indent="-285750">
+              <a:buFont typeface="Arial"/>
+              <a:buChar char="•"/>
+            </a:pPr>
+            <a:r>
+              <a:rPr lang="en-US" dirty="0" smtClean="0"/>
+              <a:t>case 2: (right number &gt; left number)</a:t>
+            </a:r>
+          </a:p>
+          <a:p>
+            <a:pPr marL="1179513" lvl="2" indent="-285750">
+              <a:buFont typeface="Arial"/>
+              <a:buChar char="•"/>
+            </a:pPr>
+            <a:r>
+              <a:rPr lang="en-US" dirty="0" smtClean="0"/>
+              <a:t>no IND (algorithm stops)</a:t>
+            </a:r>
+          </a:p>
+        </p:txBody>
+      </p:sp>
+    </p:spTree>
+    <p:extLst>
+      <p:ext uri="{BB962C8B-B14F-4D97-AF65-F5344CB8AC3E}">
+        <p14:creationId xmlns:p14="http://schemas.microsoft.com/office/powerpoint/2010/main" val="473630865"/>
+      </p:ext>
+    </p:extLst>
+  </p:cSld>
+  <p:clrMapOvr>
+    <a:masterClrMapping/>
+  </p:clrMapOvr>
+</p:sld>
+</file>
+
+<file path=ppt/slides/slide15.xml><?xml version="1.0" encoding="utf-8"?>
+<p:sld xmlns:a="http://schemas.openxmlformats.org/drawingml/2006/main" xmlns:r="http://schemas.openxmlformats.org/officeDocument/2006/relationships" xmlns:p="http://schemas.openxmlformats.org/presentationml/2006/main">
+  <p:cSld>
+    <p:spTree>
+      <p:nvGrpSpPr>
+        <p:cNvPr id="1" name=""/>
+        <p:cNvGrpSpPr/>
+        <p:nvPr/>
+      </p:nvGrpSpPr>
+      <p:grpSpPr>
+        <a:xfrm>
+          <a:off x="0" y="0"/>
+          <a:ext cx="0" cy="0"/>
+          <a:chOff x="0" y="0"/>
+          <a:chExt cx="0" cy="0"/>
+        </a:xfrm>
+      </p:grpSpPr>
+      <p:sp>
+        <p:nvSpPr>
+          <p:cNvPr id="4" name="Footer Placeholder 3"/>
+          <p:cNvSpPr>
+            <a:spLocks noGrp="1"/>
+          </p:cNvSpPr>
+          <p:nvPr>
+            <p:ph type="ftr" sz="quarter" idx="10"/>
+          </p:nvPr>
+        </p:nvSpPr>
+        <p:spPr/>
+        <p:txBody>
+          <a:bodyPr/>
+          <a:lstStyle/>
+          <a:p>
+            <a:r>
+              <a:rPr lang="de-DE" smtClean="0"/>
+              <a:t>DPDC – Assignment 1 | Christoph Oehlke, Markus Hinsche | May 16, 2013 </a:t>
+            </a:r>
+            <a:endParaRPr lang="de-DE"/>
+          </a:p>
+        </p:txBody>
+      </p:sp>
+      <p:sp>
+        <p:nvSpPr>
+          <p:cNvPr id="5" name="Slide Number Placeholder 4"/>
+          <p:cNvSpPr>
+            <a:spLocks noGrp="1"/>
+          </p:cNvSpPr>
+          <p:nvPr>
+            <p:ph type="sldNum" sz="quarter" idx="11"/>
+          </p:nvPr>
+        </p:nvSpPr>
+        <p:spPr/>
+        <p:txBody>
+          <a:bodyPr/>
+          <a:lstStyle/>
+          <a:p>
+            <a:fld id="{0C6113F6-D982-4F1F-82B4-AFA466AB9AFB}" type="slidenum">
+              <a:rPr lang="de-DE" smtClean="0"/>
+              <a:pPr/>
+              <a:t>15</a:t>
+            </a:fld>
+            <a:endParaRPr lang="de-DE"/>
+          </a:p>
+        </p:txBody>
+      </p:sp>
+      <p:sp>
+        <p:nvSpPr>
+          <p:cNvPr id="9" name="Title 1"/>
+          <p:cNvSpPr>
+            <a:spLocks noGrp="1"/>
+          </p:cNvSpPr>
+          <p:nvPr>
+            <p:ph type="title"/>
+          </p:nvPr>
+        </p:nvSpPr>
+        <p:spPr>
+          <a:xfrm>
+            <a:off x="787400" y="0"/>
+            <a:ext cx="6243638" cy="1008063"/>
+          </a:xfrm>
+        </p:spPr>
+        <p:txBody>
+          <a:bodyPr/>
+          <a:lstStyle/>
+          <a:p>
+            <a:r>
+              <a:rPr lang="en-US" dirty="0" smtClean="0"/>
+              <a:t>INDS core algorithm – case 2 – IND</a:t>
+            </a:r>
+            <a:endParaRPr lang="en-US" dirty="0"/>
+          </a:p>
+        </p:txBody>
+      </p:sp>
+      <p:graphicFrame>
+        <p:nvGraphicFramePr>
+          <p:cNvPr id="16" name="Table 8"/>
+          <p:cNvGraphicFramePr>
+            <a:graphicFrameLocks noGrp="1"/>
+          </p:cNvGraphicFramePr>
+          <p:nvPr>
+            <p:extLst>
+              <p:ext uri="{D42A27DB-BD31-4B8C-83A1-F6EECF244321}">
+                <p14:modId xmlns:p14="http://schemas.microsoft.com/office/powerpoint/2010/main" val="1037824568"/>
+              </p:ext>
+            </p:extLst>
+          </p:nvPr>
+        </p:nvGraphicFramePr>
+        <p:xfrm>
+          <a:off x="5014249" y="2245892"/>
+          <a:ext cx="2326104" cy="1784985"/>
+        </p:xfrm>
+        <a:graphic>
+          <a:graphicData uri="http://schemas.openxmlformats.org/drawingml/2006/table">
+            <a:tbl>
+              <a:tblPr firstRow="1" bandRow="1">
+                <a:tableStyleId>{5C22544A-7EE6-4342-B048-85BDC9FD1C3A}</a:tableStyleId>
+              </a:tblPr>
+              <a:tblGrid>
+                <a:gridCol w="1163052"/>
+                <a:gridCol w="1163052"/>
+              </a:tblGrid>
+              <a:tr h="249846">
+                <a:tc>
+                  <a:txBody>
+                    <a:bodyPr/>
+                    <a:lstStyle/>
+                    <a:p>
+                      <a:pPr algn="ctr"/>
+                      <a:r>
+                        <a:rPr lang="en-US" dirty="0" smtClean="0">
+                          <a:solidFill>
+                            <a:srgbClr val="FFFFFF"/>
+                          </a:solidFill>
+                        </a:rPr>
+                        <a:t>T1 C1</a:t>
+                      </a:r>
+                      <a:endParaRPr lang="en-US" dirty="0">
+                        <a:solidFill>
+                          <a:srgbClr val="FFFFFF"/>
+                        </a:solidFill>
+                      </a:endParaRPr>
+                    </a:p>
+                  </a:txBody>
+                  <a:tcPr/>
+                </a:tc>
+                <a:tc>
+                  <a:txBody>
+                    <a:bodyPr/>
+                    <a:lstStyle/>
+                    <a:p>
+                      <a:pPr algn="ctr"/>
+                      <a:r>
+                        <a:rPr lang="en-US" dirty="0" smtClean="0"/>
+                        <a:t>T1 C2</a:t>
+                      </a:r>
+                      <a:endParaRPr lang="en-US" dirty="0"/>
+                    </a:p>
+                  </a:txBody>
+                  <a:tcPr/>
+                </a:tc>
+              </a:tr>
+              <a:tr h="249846">
+                <a:tc>
+                  <a:txBody>
+                    <a:bodyPr/>
+                    <a:lstStyle/>
+                    <a:p>
+                      <a:pPr algn="ctr" fontAlgn="b"/>
+                      <a:r>
+                        <a:rPr lang="en-US" dirty="0" smtClean="0">
+                          <a:solidFill>
+                            <a:schemeClr val="tx1"/>
+                          </a:solidFill>
+                        </a:rPr>
+                        <a:t>1</a:t>
+                      </a:r>
+                      <a:endParaRPr lang="en-US" dirty="0">
+                        <a:solidFill>
+                          <a:schemeClr val="tx1"/>
+                        </a:solidFill>
+                      </a:endParaRPr>
+                    </a:p>
+                  </a:txBody>
+                  <a:tcPr marL="9525" marR="9525" marT="9525" marB="0" anchor="b"/>
+                </a:tc>
+                <a:tc>
+                  <a:txBody>
+                    <a:bodyPr/>
+                    <a:lstStyle/>
+                    <a:p>
+                      <a:pPr algn="ctr" fontAlgn="b"/>
+                      <a:r>
+                        <a:rPr lang="en-US" dirty="0" smtClean="0"/>
+                        <a:t>2</a:t>
+                      </a:r>
+                      <a:endParaRPr lang="en-US" dirty="0"/>
+                    </a:p>
+                  </a:txBody>
+                  <a:tcPr marL="9525" marR="9525" marT="9525" marB="0" anchor="b"/>
+                </a:tc>
+              </a:tr>
+              <a:tr h="249846">
+                <a:tc>
+                  <a:txBody>
+                    <a:bodyPr/>
+                    <a:lstStyle/>
+                    <a:p>
+                      <a:pPr algn="ctr" fontAlgn="b"/>
+                      <a:r>
+                        <a:rPr lang="en-US" dirty="0" smtClean="0">
+                          <a:solidFill>
+                            <a:schemeClr val="tx1"/>
+                          </a:solidFill>
+                        </a:rPr>
+                        <a:t>3</a:t>
+                      </a:r>
+                      <a:endParaRPr lang="en-US" dirty="0">
+                        <a:solidFill>
+                          <a:schemeClr val="tx1"/>
+                        </a:solidFill>
+                      </a:endParaRPr>
+                    </a:p>
+                  </a:txBody>
+                  <a:tcPr marL="9525" marR="9525" marT="9525" marB="0" anchor="b"/>
+                </a:tc>
+                <a:tc>
+                  <a:txBody>
+                    <a:bodyPr/>
+                    <a:lstStyle/>
+                    <a:p>
+                      <a:pPr algn="ctr" fontAlgn="b"/>
+                      <a:r>
+                        <a:rPr lang="en-US" dirty="0" smtClean="0"/>
+                        <a:t>5</a:t>
+                      </a:r>
+                      <a:endParaRPr lang="en-US" dirty="0"/>
+                    </a:p>
+                  </a:txBody>
+                  <a:tcPr marL="9525" marR="9525" marT="9525" marB="0" anchor="b"/>
+                </a:tc>
+              </a:tr>
+              <a:tr h="249846">
+                <a:tc>
+                  <a:txBody>
+                    <a:bodyPr/>
+                    <a:lstStyle/>
+                    <a:p>
+                      <a:pPr algn="ctr" fontAlgn="b"/>
+                      <a:r>
+                        <a:rPr lang="en-US" dirty="0" smtClean="0">
+                          <a:solidFill>
+                            <a:schemeClr val="tx1"/>
+                          </a:solidFill>
+                        </a:rPr>
+                        <a:t>4</a:t>
+                      </a:r>
+                      <a:endParaRPr lang="en-US" dirty="0">
+                        <a:solidFill>
+                          <a:schemeClr val="tx1"/>
+                        </a:solidFill>
+                      </a:endParaRPr>
+                    </a:p>
+                  </a:txBody>
+                  <a:tcPr marL="9525" marR="9525" marT="9525" marB="0" anchor="b"/>
+                </a:tc>
+                <a:tc>
+                  <a:txBody>
+                    <a:bodyPr/>
+                    <a:lstStyle/>
+                    <a:p>
+                      <a:pPr algn="ctr" fontAlgn="b"/>
+                      <a:r>
+                        <a:rPr lang="en-US" dirty="0" smtClean="0"/>
+                        <a:t>8</a:t>
+                      </a:r>
+                      <a:endParaRPr lang="en-US" dirty="0"/>
+                    </a:p>
+                  </a:txBody>
+                  <a:tcPr marL="9525" marR="9525" marT="9525" marB="0" anchor="b"/>
+                </a:tc>
+              </a:tr>
+              <a:tr h="249846">
+                <a:tc>
+                  <a:txBody>
+                    <a:bodyPr/>
+                    <a:lstStyle/>
+                    <a:p>
+                      <a:pPr algn="ctr" fontAlgn="b"/>
+                      <a:r>
+                        <a:rPr lang="en-US" dirty="0" smtClean="0">
+                          <a:solidFill>
+                            <a:schemeClr val="tx1"/>
+                          </a:solidFill>
+                        </a:rPr>
+                        <a:t>6 </a:t>
+                      </a:r>
+                      <a:endParaRPr lang="en-US" dirty="0">
+                        <a:solidFill>
+                          <a:schemeClr val="tx1"/>
+                        </a:solidFill>
+                      </a:endParaRPr>
+                    </a:p>
+                  </a:txBody>
+                  <a:tcPr marL="9525" marR="9525" marT="9525" marB="0" anchor="b"/>
+                </a:tc>
+                <a:tc>
+                  <a:txBody>
+                    <a:bodyPr/>
+                    <a:lstStyle/>
+                    <a:p>
+                      <a:pPr algn="ctr" fontAlgn="b"/>
+                      <a:endParaRPr lang="en-US" dirty="0"/>
+                    </a:p>
+                  </a:txBody>
+                  <a:tcPr marL="9525" marR="9525" marT="9525" marB="0" anchor="b"/>
+                </a:tc>
+              </a:tr>
+              <a:tr h="249846">
+                <a:tc>
+                  <a:txBody>
+                    <a:bodyPr/>
+                    <a:lstStyle/>
+                    <a:p>
+                      <a:pPr algn="ctr" fontAlgn="b"/>
+                      <a:r>
+                        <a:rPr lang="en-US" dirty="0" smtClean="0">
+                          <a:solidFill>
+                            <a:schemeClr val="tx1"/>
+                          </a:solidFill>
+                        </a:rPr>
+                        <a:t>7</a:t>
+                      </a:r>
+                      <a:endParaRPr lang="en-US" dirty="0">
+                        <a:solidFill>
+                          <a:schemeClr val="tx1"/>
+                        </a:solidFill>
+                      </a:endParaRPr>
+                    </a:p>
+                  </a:txBody>
+                  <a:tcPr marL="9525" marR="9525" marT="9525" marB="0" anchor="b"/>
+                </a:tc>
+                <a:tc>
+                  <a:txBody>
+                    <a:bodyPr/>
+                    <a:lstStyle/>
+                    <a:p>
+                      <a:pPr algn="ctr" fontAlgn="b"/>
+                      <a:endParaRPr lang="en-US" dirty="0"/>
+                    </a:p>
+                  </a:txBody>
+                  <a:tcPr marL="9525" marR="9525" marT="9525" marB="0" anchor="b"/>
+                </a:tc>
+              </a:tr>
+            </a:tbl>
+          </a:graphicData>
+        </a:graphic>
+      </p:graphicFrame>
+      <p:graphicFrame>
+        <p:nvGraphicFramePr>
+          <p:cNvPr id="17" name="Table 8"/>
+          <p:cNvGraphicFramePr>
+            <a:graphicFrameLocks noGrp="1"/>
+          </p:cNvGraphicFramePr>
+          <p:nvPr>
+            <p:extLst>
+              <p:ext uri="{D42A27DB-BD31-4B8C-83A1-F6EECF244321}">
+                <p14:modId xmlns:p14="http://schemas.microsoft.com/office/powerpoint/2010/main" val="4168276995"/>
+              </p:ext>
+            </p:extLst>
+          </p:nvPr>
+        </p:nvGraphicFramePr>
+        <p:xfrm>
+          <a:off x="2371558" y="2251239"/>
+          <a:ext cx="2326104" cy="1501140"/>
+        </p:xfrm>
+        <a:graphic>
+          <a:graphicData uri="http://schemas.openxmlformats.org/drawingml/2006/table">
+            <a:tbl>
+              <a:tblPr firstRow="1" bandRow="1">
+                <a:tableStyleId>{5C22544A-7EE6-4342-B048-85BDC9FD1C3A}</a:tableStyleId>
+              </a:tblPr>
+              <a:tblGrid>
+                <a:gridCol w="1163052"/>
+                <a:gridCol w="1163052"/>
+              </a:tblGrid>
+              <a:tr h="249846">
+                <a:tc>
+                  <a:txBody>
+                    <a:bodyPr/>
+                    <a:lstStyle/>
+                    <a:p>
+                      <a:pPr algn="ctr"/>
+                      <a:r>
+                        <a:rPr lang="en-US" dirty="0" smtClean="0"/>
+                        <a:t>T2 C1</a:t>
+                      </a:r>
+                      <a:endParaRPr lang="en-US" dirty="0"/>
+                    </a:p>
+                  </a:txBody>
+                  <a:tcPr/>
+                </a:tc>
+                <a:tc>
+                  <a:txBody>
+                    <a:bodyPr/>
+                    <a:lstStyle/>
+                    <a:p>
+                      <a:pPr algn="ctr"/>
+                      <a:r>
+                        <a:rPr lang="en-US" dirty="0" smtClean="0">
+                          <a:solidFill>
+                            <a:schemeClr val="bg1"/>
+                          </a:solidFill>
+                        </a:rPr>
+                        <a:t>T2 C2</a:t>
+                      </a:r>
+                      <a:endParaRPr lang="en-US" dirty="0">
+                        <a:solidFill>
+                          <a:schemeClr val="bg1"/>
+                        </a:solidFill>
+                      </a:endParaRPr>
+                    </a:p>
+                  </a:txBody>
+                  <a:tcPr/>
+                </a:tc>
+              </a:tr>
+              <a:tr h="249846">
+                <a:tc>
+                  <a:txBody>
+                    <a:bodyPr/>
+                    <a:lstStyle/>
+                    <a:p>
+                      <a:pPr algn="ctr" fontAlgn="b"/>
+                      <a:r>
+                        <a:rPr lang="en-US" dirty="0" smtClean="0"/>
+                        <a:t>2</a:t>
+                      </a:r>
+                      <a:endParaRPr lang="en-US" dirty="0"/>
+                    </a:p>
+                  </a:txBody>
+                  <a:tcPr marL="9525" marR="9525" marT="9525" marB="0" anchor="b"/>
+                </a:tc>
+                <a:tc>
+                  <a:txBody>
+                    <a:bodyPr/>
+                    <a:lstStyle/>
+                    <a:p>
+                      <a:pPr algn="ctr" fontAlgn="b"/>
+                      <a:r>
+                        <a:rPr lang="en-US" dirty="0" smtClean="0">
+                          <a:solidFill>
+                            <a:schemeClr val="tx1"/>
+                          </a:solidFill>
+                        </a:rPr>
+                        <a:t>1</a:t>
+                      </a:r>
+                      <a:endParaRPr lang="en-US" dirty="0">
+                        <a:solidFill>
+                          <a:schemeClr val="tx1"/>
+                        </a:solidFill>
+                      </a:endParaRPr>
+                    </a:p>
+                  </a:txBody>
+                  <a:tcPr marL="9525" marR="9525" marT="9525" marB="0" anchor="b"/>
+                </a:tc>
+              </a:tr>
+              <a:tr h="249846">
+                <a:tc>
+                  <a:txBody>
+                    <a:bodyPr/>
+                    <a:lstStyle/>
+                    <a:p>
+                      <a:pPr algn="ctr" fontAlgn="b"/>
+                      <a:r>
+                        <a:rPr lang="en-US" dirty="0" smtClean="0"/>
+                        <a:t>4</a:t>
+                      </a:r>
+                      <a:endParaRPr lang="en-US" dirty="0"/>
+                    </a:p>
+                  </a:txBody>
+                  <a:tcPr marL="9525" marR="9525" marT="9525" marB="0" anchor="b"/>
+                </a:tc>
+                <a:tc>
+                  <a:txBody>
+                    <a:bodyPr/>
+                    <a:lstStyle/>
+                    <a:p>
+                      <a:pPr algn="ctr" fontAlgn="b"/>
+                      <a:r>
+                        <a:rPr lang="en-US" dirty="0" smtClean="0">
+                          <a:solidFill>
+                            <a:schemeClr val="tx1"/>
+                          </a:solidFill>
+                        </a:rPr>
+                        <a:t>4</a:t>
+                      </a:r>
+                      <a:endParaRPr lang="en-US" dirty="0">
+                        <a:solidFill>
+                          <a:schemeClr val="tx1"/>
+                        </a:solidFill>
+                      </a:endParaRPr>
+                    </a:p>
+                  </a:txBody>
+                  <a:tcPr marL="9525" marR="9525" marT="9525" marB="0" anchor="b"/>
+                </a:tc>
+              </a:tr>
+              <a:tr h="249846">
+                <a:tc>
+                  <a:txBody>
+                    <a:bodyPr/>
+                    <a:lstStyle/>
+                    <a:p>
+                      <a:pPr algn="ctr" fontAlgn="b"/>
+                      <a:r>
+                        <a:rPr lang="en-US" dirty="0" smtClean="0"/>
+                        <a:t>5</a:t>
+                      </a:r>
+                      <a:endParaRPr lang="en-US" dirty="0"/>
+                    </a:p>
+                  </a:txBody>
+                  <a:tcPr marL="9525" marR="9525" marT="9525" marB="0" anchor="b"/>
+                </a:tc>
+                <a:tc>
+                  <a:txBody>
+                    <a:bodyPr/>
+                    <a:lstStyle/>
+                    <a:p>
+                      <a:pPr algn="ctr" fontAlgn="b"/>
+                      <a:r>
+                        <a:rPr lang="en-US" dirty="0" smtClean="0">
+                          <a:solidFill>
+                            <a:schemeClr val="tx1"/>
+                          </a:solidFill>
+                        </a:rPr>
+                        <a:t>6</a:t>
+                      </a:r>
+                      <a:endParaRPr lang="en-US" dirty="0">
+                        <a:solidFill>
+                          <a:schemeClr val="tx1"/>
+                        </a:solidFill>
+                      </a:endParaRPr>
+                    </a:p>
+                  </a:txBody>
+                  <a:tcPr marL="9525" marR="9525" marT="9525" marB="0" anchor="b"/>
+                </a:tc>
+              </a:tr>
+              <a:tr h="249846">
+                <a:tc>
+                  <a:txBody>
+                    <a:bodyPr/>
+                    <a:lstStyle/>
+                    <a:p>
+                      <a:pPr algn="ctr" fontAlgn="b"/>
+                      <a:endParaRPr lang="en-US" dirty="0"/>
+                    </a:p>
+                  </a:txBody>
+                  <a:tcPr marL="9525" marR="9525" marT="9525" marB="0" anchor="b"/>
+                </a:tc>
+                <a:tc>
+                  <a:txBody>
+                    <a:bodyPr/>
+                    <a:lstStyle/>
+                    <a:p>
+                      <a:pPr algn="ctr" fontAlgn="b"/>
+                      <a:endParaRPr lang="en-US" dirty="0">
+                        <a:solidFill>
+                          <a:schemeClr val="tx1"/>
+                        </a:solidFill>
+                      </a:endParaRPr>
+                    </a:p>
+                  </a:txBody>
+                  <a:tcPr marL="9525" marR="9525" marT="9525" marB="0" anchor="b"/>
+                </a:tc>
+              </a:tr>
+            </a:tbl>
+          </a:graphicData>
+        </a:graphic>
+      </p:graphicFrame>
+      <p:sp>
+        <p:nvSpPr>
+          <p:cNvPr id="18" name="Rounded Rectangle 17"/>
+          <p:cNvSpPr/>
+          <p:nvPr/>
+        </p:nvSpPr>
+        <p:spPr bwMode="auto">
+          <a:xfrm>
+            <a:off x="3569366" y="2005263"/>
+            <a:ext cx="1136316" cy="2045369"/>
+          </a:xfrm>
+          <a:prstGeom prst="roundRect">
+            <a:avLst/>
+          </a:prstGeom>
+          <a:noFill/>
+          <a:ln w="101600" cap="flat" cmpd="sng" algn="ctr">
+            <a:solidFill>
+              <a:srgbClr val="3366FF"/>
+            </a:solidFill>
+            <a:prstDash val="solid"/>
+            <a:round/>
+            <a:headEnd type="none" w="med" len="med"/>
+            <a:tailEnd type="none" w="med" len="med"/>
+          </a:ln>
+          <a:effectLst/>
+        </p:spPr>
+        <p:txBody>
+          <a:bodyPr/>
+          <a:lstStyle/>
+          <a:p>
+            <a:endParaRPr lang="en-US"/>
+          </a:p>
+        </p:txBody>
+      </p:sp>
+      <p:sp>
+        <p:nvSpPr>
+          <p:cNvPr id="19" name="Rounded Rectangle 18"/>
+          <p:cNvSpPr/>
+          <p:nvPr/>
+        </p:nvSpPr>
+        <p:spPr bwMode="auto">
+          <a:xfrm>
+            <a:off x="5058613" y="2010610"/>
+            <a:ext cx="1136316" cy="2045369"/>
+          </a:xfrm>
+          <a:prstGeom prst="roundRect">
+            <a:avLst/>
+          </a:prstGeom>
+          <a:noFill/>
+          <a:ln w="101600" cap="flat" cmpd="sng" algn="ctr">
+            <a:solidFill>
+              <a:srgbClr val="3366FF"/>
+            </a:solidFill>
+            <a:prstDash val="solid"/>
+            <a:round/>
+            <a:headEnd type="none" w="med" len="med"/>
+            <a:tailEnd type="none" w="med" len="med"/>
+          </a:ln>
+          <a:effectLst/>
+        </p:spPr>
+        <p:txBody>
+          <a:bodyPr/>
+          <a:lstStyle/>
+          <a:p>
+            <a:endParaRPr lang="en-US"/>
+          </a:p>
+        </p:txBody>
+      </p:sp>
+      <p:cxnSp>
+        <p:nvCxnSpPr>
+          <p:cNvPr id="20" name="Straight Connector 19"/>
+          <p:cNvCxnSpPr/>
+          <p:nvPr/>
+        </p:nvCxnSpPr>
+        <p:spPr bwMode="auto">
+          <a:xfrm>
+            <a:off x="3340254" y="3302296"/>
+            <a:ext cx="702489" cy="628"/>
+          </a:xfrm>
+          <a:prstGeom prst="line">
+            <a:avLst/>
+          </a:prstGeom>
+          <a:solidFill>
+            <a:schemeClr val="accent1"/>
+          </a:solidFill>
+          <a:ln w="76200" cap="flat" cmpd="sng" algn="ctr">
+            <a:solidFill>
+              <a:srgbClr val="3366FF"/>
+            </a:solidFill>
+            <a:prstDash val="solid"/>
+            <a:round/>
+            <a:headEnd type="none" w="med" len="med"/>
+            <a:tailEnd type="triangle" w="lg"/>
+          </a:ln>
+          <a:effectLst/>
+        </p:spPr>
+      </p:cxnSp>
+      <p:cxnSp>
+        <p:nvCxnSpPr>
+          <p:cNvPr id="21" name="Straight Connector 20"/>
+          <p:cNvCxnSpPr/>
+          <p:nvPr/>
+        </p:nvCxnSpPr>
+        <p:spPr bwMode="auto">
+          <a:xfrm>
+            <a:off x="4802759" y="3601749"/>
+            <a:ext cx="702489" cy="628"/>
+          </a:xfrm>
+          <a:prstGeom prst="line">
+            <a:avLst/>
+          </a:prstGeom>
+          <a:solidFill>
+            <a:schemeClr val="accent1"/>
+          </a:solidFill>
+          <a:ln w="76200" cap="flat" cmpd="sng" algn="ctr">
+            <a:solidFill>
+              <a:srgbClr val="3366FF"/>
+            </a:solidFill>
+            <a:prstDash val="solid"/>
+            <a:round/>
+            <a:headEnd type="none" w="med" len="med"/>
+            <a:tailEnd type="triangle" w="lg"/>
+          </a:ln>
+          <a:effectLst/>
+        </p:spPr>
+      </p:cxnSp>
+      <p:sp>
+        <p:nvSpPr>
+          <p:cNvPr id="22" name="Content Placeholder 2"/>
+          <p:cNvSpPr>
+            <a:spLocks noGrp="1"/>
+          </p:cNvSpPr>
+          <p:nvPr>
+            <p:ph idx="1"/>
+          </p:nvPr>
+        </p:nvSpPr>
+        <p:spPr>
+          <a:xfrm>
+            <a:off x="719138" y="4531895"/>
+            <a:ext cx="8174037" cy="1992730"/>
+          </a:xfrm>
+        </p:spPr>
+        <p:txBody>
+          <a:bodyPr/>
+          <a:lstStyle/>
+          <a:p>
+            <a:pPr marL="285750" indent="-285750">
+              <a:buFont typeface="Arial"/>
+              <a:buChar char="•"/>
+            </a:pPr>
+            <a:r>
+              <a:rPr lang="en-US" dirty="0" smtClean="0"/>
+              <a:t>iterator on the right goes down until</a:t>
+            </a:r>
+          </a:p>
+          <a:p>
+            <a:pPr marL="731838" lvl="1" indent="-285750">
+              <a:buFont typeface="Arial"/>
+              <a:buChar char="•"/>
+            </a:pPr>
+            <a:r>
+              <a:rPr lang="en-US" dirty="0" smtClean="0"/>
+              <a:t>case 1: (left number == right number)</a:t>
+            </a:r>
+          </a:p>
+          <a:p>
+            <a:pPr marL="1179513" lvl="2" indent="-285750">
+              <a:buFont typeface="Arial"/>
+              <a:buChar char="•"/>
+            </a:pPr>
+            <a:r>
+              <a:rPr lang="en-US" dirty="0" smtClean="0"/>
+              <a:t>left iterator increased (algorithm proceeds)</a:t>
+            </a:r>
+          </a:p>
+          <a:p>
+            <a:pPr marL="731838" lvl="1" indent="-285750">
+              <a:buFont typeface="Arial"/>
+              <a:buChar char="•"/>
+            </a:pPr>
+            <a:r>
+              <a:rPr lang="en-US" dirty="0" smtClean="0"/>
+              <a:t>case 2: (right number &gt; left number)</a:t>
+            </a:r>
+          </a:p>
+          <a:p>
+            <a:pPr marL="1179513" lvl="2" indent="-285750">
+              <a:buFont typeface="Arial"/>
+              <a:buChar char="•"/>
+            </a:pPr>
+            <a:r>
+              <a:rPr lang="en-US" dirty="0" smtClean="0"/>
+              <a:t>no IND (algorithm stops)</a:t>
+            </a:r>
+          </a:p>
+        </p:txBody>
+      </p:sp>
+    </p:spTree>
+    <p:extLst>
+      <p:ext uri="{BB962C8B-B14F-4D97-AF65-F5344CB8AC3E}">
+        <p14:creationId xmlns:p14="http://schemas.microsoft.com/office/powerpoint/2010/main" val="826741556"/>
+      </p:ext>
+    </p:extLst>
+  </p:cSld>
+  <p:clrMapOvr>
+    <a:masterClrMapping/>
+  </p:clrMapOvr>
+</p:sld>
+</file>
+
+<file path=ppt/slides/slide16.xml><?xml version="1.0" encoding="utf-8"?>
+<p:sld xmlns:a="http://schemas.openxmlformats.org/drawingml/2006/main" xmlns:r="http://schemas.openxmlformats.org/officeDocument/2006/relationships" xmlns:p="http://schemas.openxmlformats.org/presentationml/2006/main">
+  <p:cSld>
+    <p:spTree>
+      <p:nvGrpSpPr>
+        <p:cNvPr id="1" name=""/>
+        <p:cNvGrpSpPr/>
+        <p:nvPr/>
+      </p:nvGrpSpPr>
+      <p:grpSpPr>
+        <a:xfrm>
+          <a:off x="0" y="0"/>
+          <a:ext cx="0" cy="0"/>
+          <a:chOff x="0" y="0"/>
+          <a:chExt cx="0" cy="0"/>
+        </a:xfrm>
+      </p:grpSpPr>
+      <p:sp>
+        <p:nvSpPr>
+          <p:cNvPr id="4" name="Footer Placeholder 3"/>
+          <p:cNvSpPr>
+            <a:spLocks noGrp="1"/>
+          </p:cNvSpPr>
+          <p:nvPr>
+            <p:ph type="ftr" sz="quarter" idx="10"/>
+          </p:nvPr>
+        </p:nvSpPr>
+        <p:spPr/>
+        <p:txBody>
+          <a:bodyPr/>
+          <a:lstStyle/>
+          <a:p>
+            <a:r>
+              <a:rPr lang="de-DE" smtClean="0"/>
+              <a:t>DPDC – Assignment 1 | Christoph Oehlke, Markus Hinsche | May 16, 2013 </a:t>
+            </a:r>
+            <a:endParaRPr lang="de-DE"/>
+          </a:p>
+        </p:txBody>
+      </p:sp>
+      <p:sp>
+        <p:nvSpPr>
+          <p:cNvPr id="5" name="Slide Number Placeholder 4"/>
+          <p:cNvSpPr>
+            <a:spLocks noGrp="1"/>
+          </p:cNvSpPr>
+          <p:nvPr>
+            <p:ph type="sldNum" sz="quarter" idx="11"/>
+          </p:nvPr>
+        </p:nvSpPr>
+        <p:spPr/>
+        <p:txBody>
+          <a:bodyPr/>
+          <a:lstStyle/>
+          <a:p>
+            <a:fld id="{0C6113F6-D982-4F1F-82B4-AFA466AB9AFB}" type="slidenum">
+              <a:rPr lang="de-DE" smtClean="0"/>
+              <a:pPr/>
+              <a:t>16</a:t>
+            </a:fld>
+            <a:endParaRPr lang="de-DE"/>
+          </a:p>
+        </p:txBody>
+      </p:sp>
+      <p:sp>
+        <p:nvSpPr>
+          <p:cNvPr id="9" name="Title 1"/>
+          <p:cNvSpPr>
+            <a:spLocks noGrp="1"/>
+          </p:cNvSpPr>
+          <p:nvPr>
+            <p:ph type="title"/>
+          </p:nvPr>
+        </p:nvSpPr>
+        <p:spPr>
+          <a:xfrm>
+            <a:off x="787400" y="0"/>
+            <a:ext cx="6243638" cy="1008063"/>
+          </a:xfrm>
+        </p:spPr>
+        <p:txBody>
+          <a:bodyPr/>
+          <a:lstStyle/>
+          <a:p>
+            <a:r>
+              <a:rPr lang="en-US" dirty="0" smtClean="0"/>
+              <a:t>INDS core algorithm – case 2 – IND</a:t>
+            </a:r>
+            <a:endParaRPr lang="en-US" dirty="0"/>
+          </a:p>
+        </p:txBody>
+      </p:sp>
+      <p:graphicFrame>
+        <p:nvGraphicFramePr>
+          <p:cNvPr id="16" name="Table 8"/>
+          <p:cNvGraphicFramePr>
+            <a:graphicFrameLocks noGrp="1"/>
+          </p:cNvGraphicFramePr>
+          <p:nvPr>
+            <p:extLst>
+              <p:ext uri="{D42A27DB-BD31-4B8C-83A1-F6EECF244321}">
+                <p14:modId xmlns:p14="http://schemas.microsoft.com/office/powerpoint/2010/main" val="272088232"/>
+              </p:ext>
+            </p:extLst>
+          </p:nvPr>
+        </p:nvGraphicFramePr>
+        <p:xfrm>
+          <a:off x="5014249" y="2245892"/>
+          <a:ext cx="2326104" cy="1784985"/>
+        </p:xfrm>
+        <a:graphic>
+          <a:graphicData uri="http://schemas.openxmlformats.org/drawingml/2006/table">
+            <a:tbl>
+              <a:tblPr firstRow="1" bandRow="1">
+                <a:tableStyleId>{5C22544A-7EE6-4342-B048-85BDC9FD1C3A}</a:tableStyleId>
+              </a:tblPr>
+              <a:tblGrid>
+                <a:gridCol w="1163052"/>
+                <a:gridCol w="1163052"/>
+              </a:tblGrid>
+              <a:tr h="249846">
+                <a:tc>
+                  <a:txBody>
+                    <a:bodyPr/>
+                    <a:lstStyle/>
+                    <a:p>
+                      <a:pPr algn="ctr"/>
+                      <a:r>
+                        <a:rPr lang="en-US" dirty="0" smtClean="0">
+                          <a:solidFill>
+                            <a:srgbClr val="FFFFFF"/>
+                          </a:solidFill>
+                        </a:rPr>
+                        <a:t>T1 C1</a:t>
+                      </a:r>
+                      <a:endParaRPr lang="en-US" dirty="0">
+                        <a:solidFill>
+                          <a:srgbClr val="FFFFFF"/>
+                        </a:solidFill>
+                      </a:endParaRPr>
+                    </a:p>
+                  </a:txBody>
+                  <a:tcPr/>
+                </a:tc>
+                <a:tc>
+                  <a:txBody>
+                    <a:bodyPr/>
+                    <a:lstStyle/>
+                    <a:p>
+                      <a:pPr algn="ctr"/>
+                      <a:r>
+                        <a:rPr lang="en-US" dirty="0" smtClean="0"/>
+                        <a:t>T1 C2</a:t>
+                      </a:r>
+                      <a:endParaRPr lang="en-US" dirty="0"/>
+                    </a:p>
+                  </a:txBody>
+                  <a:tcPr/>
+                </a:tc>
+              </a:tr>
+              <a:tr h="249846">
+                <a:tc>
+                  <a:txBody>
+                    <a:bodyPr/>
+                    <a:lstStyle/>
+                    <a:p>
+                      <a:pPr algn="ctr" fontAlgn="b"/>
+                      <a:r>
+                        <a:rPr lang="en-US" dirty="0" smtClean="0">
+                          <a:solidFill>
+                            <a:schemeClr val="tx1"/>
+                          </a:solidFill>
+                        </a:rPr>
+                        <a:t>1</a:t>
+                      </a:r>
+                      <a:endParaRPr lang="en-US" dirty="0">
+                        <a:solidFill>
+                          <a:schemeClr val="tx1"/>
+                        </a:solidFill>
+                      </a:endParaRPr>
+                    </a:p>
+                  </a:txBody>
+                  <a:tcPr marL="9525" marR="9525" marT="9525" marB="0" anchor="b"/>
+                </a:tc>
+                <a:tc>
+                  <a:txBody>
+                    <a:bodyPr/>
+                    <a:lstStyle/>
+                    <a:p>
+                      <a:pPr algn="ctr" fontAlgn="b"/>
+                      <a:r>
+                        <a:rPr lang="en-US" dirty="0" smtClean="0"/>
+                        <a:t>2</a:t>
+                      </a:r>
+                      <a:endParaRPr lang="en-US" dirty="0"/>
+                    </a:p>
+                  </a:txBody>
+                  <a:tcPr marL="9525" marR="9525" marT="9525" marB="0" anchor="b"/>
+                </a:tc>
+              </a:tr>
+              <a:tr h="249846">
+                <a:tc>
+                  <a:txBody>
+                    <a:bodyPr/>
+                    <a:lstStyle/>
+                    <a:p>
+                      <a:pPr algn="ctr" fontAlgn="b"/>
+                      <a:r>
+                        <a:rPr lang="en-US" dirty="0" smtClean="0">
+                          <a:solidFill>
+                            <a:schemeClr val="tx1"/>
+                          </a:solidFill>
+                        </a:rPr>
+                        <a:t>3</a:t>
+                      </a:r>
+                      <a:endParaRPr lang="en-US" dirty="0">
+                        <a:solidFill>
+                          <a:schemeClr val="tx1"/>
+                        </a:solidFill>
+                      </a:endParaRPr>
+                    </a:p>
+                  </a:txBody>
+                  <a:tcPr marL="9525" marR="9525" marT="9525" marB="0" anchor="b"/>
+                </a:tc>
+                <a:tc>
+                  <a:txBody>
+                    <a:bodyPr/>
+                    <a:lstStyle/>
+                    <a:p>
+                      <a:pPr algn="ctr" fontAlgn="b"/>
+                      <a:r>
+                        <a:rPr lang="en-US" dirty="0" smtClean="0"/>
+                        <a:t>5</a:t>
+                      </a:r>
+                      <a:endParaRPr lang="en-US" dirty="0"/>
+                    </a:p>
+                  </a:txBody>
+                  <a:tcPr marL="9525" marR="9525" marT="9525" marB="0" anchor="b"/>
+                </a:tc>
+              </a:tr>
+              <a:tr h="249846">
+                <a:tc>
+                  <a:txBody>
+                    <a:bodyPr/>
+                    <a:lstStyle/>
+                    <a:p>
+                      <a:pPr algn="ctr" fontAlgn="b"/>
+                      <a:r>
+                        <a:rPr lang="en-US" dirty="0" smtClean="0">
+                          <a:solidFill>
+                            <a:schemeClr val="tx1"/>
+                          </a:solidFill>
+                        </a:rPr>
+                        <a:t>4</a:t>
+                      </a:r>
+                      <a:endParaRPr lang="en-US" dirty="0">
+                        <a:solidFill>
+                          <a:schemeClr val="tx1"/>
+                        </a:solidFill>
+                      </a:endParaRPr>
+                    </a:p>
+                  </a:txBody>
+                  <a:tcPr marL="9525" marR="9525" marT="9525" marB="0" anchor="b"/>
+                </a:tc>
+                <a:tc>
+                  <a:txBody>
+                    <a:bodyPr/>
+                    <a:lstStyle/>
+                    <a:p>
+                      <a:pPr algn="ctr" fontAlgn="b"/>
+                      <a:r>
+                        <a:rPr lang="en-US" dirty="0" smtClean="0"/>
+                        <a:t>8</a:t>
+                      </a:r>
+                      <a:endParaRPr lang="en-US" dirty="0"/>
+                    </a:p>
+                  </a:txBody>
+                  <a:tcPr marL="9525" marR="9525" marT="9525" marB="0" anchor="b"/>
+                </a:tc>
+              </a:tr>
+              <a:tr h="249846">
+                <a:tc>
+                  <a:txBody>
+                    <a:bodyPr/>
+                    <a:lstStyle/>
+                    <a:p>
+                      <a:pPr algn="ctr" fontAlgn="b"/>
+                      <a:r>
+                        <a:rPr lang="en-US" dirty="0" smtClean="0">
+                          <a:solidFill>
+                            <a:schemeClr val="tx1"/>
+                          </a:solidFill>
+                        </a:rPr>
+                        <a:t>6 </a:t>
+                      </a:r>
+                      <a:endParaRPr lang="en-US" dirty="0">
+                        <a:solidFill>
+                          <a:schemeClr val="tx1"/>
+                        </a:solidFill>
+                      </a:endParaRPr>
+                    </a:p>
+                  </a:txBody>
+                  <a:tcPr marL="9525" marR="9525" marT="9525" marB="0" anchor="b"/>
+                </a:tc>
+                <a:tc>
+                  <a:txBody>
+                    <a:bodyPr/>
+                    <a:lstStyle/>
+                    <a:p>
+                      <a:pPr algn="ctr" fontAlgn="b"/>
+                      <a:endParaRPr lang="en-US" dirty="0"/>
+                    </a:p>
+                  </a:txBody>
+                  <a:tcPr marL="9525" marR="9525" marT="9525" marB="0" anchor="b"/>
+                </a:tc>
+              </a:tr>
+              <a:tr h="249846">
+                <a:tc>
+                  <a:txBody>
+                    <a:bodyPr/>
+                    <a:lstStyle/>
+                    <a:p>
+                      <a:pPr algn="ctr" fontAlgn="b"/>
+                      <a:r>
+                        <a:rPr lang="en-US" dirty="0" smtClean="0">
+                          <a:solidFill>
+                            <a:schemeClr val="tx1"/>
+                          </a:solidFill>
+                        </a:rPr>
+                        <a:t>7</a:t>
+                      </a:r>
+                      <a:endParaRPr lang="en-US" dirty="0">
+                        <a:solidFill>
+                          <a:schemeClr val="tx1"/>
+                        </a:solidFill>
+                      </a:endParaRPr>
+                    </a:p>
+                  </a:txBody>
+                  <a:tcPr marL="9525" marR="9525" marT="9525" marB="0" anchor="b"/>
+                </a:tc>
+                <a:tc>
+                  <a:txBody>
+                    <a:bodyPr/>
+                    <a:lstStyle/>
+                    <a:p>
+                      <a:pPr algn="ctr" fontAlgn="b"/>
+                      <a:endParaRPr lang="en-US" dirty="0"/>
+                    </a:p>
+                  </a:txBody>
+                  <a:tcPr marL="9525" marR="9525" marT="9525" marB="0" anchor="b"/>
+                </a:tc>
+              </a:tr>
+            </a:tbl>
+          </a:graphicData>
+        </a:graphic>
+      </p:graphicFrame>
+      <p:graphicFrame>
+        <p:nvGraphicFramePr>
+          <p:cNvPr id="17" name="Table 8"/>
+          <p:cNvGraphicFramePr>
+            <a:graphicFrameLocks noGrp="1"/>
+          </p:cNvGraphicFramePr>
+          <p:nvPr>
+            <p:extLst>
+              <p:ext uri="{D42A27DB-BD31-4B8C-83A1-F6EECF244321}">
+                <p14:modId xmlns:p14="http://schemas.microsoft.com/office/powerpoint/2010/main" val="2653492023"/>
+              </p:ext>
+            </p:extLst>
+          </p:nvPr>
+        </p:nvGraphicFramePr>
+        <p:xfrm>
+          <a:off x="2371558" y="2251239"/>
+          <a:ext cx="2326104" cy="1501140"/>
+        </p:xfrm>
+        <a:graphic>
+          <a:graphicData uri="http://schemas.openxmlformats.org/drawingml/2006/table">
+            <a:tbl>
+              <a:tblPr firstRow="1" bandRow="1">
+                <a:tableStyleId>{5C22544A-7EE6-4342-B048-85BDC9FD1C3A}</a:tableStyleId>
+              </a:tblPr>
+              <a:tblGrid>
+                <a:gridCol w="1163052"/>
+                <a:gridCol w="1163052"/>
+              </a:tblGrid>
+              <a:tr h="249846">
+                <a:tc>
+                  <a:txBody>
+                    <a:bodyPr/>
+                    <a:lstStyle/>
+                    <a:p>
+                      <a:pPr algn="ctr"/>
+                      <a:r>
+                        <a:rPr lang="en-US" dirty="0" smtClean="0"/>
+                        <a:t>T2 C1</a:t>
+                      </a:r>
+                      <a:endParaRPr lang="en-US" dirty="0"/>
+                    </a:p>
+                  </a:txBody>
+                  <a:tcPr/>
+                </a:tc>
+                <a:tc>
+                  <a:txBody>
+                    <a:bodyPr/>
+                    <a:lstStyle/>
+                    <a:p>
+                      <a:pPr algn="ctr"/>
+                      <a:r>
+                        <a:rPr lang="en-US" dirty="0" smtClean="0">
+                          <a:solidFill>
+                            <a:schemeClr val="bg1"/>
+                          </a:solidFill>
+                        </a:rPr>
+                        <a:t>T2 C2</a:t>
+                      </a:r>
+                      <a:endParaRPr lang="en-US" dirty="0">
+                        <a:solidFill>
+                          <a:schemeClr val="bg1"/>
+                        </a:solidFill>
+                      </a:endParaRPr>
+                    </a:p>
+                  </a:txBody>
+                  <a:tcPr/>
+                </a:tc>
+              </a:tr>
+              <a:tr h="249846">
+                <a:tc>
+                  <a:txBody>
+                    <a:bodyPr/>
+                    <a:lstStyle/>
+                    <a:p>
+                      <a:pPr algn="ctr" fontAlgn="b"/>
+                      <a:r>
+                        <a:rPr lang="en-US" dirty="0" smtClean="0"/>
+                        <a:t>2</a:t>
+                      </a:r>
+                      <a:endParaRPr lang="en-US" dirty="0"/>
+                    </a:p>
+                  </a:txBody>
+                  <a:tcPr marL="9525" marR="9525" marT="9525" marB="0" anchor="b"/>
+                </a:tc>
+                <a:tc>
+                  <a:txBody>
+                    <a:bodyPr/>
+                    <a:lstStyle/>
+                    <a:p>
+                      <a:pPr algn="ctr" fontAlgn="b"/>
+                      <a:r>
+                        <a:rPr lang="en-US" dirty="0" smtClean="0">
+                          <a:solidFill>
+                            <a:schemeClr val="tx1"/>
+                          </a:solidFill>
+                        </a:rPr>
+                        <a:t>1</a:t>
+                      </a:r>
+                      <a:endParaRPr lang="en-US" dirty="0">
+                        <a:solidFill>
+                          <a:schemeClr val="tx1"/>
+                        </a:solidFill>
+                      </a:endParaRPr>
+                    </a:p>
+                  </a:txBody>
+                  <a:tcPr marL="9525" marR="9525" marT="9525" marB="0" anchor="b"/>
+                </a:tc>
+              </a:tr>
+              <a:tr h="249846">
+                <a:tc>
+                  <a:txBody>
+                    <a:bodyPr/>
+                    <a:lstStyle/>
+                    <a:p>
+                      <a:pPr algn="ctr" fontAlgn="b"/>
+                      <a:r>
+                        <a:rPr lang="en-US" dirty="0" smtClean="0"/>
+                        <a:t>4</a:t>
+                      </a:r>
+                      <a:endParaRPr lang="en-US" dirty="0"/>
+                    </a:p>
+                  </a:txBody>
+                  <a:tcPr marL="9525" marR="9525" marT="9525" marB="0" anchor="b"/>
+                </a:tc>
+                <a:tc>
+                  <a:txBody>
+                    <a:bodyPr/>
+                    <a:lstStyle/>
+                    <a:p>
+                      <a:pPr algn="ctr" fontAlgn="b"/>
+                      <a:r>
+                        <a:rPr lang="en-US" dirty="0" smtClean="0">
+                          <a:solidFill>
+                            <a:schemeClr val="tx1"/>
+                          </a:solidFill>
+                        </a:rPr>
+                        <a:t>4</a:t>
+                      </a:r>
+                      <a:endParaRPr lang="en-US" dirty="0">
+                        <a:solidFill>
+                          <a:schemeClr val="tx1"/>
+                        </a:solidFill>
+                      </a:endParaRPr>
+                    </a:p>
+                  </a:txBody>
+                  <a:tcPr marL="9525" marR="9525" marT="9525" marB="0" anchor="b"/>
+                </a:tc>
+              </a:tr>
+              <a:tr h="249846">
+                <a:tc>
+                  <a:txBody>
+                    <a:bodyPr/>
+                    <a:lstStyle/>
+                    <a:p>
+                      <a:pPr algn="ctr" fontAlgn="b"/>
+                      <a:r>
+                        <a:rPr lang="en-US" dirty="0" smtClean="0"/>
+                        <a:t>5</a:t>
+                      </a:r>
+                      <a:endParaRPr lang="en-US" dirty="0"/>
+                    </a:p>
+                  </a:txBody>
+                  <a:tcPr marL="9525" marR="9525" marT="9525" marB="0" anchor="b"/>
+                </a:tc>
+                <a:tc>
+                  <a:txBody>
+                    <a:bodyPr/>
+                    <a:lstStyle/>
+                    <a:p>
+                      <a:pPr algn="ctr" fontAlgn="b"/>
+                      <a:r>
+                        <a:rPr lang="en-US" dirty="0" smtClean="0">
+                          <a:solidFill>
+                            <a:schemeClr val="tx1"/>
+                          </a:solidFill>
+                        </a:rPr>
+                        <a:t>6</a:t>
+                      </a:r>
+                      <a:endParaRPr lang="en-US" dirty="0">
+                        <a:solidFill>
+                          <a:schemeClr val="tx1"/>
+                        </a:solidFill>
+                      </a:endParaRPr>
+                    </a:p>
+                  </a:txBody>
+                  <a:tcPr marL="9525" marR="9525" marT="9525" marB="0" anchor="b"/>
+                </a:tc>
+              </a:tr>
+              <a:tr h="249846">
+                <a:tc>
+                  <a:txBody>
+                    <a:bodyPr/>
+                    <a:lstStyle/>
+                    <a:p>
+                      <a:pPr algn="ctr" fontAlgn="b"/>
+                      <a:endParaRPr lang="en-US" dirty="0"/>
+                    </a:p>
+                  </a:txBody>
+                  <a:tcPr marL="9525" marR="9525" marT="9525" marB="0" anchor="b"/>
+                </a:tc>
+                <a:tc>
+                  <a:txBody>
+                    <a:bodyPr/>
+                    <a:lstStyle/>
+                    <a:p>
+                      <a:pPr algn="ctr" fontAlgn="b"/>
+                      <a:endParaRPr lang="en-US" dirty="0">
+                        <a:solidFill>
+                          <a:schemeClr val="tx1"/>
+                        </a:solidFill>
+                      </a:endParaRPr>
+                    </a:p>
+                  </a:txBody>
+                  <a:tcPr marL="9525" marR="9525" marT="9525" marB="0" anchor="b"/>
+                </a:tc>
+              </a:tr>
+            </a:tbl>
+          </a:graphicData>
+        </a:graphic>
+      </p:graphicFrame>
+      <p:sp>
+        <p:nvSpPr>
+          <p:cNvPr id="18" name="Rounded Rectangle 17"/>
+          <p:cNvSpPr/>
+          <p:nvPr/>
+        </p:nvSpPr>
+        <p:spPr bwMode="auto">
+          <a:xfrm>
+            <a:off x="3569366" y="2005263"/>
+            <a:ext cx="1136316" cy="2045369"/>
+          </a:xfrm>
+          <a:prstGeom prst="roundRect">
+            <a:avLst/>
+          </a:prstGeom>
+          <a:noFill/>
+          <a:ln w="101600" cap="flat" cmpd="sng" algn="ctr">
+            <a:solidFill>
+              <a:srgbClr val="3366FF"/>
+            </a:solidFill>
+            <a:prstDash val="solid"/>
+            <a:round/>
+            <a:headEnd type="none" w="med" len="med"/>
+            <a:tailEnd type="none" w="med" len="med"/>
+          </a:ln>
+          <a:effectLst/>
+        </p:spPr>
+        <p:txBody>
+          <a:bodyPr/>
+          <a:lstStyle/>
+          <a:p>
+            <a:endParaRPr lang="en-US"/>
+          </a:p>
+        </p:txBody>
+      </p:sp>
+      <p:sp>
+        <p:nvSpPr>
+          <p:cNvPr id="19" name="Rounded Rectangle 18"/>
+          <p:cNvSpPr/>
+          <p:nvPr/>
+        </p:nvSpPr>
+        <p:spPr bwMode="auto">
+          <a:xfrm>
+            <a:off x="5058613" y="2010610"/>
+            <a:ext cx="1136316" cy="2045369"/>
+          </a:xfrm>
+          <a:prstGeom prst="roundRect">
+            <a:avLst/>
+          </a:prstGeom>
+          <a:noFill/>
+          <a:ln w="101600" cap="flat" cmpd="sng" algn="ctr">
+            <a:solidFill>
+              <a:srgbClr val="3366FF"/>
+            </a:solidFill>
+            <a:prstDash val="solid"/>
+            <a:round/>
+            <a:headEnd type="none" w="med" len="med"/>
+            <a:tailEnd type="none" w="med" len="med"/>
+          </a:ln>
+          <a:effectLst/>
+        </p:spPr>
+        <p:txBody>
+          <a:bodyPr/>
+          <a:lstStyle/>
+          <a:p>
+            <a:endParaRPr lang="en-US"/>
+          </a:p>
+        </p:txBody>
+      </p:sp>
+      <p:cxnSp>
+        <p:nvCxnSpPr>
+          <p:cNvPr id="20" name="Straight Connector 19"/>
+          <p:cNvCxnSpPr/>
+          <p:nvPr/>
+        </p:nvCxnSpPr>
+        <p:spPr bwMode="auto">
+          <a:xfrm>
+            <a:off x="3340254" y="3609770"/>
+            <a:ext cx="702489" cy="628"/>
+          </a:xfrm>
+          <a:prstGeom prst="line">
+            <a:avLst/>
+          </a:prstGeom>
+          <a:solidFill>
+            <a:schemeClr val="accent1"/>
+          </a:solidFill>
+          <a:ln w="76200" cap="flat" cmpd="sng" algn="ctr">
+            <a:solidFill>
+              <a:srgbClr val="3366FF"/>
+            </a:solidFill>
+            <a:prstDash val="solid"/>
+            <a:round/>
+            <a:headEnd type="none" w="med" len="med"/>
+            <a:tailEnd type="triangle" w="lg"/>
+          </a:ln>
+          <a:effectLst/>
+        </p:spPr>
+      </p:cxnSp>
+      <p:cxnSp>
+        <p:nvCxnSpPr>
+          <p:cNvPr id="21" name="Straight Connector 20"/>
+          <p:cNvCxnSpPr/>
+          <p:nvPr/>
+        </p:nvCxnSpPr>
+        <p:spPr bwMode="auto">
+          <a:xfrm>
+            <a:off x="4802759" y="3601749"/>
+            <a:ext cx="702489" cy="628"/>
+          </a:xfrm>
+          <a:prstGeom prst="line">
+            <a:avLst/>
+          </a:prstGeom>
+          <a:solidFill>
+            <a:schemeClr val="accent1"/>
+          </a:solidFill>
+          <a:ln w="76200" cap="flat" cmpd="sng" algn="ctr">
+            <a:solidFill>
+              <a:srgbClr val="3366FF"/>
+            </a:solidFill>
+            <a:prstDash val="solid"/>
+            <a:round/>
+            <a:headEnd type="none" w="med" len="med"/>
+            <a:tailEnd type="triangle" w="lg"/>
+          </a:ln>
+          <a:effectLst/>
+        </p:spPr>
+      </p:cxnSp>
+      <p:sp>
+        <p:nvSpPr>
+          <p:cNvPr id="22" name="Content Placeholder 2"/>
+          <p:cNvSpPr>
+            <a:spLocks noGrp="1"/>
+          </p:cNvSpPr>
+          <p:nvPr>
+            <p:ph idx="1"/>
+          </p:nvPr>
+        </p:nvSpPr>
+        <p:spPr>
+          <a:xfrm>
+            <a:off x="719138" y="4531895"/>
+            <a:ext cx="8174037" cy="1992730"/>
+          </a:xfrm>
+        </p:spPr>
+        <p:txBody>
+          <a:bodyPr/>
+          <a:lstStyle/>
+          <a:p>
+            <a:pPr marL="285750" indent="-285750">
+              <a:buFont typeface="Arial"/>
+              <a:buChar char="•"/>
+            </a:pPr>
+            <a:r>
+              <a:rPr lang="en-US" dirty="0" smtClean="0"/>
+              <a:t>iterator on the right goes down until</a:t>
+            </a:r>
+          </a:p>
+          <a:p>
+            <a:pPr marL="731838" lvl="1" indent="-285750">
+              <a:buFont typeface="Arial"/>
+              <a:buChar char="•"/>
+            </a:pPr>
+            <a:r>
+              <a:rPr lang="en-US" dirty="0" smtClean="0"/>
+              <a:t>case 1: (left number == right number)</a:t>
+            </a:r>
+          </a:p>
+          <a:p>
+            <a:pPr marL="1179513" lvl="2" indent="-285750">
+              <a:buFont typeface="Arial"/>
+              <a:buChar char="•"/>
+            </a:pPr>
+            <a:r>
+              <a:rPr lang="en-US" dirty="0" smtClean="0"/>
+              <a:t>left iterator increased (algorithm proceeds)</a:t>
+            </a:r>
+          </a:p>
+          <a:p>
+            <a:pPr marL="731838" lvl="1" indent="-285750">
+              <a:buFont typeface="Arial"/>
+              <a:buChar char="•"/>
+            </a:pPr>
+            <a:r>
+              <a:rPr lang="en-US" dirty="0" smtClean="0"/>
+              <a:t>case 2: (right number &gt; left number)</a:t>
+            </a:r>
+          </a:p>
+          <a:p>
+            <a:pPr marL="1179513" lvl="2" indent="-285750">
+              <a:buFont typeface="Arial"/>
+              <a:buChar char="•"/>
+            </a:pPr>
+            <a:r>
+              <a:rPr lang="en-US" dirty="0" smtClean="0"/>
+              <a:t>no IND (algorithm stops)</a:t>
+            </a:r>
+          </a:p>
+        </p:txBody>
+      </p:sp>
+    </p:spTree>
+    <p:extLst>
+      <p:ext uri="{BB962C8B-B14F-4D97-AF65-F5344CB8AC3E}">
+        <p14:creationId xmlns:p14="http://schemas.microsoft.com/office/powerpoint/2010/main" val="858523206"/>
+      </p:ext>
+    </p:extLst>
+  </p:cSld>
+  <p:clrMapOvr>
+    <a:masterClrMapping/>
+  </p:clrMapOvr>
+</p:sld>
+</file>
+
+<file path=ppt/slides/slide17.xml><?xml version="1.0" encoding="utf-8"?>
+<p:sld xmlns:a="http://schemas.openxmlformats.org/drawingml/2006/main" xmlns:r="http://schemas.openxmlformats.org/officeDocument/2006/relationships" xmlns:p="http://schemas.openxmlformats.org/presentationml/2006/main">
+  <p:cSld>
+    <p:spTree>
+      <p:nvGrpSpPr>
+        <p:cNvPr id="1" name=""/>
+        <p:cNvGrpSpPr/>
+        <p:nvPr/>
+      </p:nvGrpSpPr>
+      <p:grpSpPr>
+        <a:xfrm>
+          <a:off x="0" y="0"/>
+          <a:ext cx="0" cy="0"/>
+          <a:chOff x="0" y="0"/>
+          <a:chExt cx="0" cy="0"/>
+        </a:xfrm>
+      </p:grpSpPr>
+      <p:sp>
+        <p:nvSpPr>
+          <p:cNvPr id="2" name="Title 1"/>
+          <p:cNvSpPr>
+            <a:spLocks noGrp="1"/>
+          </p:cNvSpPr>
+          <p:nvPr>
+            <p:ph type="title"/>
+          </p:nvPr>
+        </p:nvSpPr>
+        <p:spPr/>
+        <p:txBody>
+          <a:bodyPr/>
+          <a:lstStyle/>
+          <a:p>
+            <a:r>
+              <a:rPr lang="en-US" dirty="0" smtClean="0"/>
+              <a:t>Results</a:t>
+            </a:r>
+            <a:endParaRPr lang="en-US" dirty="0"/>
+          </a:p>
+        </p:txBody>
+      </p:sp>
+      <p:sp>
+        <p:nvSpPr>
+          <p:cNvPr id="3" name="Content Placeholder 2"/>
+          <p:cNvSpPr>
+            <a:spLocks noGrp="1"/>
+          </p:cNvSpPr>
+          <p:nvPr>
+            <p:ph idx="1"/>
+          </p:nvPr>
+        </p:nvSpPr>
+        <p:spPr/>
+        <p:txBody>
+          <a:bodyPr/>
+          <a:lstStyle/>
+          <a:p>
+            <a:r>
+              <a:rPr lang="en-US" dirty="0">
+                <a:solidFill>
+                  <a:srgbClr val="FF0000"/>
+                </a:solidFill>
+              </a:rPr>
+              <a:t>put Pipeline image and annotate with time measures</a:t>
+            </a:r>
+          </a:p>
+          <a:p>
+            <a:endParaRPr lang="en-US" dirty="0"/>
+          </a:p>
+        </p:txBody>
+      </p:sp>
+      <p:sp>
+        <p:nvSpPr>
+          <p:cNvPr id="4" name="Footer Placeholder 3"/>
+          <p:cNvSpPr>
+            <a:spLocks noGrp="1"/>
+          </p:cNvSpPr>
+          <p:nvPr>
+            <p:ph type="ftr" sz="quarter" idx="10"/>
+          </p:nvPr>
+        </p:nvSpPr>
+        <p:spPr/>
+        <p:txBody>
+          <a:bodyPr/>
+          <a:lstStyle/>
+          <a:p>
+            <a:r>
+              <a:rPr lang="de-DE" smtClean="0"/>
+              <a:t>DPDC – Assignment 1 | Christoph Oehlke, Markus Hinsche | May 16, 2013 </a:t>
+            </a:r>
+            <a:endParaRPr lang="de-DE"/>
+          </a:p>
+        </p:txBody>
+      </p:sp>
+      <p:sp>
+        <p:nvSpPr>
+          <p:cNvPr id="5" name="Slide Number Placeholder 4"/>
+          <p:cNvSpPr>
+            <a:spLocks noGrp="1"/>
+          </p:cNvSpPr>
+          <p:nvPr>
+            <p:ph type="sldNum" sz="quarter" idx="11"/>
+          </p:nvPr>
+        </p:nvSpPr>
+        <p:spPr/>
+        <p:txBody>
+          <a:bodyPr/>
+          <a:lstStyle/>
+          <a:p>
+            <a:fld id="{0C6113F6-D982-4F1F-82B4-AFA466AB9AFB}" type="slidenum">
+              <a:rPr lang="de-DE" smtClean="0"/>
+              <a:pPr/>
+              <a:t>17</a:t>
+            </a:fld>
+            <a:endParaRPr lang="de-DE"/>
+          </a:p>
+        </p:txBody>
+      </p:sp>
+    </p:spTree>
+    <p:extLst>
+      <p:ext uri="{BB962C8B-B14F-4D97-AF65-F5344CB8AC3E}">
+        <p14:creationId xmlns:p14="http://schemas.microsoft.com/office/powerpoint/2010/main" val="1913503365"/>
+      </p:ext>
+    </p:extLst>
+  </p:cSld>
+  <p:clrMapOvr>
+    <a:masterClrMapping/>
+  </p:clrMapOvr>
+</p:sld>
+</file>
+
+<file path=ppt/slides/slide18.xml><?xml version="1.0" encoding="utf-8"?>
+<p:sld xmlns:a="http://schemas.openxmlformats.org/drawingml/2006/main" xmlns:r="http://schemas.openxmlformats.org/officeDocument/2006/relationships" xmlns:p="http://schemas.openxmlformats.org/presentationml/2006/main">
+  <p:cSld>
+    <p:spTree>
+      <p:nvGrpSpPr>
+        <p:cNvPr id="1" name=""/>
+        <p:cNvGrpSpPr/>
+        <p:nvPr/>
+      </p:nvGrpSpPr>
+      <p:grpSpPr>
+        <a:xfrm>
+          <a:off x="0" y="0"/>
+          <a:ext cx="0" cy="0"/>
+          <a:chOff x="0" y="0"/>
+          <a:chExt cx="0" cy="0"/>
+        </a:xfrm>
+      </p:grpSpPr>
+      <p:sp>
+        <p:nvSpPr>
+          <p:cNvPr id="2" name="Title 1"/>
+          <p:cNvSpPr>
+            <a:spLocks noGrp="1"/>
+          </p:cNvSpPr>
+          <p:nvPr>
+            <p:ph type="title"/>
+          </p:nvPr>
+        </p:nvSpPr>
+        <p:spPr/>
+        <p:txBody>
+          <a:bodyPr/>
+          <a:lstStyle/>
+          <a:p>
+            <a:r>
+              <a:rPr lang="en-US" dirty="0" smtClean="0"/>
+              <a:t>Results</a:t>
+            </a:r>
+            <a:endParaRPr lang="en-US" dirty="0"/>
+          </a:p>
+        </p:txBody>
+      </p:sp>
+      <p:sp>
+        <p:nvSpPr>
+          <p:cNvPr id="3" name="Content Placeholder 2"/>
+          <p:cNvSpPr>
+            <a:spLocks noGrp="1"/>
+          </p:cNvSpPr>
+          <p:nvPr>
+            <p:ph idx="1"/>
+          </p:nvPr>
+        </p:nvSpPr>
+        <p:spPr>
+          <a:xfrm>
+            <a:off x="719138" y="1728789"/>
+            <a:ext cx="8174037" cy="3050306"/>
+          </a:xfrm>
+        </p:spPr>
+        <p:txBody>
+          <a:bodyPr/>
+          <a:lstStyle/>
+          <a:p>
+            <a:pPr marL="285750" indent="-285750">
+              <a:buFont typeface="Arial"/>
+              <a:buChar char="•"/>
+            </a:pPr>
+            <a:r>
+              <a:rPr lang="en-US" dirty="0" smtClean="0"/>
+              <a:t>Read + Preprocess: 3min15sec</a:t>
+            </a:r>
+            <a:endParaRPr lang="en-US" dirty="0"/>
+          </a:p>
+          <a:p>
+            <a:pPr marL="285750" indent="-285750">
+              <a:buFont typeface="Arial"/>
+              <a:buChar char="•"/>
+            </a:pPr>
+            <a:r>
+              <a:rPr lang="en-US" dirty="0" smtClean="0"/>
+              <a:t>Core Processing: 1min</a:t>
+            </a:r>
+          </a:p>
+          <a:p>
+            <a:pPr marL="285750" indent="-285750">
+              <a:buFont typeface="Arial"/>
+              <a:buChar char="•"/>
+            </a:pPr>
+            <a:r>
+              <a:rPr lang="en-US" dirty="0" smtClean="0"/>
+              <a:t>Result: 4min?</a:t>
+            </a:r>
+            <a:endParaRPr lang="en-US" dirty="0"/>
+          </a:p>
+          <a:p>
+            <a:pPr marL="285750" indent="-285750">
+              <a:buFont typeface="Arial"/>
+              <a:buChar char="•"/>
+            </a:pPr>
+            <a:r>
+              <a:rPr lang="en-US" dirty="0" smtClean="0"/>
+              <a:t>No, we could do better by preprocessing and finding computing INDs in parallel</a:t>
+            </a:r>
+          </a:p>
+          <a:p>
+            <a:pPr marL="731838" lvl="1" indent="-285750">
+              <a:buFont typeface="Arial"/>
+              <a:buChar char="•"/>
+            </a:pPr>
+            <a:r>
+              <a:rPr lang="en-US" dirty="0" smtClean="0"/>
+              <a:t>3min21sec</a:t>
+            </a:r>
+            <a:endParaRPr lang="en-US" dirty="0"/>
+          </a:p>
+          <a:p>
+            <a:pPr marL="285750" indent="-285750">
+              <a:buFont typeface="Arial"/>
+              <a:buChar char="•"/>
+            </a:pPr>
+            <a:endParaRPr lang="en-US" dirty="0" smtClean="0"/>
+          </a:p>
+        </p:txBody>
+      </p:sp>
+      <p:sp>
+        <p:nvSpPr>
+          <p:cNvPr id="4" name="Footer Placeholder 3"/>
+          <p:cNvSpPr>
+            <a:spLocks noGrp="1"/>
+          </p:cNvSpPr>
+          <p:nvPr>
+            <p:ph type="ftr" sz="quarter" idx="10"/>
+          </p:nvPr>
+        </p:nvSpPr>
+        <p:spPr/>
+        <p:txBody>
+          <a:bodyPr/>
+          <a:lstStyle/>
+          <a:p>
+            <a:r>
+              <a:rPr lang="de-DE" smtClean="0"/>
+              <a:t>DPDC – Assignment 1 | Christoph Oehlke, Markus Hinsche | May 16, 2013 </a:t>
+            </a:r>
+            <a:endParaRPr lang="de-DE"/>
+          </a:p>
+        </p:txBody>
+      </p:sp>
+      <p:sp>
+        <p:nvSpPr>
+          <p:cNvPr id="5" name="Slide Number Placeholder 4"/>
+          <p:cNvSpPr>
+            <a:spLocks noGrp="1"/>
+          </p:cNvSpPr>
+          <p:nvPr>
+            <p:ph type="sldNum" sz="quarter" idx="11"/>
+          </p:nvPr>
+        </p:nvSpPr>
+        <p:spPr/>
+        <p:txBody>
+          <a:bodyPr/>
+          <a:lstStyle/>
+          <a:p>
+            <a:fld id="{0C6113F6-D982-4F1F-82B4-AFA466AB9AFB}" type="slidenum">
+              <a:rPr lang="de-DE" smtClean="0"/>
+              <a:pPr/>
+              <a:t>18</a:t>
+            </a:fld>
+            <a:endParaRPr lang="de-DE" dirty="0"/>
+          </a:p>
+        </p:txBody>
+      </p:sp>
+      <p:sp>
+        <p:nvSpPr>
+          <p:cNvPr id="6" name="Plus 5"/>
+          <p:cNvSpPr/>
+          <p:nvPr/>
+        </p:nvSpPr>
+        <p:spPr bwMode="auto">
+          <a:xfrm>
+            <a:off x="694617" y="4763592"/>
+            <a:ext cx="822960" cy="822960"/>
+          </a:xfrm>
+          <a:prstGeom prst="mathPlus">
+            <a:avLst/>
+          </a:prstGeom>
+          <a:solidFill>
+            <a:srgbClr val="008000"/>
+          </a:solidFill>
+          <a:ln w="9525" cap="flat" cmpd="sng" algn="ctr">
+            <a:solidFill>
+              <a:schemeClr val="tx1"/>
+            </a:solidFill>
+            <a:prstDash val="solid"/>
+            <a:round/>
+            <a:headEnd type="none" w="med" len="med"/>
+            <a:tailEnd type="none" w="med" len="med"/>
+          </a:ln>
+          <a:effectLst/>
+        </p:spPr>
+        <p:txBody>
+          <a:bodyPr/>
+          <a:lstStyle/>
+          <a:p>
+            <a:endParaRPr lang="en-US"/>
+          </a:p>
+        </p:txBody>
+      </p:sp>
+      <p:sp>
+        <p:nvSpPr>
+          <p:cNvPr id="7" name="Minus 6"/>
+          <p:cNvSpPr/>
+          <p:nvPr/>
+        </p:nvSpPr>
+        <p:spPr bwMode="auto">
+          <a:xfrm>
+            <a:off x="694608" y="5734638"/>
+            <a:ext cx="822960" cy="822960"/>
+          </a:xfrm>
+          <a:prstGeom prst="mathMinus">
+            <a:avLst/>
+          </a:prstGeom>
+          <a:solidFill>
+            <a:srgbClr val="FF0000"/>
+          </a:solidFill>
+          <a:ln w="9525" cap="flat" cmpd="sng" algn="ctr">
+            <a:solidFill>
+              <a:schemeClr val="tx1"/>
+            </a:solidFill>
+            <a:prstDash val="solid"/>
+            <a:round/>
+            <a:headEnd type="none" w="med" len="med"/>
+            <a:tailEnd type="none" w="med" len="med"/>
+          </a:ln>
+          <a:effectLst/>
+        </p:spPr>
+        <p:txBody>
+          <a:bodyPr/>
+          <a:lstStyle/>
+          <a:p>
+            <a:endParaRPr lang="en-US"/>
+          </a:p>
+        </p:txBody>
+      </p:sp>
+      <p:sp>
+        <p:nvSpPr>
+          <p:cNvPr id="9" name="Rectangle 8"/>
+          <p:cNvSpPr/>
+          <p:nvPr/>
+        </p:nvSpPr>
+        <p:spPr>
+          <a:xfrm>
+            <a:off x="1603230" y="4709256"/>
+            <a:ext cx="4572000" cy="1754327"/>
+          </a:xfrm>
+          <a:prstGeom prst="rect">
+            <a:avLst/>
+          </a:prstGeom>
+        </p:spPr>
+        <p:txBody>
+          <a:bodyPr>
+            <a:spAutoFit/>
+          </a:bodyPr>
+          <a:lstStyle/>
+          <a:p>
+            <a:pPr marL="285750" indent="-285750" algn="l">
+              <a:buFont typeface="Arial"/>
+              <a:buChar char="•"/>
+            </a:pPr>
+            <a:r>
+              <a:rPr lang="en-US" dirty="0" smtClean="0">
+                <a:solidFill>
+                  <a:schemeClr val="tx1"/>
+                </a:solidFill>
+              </a:rPr>
+              <a:t>Reading </a:t>
+            </a:r>
+            <a:r>
+              <a:rPr lang="en-US" dirty="0">
+                <a:solidFill>
+                  <a:schemeClr val="tx1"/>
+                </a:solidFill>
+              </a:rPr>
+              <a:t>small files first</a:t>
+            </a:r>
+          </a:p>
+          <a:p>
+            <a:pPr marL="731838" lvl="1" indent="-285750" algn="l">
+              <a:buFont typeface="Arial"/>
+              <a:buChar char="•"/>
+            </a:pPr>
+            <a:r>
+              <a:rPr lang="en-US" dirty="0">
+                <a:solidFill>
+                  <a:schemeClr val="tx1"/>
+                </a:solidFill>
+              </a:rPr>
+              <a:t>we get a lot of INDs very fast</a:t>
+            </a:r>
+          </a:p>
+          <a:p>
+            <a:pPr marL="731838" lvl="1" indent="-285750" algn="l">
+              <a:buFont typeface="Arial"/>
+              <a:buChar char="•"/>
+            </a:pPr>
+            <a:r>
+              <a:rPr lang="en-US" dirty="0">
+                <a:solidFill>
+                  <a:schemeClr val="tx1"/>
+                </a:solidFill>
+              </a:rPr>
+              <a:t>Graph? exponential </a:t>
+            </a:r>
+            <a:r>
+              <a:rPr lang="en-US" dirty="0" smtClean="0">
+                <a:solidFill>
+                  <a:schemeClr val="tx1"/>
+                </a:solidFill>
+              </a:rPr>
+              <a:t>growth</a:t>
+            </a:r>
+          </a:p>
+          <a:p>
+            <a:pPr marL="446088" lvl="1" algn="l"/>
+            <a:endParaRPr lang="en-US" dirty="0">
+              <a:solidFill>
+                <a:schemeClr val="tx1"/>
+              </a:solidFill>
+            </a:endParaRPr>
+          </a:p>
+          <a:p>
+            <a:pPr marL="285750" indent="-285750" algn="l">
+              <a:buFont typeface="Arial"/>
+              <a:buChar char="•"/>
+            </a:pPr>
+            <a:r>
+              <a:rPr lang="en-US" dirty="0" smtClean="0">
+                <a:solidFill>
+                  <a:schemeClr val="tx1"/>
+                </a:solidFill>
+              </a:rPr>
+              <a:t>Memory </a:t>
+            </a:r>
+            <a:r>
+              <a:rPr lang="en-US" dirty="0">
+                <a:solidFill>
+                  <a:schemeClr val="tx1"/>
+                </a:solidFill>
+              </a:rPr>
+              <a:t>usage increases linearly with data size (</a:t>
+            </a:r>
+            <a:r>
+              <a:rPr lang="en-US" dirty="0" err="1">
+                <a:solidFill>
+                  <a:schemeClr val="tx1"/>
+                </a:solidFill>
+              </a:rPr>
+              <a:t>uniques</a:t>
+            </a:r>
+            <a:r>
+              <a:rPr lang="en-US" dirty="0">
+                <a:solidFill>
+                  <a:schemeClr val="tx1"/>
+                </a:solidFill>
+              </a:rPr>
+              <a:t>)</a:t>
+            </a:r>
+          </a:p>
+        </p:txBody>
+      </p:sp>
+    </p:spTree>
+    <p:extLst>
+      <p:ext uri="{BB962C8B-B14F-4D97-AF65-F5344CB8AC3E}">
+        <p14:creationId xmlns:p14="http://schemas.microsoft.com/office/powerpoint/2010/main" val="3521961934"/>
+      </p:ext>
+    </p:extLst>
+  </p:cSld>
+  <p:clrMapOvr>
+    <a:masterClrMapping/>
+  </p:clrMapOvr>
+</p:sld>
+</file>
+
 <file path=ppt/slides/slide2.xml><?xml version="1.0" encoding="utf-8"?>
 <p:sld xmlns:a="http://schemas.openxmlformats.org/drawingml/2006/main" xmlns:r="http://schemas.openxmlformats.org/officeDocument/2006/relationships" xmlns:p="http://schemas.openxmlformats.org/presentationml/2006/main">
   <p:cSld>
@@ -5837,7 +11858,7 @@
         </p:nvSpPr>
         <p:spPr bwMode="auto">
           <a:xfrm>
-            <a:off x="4660498" y="355869"/>
+            <a:off x="4660498" y="342501"/>
             <a:ext cx="822960" cy="822960"/>
           </a:xfrm>
           <a:prstGeom prst="star10">
@@ -5865,6 +11886,450 @@
           </a:p>
         </p:txBody>
       </p:sp>
+      <p:graphicFrame>
+        <p:nvGraphicFramePr>
+          <p:cNvPr id="8" name="Table 8"/>
+          <p:cNvGraphicFramePr>
+            <a:graphicFrameLocks noGrp="1"/>
+          </p:cNvGraphicFramePr>
+          <p:nvPr>
+            <p:extLst>
+              <p:ext uri="{D42A27DB-BD31-4B8C-83A1-F6EECF244321}">
+                <p14:modId xmlns:p14="http://schemas.microsoft.com/office/powerpoint/2010/main" val="4092162619"/>
+              </p:ext>
+            </p:extLst>
+          </p:nvPr>
+        </p:nvGraphicFramePr>
+        <p:xfrm>
+          <a:off x="828840" y="4505156"/>
+          <a:ext cx="3128212" cy="1784985"/>
+        </p:xfrm>
+        <a:graphic>
+          <a:graphicData uri="http://schemas.openxmlformats.org/drawingml/2006/table">
+            <a:tbl>
+              <a:tblPr firstRow="1" bandRow="1">
+                <a:tableStyleId>{5C22544A-7EE6-4342-B048-85BDC9FD1C3A}</a:tableStyleId>
+              </a:tblPr>
+              <a:tblGrid>
+                <a:gridCol w="1564106"/>
+                <a:gridCol w="1564106"/>
+              </a:tblGrid>
+              <a:tr h="249846">
+                <a:tc>
+                  <a:txBody>
+                    <a:bodyPr/>
+                    <a:lstStyle/>
+                    <a:p>
+                      <a:pPr algn="ctr"/>
+                      <a:r>
+                        <a:rPr lang="en-US" dirty="0" smtClean="0"/>
+                        <a:t>A</a:t>
+                      </a:r>
+                      <a:endParaRPr lang="en-US" dirty="0"/>
+                    </a:p>
+                  </a:txBody>
+                  <a:tcPr/>
+                </a:tc>
+                <a:tc>
+                  <a:txBody>
+                    <a:bodyPr/>
+                    <a:lstStyle/>
+                    <a:p>
+                      <a:pPr algn="ctr"/>
+                      <a:r>
+                        <a:rPr lang="en-US" dirty="0" smtClean="0"/>
+                        <a:t>B</a:t>
+                      </a:r>
+                      <a:endParaRPr lang="en-US" dirty="0"/>
+                    </a:p>
+                  </a:txBody>
+                  <a:tcPr/>
+                </a:tc>
+              </a:tr>
+              <a:tr h="249846">
+                <a:tc>
+                  <a:txBody>
+                    <a:bodyPr/>
+                    <a:lstStyle/>
+                    <a:p>
+                      <a:pPr algn="ctr" fontAlgn="b"/>
+                      <a:r>
+                        <a:rPr lang="en-US" dirty="0" smtClean="0"/>
+                        <a:t>Iris</a:t>
+                      </a:r>
+                      <a:endParaRPr lang="en-US" dirty="0"/>
+                    </a:p>
+                  </a:txBody>
+                  <a:tcPr marL="9525" marR="9525" marT="9525" marB="0" anchor="b"/>
+                </a:tc>
+                <a:tc>
+                  <a:txBody>
+                    <a:bodyPr/>
+                    <a:lstStyle/>
+                    <a:p>
+                      <a:pPr algn="ctr" fontAlgn="b"/>
+                      <a:r>
+                        <a:rPr lang="en-US" dirty="0" smtClean="0"/>
+                        <a:t>Computing</a:t>
+                      </a:r>
+                      <a:endParaRPr lang="en-US" dirty="0"/>
+                    </a:p>
+                  </a:txBody>
+                  <a:tcPr marL="9525" marR="9525" marT="9525" marB="0" anchor="b"/>
+                </a:tc>
+              </a:tr>
+              <a:tr h="249846">
+                <a:tc>
+                  <a:txBody>
+                    <a:bodyPr/>
+                    <a:lstStyle/>
+                    <a:p>
+                      <a:pPr algn="ctr" fontAlgn="b"/>
+                      <a:r>
+                        <a:rPr lang="en-US" dirty="0" smtClean="0"/>
+                        <a:t>Susi</a:t>
+                      </a:r>
+                      <a:endParaRPr lang="en-US" dirty="0"/>
+                    </a:p>
+                  </a:txBody>
+                  <a:tcPr marL="9525" marR="9525" marT="9525" marB="0" anchor="b"/>
+                </a:tc>
+                <a:tc>
+                  <a:txBody>
+                    <a:bodyPr/>
+                    <a:lstStyle/>
+                    <a:p>
+                      <a:pPr algn="ctr" fontAlgn="b"/>
+                      <a:r>
+                        <a:rPr lang="en-US" dirty="0" smtClean="0"/>
+                        <a:t>Computing</a:t>
+                      </a:r>
+                      <a:endParaRPr lang="en-US" dirty="0"/>
+                    </a:p>
+                  </a:txBody>
+                  <a:tcPr marL="9525" marR="9525" marT="9525" marB="0" anchor="b"/>
+                </a:tc>
+              </a:tr>
+              <a:tr h="249846">
+                <a:tc>
+                  <a:txBody>
+                    <a:bodyPr/>
+                    <a:lstStyle/>
+                    <a:p>
+                      <a:pPr algn="ctr" fontAlgn="b"/>
+                      <a:r>
+                        <a:rPr lang="en-US" dirty="0" err="1" smtClean="0"/>
+                        <a:t>Reuven</a:t>
+                      </a:r>
+                      <a:endParaRPr lang="en-US" dirty="0"/>
+                    </a:p>
+                  </a:txBody>
+                  <a:tcPr marL="9525" marR="9525" marT="9525" marB="0" anchor="b"/>
+                </a:tc>
+                <a:tc>
+                  <a:txBody>
+                    <a:bodyPr/>
+                    <a:lstStyle/>
+                    <a:p>
+                      <a:pPr algn="ctr" fontAlgn="b"/>
+                      <a:endParaRPr lang="en-US" dirty="0"/>
+                    </a:p>
+                  </a:txBody>
+                  <a:tcPr marL="9525" marR="9525" marT="9525" marB="0" anchor="b"/>
+                </a:tc>
+              </a:tr>
+              <a:tr h="249846">
+                <a:tc>
+                  <a:txBody>
+                    <a:bodyPr/>
+                    <a:lstStyle/>
+                    <a:p>
+                      <a:pPr algn="ctr" fontAlgn="b"/>
+                      <a:r>
+                        <a:rPr lang="en-US" dirty="0" smtClean="0"/>
+                        <a:t>Eli </a:t>
+                      </a:r>
+                      <a:endParaRPr lang="en-US" dirty="0"/>
+                    </a:p>
+                  </a:txBody>
+                  <a:tcPr marL="9525" marR="9525" marT="9525" marB="0" anchor="b"/>
+                </a:tc>
+                <a:tc>
+                  <a:txBody>
+                    <a:bodyPr/>
+                    <a:lstStyle/>
+                    <a:p>
+                      <a:pPr algn="ctr" fontAlgn="b"/>
+                      <a:endParaRPr lang="en-US" dirty="0"/>
+                    </a:p>
+                  </a:txBody>
+                  <a:tcPr marL="9525" marR="9525" marT="9525" marB="0" anchor="b"/>
+                </a:tc>
+              </a:tr>
+              <a:tr h="249846">
+                <a:tc>
+                  <a:txBody>
+                    <a:bodyPr/>
+                    <a:lstStyle/>
+                    <a:p>
+                      <a:pPr algn="ctr" fontAlgn="b"/>
+                      <a:r>
+                        <a:rPr lang="en-US" dirty="0" smtClean="0"/>
+                        <a:t>Naomi</a:t>
+                      </a:r>
+                      <a:endParaRPr lang="en-US" dirty="0"/>
+                    </a:p>
+                  </a:txBody>
+                  <a:tcPr marL="9525" marR="9525" marT="9525" marB="0" anchor="b"/>
+                </a:tc>
+                <a:tc>
+                  <a:txBody>
+                    <a:bodyPr/>
+                    <a:lstStyle/>
+                    <a:p>
+                      <a:pPr algn="ctr" fontAlgn="b"/>
+                      <a:r>
+                        <a:rPr lang="en-US" dirty="0"/>
+                        <a:t> </a:t>
+                      </a:r>
+                      <a:r>
+                        <a:rPr lang="en-US" dirty="0" smtClean="0"/>
+                        <a:t>Math </a:t>
+                      </a:r>
+                      <a:endParaRPr lang="en-US" dirty="0"/>
+                    </a:p>
+                  </a:txBody>
+                  <a:tcPr marL="9525" marR="9525" marT="9525" marB="0" anchor="b"/>
+                </a:tc>
+              </a:tr>
+            </a:tbl>
+          </a:graphicData>
+        </a:graphic>
+      </p:graphicFrame>
+      <p:graphicFrame>
+        <p:nvGraphicFramePr>
+          <p:cNvPr id="9" name="Table 8"/>
+          <p:cNvGraphicFramePr>
+            <a:graphicFrameLocks noGrp="1"/>
+          </p:cNvGraphicFramePr>
+          <p:nvPr>
+            <p:extLst>
+              <p:ext uri="{D42A27DB-BD31-4B8C-83A1-F6EECF244321}">
+                <p14:modId xmlns:p14="http://schemas.microsoft.com/office/powerpoint/2010/main" val="301158884"/>
+              </p:ext>
+            </p:extLst>
+          </p:nvPr>
+        </p:nvGraphicFramePr>
+        <p:xfrm>
+          <a:off x="4104103" y="4505156"/>
+          <a:ext cx="3128212" cy="1784985"/>
+        </p:xfrm>
+        <a:graphic>
+          <a:graphicData uri="http://schemas.openxmlformats.org/drawingml/2006/table">
+            <a:tbl>
+              <a:tblPr firstRow="1" bandRow="1">
+                <a:tableStyleId>{5C22544A-7EE6-4342-B048-85BDC9FD1C3A}</a:tableStyleId>
+              </a:tblPr>
+              <a:tblGrid>
+                <a:gridCol w="1564106"/>
+                <a:gridCol w="1564106"/>
+              </a:tblGrid>
+              <a:tr h="249846">
+                <a:tc>
+                  <a:txBody>
+                    <a:bodyPr/>
+                    <a:lstStyle/>
+                    <a:p>
+                      <a:pPr algn="ctr"/>
+                      <a:r>
+                        <a:rPr lang="en-US" dirty="0" smtClean="0"/>
+                        <a:t>A</a:t>
+                      </a:r>
+                      <a:endParaRPr lang="en-US" dirty="0"/>
+                    </a:p>
+                  </a:txBody>
+                  <a:tcPr/>
+                </a:tc>
+                <a:tc>
+                  <a:txBody>
+                    <a:bodyPr/>
+                    <a:lstStyle/>
+                    <a:p>
+                      <a:pPr algn="ctr"/>
+                      <a:r>
+                        <a:rPr lang="en-US" dirty="0" smtClean="0"/>
+                        <a:t>B</a:t>
+                      </a:r>
+                      <a:endParaRPr lang="en-US" dirty="0"/>
+                    </a:p>
+                  </a:txBody>
+                  <a:tcPr/>
+                </a:tc>
+              </a:tr>
+              <a:tr h="249846">
+                <a:tc>
+                  <a:txBody>
+                    <a:bodyPr/>
+                    <a:lstStyle/>
+                    <a:p>
+                      <a:pPr algn="ctr" fontAlgn="b"/>
+                      <a:r>
+                        <a:rPr lang="en-US" dirty="0" smtClean="0"/>
+                        <a:t>1</a:t>
+                      </a:r>
+                      <a:endParaRPr lang="en-US" dirty="0"/>
+                    </a:p>
+                  </a:txBody>
+                  <a:tcPr marL="9525" marR="9525" marT="9525" marB="0" anchor="b"/>
+                </a:tc>
+                <a:tc>
+                  <a:txBody>
+                    <a:bodyPr/>
+                    <a:lstStyle/>
+                    <a:p>
+                      <a:pPr algn="ctr" fontAlgn="b"/>
+                      <a:r>
+                        <a:rPr lang="en-US" dirty="0" smtClean="0"/>
+                        <a:t>2</a:t>
+                      </a:r>
+                      <a:endParaRPr lang="en-US" dirty="0"/>
+                    </a:p>
+                  </a:txBody>
+                  <a:tcPr marL="9525" marR="9525" marT="9525" marB="0" anchor="b"/>
+                </a:tc>
+              </a:tr>
+              <a:tr h="249846">
+                <a:tc>
+                  <a:txBody>
+                    <a:bodyPr/>
+                    <a:lstStyle/>
+                    <a:p>
+                      <a:pPr algn="ctr" fontAlgn="b"/>
+                      <a:r>
+                        <a:rPr lang="en-US" dirty="0" smtClean="0"/>
+                        <a:t>3</a:t>
+                      </a:r>
+                      <a:endParaRPr lang="en-US" dirty="0"/>
+                    </a:p>
+                  </a:txBody>
+                  <a:tcPr marL="9525" marR="9525" marT="9525" marB="0" anchor="b"/>
+                </a:tc>
+                <a:tc>
+                  <a:txBody>
+                    <a:bodyPr/>
+                    <a:lstStyle/>
+                    <a:p>
+                      <a:pPr algn="ctr" fontAlgn="b"/>
+                      <a:r>
+                        <a:rPr lang="en-US" dirty="0" smtClean="0"/>
+                        <a:t>2</a:t>
+                      </a:r>
+                      <a:endParaRPr lang="en-US" dirty="0"/>
+                    </a:p>
+                  </a:txBody>
+                  <a:tcPr marL="9525" marR="9525" marT="9525" marB="0" anchor="b"/>
+                </a:tc>
+              </a:tr>
+              <a:tr h="249846">
+                <a:tc>
+                  <a:txBody>
+                    <a:bodyPr/>
+                    <a:lstStyle/>
+                    <a:p>
+                      <a:pPr algn="ctr" fontAlgn="b"/>
+                      <a:r>
+                        <a:rPr lang="en-US" dirty="0" smtClean="0"/>
+                        <a:t>4</a:t>
+                      </a:r>
+                      <a:endParaRPr lang="en-US" dirty="0"/>
+                    </a:p>
+                  </a:txBody>
+                  <a:tcPr marL="9525" marR="9525" marT="9525" marB="0" anchor="b"/>
+                </a:tc>
+                <a:tc>
+                  <a:txBody>
+                    <a:bodyPr/>
+                    <a:lstStyle/>
+                    <a:p>
+                      <a:pPr algn="ctr" fontAlgn="b"/>
+                      <a:r>
+                        <a:rPr lang="en-US" dirty="0" smtClean="0"/>
+                        <a:t>5</a:t>
+                      </a:r>
+                      <a:endParaRPr lang="en-US" dirty="0"/>
+                    </a:p>
+                  </a:txBody>
+                  <a:tcPr marL="9525" marR="9525" marT="9525" marB="0" anchor="b"/>
+                </a:tc>
+              </a:tr>
+              <a:tr h="249846">
+                <a:tc>
+                  <a:txBody>
+                    <a:bodyPr/>
+                    <a:lstStyle/>
+                    <a:p>
+                      <a:pPr algn="ctr" fontAlgn="b"/>
+                      <a:r>
+                        <a:rPr lang="en-US" dirty="0" smtClean="0"/>
+                        <a:t>6 </a:t>
+                      </a:r>
+                      <a:endParaRPr lang="en-US" dirty="0"/>
+                    </a:p>
+                  </a:txBody>
+                  <a:tcPr marL="9525" marR="9525" marT="9525" marB="0" anchor="b"/>
+                </a:tc>
+                <a:tc>
+                  <a:txBody>
+                    <a:bodyPr/>
+                    <a:lstStyle/>
+                    <a:p>
+                      <a:pPr algn="ctr" fontAlgn="b"/>
+                      <a:r>
+                        <a:rPr lang="en-US" dirty="0" smtClean="0"/>
+                        <a:t>5</a:t>
+                      </a:r>
+                      <a:endParaRPr lang="en-US" dirty="0"/>
+                    </a:p>
+                  </a:txBody>
+                  <a:tcPr marL="9525" marR="9525" marT="9525" marB="0" anchor="b"/>
+                </a:tc>
+              </a:tr>
+              <a:tr h="249846">
+                <a:tc>
+                  <a:txBody>
+                    <a:bodyPr/>
+                    <a:lstStyle/>
+                    <a:p>
+                      <a:pPr algn="ctr" fontAlgn="b"/>
+                      <a:r>
+                        <a:rPr lang="en-US" dirty="0" smtClean="0"/>
+                        <a:t>7</a:t>
+                      </a:r>
+                      <a:endParaRPr lang="en-US" dirty="0"/>
+                    </a:p>
+                  </a:txBody>
+                  <a:tcPr marL="9525" marR="9525" marT="9525" marB="0" anchor="b"/>
+                </a:tc>
+                <a:tc>
+                  <a:txBody>
+                    <a:bodyPr/>
+                    <a:lstStyle/>
+                    <a:p>
+                      <a:pPr algn="ctr" fontAlgn="b"/>
+                      <a:r>
+                        <a:rPr lang="en-US" dirty="0" smtClean="0"/>
+                        <a:t>8</a:t>
+                      </a:r>
+                      <a:endParaRPr lang="en-US" dirty="0"/>
+                    </a:p>
+                  </a:txBody>
+                  <a:tcPr marL="9525" marR="9525" marT="9525" marB="0" anchor="b"/>
+                </a:tc>
+              </a:tr>
+            </a:tbl>
+          </a:graphicData>
+        </a:graphic>
+      </p:graphicFrame>
     </p:spTree>
     <p:extLst>
       <p:ext uri="{BB962C8B-B14F-4D97-AF65-F5344CB8AC3E}">
@@ -5996,7 +12461,7 @@
         </p:nvSpPr>
         <p:spPr bwMode="auto">
           <a:xfrm>
-            <a:off x="4187256" y="377256"/>
+            <a:off x="4655148" y="337150"/>
             <a:ext cx="822960" cy="822960"/>
           </a:xfrm>
           <a:prstGeom prst="star10">
@@ -6087,7 +12552,12 @@
             <p:ph idx="1"/>
           </p:nvPr>
         </p:nvSpPr>
-        <p:spPr/>
+        <p:spPr>
+          <a:xfrm>
+            <a:off x="719139" y="1728788"/>
+            <a:ext cx="3465178" cy="4795837"/>
+          </a:xfrm>
+        </p:spPr>
         <p:txBody>
           <a:bodyPr/>
           <a:lstStyle/>
@@ -6096,7 +12566,11 @@
               <a:buFont typeface="Arial"/>
               <a:buChar char="•"/>
             </a:pPr>
-            <a:endParaRPr lang="en-US" dirty="0" smtClean="0"/>
+            <a:r>
+              <a:rPr lang="en-US" dirty="0" smtClean="0"/>
+              <a:t>Each thread takes a table </a:t>
+            </a:r>
+            <a:endParaRPr lang="en-US" dirty="0"/>
           </a:p>
           <a:p>
             <a:pPr marL="285750" indent="-285750">
@@ -6105,7 +12579,7 @@
             </a:pPr>
             <a:r>
               <a:rPr lang="en-US" dirty="0" smtClean="0"/>
-              <a:t>each thread takes a table to take care of</a:t>
+              <a:t>checks combinations </a:t>
             </a:r>
           </a:p>
           <a:p>
@@ -6115,7 +12589,7 @@
             </a:pPr>
             <a:r>
               <a:rPr lang="en-US" dirty="0" smtClean="0"/>
-              <a:t>checks combinations with all other tables and their columns</a:t>
+              <a:t>with all other tables and their columns</a:t>
             </a:r>
           </a:p>
           <a:p>
@@ -6123,7 +12597,13 @@
               <a:buFont typeface="Arial"/>
               <a:buChar char="•"/>
             </a:pPr>
-            <a:endParaRPr lang="en-US" dirty="0" smtClean="0"/>
+            <a:r>
+              <a:rPr lang="en-US" dirty="0" smtClean="0"/>
+              <a:t>inside itself</a:t>
+            </a:r>
+          </a:p>
+          <a:p>
+            <a:endParaRPr lang="en-US" dirty="0"/>
           </a:p>
           <a:p>
             <a:pPr marL="285750" indent="-285750">
@@ -6132,9 +12612,8 @@
             </a:pPr>
             <a:r>
               <a:rPr lang="en-US" dirty="0" smtClean="0"/>
-              <a:t>TODO: draw tables and their columns maybe</a:t>
-            </a:r>
-            <a:endParaRPr lang="en-US" dirty="0"/>
+              <a:t>Compares to all tables with smaller ID are taken care of</a:t>
+            </a:r>
           </a:p>
           <a:p>
             <a:pPr marL="285750" indent="-285750">
@@ -6150,24 +12629,15 @@
             </a:pPr>
             <a:r>
               <a:rPr lang="en-US" dirty="0" smtClean="0"/>
-              <a:t>all tables with smaller ID are taken care of</a:t>
-            </a:r>
-            <a:endParaRPr lang="en-US" dirty="0"/>
-          </a:p>
-          <a:p>
-            <a:endParaRPr lang="en-US" dirty="0" smtClean="0"/>
-          </a:p>
-          <a:p>
-            <a:endParaRPr lang="en-US" dirty="0"/>
-          </a:p>
-          <a:p>
-            <a:pPr marL="285750" indent="-285750">
-              <a:buFont typeface="Arial"/>
-              <a:buChar char="•"/>
-            </a:pPr>
+              <a:t>Whenever it finds an IND, it writes it into the .</a:t>
+            </a:r>
+            <a:r>
+              <a:rPr lang="en-US" dirty="0" err="1" smtClean="0"/>
+              <a:t>tsv</a:t>
+            </a:r>
             <a:r>
               <a:rPr lang="en-US" dirty="0" smtClean="0"/>
-              <a:t>write in file</a:t>
+              <a:t>-file</a:t>
             </a:r>
             <a:endParaRPr lang="en-US" dirty="0"/>
           </a:p>
@@ -6222,13 +12692,13 @@
       </p:sp>
       <p:sp>
         <p:nvSpPr>
-          <p:cNvPr id="6" name="10-Point Star 5"/>
+          <p:cNvPr id="9" name="10-Point Star 8"/>
           <p:cNvSpPr/>
           <p:nvPr/>
         </p:nvSpPr>
         <p:spPr bwMode="auto">
           <a:xfrm>
-            <a:off x="5481320" y="214165"/>
+            <a:off x="7572141" y="754245"/>
             <a:ext cx="822960" cy="822960"/>
           </a:xfrm>
           <a:prstGeom prst="star10">
@@ -6240,6 +12710,560 @@
           <a:ln w="9525" cap="flat" cmpd="sng" algn="ctr">
             <a:solidFill>
               <a:schemeClr val="tx1"/>
+            </a:solidFill>
+            <a:prstDash val="solid"/>
+            <a:round/>
+            <a:headEnd type="none" w="med" len="med"/>
+            <a:tailEnd type="none" w="med" len="med"/>
+          </a:ln>
+          <a:effectLst/>
+        </p:spPr>
+        <p:txBody>
+          <a:bodyPr/>
+          <a:lstStyle/>
+          <a:p>
+            <a:r>
+              <a:rPr lang="en-US" dirty="0" smtClean="0"/>
+              <a:t>T1</a:t>
+            </a:r>
+            <a:endParaRPr lang="en-US" dirty="0"/>
+          </a:p>
+        </p:txBody>
+      </p:sp>
+      <p:sp>
+        <p:nvSpPr>
+          <p:cNvPr id="6" name="10-Point Star 5"/>
+          <p:cNvSpPr/>
+          <p:nvPr/>
+        </p:nvSpPr>
+        <p:spPr bwMode="auto">
+          <a:xfrm>
+            <a:off x="4919846" y="762266"/>
+            <a:ext cx="822960" cy="822960"/>
+          </a:xfrm>
+          <a:prstGeom prst="star10">
+            <a:avLst/>
+          </a:prstGeom>
+          <a:solidFill>
+            <a:srgbClr val="3366FF"/>
+          </a:solidFill>
+          <a:ln w="9525" cap="flat" cmpd="sng" algn="ctr">
+            <a:solidFill>
+              <a:schemeClr val="tx1"/>
+            </a:solidFill>
+            <a:prstDash val="solid"/>
+            <a:round/>
+            <a:headEnd type="none" w="med" len="med"/>
+            <a:tailEnd type="none" w="med" len="med"/>
+          </a:ln>
+          <a:effectLst/>
+        </p:spPr>
+        <p:txBody>
+          <a:bodyPr/>
+          <a:lstStyle/>
+          <a:p>
+            <a:r>
+              <a:rPr lang="en-US" dirty="0" smtClean="0"/>
+              <a:t>T0</a:t>
+            </a:r>
+            <a:endParaRPr lang="en-US" dirty="0"/>
+          </a:p>
+        </p:txBody>
+      </p:sp>
+      <p:graphicFrame>
+        <p:nvGraphicFramePr>
+          <p:cNvPr id="10" name="Table 8"/>
+          <p:cNvGraphicFramePr>
+            <a:graphicFrameLocks noGrp="1"/>
+          </p:cNvGraphicFramePr>
+          <p:nvPr>
+            <p:extLst>
+              <p:ext uri="{D42A27DB-BD31-4B8C-83A1-F6EECF244321}">
+                <p14:modId xmlns:p14="http://schemas.microsoft.com/office/powerpoint/2010/main" val="468306533"/>
+              </p:ext>
+            </p:extLst>
+          </p:nvPr>
+        </p:nvGraphicFramePr>
+        <p:xfrm>
+          <a:off x="6817896" y="1657675"/>
+          <a:ext cx="2326104" cy="1784985"/>
+        </p:xfrm>
+        <a:graphic>
+          <a:graphicData uri="http://schemas.openxmlformats.org/drawingml/2006/table">
+            <a:tbl>
+              <a:tblPr firstRow="1" bandRow="1">
+                <a:tableStyleId>{5C22544A-7EE6-4342-B048-85BDC9FD1C3A}</a:tableStyleId>
+              </a:tblPr>
+              <a:tblGrid>
+                <a:gridCol w="1163052"/>
+                <a:gridCol w="1163052"/>
+              </a:tblGrid>
+              <a:tr h="249846">
+                <a:tc>
+                  <a:txBody>
+                    <a:bodyPr/>
+                    <a:lstStyle/>
+                    <a:p>
+                      <a:pPr algn="ctr"/>
+                      <a:r>
+                        <a:rPr lang="en-US" dirty="0" smtClean="0">
+                          <a:solidFill>
+                            <a:srgbClr val="FFFFFF"/>
+                          </a:solidFill>
+                        </a:rPr>
+                        <a:t>T1 C1</a:t>
+                      </a:r>
+                      <a:endParaRPr lang="en-US" dirty="0">
+                        <a:solidFill>
+                          <a:srgbClr val="FFFFFF"/>
+                        </a:solidFill>
+                      </a:endParaRPr>
+                    </a:p>
+                  </a:txBody>
+                  <a:tcPr/>
+                </a:tc>
+                <a:tc>
+                  <a:txBody>
+                    <a:bodyPr/>
+                    <a:lstStyle/>
+                    <a:p>
+                      <a:pPr algn="ctr"/>
+                      <a:r>
+                        <a:rPr lang="en-US" dirty="0" smtClean="0"/>
+                        <a:t>T1 C2</a:t>
+                      </a:r>
+                      <a:endParaRPr lang="en-US" dirty="0"/>
+                    </a:p>
+                  </a:txBody>
+                  <a:tcPr/>
+                </a:tc>
+              </a:tr>
+              <a:tr h="249846">
+                <a:tc>
+                  <a:txBody>
+                    <a:bodyPr/>
+                    <a:lstStyle/>
+                    <a:p>
+                      <a:pPr algn="ctr" fontAlgn="b"/>
+                      <a:r>
+                        <a:rPr lang="en-US" dirty="0" smtClean="0">
+                          <a:solidFill>
+                            <a:schemeClr val="tx1"/>
+                          </a:solidFill>
+                        </a:rPr>
+                        <a:t>1</a:t>
+                      </a:r>
+                      <a:endParaRPr lang="en-US" dirty="0">
+                        <a:solidFill>
+                          <a:schemeClr val="tx1"/>
+                        </a:solidFill>
+                      </a:endParaRPr>
+                    </a:p>
+                  </a:txBody>
+                  <a:tcPr marL="9525" marR="9525" marT="9525" marB="0" anchor="b"/>
+                </a:tc>
+                <a:tc>
+                  <a:txBody>
+                    <a:bodyPr/>
+                    <a:lstStyle/>
+                    <a:p>
+                      <a:pPr algn="ctr" fontAlgn="b"/>
+                      <a:r>
+                        <a:rPr lang="en-US" dirty="0" smtClean="0"/>
+                        <a:t>2</a:t>
+                      </a:r>
+                      <a:endParaRPr lang="en-US" dirty="0"/>
+                    </a:p>
+                  </a:txBody>
+                  <a:tcPr marL="9525" marR="9525" marT="9525" marB="0" anchor="b"/>
+                </a:tc>
+              </a:tr>
+              <a:tr h="249846">
+                <a:tc>
+                  <a:txBody>
+                    <a:bodyPr/>
+                    <a:lstStyle/>
+                    <a:p>
+                      <a:pPr algn="ctr" fontAlgn="b"/>
+                      <a:r>
+                        <a:rPr lang="en-US" dirty="0" smtClean="0">
+                          <a:solidFill>
+                            <a:schemeClr val="tx1"/>
+                          </a:solidFill>
+                        </a:rPr>
+                        <a:t>3</a:t>
+                      </a:r>
+                      <a:endParaRPr lang="en-US" dirty="0">
+                        <a:solidFill>
+                          <a:schemeClr val="tx1"/>
+                        </a:solidFill>
+                      </a:endParaRPr>
+                    </a:p>
+                  </a:txBody>
+                  <a:tcPr marL="9525" marR="9525" marT="9525" marB="0" anchor="b"/>
+                </a:tc>
+                <a:tc>
+                  <a:txBody>
+                    <a:bodyPr/>
+                    <a:lstStyle/>
+                    <a:p>
+                      <a:pPr algn="ctr" fontAlgn="b"/>
+                      <a:r>
+                        <a:rPr lang="en-US" dirty="0" smtClean="0"/>
+                        <a:t>5</a:t>
+                      </a:r>
+                      <a:endParaRPr lang="en-US" dirty="0"/>
+                    </a:p>
+                  </a:txBody>
+                  <a:tcPr marL="9525" marR="9525" marT="9525" marB="0" anchor="b"/>
+                </a:tc>
+              </a:tr>
+              <a:tr h="249846">
+                <a:tc>
+                  <a:txBody>
+                    <a:bodyPr/>
+                    <a:lstStyle/>
+                    <a:p>
+                      <a:pPr algn="ctr" fontAlgn="b"/>
+                      <a:r>
+                        <a:rPr lang="en-US" dirty="0" smtClean="0">
+                          <a:solidFill>
+                            <a:schemeClr val="tx1"/>
+                          </a:solidFill>
+                        </a:rPr>
+                        <a:t>4</a:t>
+                      </a:r>
+                      <a:endParaRPr lang="en-US" dirty="0">
+                        <a:solidFill>
+                          <a:schemeClr val="tx1"/>
+                        </a:solidFill>
+                      </a:endParaRPr>
+                    </a:p>
+                  </a:txBody>
+                  <a:tcPr marL="9525" marR="9525" marT="9525" marB="0" anchor="b"/>
+                </a:tc>
+                <a:tc>
+                  <a:txBody>
+                    <a:bodyPr/>
+                    <a:lstStyle/>
+                    <a:p>
+                      <a:pPr algn="ctr" fontAlgn="b"/>
+                      <a:r>
+                        <a:rPr lang="en-US" dirty="0" smtClean="0"/>
+                        <a:t>8</a:t>
+                      </a:r>
+                      <a:endParaRPr lang="en-US" dirty="0"/>
+                    </a:p>
+                  </a:txBody>
+                  <a:tcPr marL="9525" marR="9525" marT="9525" marB="0" anchor="b"/>
+                </a:tc>
+              </a:tr>
+              <a:tr h="249846">
+                <a:tc>
+                  <a:txBody>
+                    <a:bodyPr/>
+                    <a:lstStyle/>
+                    <a:p>
+                      <a:pPr algn="ctr" fontAlgn="b"/>
+                      <a:r>
+                        <a:rPr lang="en-US" dirty="0" smtClean="0">
+                          <a:solidFill>
+                            <a:schemeClr val="tx1"/>
+                          </a:solidFill>
+                        </a:rPr>
+                        <a:t>6 </a:t>
+                      </a:r>
+                      <a:endParaRPr lang="en-US" dirty="0">
+                        <a:solidFill>
+                          <a:schemeClr val="tx1"/>
+                        </a:solidFill>
+                      </a:endParaRPr>
+                    </a:p>
+                  </a:txBody>
+                  <a:tcPr marL="9525" marR="9525" marT="9525" marB="0" anchor="b"/>
+                </a:tc>
+                <a:tc>
+                  <a:txBody>
+                    <a:bodyPr/>
+                    <a:lstStyle/>
+                    <a:p>
+                      <a:pPr algn="ctr" fontAlgn="b"/>
+                      <a:endParaRPr lang="en-US" dirty="0"/>
+                    </a:p>
+                  </a:txBody>
+                  <a:tcPr marL="9525" marR="9525" marT="9525" marB="0" anchor="b"/>
+                </a:tc>
+              </a:tr>
+              <a:tr h="249846">
+                <a:tc>
+                  <a:txBody>
+                    <a:bodyPr/>
+                    <a:lstStyle/>
+                    <a:p>
+                      <a:pPr algn="ctr" fontAlgn="b"/>
+                      <a:r>
+                        <a:rPr lang="en-US" dirty="0" smtClean="0">
+                          <a:solidFill>
+                            <a:schemeClr val="tx1"/>
+                          </a:solidFill>
+                        </a:rPr>
+                        <a:t>7</a:t>
+                      </a:r>
+                      <a:endParaRPr lang="en-US" dirty="0">
+                        <a:solidFill>
+                          <a:schemeClr val="tx1"/>
+                        </a:solidFill>
+                      </a:endParaRPr>
+                    </a:p>
+                  </a:txBody>
+                  <a:tcPr marL="9525" marR="9525" marT="9525" marB="0" anchor="b"/>
+                </a:tc>
+                <a:tc>
+                  <a:txBody>
+                    <a:bodyPr/>
+                    <a:lstStyle/>
+                    <a:p>
+                      <a:pPr algn="ctr" fontAlgn="b"/>
+                      <a:endParaRPr lang="en-US" dirty="0"/>
+                    </a:p>
+                  </a:txBody>
+                  <a:tcPr marL="9525" marR="9525" marT="9525" marB="0" anchor="b"/>
+                </a:tc>
+              </a:tr>
+            </a:tbl>
+          </a:graphicData>
+        </a:graphic>
+      </p:graphicFrame>
+      <p:graphicFrame>
+        <p:nvGraphicFramePr>
+          <p:cNvPr id="11" name="Table 8"/>
+          <p:cNvGraphicFramePr>
+            <a:graphicFrameLocks noGrp="1"/>
+          </p:cNvGraphicFramePr>
+          <p:nvPr>
+            <p:extLst>
+              <p:ext uri="{D42A27DB-BD31-4B8C-83A1-F6EECF244321}">
+                <p14:modId xmlns:p14="http://schemas.microsoft.com/office/powerpoint/2010/main" val="3764320707"/>
+              </p:ext>
+            </p:extLst>
+          </p:nvPr>
+        </p:nvGraphicFramePr>
+        <p:xfrm>
+          <a:off x="4175205" y="1663022"/>
+          <a:ext cx="2326104" cy="1501140"/>
+        </p:xfrm>
+        <a:graphic>
+          <a:graphicData uri="http://schemas.openxmlformats.org/drawingml/2006/table">
+            <a:tbl>
+              <a:tblPr firstRow="1" bandRow="1">
+                <a:tableStyleId>{5C22544A-7EE6-4342-B048-85BDC9FD1C3A}</a:tableStyleId>
+              </a:tblPr>
+              <a:tblGrid>
+                <a:gridCol w="1163052"/>
+                <a:gridCol w="1163052"/>
+              </a:tblGrid>
+              <a:tr h="249846">
+                <a:tc>
+                  <a:txBody>
+                    <a:bodyPr/>
+                    <a:lstStyle/>
+                    <a:p>
+                      <a:pPr algn="ctr"/>
+                      <a:r>
+                        <a:rPr lang="en-US" dirty="0" smtClean="0"/>
+                        <a:t>T2 C1</a:t>
+                      </a:r>
+                      <a:endParaRPr lang="en-US" dirty="0"/>
+                    </a:p>
+                  </a:txBody>
+                  <a:tcPr/>
+                </a:tc>
+                <a:tc>
+                  <a:txBody>
+                    <a:bodyPr/>
+                    <a:lstStyle/>
+                    <a:p>
+                      <a:pPr algn="ctr"/>
+                      <a:r>
+                        <a:rPr lang="en-US" dirty="0" smtClean="0">
+                          <a:solidFill>
+                            <a:schemeClr val="bg1"/>
+                          </a:solidFill>
+                        </a:rPr>
+                        <a:t>T2 C2</a:t>
+                      </a:r>
+                      <a:endParaRPr lang="en-US" dirty="0">
+                        <a:solidFill>
+                          <a:schemeClr val="bg1"/>
+                        </a:solidFill>
+                      </a:endParaRPr>
+                    </a:p>
+                  </a:txBody>
+                  <a:tcPr/>
+                </a:tc>
+              </a:tr>
+              <a:tr h="249846">
+                <a:tc>
+                  <a:txBody>
+                    <a:bodyPr/>
+                    <a:lstStyle/>
+                    <a:p>
+                      <a:pPr algn="ctr" fontAlgn="b"/>
+                      <a:r>
+                        <a:rPr lang="en-US" dirty="0" smtClean="0"/>
+                        <a:t>2</a:t>
+                      </a:r>
+                      <a:endParaRPr lang="en-US" dirty="0"/>
+                    </a:p>
+                  </a:txBody>
+                  <a:tcPr marL="9525" marR="9525" marT="9525" marB="0" anchor="b"/>
+                </a:tc>
+                <a:tc>
+                  <a:txBody>
+                    <a:bodyPr/>
+                    <a:lstStyle/>
+                    <a:p>
+                      <a:pPr algn="ctr" fontAlgn="b"/>
+                      <a:r>
+                        <a:rPr lang="en-US" dirty="0" smtClean="0">
+                          <a:solidFill>
+                            <a:schemeClr val="tx1"/>
+                          </a:solidFill>
+                        </a:rPr>
+                        <a:t>2</a:t>
+                      </a:r>
+                      <a:endParaRPr lang="en-US" dirty="0">
+                        <a:solidFill>
+                          <a:schemeClr val="tx1"/>
+                        </a:solidFill>
+                      </a:endParaRPr>
+                    </a:p>
+                  </a:txBody>
+                  <a:tcPr marL="9525" marR="9525" marT="9525" marB="0" anchor="b"/>
+                </a:tc>
+              </a:tr>
+              <a:tr h="249846">
+                <a:tc>
+                  <a:txBody>
+                    <a:bodyPr/>
+                    <a:lstStyle/>
+                    <a:p>
+                      <a:pPr algn="ctr" fontAlgn="b"/>
+                      <a:r>
+                        <a:rPr lang="en-US" dirty="0" smtClean="0"/>
+                        <a:t>4</a:t>
+                      </a:r>
+                      <a:endParaRPr lang="en-US" dirty="0"/>
+                    </a:p>
+                  </a:txBody>
+                  <a:tcPr marL="9525" marR="9525" marT="9525" marB="0" anchor="b"/>
+                </a:tc>
+                <a:tc>
+                  <a:txBody>
+                    <a:bodyPr/>
+                    <a:lstStyle/>
+                    <a:p>
+                      <a:pPr algn="ctr" fontAlgn="b"/>
+                      <a:r>
+                        <a:rPr lang="en-US" dirty="0" smtClean="0">
+                          <a:solidFill>
+                            <a:schemeClr val="tx1"/>
+                          </a:solidFill>
+                        </a:rPr>
+                        <a:t>5</a:t>
+                      </a:r>
+                      <a:endParaRPr lang="en-US" dirty="0">
+                        <a:solidFill>
+                          <a:schemeClr val="tx1"/>
+                        </a:solidFill>
+                      </a:endParaRPr>
+                    </a:p>
+                  </a:txBody>
+                  <a:tcPr marL="9525" marR="9525" marT="9525" marB="0" anchor="b"/>
+                </a:tc>
+              </a:tr>
+              <a:tr h="249846">
+                <a:tc>
+                  <a:txBody>
+                    <a:bodyPr/>
+                    <a:lstStyle/>
+                    <a:p>
+                      <a:pPr algn="ctr" fontAlgn="b"/>
+                      <a:r>
+                        <a:rPr lang="en-US" dirty="0" smtClean="0"/>
+                        <a:t>5</a:t>
+                      </a:r>
+                      <a:endParaRPr lang="en-US" dirty="0"/>
+                    </a:p>
+                  </a:txBody>
+                  <a:tcPr marL="9525" marR="9525" marT="9525" marB="0" anchor="b"/>
+                </a:tc>
+                <a:tc>
+                  <a:txBody>
+                    <a:bodyPr/>
+                    <a:lstStyle/>
+                    <a:p>
+                      <a:pPr algn="ctr" fontAlgn="b"/>
+                      <a:endParaRPr lang="en-US" dirty="0">
+                        <a:solidFill>
+                          <a:schemeClr val="tx1"/>
+                        </a:solidFill>
+                      </a:endParaRPr>
+                    </a:p>
+                  </a:txBody>
+                  <a:tcPr marL="9525" marR="9525" marT="9525" marB="0" anchor="b"/>
+                </a:tc>
+              </a:tr>
+              <a:tr h="249846">
+                <a:tc>
+                  <a:txBody>
+                    <a:bodyPr/>
+                    <a:lstStyle/>
+                    <a:p>
+                      <a:pPr algn="ctr" fontAlgn="b"/>
+                      <a:endParaRPr lang="en-US" dirty="0"/>
+                    </a:p>
+                  </a:txBody>
+                  <a:tcPr marL="9525" marR="9525" marT="9525" marB="0" anchor="b"/>
+                </a:tc>
+                <a:tc>
+                  <a:txBody>
+                    <a:bodyPr/>
+                    <a:lstStyle/>
+                    <a:p>
+                      <a:pPr algn="ctr" fontAlgn="b"/>
+                      <a:endParaRPr lang="en-US" dirty="0">
+                        <a:solidFill>
+                          <a:schemeClr val="tx1"/>
+                        </a:solidFill>
+                      </a:endParaRPr>
+                    </a:p>
+                  </a:txBody>
+                  <a:tcPr marL="9525" marR="9525" marT="9525" marB="0" anchor="b"/>
+                </a:tc>
+              </a:tr>
+            </a:tbl>
+          </a:graphicData>
+        </a:graphic>
+      </p:graphicFrame>
+      <p:sp>
+        <p:nvSpPr>
+          <p:cNvPr id="16" name="Rounded Rectangle 15"/>
+          <p:cNvSpPr/>
+          <p:nvPr/>
+        </p:nvSpPr>
+        <p:spPr bwMode="auto">
+          <a:xfrm>
+            <a:off x="4197685" y="1390316"/>
+            <a:ext cx="1136316" cy="2045369"/>
+          </a:xfrm>
+          <a:prstGeom prst="roundRect">
+            <a:avLst/>
+          </a:prstGeom>
+          <a:noFill/>
+          <a:ln w="101600" cap="flat" cmpd="sng" algn="ctr">
+            <a:solidFill>
+              <a:srgbClr val="3366FF"/>
             </a:solidFill>
             <a:prstDash val="solid"/>
             <a:round/>
@@ -6330,7 +13354,7 @@
             </a:pPr>
             <a:r>
               <a:rPr lang="en-US" dirty="0" smtClean="0"/>
-              <a:t>given two columns</a:t>
+              <a:t>Given two columns</a:t>
             </a:r>
           </a:p>
           <a:p>
@@ -6339,8 +13363,12 @@
               <a:buChar char="•"/>
             </a:pPr>
             <a:r>
+              <a:rPr lang="en-US" dirty="0" smtClean="0"/>
+              <a:t>Assumption</a:t>
+            </a:r>
+            <a:r>
               <a:rPr lang="en-US" dirty="0"/>
-              <a:t>Assumption:</a:t>
+              <a:t>:</a:t>
             </a:r>
           </a:p>
           <a:p>
@@ -6372,7 +13400,6 @@
               <a:rPr lang="en-US" dirty="0" smtClean="0"/>
               <a:t>integer</a:t>
             </a:r>
-            <a:endParaRPr lang="en-US" dirty="0"/>
           </a:p>
           <a:p>
             <a:pPr marL="285750" indent="-285750">
@@ -6381,81 +13408,7 @@
             </a:pPr>
             <a:r>
               <a:rPr lang="en-US" dirty="0" smtClean="0"/>
-              <a:t>cases:</a:t>
-            </a:r>
-          </a:p>
-          <a:p>
-            <a:pPr marL="731838" lvl="1" indent="-285750">
-              <a:buFont typeface="Arial"/>
-              <a:buChar char="•"/>
-            </a:pPr>
-            <a:r>
-              <a:rPr lang="en-US" dirty="0" smtClean="0"/>
-              <a:t>first: initial example – finds that no IND because 1 not in 2</a:t>
-            </a:r>
-            <a:r>
-              <a:rPr lang="en-US" baseline="30000" dirty="0" smtClean="0"/>
-              <a:t>nd</a:t>
-            </a:r>
-            <a:r>
-              <a:rPr lang="en-US" dirty="0" smtClean="0"/>
-              <a:t> column</a:t>
-            </a:r>
-          </a:p>
-          <a:p>
-            <a:pPr marL="731838" lvl="1" indent="-285750">
-              <a:buFont typeface="Arial"/>
-              <a:buChar char="•"/>
-            </a:pPr>
-            <a:r>
-              <a:rPr lang="en-US" dirty="0" smtClean="0"/>
-              <a:t>2</a:t>
-            </a:r>
-            <a:r>
-              <a:rPr lang="en-US" baseline="30000" dirty="0" smtClean="0"/>
-              <a:t>nd</a:t>
-            </a:r>
-            <a:r>
-              <a:rPr lang="en-US" dirty="0" smtClean="0"/>
-              <a:t>: </a:t>
-            </a:r>
-          </a:p>
-          <a:p>
-            <a:pPr marL="731838" lvl="1" indent="-285750">
-              <a:buFont typeface="Arial"/>
-              <a:buChar char="•"/>
-            </a:pPr>
-            <a:r>
-              <a:rPr lang="en-US" dirty="0" smtClean="0"/>
-              <a:t>3</a:t>
-            </a:r>
-            <a:r>
-              <a:rPr lang="en-US" baseline="30000" dirty="0" smtClean="0"/>
-              <a:t>rd</a:t>
-            </a:r>
-            <a:r>
-              <a:rPr lang="en-US" dirty="0" smtClean="0"/>
-              <a:t>:</a:t>
-            </a:r>
-          </a:p>
-          <a:p>
-            <a:pPr marL="731838" lvl="1" indent="-285750">
-              <a:buFont typeface="Arial"/>
-              <a:buChar char="•"/>
-            </a:pPr>
-            <a:r>
-              <a:rPr lang="en-US" dirty="0" smtClean="0"/>
-              <a:t>….</a:t>
-            </a:r>
-          </a:p>
-          <a:p>
-            <a:pPr marL="285750" indent="-285750">
-              <a:buFont typeface="Arial"/>
-              <a:buChar char="•"/>
-            </a:pPr>
-            <a:r>
-              <a:rPr lang="en-US" dirty="0" smtClean="0"/>
-              <a:t>draw cases!</a:t>
+              <a:t>using iterators</a:t>
             </a:r>
             <a:endParaRPr lang="en-US" dirty="0"/>
           </a:p>
@@ -6504,7 +13457,7 @@
               <a:pPr/>
               <a:t>6</a:t>
             </a:fld>
-            <a:endParaRPr lang="de-DE"/>
+            <a:endParaRPr lang="de-DE" dirty="0"/>
           </a:p>
         </p:txBody>
       </p:sp>
@@ -6576,172 +13529,6 @@
       </p:grpSpPr>
       <p:sp>
         <p:nvSpPr>
-          <p:cNvPr id="2" name="Title 1"/>
-          <p:cNvSpPr>
-            <a:spLocks noGrp="1"/>
-          </p:cNvSpPr>
-          <p:nvPr>
-            <p:ph type="title"/>
-          </p:nvPr>
-        </p:nvSpPr>
-        <p:spPr/>
-        <p:txBody>
-          <a:bodyPr/>
-          <a:lstStyle/>
-          <a:p>
-            <a:r>
-              <a:rPr lang="en-US" dirty="0" smtClean="0"/>
-              <a:t>Results</a:t>
-            </a:r>
-            <a:endParaRPr lang="en-US" dirty="0"/>
-          </a:p>
-        </p:txBody>
-      </p:sp>
-      <p:sp>
-        <p:nvSpPr>
-          <p:cNvPr id="3" name="Content Placeholder 2"/>
-          <p:cNvSpPr>
-            <a:spLocks noGrp="1"/>
-          </p:cNvSpPr>
-          <p:nvPr>
-            <p:ph idx="1"/>
-          </p:nvPr>
-        </p:nvSpPr>
-        <p:spPr/>
-        <p:txBody>
-          <a:bodyPr/>
-          <a:lstStyle/>
-          <a:p>
-            <a:pPr marL="285750" indent="-285750">
-              <a:buFont typeface="Arial"/>
-              <a:buChar char="•"/>
-            </a:pPr>
-            <a:r>
-              <a:rPr lang="en-US" dirty="0" smtClean="0"/>
-              <a:t>put Pipeline image and </a:t>
-            </a:r>
-            <a:r>
-              <a:rPr lang="en-US" dirty="0" err="1" smtClean="0"/>
-              <a:t>anotate</a:t>
-            </a:r>
-            <a:r>
-              <a:rPr lang="en-US" dirty="0" smtClean="0"/>
-              <a:t> with time measures</a:t>
-            </a:r>
-          </a:p>
-          <a:p>
-            <a:pPr marL="285750" indent="-285750">
-              <a:buFont typeface="Arial"/>
-              <a:buChar char="•"/>
-            </a:pPr>
-            <a:endParaRPr lang="en-US" dirty="0"/>
-          </a:p>
-          <a:p>
-            <a:pPr marL="285750" indent="-285750">
-              <a:buFont typeface="Arial"/>
-              <a:buChar char="•"/>
-            </a:pPr>
-            <a:r>
-              <a:rPr lang="en-US" dirty="0" smtClean="0"/>
-              <a:t>Read + Preprocess: 3min</a:t>
-            </a:r>
-            <a:endParaRPr lang="en-US" dirty="0"/>
-          </a:p>
-          <a:p>
-            <a:pPr marL="285750" indent="-285750">
-              <a:buFont typeface="Arial"/>
-              <a:buChar char="•"/>
-            </a:pPr>
-            <a:r>
-              <a:rPr lang="en-US" dirty="0" smtClean="0"/>
-              <a:t>Core Processing: 1min</a:t>
-            </a:r>
-          </a:p>
-          <a:p>
-            <a:pPr marL="285750" indent="-285750">
-              <a:buFont typeface="Arial"/>
-              <a:buChar char="•"/>
-            </a:pPr>
-            <a:r>
-              <a:rPr lang="en-US" dirty="0" smtClean="0"/>
-              <a:t>Result: 4min?</a:t>
-            </a:r>
-            <a:endParaRPr lang="en-US" dirty="0"/>
-          </a:p>
-          <a:p>
-            <a:pPr marL="285750" indent="-285750">
-              <a:buFont typeface="Arial"/>
-              <a:buChar char="•"/>
-            </a:pPr>
-            <a:r>
-              <a:rPr lang="en-US" dirty="0" smtClean="0"/>
-              <a:t>No, we could do better</a:t>
-            </a:r>
-          </a:p>
-          <a:p>
-            <a:pPr marL="731838" lvl="1" indent="-285750">
-              <a:buFont typeface="Arial"/>
-              <a:buChar char="•"/>
-            </a:pPr>
-            <a:r>
-              <a:rPr lang="en-US" dirty="0" smtClean="0"/>
-              <a:t>3min</a:t>
-            </a:r>
-            <a:endParaRPr lang="en-US" dirty="0"/>
-          </a:p>
-          <a:p>
-            <a:pPr marL="285750" indent="-285750">
-              <a:buFont typeface="Arial"/>
-              <a:buChar char="•"/>
-            </a:pPr>
-            <a:r>
-              <a:rPr lang="en-US" dirty="0" smtClean="0"/>
-              <a:t>Reading small files first</a:t>
-            </a:r>
-          </a:p>
-          <a:p>
-            <a:pPr marL="731838" lvl="1" indent="-285750">
-              <a:buFont typeface="Arial"/>
-              <a:buChar char="•"/>
-            </a:pPr>
-            <a:r>
-              <a:rPr lang="en-US" dirty="0" smtClean="0"/>
-              <a:t>we get a lot of INDs very fast</a:t>
-            </a:r>
-          </a:p>
-          <a:p>
-            <a:pPr marL="731838" lvl="1" indent="-285750">
-              <a:buFont typeface="Arial"/>
-              <a:buChar char="•"/>
-            </a:pPr>
-            <a:r>
-              <a:rPr lang="en-US" dirty="0" smtClean="0"/>
-              <a:t>Graph?</a:t>
-            </a:r>
-            <a:endParaRPr lang="en-US" dirty="0"/>
-          </a:p>
-          <a:p>
-            <a:pPr marL="285750" indent="-285750">
-              <a:buFont typeface="Arial"/>
-              <a:buChar char="•"/>
-            </a:pPr>
-            <a:r>
-              <a:rPr lang="en-US" dirty="0" smtClean="0"/>
-              <a:t>cons: memory usage increases linearly with data size (</a:t>
-            </a:r>
-            <a:r>
-              <a:rPr lang="en-US" dirty="0" err="1" smtClean="0"/>
-              <a:t>uniques</a:t>
-            </a:r>
-            <a:r>
-              <a:rPr lang="en-US" dirty="0" smtClean="0"/>
-              <a:t>)</a:t>
-            </a:r>
-          </a:p>
-        </p:txBody>
-      </p:sp>
-      <p:sp>
-        <p:nvSpPr>
           <p:cNvPr id="4" name="Footer Placeholder 3"/>
           <p:cNvSpPr>
             <a:spLocks noGrp="1"/>
@@ -6787,10 +13574,2267 @@
           </a:p>
         </p:txBody>
       </p:sp>
+      <p:graphicFrame>
+        <p:nvGraphicFramePr>
+          <p:cNvPr id="7" name="Table 8"/>
+          <p:cNvGraphicFramePr>
+            <a:graphicFrameLocks noGrp="1"/>
+          </p:cNvGraphicFramePr>
+          <p:nvPr>
+            <p:extLst>
+              <p:ext uri="{D42A27DB-BD31-4B8C-83A1-F6EECF244321}">
+                <p14:modId xmlns:p14="http://schemas.microsoft.com/office/powerpoint/2010/main" val="2696879029"/>
+              </p:ext>
+            </p:extLst>
+          </p:nvPr>
+        </p:nvGraphicFramePr>
+        <p:xfrm>
+          <a:off x="5014249" y="2245892"/>
+          <a:ext cx="2326104" cy="1784985"/>
+        </p:xfrm>
+        <a:graphic>
+          <a:graphicData uri="http://schemas.openxmlformats.org/drawingml/2006/table">
+            <a:tbl>
+              <a:tblPr firstRow="1" bandRow="1">
+                <a:tableStyleId>{5C22544A-7EE6-4342-B048-85BDC9FD1C3A}</a:tableStyleId>
+              </a:tblPr>
+              <a:tblGrid>
+                <a:gridCol w="1163052"/>
+                <a:gridCol w="1163052"/>
+              </a:tblGrid>
+              <a:tr h="249846">
+                <a:tc>
+                  <a:txBody>
+                    <a:bodyPr/>
+                    <a:lstStyle/>
+                    <a:p>
+                      <a:pPr algn="ctr"/>
+                      <a:r>
+                        <a:rPr lang="en-US" dirty="0" smtClean="0">
+                          <a:solidFill>
+                            <a:srgbClr val="FFFFFF"/>
+                          </a:solidFill>
+                        </a:rPr>
+                        <a:t>T1 C1</a:t>
+                      </a:r>
+                      <a:endParaRPr lang="en-US" dirty="0">
+                        <a:solidFill>
+                          <a:srgbClr val="FFFFFF"/>
+                        </a:solidFill>
+                      </a:endParaRPr>
+                    </a:p>
+                  </a:txBody>
+                  <a:tcPr/>
+                </a:tc>
+                <a:tc>
+                  <a:txBody>
+                    <a:bodyPr/>
+                    <a:lstStyle/>
+                    <a:p>
+                      <a:pPr algn="ctr"/>
+                      <a:r>
+                        <a:rPr lang="en-US" dirty="0" smtClean="0"/>
+                        <a:t>T1 C2</a:t>
+                      </a:r>
+                      <a:endParaRPr lang="en-US" dirty="0"/>
+                    </a:p>
+                  </a:txBody>
+                  <a:tcPr/>
+                </a:tc>
+              </a:tr>
+              <a:tr h="249846">
+                <a:tc>
+                  <a:txBody>
+                    <a:bodyPr/>
+                    <a:lstStyle/>
+                    <a:p>
+                      <a:pPr algn="ctr" fontAlgn="b"/>
+                      <a:r>
+                        <a:rPr lang="en-US" dirty="0" smtClean="0">
+                          <a:solidFill>
+                            <a:schemeClr val="tx1"/>
+                          </a:solidFill>
+                        </a:rPr>
+                        <a:t>1</a:t>
+                      </a:r>
+                      <a:endParaRPr lang="en-US" dirty="0">
+                        <a:solidFill>
+                          <a:schemeClr val="tx1"/>
+                        </a:solidFill>
+                      </a:endParaRPr>
+                    </a:p>
+                  </a:txBody>
+                  <a:tcPr marL="9525" marR="9525" marT="9525" marB="0" anchor="b"/>
+                </a:tc>
+                <a:tc>
+                  <a:txBody>
+                    <a:bodyPr/>
+                    <a:lstStyle/>
+                    <a:p>
+                      <a:pPr algn="ctr" fontAlgn="b"/>
+                      <a:r>
+                        <a:rPr lang="en-US" dirty="0" smtClean="0"/>
+                        <a:t>2</a:t>
+                      </a:r>
+                      <a:endParaRPr lang="en-US" dirty="0"/>
+                    </a:p>
+                  </a:txBody>
+                  <a:tcPr marL="9525" marR="9525" marT="9525" marB="0" anchor="b"/>
+                </a:tc>
+              </a:tr>
+              <a:tr h="249846">
+                <a:tc>
+                  <a:txBody>
+                    <a:bodyPr/>
+                    <a:lstStyle/>
+                    <a:p>
+                      <a:pPr algn="ctr" fontAlgn="b"/>
+                      <a:r>
+                        <a:rPr lang="en-US" dirty="0" smtClean="0">
+                          <a:solidFill>
+                            <a:schemeClr val="tx1"/>
+                          </a:solidFill>
+                        </a:rPr>
+                        <a:t>3</a:t>
+                      </a:r>
+                      <a:endParaRPr lang="en-US" dirty="0">
+                        <a:solidFill>
+                          <a:schemeClr val="tx1"/>
+                        </a:solidFill>
+                      </a:endParaRPr>
+                    </a:p>
+                  </a:txBody>
+                  <a:tcPr marL="9525" marR="9525" marT="9525" marB="0" anchor="b"/>
+                </a:tc>
+                <a:tc>
+                  <a:txBody>
+                    <a:bodyPr/>
+                    <a:lstStyle/>
+                    <a:p>
+                      <a:pPr algn="ctr" fontAlgn="b"/>
+                      <a:r>
+                        <a:rPr lang="en-US" dirty="0" smtClean="0"/>
+                        <a:t>5</a:t>
+                      </a:r>
+                      <a:endParaRPr lang="en-US" dirty="0"/>
+                    </a:p>
+                  </a:txBody>
+                  <a:tcPr marL="9525" marR="9525" marT="9525" marB="0" anchor="b"/>
+                </a:tc>
+              </a:tr>
+              <a:tr h="249846">
+                <a:tc>
+                  <a:txBody>
+                    <a:bodyPr/>
+                    <a:lstStyle/>
+                    <a:p>
+                      <a:pPr algn="ctr" fontAlgn="b"/>
+                      <a:r>
+                        <a:rPr lang="en-US" dirty="0" smtClean="0">
+                          <a:solidFill>
+                            <a:schemeClr val="tx1"/>
+                          </a:solidFill>
+                        </a:rPr>
+                        <a:t>4</a:t>
+                      </a:r>
+                      <a:endParaRPr lang="en-US" dirty="0">
+                        <a:solidFill>
+                          <a:schemeClr val="tx1"/>
+                        </a:solidFill>
+                      </a:endParaRPr>
+                    </a:p>
+                  </a:txBody>
+                  <a:tcPr marL="9525" marR="9525" marT="9525" marB="0" anchor="b"/>
+                </a:tc>
+                <a:tc>
+                  <a:txBody>
+                    <a:bodyPr/>
+                    <a:lstStyle/>
+                    <a:p>
+                      <a:pPr algn="ctr" fontAlgn="b"/>
+                      <a:r>
+                        <a:rPr lang="en-US" dirty="0" smtClean="0"/>
+                        <a:t>8</a:t>
+                      </a:r>
+                      <a:endParaRPr lang="en-US" dirty="0"/>
+                    </a:p>
+                  </a:txBody>
+                  <a:tcPr marL="9525" marR="9525" marT="9525" marB="0" anchor="b"/>
+                </a:tc>
+              </a:tr>
+              <a:tr h="249846">
+                <a:tc>
+                  <a:txBody>
+                    <a:bodyPr/>
+                    <a:lstStyle/>
+                    <a:p>
+                      <a:pPr algn="ctr" fontAlgn="b"/>
+                      <a:r>
+                        <a:rPr lang="en-US" dirty="0" smtClean="0">
+                          <a:solidFill>
+                            <a:schemeClr val="tx1"/>
+                          </a:solidFill>
+                        </a:rPr>
+                        <a:t>6 </a:t>
+                      </a:r>
+                      <a:endParaRPr lang="en-US" dirty="0">
+                        <a:solidFill>
+                          <a:schemeClr val="tx1"/>
+                        </a:solidFill>
+                      </a:endParaRPr>
+                    </a:p>
+                  </a:txBody>
+                  <a:tcPr marL="9525" marR="9525" marT="9525" marB="0" anchor="b"/>
+                </a:tc>
+                <a:tc>
+                  <a:txBody>
+                    <a:bodyPr/>
+                    <a:lstStyle/>
+                    <a:p>
+                      <a:pPr algn="ctr" fontAlgn="b"/>
+                      <a:endParaRPr lang="en-US" dirty="0"/>
+                    </a:p>
+                  </a:txBody>
+                  <a:tcPr marL="9525" marR="9525" marT="9525" marB="0" anchor="b"/>
+                </a:tc>
+              </a:tr>
+              <a:tr h="249846">
+                <a:tc>
+                  <a:txBody>
+                    <a:bodyPr/>
+                    <a:lstStyle/>
+                    <a:p>
+                      <a:pPr algn="ctr" fontAlgn="b"/>
+                      <a:r>
+                        <a:rPr lang="en-US" dirty="0" smtClean="0">
+                          <a:solidFill>
+                            <a:schemeClr val="tx1"/>
+                          </a:solidFill>
+                        </a:rPr>
+                        <a:t>7</a:t>
+                      </a:r>
+                      <a:endParaRPr lang="en-US" dirty="0">
+                        <a:solidFill>
+                          <a:schemeClr val="tx1"/>
+                        </a:solidFill>
+                      </a:endParaRPr>
+                    </a:p>
+                  </a:txBody>
+                  <a:tcPr marL="9525" marR="9525" marT="9525" marB="0" anchor="b"/>
+                </a:tc>
+                <a:tc>
+                  <a:txBody>
+                    <a:bodyPr/>
+                    <a:lstStyle/>
+                    <a:p>
+                      <a:pPr algn="ctr" fontAlgn="b"/>
+                      <a:endParaRPr lang="en-US" dirty="0"/>
+                    </a:p>
+                  </a:txBody>
+                  <a:tcPr marL="9525" marR="9525" marT="9525" marB="0" anchor="b"/>
+                </a:tc>
+              </a:tr>
+            </a:tbl>
+          </a:graphicData>
+        </a:graphic>
+      </p:graphicFrame>
+      <p:graphicFrame>
+        <p:nvGraphicFramePr>
+          <p:cNvPr id="8" name="Table 8"/>
+          <p:cNvGraphicFramePr>
+            <a:graphicFrameLocks noGrp="1"/>
+          </p:cNvGraphicFramePr>
+          <p:nvPr>
+            <p:extLst>
+              <p:ext uri="{D42A27DB-BD31-4B8C-83A1-F6EECF244321}">
+                <p14:modId xmlns:p14="http://schemas.microsoft.com/office/powerpoint/2010/main" val="1965337979"/>
+              </p:ext>
+            </p:extLst>
+          </p:nvPr>
+        </p:nvGraphicFramePr>
+        <p:xfrm>
+          <a:off x="2371558" y="2251239"/>
+          <a:ext cx="2326104" cy="1501140"/>
+        </p:xfrm>
+        <a:graphic>
+          <a:graphicData uri="http://schemas.openxmlformats.org/drawingml/2006/table">
+            <a:tbl>
+              <a:tblPr firstRow="1" bandRow="1">
+                <a:tableStyleId>{5C22544A-7EE6-4342-B048-85BDC9FD1C3A}</a:tableStyleId>
+              </a:tblPr>
+              <a:tblGrid>
+                <a:gridCol w="1163052"/>
+                <a:gridCol w="1163052"/>
+              </a:tblGrid>
+              <a:tr h="249846">
+                <a:tc>
+                  <a:txBody>
+                    <a:bodyPr/>
+                    <a:lstStyle/>
+                    <a:p>
+                      <a:pPr algn="ctr"/>
+                      <a:r>
+                        <a:rPr lang="en-US" dirty="0" smtClean="0"/>
+                        <a:t>T2 C1</a:t>
+                      </a:r>
+                      <a:endParaRPr lang="en-US" dirty="0"/>
+                    </a:p>
+                  </a:txBody>
+                  <a:tcPr/>
+                </a:tc>
+                <a:tc>
+                  <a:txBody>
+                    <a:bodyPr/>
+                    <a:lstStyle/>
+                    <a:p>
+                      <a:pPr algn="ctr"/>
+                      <a:r>
+                        <a:rPr lang="en-US" dirty="0" smtClean="0">
+                          <a:solidFill>
+                            <a:schemeClr val="bg1"/>
+                          </a:solidFill>
+                        </a:rPr>
+                        <a:t>T2 C2</a:t>
+                      </a:r>
+                      <a:endParaRPr lang="en-US" dirty="0">
+                        <a:solidFill>
+                          <a:schemeClr val="bg1"/>
+                        </a:solidFill>
+                      </a:endParaRPr>
+                    </a:p>
+                  </a:txBody>
+                  <a:tcPr/>
+                </a:tc>
+              </a:tr>
+              <a:tr h="249846">
+                <a:tc>
+                  <a:txBody>
+                    <a:bodyPr/>
+                    <a:lstStyle/>
+                    <a:p>
+                      <a:pPr algn="ctr" fontAlgn="b"/>
+                      <a:r>
+                        <a:rPr lang="en-US" dirty="0" smtClean="0"/>
+                        <a:t>2</a:t>
+                      </a:r>
+                      <a:endParaRPr lang="en-US" dirty="0"/>
+                    </a:p>
+                  </a:txBody>
+                  <a:tcPr marL="9525" marR="9525" marT="9525" marB="0" anchor="b"/>
+                </a:tc>
+                <a:tc>
+                  <a:txBody>
+                    <a:bodyPr/>
+                    <a:lstStyle/>
+                    <a:p>
+                      <a:pPr algn="ctr" fontAlgn="b"/>
+                      <a:r>
+                        <a:rPr lang="en-US" dirty="0" smtClean="0">
+                          <a:solidFill>
+                            <a:schemeClr val="tx1"/>
+                          </a:solidFill>
+                        </a:rPr>
+                        <a:t>2</a:t>
+                      </a:r>
+                      <a:endParaRPr lang="en-US" dirty="0">
+                        <a:solidFill>
+                          <a:schemeClr val="tx1"/>
+                        </a:solidFill>
+                      </a:endParaRPr>
+                    </a:p>
+                  </a:txBody>
+                  <a:tcPr marL="9525" marR="9525" marT="9525" marB="0" anchor="b"/>
+                </a:tc>
+              </a:tr>
+              <a:tr h="249846">
+                <a:tc>
+                  <a:txBody>
+                    <a:bodyPr/>
+                    <a:lstStyle/>
+                    <a:p>
+                      <a:pPr algn="ctr" fontAlgn="b"/>
+                      <a:r>
+                        <a:rPr lang="en-US" dirty="0" smtClean="0"/>
+                        <a:t>4</a:t>
+                      </a:r>
+                      <a:endParaRPr lang="en-US" dirty="0"/>
+                    </a:p>
+                  </a:txBody>
+                  <a:tcPr marL="9525" marR="9525" marT="9525" marB="0" anchor="b"/>
+                </a:tc>
+                <a:tc>
+                  <a:txBody>
+                    <a:bodyPr/>
+                    <a:lstStyle/>
+                    <a:p>
+                      <a:pPr algn="ctr" fontAlgn="b"/>
+                      <a:r>
+                        <a:rPr lang="en-US" dirty="0" smtClean="0">
+                          <a:solidFill>
+                            <a:schemeClr val="tx1"/>
+                          </a:solidFill>
+                        </a:rPr>
+                        <a:t>5</a:t>
+                      </a:r>
+                      <a:endParaRPr lang="en-US" dirty="0">
+                        <a:solidFill>
+                          <a:schemeClr val="tx1"/>
+                        </a:solidFill>
+                      </a:endParaRPr>
+                    </a:p>
+                  </a:txBody>
+                  <a:tcPr marL="9525" marR="9525" marT="9525" marB="0" anchor="b"/>
+                </a:tc>
+              </a:tr>
+              <a:tr h="249846">
+                <a:tc>
+                  <a:txBody>
+                    <a:bodyPr/>
+                    <a:lstStyle/>
+                    <a:p>
+                      <a:pPr algn="ctr" fontAlgn="b"/>
+                      <a:r>
+                        <a:rPr lang="en-US" dirty="0" smtClean="0"/>
+                        <a:t>5</a:t>
+                      </a:r>
+                      <a:endParaRPr lang="en-US" dirty="0"/>
+                    </a:p>
+                  </a:txBody>
+                  <a:tcPr marL="9525" marR="9525" marT="9525" marB="0" anchor="b"/>
+                </a:tc>
+                <a:tc>
+                  <a:txBody>
+                    <a:bodyPr/>
+                    <a:lstStyle/>
+                    <a:p>
+                      <a:pPr algn="ctr" fontAlgn="b"/>
+                      <a:endParaRPr lang="en-US" dirty="0">
+                        <a:solidFill>
+                          <a:schemeClr val="tx1"/>
+                        </a:solidFill>
+                      </a:endParaRPr>
+                    </a:p>
+                  </a:txBody>
+                  <a:tcPr marL="9525" marR="9525" marT="9525" marB="0" anchor="b"/>
+                </a:tc>
+              </a:tr>
+              <a:tr h="249846">
+                <a:tc>
+                  <a:txBody>
+                    <a:bodyPr/>
+                    <a:lstStyle/>
+                    <a:p>
+                      <a:pPr algn="ctr" fontAlgn="b"/>
+                      <a:endParaRPr lang="en-US" dirty="0"/>
+                    </a:p>
+                  </a:txBody>
+                  <a:tcPr marL="9525" marR="9525" marT="9525" marB="0" anchor="b"/>
+                </a:tc>
+                <a:tc>
+                  <a:txBody>
+                    <a:bodyPr/>
+                    <a:lstStyle/>
+                    <a:p>
+                      <a:pPr algn="ctr" fontAlgn="b"/>
+                      <a:endParaRPr lang="en-US" dirty="0">
+                        <a:solidFill>
+                          <a:schemeClr val="tx1"/>
+                        </a:solidFill>
+                      </a:endParaRPr>
+                    </a:p>
+                  </a:txBody>
+                  <a:tcPr marL="9525" marR="9525" marT="9525" marB="0" anchor="b"/>
+                </a:tc>
+              </a:tr>
+            </a:tbl>
+          </a:graphicData>
+        </a:graphic>
+      </p:graphicFrame>
+      <p:sp>
+        <p:nvSpPr>
+          <p:cNvPr id="9" name="Title 1"/>
+          <p:cNvSpPr>
+            <a:spLocks noGrp="1"/>
+          </p:cNvSpPr>
+          <p:nvPr>
+            <p:ph type="title"/>
+          </p:nvPr>
+        </p:nvSpPr>
+        <p:spPr>
+          <a:xfrm>
+            <a:off x="787400" y="0"/>
+            <a:ext cx="6243638" cy="1008063"/>
+          </a:xfrm>
+        </p:spPr>
+        <p:txBody>
+          <a:bodyPr/>
+          <a:lstStyle/>
+          <a:p>
+            <a:r>
+              <a:rPr lang="en-US" dirty="0" smtClean="0"/>
+              <a:t>INDS core algorithm – case 1 – no IND</a:t>
+            </a:r>
+            <a:endParaRPr lang="en-US" dirty="0"/>
+          </a:p>
+        </p:txBody>
+      </p:sp>
+      <p:sp>
+        <p:nvSpPr>
+          <p:cNvPr id="10" name="Rounded Rectangle 9"/>
+          <p:cNvSpPr/>
+          <p:nvPr/>
+        </p:nvSpPr>
+        <p:spPr bwMode="auto">
+          <a:xfrm>
+            <a:off x="2419685" y="2005263"/>
+            <a:ext cx="1136316" cy="2045369"/>
+          </a:xfrm>
+          <a:prstGeom prst="roundRect">
+            <a:avLst/>
+          </a:prstGeom>
+          <a:noFill/>
+          <a:ln w="101600" cap="flat" cmpd="sng" algn="ctr">
+            <a:solidFill>
+              <a:srgbClr val="3366FF"/>
+            </a:solidFill>
+            <a:prstDash val="solid"/>
+            <a:round/>
+            <a:headEnd type="none" w="med" len="med"/>
+            <a:tailEnd type="none" w="med" len="med"/>
+          </a:ln>
+          <a:effectLst/>
+        </p:spPr>
+        <p:txBody>
+          <a:bodyPr/>
+          <a:lstStyle/>
+          <a:p>
+            <a:endParaRPr lang="en-US"/>
+          </a:p>
+        </p:txBody>
+      </p:sp>
+      <p:sp>
+        <p:nvSpPr>
+          <p:cNvPr id="12" name="Rounded Rectangle 11"/>
+          <p:cNvSpPr/>
+          <p:nvPr/>
+        </p:nvSpPr>
+        <p:spPr bwMode="auto">
+          <a:xfrm>
+            <a:off x="6208296" y="2010610"/>
+            <a:ext cx="1136316" cy="2045369"/>
+          </a:xfrm>
+          <a:prstGeom prst="roundRect">
+            <a:avLst/>
+          </a:prstGeom>
+          <a:noFill/>
+          <a:ln w="101600" cap="flat" cmpd="sng" algn="ctr">
+            <a:solidFill>
+              <a:srgbClr val="3366FF"/>
+            </a:solidFill>
+            <a:prstDash val="solid"/>
+            <a:round/>
+            <a:headEnd type="none" w="med" len="med"/>
+            <a:tailEnd type="none" w="med" len="med"/>
+          </a:ln>
+          <a:effectLst/>
+        </p:spPr>
+        <p:txBody>
+          <a:bodyPr/>
+          <a:lstStyle/>
+          <a:p>
+            <a:endParaRPr lang="en-US"/>
+          </a:p>
+        </p:txBody>
+      </p:sp>
+      <p:cxnSp>
+        <p:nvCxnSpPr>
+          <p:cNvPr id="13" name="Straight Connector 12"/>
+          <p:cNvCxnSpPr/>
+          <p:nvPr/>
+        </p:nvCxnSpPr>
+        <p:spPr bwMode="auto">
+          <a:xfrm>
+            <a:off x="2123728" y="2780928"/>
+            <a:ext cx="702489" cy="628"/>
+          </a:xfrm>
+          <a:prstGeom prst="line">
+            <a:avLst/>
+          </a:prstGeom>
+          <a:solidFill>
+            <a:schemeClr val="accent1"/>
+          </a:solidFill>
+          <a:ln w="76200" cap="flat" cmpd="sng" algn="ctr">
+            <a:solidFill>
+              <a:srgbClr val="3366FF"/>
+            </a:solidFill>
+            <a:prstDash val="solid"/>
+            <a:round/>
+            <a:headEnd type="none" w="med" len="med"/>
+            <a:tailEnd type="triangle" w="lg"/>
+          </a:ln>
+          <a:effectLst/>
+        </p:spPr>
+      </p:cxnSp>
+      <p:cxnSp>
+        <p:nvCxnSpPr>
+          <p:cNvPr id="19" name="Straight Connector 18"/>
+          <p:cNvCxnSpPr/>
+          <p:nvPr/>
+        </p:nvCxnSpPr>
+        <p:spPr bwMode="auto">
+          <a:xfrm>
+            <a:off x="5885602" y="2772907"/>
+            <a:ext cx="702489" cy="628"/>
+          </a:xfrm>
+          <a:prstGeom prst="line">
+            <a:avLst/>
+          </a:prstGeom>
+          <a:solidFill>
+            <a:schemeClr val="accent1"/>
+          </a:solidFill>
+          <a:ln w="76200" cap="flat" cmpd="sng" algn="ctr">
+            <a:solidFill>
+              <a:srgbClr val="3366FF"/>
+            </a:solidFill>
+            <a:prstDash val="solid"/>
+            <a:round/>
+            <a:headEnd type="none" w="med" len="med"/>
+            <a:tailEnd type="triangle" w="lg"/>
+          </a:ln>
+          <a:effectLst/>
+        </p:spPr>
+      </p:cxnSp>
+      <p:sp>
+        <p:nvSpPr>
+          <p:cNvPr id="20" name="Content Placeholder 2"/>
+          <p:cNvSpPr>
+            <a:spLocks noGrp="1"/>
+          </p:cNvSpPr>
+          <p:nvPr>
+            <p:ph idx="1"/>
+          </p:nvPr>
+        </p:nvSpPr>
+        <p:spPr>
+          <a:xfrm>
+            <a:off x="719138" y="4531895"/>
+            <a:ext cx="8174037" cy="1992730"/>
+          </a:xfrm>
+        </p:spPr>
+        <p:txBody>
+          <a:bodyPr/>
+          <a:lstStyle/>
+          <a:p>
+            <a:pPr marL="285750" indent="-285750">
+              <a:buFont typeface="Arial"/>
+              <a:buChar char="•"/>
+            </a:pPr>
+            <a:r>
+              <a:rPr lang="en-US" dirty="0" smtClean="0"/>
+              <a:t>iterator on the right goes down until</a:t>
+            </a:r>
+          </a:p>
+          <a:p>
+            <a:pPr marL="731838" lvl="1" indent="-285750">
+              <a:buFont typeface="Arial"/>
+              <a:buChar char="•"/>
+            </a:pPr>
+            <a:r>
+              <a:rPr lang="en-US" dirty="0" smtClean="0"/>
+              <a:t>case 1: (left number == right number)</a:t>
+            </a:r>
+          </a:p>
+          <a:p>
+            <a:pPr marL="1179513" lvl="2" indent="-285750">
+              <a:buFont typeface="Arial"/>
+              <a:buChar char="•"/>
+            </a:pPr>
+            <a:r>
+              <a:rPr lang="en-US" dirty="0" smtClean="0"/>
+              <a:t>left iterator increased (algorithm proceeds)</a:t>
+            </a:r>
+          </a:p>
+          <a:p>
+            <a:pPr marL="731838" lvl="1" indent="-285750">
+              <a:buFont typeface="Arial"/>
+              <a:buChar char="•"/>
+            </a:pPr>
+            <a:r>
+              <a:rPr lang="en-US" dirty="0" smtClean="0"/>
+              <a:t>case 2: (right number &gt; left number)</a:t>
+            </a:r>
+          </a:p>
+          <a:p>
+            <a:pPr marL="1179513" lvl="2" indent="-285750">
+              <a:buFont typeface="Arial"/>
+              <a:buChar char="•"/>
+            </a:pPr>
+            <a:r>
+              <a:rPr lang="en-US" dirty="0" smtClean="0"/>
+              <a:t>no IND (algorithm stops)</a:t>
+            </a:r>
+          </a:p>
+        </p:txBody>
+      </p:sp>
     </p:spTree>
     <p:extLst>
       <p:ext uri="{BB962C8B-B14F-4D97-AF65-F5344CB8AC3E}">
-        <p14:creationId xmlns:p14="http://schemas.microsoft.com/office/powerpoint/2010/main" val="3521961934"/>
+        <p14:creationId xmlns:p14="http://schemas.microsoft.com/office/powerpoint/2010/main" val="4240825148"/>
+      </p:ext>
+    </p:extLst>
+  </p:cSld>
+  <p:clrMapOvr>
+    <a:masterClrMapping/>
+  </p:clrMapOvr>
+</p:sld>
+</file>
+
+<file path=ppt/slides/slide8.xml><?xml version="1.0" encoding="utf-8"?>
+<p:sld xmlns:a="http://schemas.openxmlformats.org/drawingml/2006/main" xmlns:r="http://schemas.openxmlformats.org/officeDocument/2006/relationships" xmlns:p="http://schemas.openxmlformats.org/presentationml/2006/main">
+  <p:cSld>
+    <p:spTree>
+      <p:nvGrpSpPr>
+        <p:cNvPr id="1" name=""/>
+        <p:cNvGrpSpPr/>
+        <p:nvPr/>
+      </p:nvGrpSpPr>
+      <p:grpSpPr>
+        <a:xfrm>
+          <a:off x="0" y="0"/>
+          <a:ext cx="0" cy="0"/>
+          <a:chOff x="0" y="0"/>
+          <a:chExt cx="0" cy="0"/>
+        </a:xfrm>
+      </p:grpSpPr>
+      <p:sp>
+        <p:nvSpPr>
+          <p:cNvPr id="4" name="Footer Placeholder 3"/>
+          <p:cNvSpPr>
+            <a:spLocks noGrp="1"/>
+          </p:cNvSpPr>
+          <p:nvPr>
+            <p:ph type="ftr" sz="quarter" idx="10"/>
+          </p:nvPr>
+        </p:nvSpPr>
+        <p:spPr/>
+        <p:txBody>
+          <a:bodyPr/>
+          <a:lstStyle/>
+          <a:p>
+            <a:r>
+              <a:rPr lang="de-DE" smtClean="0"/>
+              <a:t>DPDC – Assignment 1 | Christoph Oehlke, Markus Hinsche | May 16, 2013 </a:t>
+            </a:r>
+            <a:endParaRPr lang="de-DE"/>
+          </a:p>
+        </p:txBody>
+      </p:sp>
+      <p:sp>
+        <p:nvSpPr>
+          <p:cNvPr id="5" name="Slide Number Placeholder 4"/>
+          <p:cNvSpPr>
+            <a:spLocks noGrp="1"/>
+          </p:cNvSpPr>
+          <p:nvPr>
+            <p:ph type="sldNum" sz="quarter" idx="11"/>
+          </p:nvPr>
+        </p:nvSpPr>
+        <p:spPr/>
+        <p:txBody>
+          <a:bodyPr/>
+          <a:lstStyle/>
+          <a:p>
+            <a:fld id="{0C6113F6-D982-4F1F-82B4-AFA466AB9AFB}" type="slidenum">
+              <a:rPr lang="de-DE" smtClean="0"/>
+              <a:pPr/>
+              <a:t>8</a:t>
+            </a:fld>
+            <a:endParaRPr lang="de-DE"/>
+          </a:p>
+        </p:txBody>
+      </p:sp>
+      <p:graphicFrame>
+        <p:nvGraphicFramePr>
+          <p:cNvPr id="7" name="Table 8"/>
+          <p:cNvGraphicFramePr>
+            <a:graphicFrameLocks noGrp="1"/>
+          </p:cNvGraphicFramePr>
+          <p:nvPr>
+            <p:extLst>
+              <p:ext uri="{D42A27DB-BD31-4B8C-83A1-F6EECF244321}">
+                <p14:modId xmlns:p14="http://schemas.microsoft.com/office/powerpoint/2010/main" val="185293489"/>
+              </p:ext>
+            </p:extLst>
+          </p:nvPr>
+        </p:nvGraphicFramePr>
+        <p:xfrm>
+          <a:off x="5014249" y="2245892"/>
+          <a:ext cx="2326104" cy="1784985"/>
+        </p:xfrm>
+        <a:graphic>
+          <a:graphicData uri="http://schemas.openxmlformats.org/drawingml/2006/table">
+            <a:tbl>
+              <a:tblPr firstRow="1" bandRow="1">
+                <a:tableStyleId>{5C22544A-7EE6-4342-B048-85BDC9FD1C3A}</a:tableStyleId>
+              </a:tblPr>
+              <a:tblGrid>
+                <a:gridCol w="1163052"/>
+                <a:gridCol w="1163052"/>
+              </a:tblGrid>
+              <a:tr h="249846">
+                <a:tc>
+                  <a:txBody>
+                    <a:bodyPr/>
+                    <a:lstStyle/>
+                    <a:p>
+                      <a:pPr algn="ctr"/>
+                      <a:r>
+                        <a:rPr lang="en-US" dirty="0" smtClean="0">
+                          <a:solidFill>
+                            <a:srgbClr val="FFFFFF"/>
+                          </a:solidFill>
+                        </a:rPr>
+                        <a:t>T1 C1</a:t>
+                      </a:r>
+                      <a:endParaRPr lang="en-US" dirty="0">
+                        <a:solidFill>
+                          <a:srgbClr val="FFFFFF"/>
+                        </a:solidFill>
+                      </a:endParaRPr>
+                    </a:p>
+                  </a:txBody>
+                  <a:tcPr/>
+                </a:tc>
+                <a:tc>
+                  <a:txBody>
+                    <a:bodyPr/>
+                    <a:lstStyle/>
+                    <a:p>
+                      <a:pPr algn="ctr"/>
+                      <a:r>
+                        <a:rPr lang="en-US" dirty="0" smtClean="0"/>
+                        <a:t>T1 C2</a:t>
+                      </a:r>
+                      <a:endParaRPr lang="en-US" dirty="0"/>
+                    </a:p>
+                  </a:txBody>
+                  <a:tcPr/>
+                </a:tc>
+              </a:tr>
+              <a:tr h="249846">
+                <a:tc>
+                  <a:txBody>
+                    <a:bodyPr/>
+                    <a:lstStyle/>
+                    <a:p>
+                      <a:pPr algn="ctr" fontAlgn="b"/>
+                      <a:r>
+                        <a:rPr lang="en-US" dirty="0" smtClean="0">
+                          <a:solidFill>
+                            <a:schemeClr val="tx1"/>
+                          </a:solidFill>
+                        </a:rPr>
+                        <a:t>1</a:t>
+                      </a:r>
+                      <a:endParaRPr lang="en-US" dirty="0">
+                        <a:solidFill>
+                          <a:schemeClr val="tx1"/>
+                        </a:solidFill>
+                      </a:endParaRPr>
+                    </a:p>
+                  </a:txBody>
+                  <a:tcPr marL="9525" marR="9525" marT="9525" marB="0" anchor="b"/>
+                </a:tc>
+                <a:tc>
+                  <a:txBody>
+                    <a:bodyPr/>
+                    <a:lstStyle/>
+                    <a:p>
+                      <a:pPr algn="ctr" fontAlgn="b"/>
+                      <a:r>
+                        <a:rPr lang="en-US" dirty="0" smtClean="0"/>
+                        <a:t>2</a:t>
+                      </a:r>
+                      <a:endParaRPr lang="en-US" dirty="0"/>
+                    </a:p>
+                  </a:txBody>
+                  <a:tcPr marL="9525" marR="9525" marT="9525" marB="0" anchor="b"/>
+                </a:tc>
+              </a:tr>
+              <a:tr h="249846">
+                <a:tc>
+                  <a:txBody>
+                    <a:bodyPr/>
+                    <a:lstStyle/>
+                    <a:p>
+                      <a:pPr algn="ctr" fontAlgn="b"/>
+                      <a:r>
+                        <a:rPr lang="en-US" dirty="0" smtClean="0">
+                          <a:solidFill>
+                            <a:schemeClr val="tx1"/>
+                          </a:solidFill>
+                        </a:rPr>
+                        <a:t>3</a:t>
+                      </a:r>
+                      <a:endParaRPr lang="en-US" dirty="0">
+                        <a:solidFill>
+                          <a:schemeClr val="tx1"/>
+                        </a:solidFill>
+                      </a:endParaRPr>
+                    </a:p>
+                  </a:txBody>
+                  <a:tcPr marL="9525" marR="9525" marT="9525" marB="0" anchor="b"/>
+                </a:tc>
+                <a:tc>
+                  <a:txBody>
+                    <a:bodyPr/>
+                    <a:lstStyle/>
+                    <a:p>
+                      <a:pPr algn="ctr" fontAlgn="b"/>
+                      <a:r>
+                        <a:rPr lang="en-US" dirty="0" smtClean="0"/>
+                        <a:t>5</a:t>
+                      </a:r>
+                      <a:endParaRPr lang="en-US" dirty="0"/>
+                    </a:p>
+                  </a:txBody>
+                  <a:tcPr marL="9525" marR="9525" marT="9525" marB="0" anchor="b"/>
+                </a:tc>
+              </a:tr>
+              <a:tr h="249846">
+                <a:tc>
+                  <a:txBody>
+                    <a:bodyPr/>
+                    <a:lstStyle/>
+                    <a:p>
+                      <a:pPr algn="ctr" fontAlgn="b"/>
+                      <a:r>
+                        <a:rPr lang="en-US" dirty="0" smtClean="0">
+                          <a:solidFill>
+                            <a:schemeClr val="tx1"/>
+                          </a:solidFill>
+                        </a:rPr>
+                        <a:t>4</a:t>
+                      </a:r>
+                      <a:endParaRPr lang="en-US" dirty="0">
+                        <a:solidFill>
+                          <a:schemeClr val="tx1"/>
+                        </a:solidFill>
+                      </a:endParaRPr>
+                    </a:p>
+                  </a:txBody>
+                  <a:tcPr marL="9525" marR="9525" marT="9525" marB="0" anchor="b"/>
+                </a:tc>
+                <a:tc>
+                  <a:txBody>
+                    <a:bodyPr/>
+                    <a:lstStyle/>
+                    <a:p>
+                      <a:pPr algn="ctr" fontAlgn="b"/>
+                      <a:r>
+                        <a:rPr lang="en-US" dirty="0" smtClean="0"/>
+                        <a:t>8</a:t>
+                      </a:r>
+                      <a:endParaRPr lang="en-US" dirty="0"/>
+                    </a:p>
+                  </a:txBody>
+                  <a:tcPr marL="9525" marR="9525" marT="9525" marB="0" anchor="b"/>
+                </a:tc>
+              </a:tr>
+              <a:tr h="249846">
+                <a:tc>
+                  <a:txBody>
+                    <a:bodyPr/>
+                    <a:lstStyle/>
+                    <a:p>
+                      <a:pPr algn="ctr" fontAlgn="b"/>
+                      <a:r>
+                        <a:rPr lang="en-US" dirty="0" smtClean="0">
+                          <a:solidFill>
+                            <a:schemeClr val="tx1"/>
+                          </a:solidFill>
+                        </a:rPr>
+                        <a:t>6 </a:t>
+                      </a:r>
+                      <a:endParaRPr lang="en-US" dirty="0">
+                        <a:solidFill>
+                          <a:schemeClr val="tx1"/>
+                        </a:solidFill>
+                      </a:endParaRPr>
+                    </a:p>
+                  </a:txBody>
+                  <a:tcPr marL="9525" marR="9525" marT="9525" marB="0" anchor="b"/>
+                </a:tc>
+                <a:tc>
+                  <a:txBody>
+                    <a:bodyPr/>
+                    <a:lstStyle/>
+                    <a:p>
+                      <a:pPr algn="ctr" fontAlgn="b"/>
+                      <a:endParaRPr lang="en-US" dirty="0"/>
+                    </a:p>
+                  </a:txBody>
+                  <a:tcPr marL="9525" marR="9525" marT="9525" marB="0" anchor="b"/>
+                </a:tc>
+              </a:tr>
+              <a:tr h="249846">
+                <a:tc>
+                  <a:txBody>
+                    <a:bodyPr/>
+                    <a:lstStyle/>
+                    <a:p>
+                      <a:pPr algn="ctr" fontAlgn="b"/>
+                      <a:r>
+                        <a:rPr lang="en-US" dirty="0" smtClean="0">
+                          <a:solidFill>
+                            <a:schemeClr val="tx1"/>
+                          </a:solidFill>
+                        </a:rPr>
+                        <a:t>7</a:t>
+                      </a:r>
+                      <a:endParaRPr lang="en-US" dirty="0">
+                        <a:solidFill>
+                          <a:schemeClr val="tx1"/>
+                        </a:solidFill>
+                      </a:endParaRPr>
+                    </a:p>
+                  </a:txBody>
+                  <a:tcPr marL="9525" marR="9525" marT="9525" marB="0" anchor="b"/>
+                </a:tc>
+                <a:tc>
+                  <a:txBody>
+                    <a:bodyPr/>
+                    <a:lstStyle/>
+                    <a:p>
+                      <a:pPr algn="ctr" fontAlgn="b"/>
+                      <a:endParaRPr lang="en-US" dirty="0"/>
+                    </a:p>
+                  </a:txBody>
+                  <a:tcPr marL="9525" marR="9525" marT="9525" marB="0" anchor="b"/>
+                </a:tc>
+              </a:tr>
+            </a:tbl>
+          </a:graphicData>
+        </a:graphic>
+      </p:graphicFrame>
+      <p:graphicFrame>
+        <p:nvGraphicFramePr>
+          <p:cNvPr id="8" name="Table 8"/>
+          <p:cNvGraphicFramePr>
+            <a:graphicFrameLocks noGrp="1"/>
+          </p:cNvGraphicFramePr>
+          <p:nvPr>
+            <p:extLst>
+              <p:ext uri="{D42A27DB-BD31-4B8C-83A1-F6EECF244321}">
+                <p14:modId xmlns:p14="http://schemas.microsoft.com/office/powerpoint/2010/main" val="989924126"/>
+              </p:ext>
+            </p:extLst>
+          </p:nvPr>
+        </p:nvGraphicFramePr>
+        <p:xfrm>
+          <a:off x="2371558" y="2251239"/>
+          <a:ext cx="2326104" cy="1501140"/>
+        </p:xfrm>
+        <a:graphic>
+          <a:graphicData uri="http://schemas.openxmlformats.org/drawingml/2006/table">
+            <a:tbl>
+              <a:tblPr firstRow="1" bandRow="1">
+                <a:tableStyleId>{5C22544A-7EE6-4342-B048-85BDC9FD1C3A}</a:tableStyleId>
+              </a:tblPr>
+              <a:tblGrid>
+                <a:gridCol w="1163052"/>
+                <a:gridCol w="1163052"/>
+              </a:tblGrid>
+              <a:tr h="249846">
+                <a:tc>
+                  <a:txBody>
+                    <a:bodyPr/>
+                    <a:lstStyle/>
+                    <a:p>
+                      <a:pPr algn="ctr"/>
+                      <a:r>
+                        <a:rPr lang="en-US" dirty="0" smtClean="0"/>
+                        <a:t>T2 C1</a:t>
+                      </a:r>
+                      <a:endParaRPr lang="en-US" dirty="0"/>
+                    </a:p>
+                  </a:txBody>
+                  <a:tcPr/>
+                </a:tc>
+                <a:tc>
+                  <a:txBody>
+                    <a:bodyPr/>
+                    <a:lstStyle/>
+                    <a:p>
+                      <a:pPr algn="ctr"/>
+                      <a:r>
+                        <a:rPr lang="en-US" dirty="0" smtClean="0">
+                          <a:solidFill>
+                            <a:schemeClr val="bg1"/>
+                          </a:solidFill>
+                        </a:rPr>
+                        <a:t>T2 C2</a:t>
+                      </a:r>
+                      <a:endParaRPr lang="en-US" dirty="0">
+                        <a:solidFill>
+                          <a:schemeClr val="bg1"/>
+                        </a:solidFill>
+                      </a:endParaRPr>
+                    </a:p>
+                  </a:txBody>
+                  <a:tcPr/>
+                </a:tc>
+              </a:tr>
+              <a:tr h="249846">
+                <a:tc>
+                  <a:txBody>
+                    <a:bodyPr/>
+                    <a:lstStyle/>
+                    <a:p>
+                      <a:pPr algn="ctr" fontAlgn="b"/>
+                      <a:r>
+                        <a:rPr lang="en-US" dirty="0" smtClean="0"/>
+                        <a:t>2</a:t>
+                      </a:r>
+                      <a:endParaRPr lang="en-US" dirty="0"/>
+                    </a:p>
+                  </a:txBody>
+                  <a:tcPr marL="9525" marR="9525" marT="9525" marB="0" anchor="b"/>
+                </a:tc>
+                <a:tc>
+                  <a:txBody>
+                    <a:bodyPr/>
+                    <a:lstStyle/>
+                    <a:p>
+                      <a:pPr algn="ctr" fontAlgn="b"/>
+                      <a:r>
+                        <a:rPr lang="en-US" dirty="0" smtClean="0">
+                          <a:solidFill>
+                            <a:schemeClr val="tx1"/>
+                          </a:solidFill>
+                        </a:rPr>
+                        <a:t>2</a:t>
+                      </a:r>
+                      <a:endParaRPr lang="en-US" dirty="0">
+                        <a:solidFill>
+                          <a:schemeClr val="tx1"/>
+                        </a:solidFill>
+                      </a:endParaRPr>
+                    </a:p>
+                  </a:txBody>
+                  <a:tcPr marL="9525" marR="9525" marT="9525" marB="0" anchor="b"/>
+                </a:tc>
+              </a:tr>
+              <a:tr h="249846">
+                <a:tc>
+                  <a:txBody>
+                    <a:bodyPr/>
+                    <a:lstStyle/>
+                    <a:p>
+                      <a:pPr algn="ctr" fontAlgn="b"/>
+                      <a:r>
+                        <a:rPr lang="en-US" dirty="0" smtClean="0"/>
+                        <a:t>4</a:t>
+                      </a:r>
+                      <a:endParaRPr lang="en-US" dirty="0"/>
+                    </a:p>
+                  </a:txBody>
+                  <a:tcPr marL="9525" marR="9525" marT="9525" marB="0" anchor="b"/>
+                </a:tc>
+                <a:tc>
+                  <a:txBody>
+                    <a:bodyPr/>
+                    <a:lstStyle/>
+                    <a:p>
+                      <a:pPr algn="ctr" fontAlgn="b"/>
+                      <a:r>
+                        <a:rPr lang="en-US" dirty="0" smtClean="0">
+                          <a:solidFill>
+                            <a:schemeClr val="tx1"/>
+                          </a:solidFill>
+                        </a:rPr>
+                        <a:t>5</a:t>
+                      </a:r>
+                      <a:endParaRPr lang="en-US" dirty="0">
+                        <a:solidFill>
+                          <a:schemeClr val="tx1"/>
+                        </a:solidFill>
+                      </a:endParaRPr>
+                    </a:p>
+                  </a:txBody>
+                  <a:tcPr marL="9525" marR="9525" marT="9525" marB="0" anchor="b"/>
+                </a:tc>
+              </a:tr>
+              <a:tr h="249846">
+                <a:tc>
+                  <a:txBody>
+                    <a:bodyPr/>
+                    <a:lstStyle/>
+                    <a:p>
+                      <a:pPr algn="ctr" fontAlgn="b"/>
+                      <a:r>
+                        <a:rPr lang="en-US" dirty="0" smtClean="0"/>
+                        <a:t>5</a:t>
+                      </a:r>
+                      <a:endParaRPr lang="en-US" dirty="0"/>
+                    </a:p>
+                  </a:txBody>
+                  <a:tcPr marL="9525" marR="9525" marT="9525" marB="0" anchor="b"/>
+                </a:tc>
+                <a:tc>
+                  <a:txBody>
+                    <a:bodyPr/>
+                    <a:lstStyle/>
+                    <a:p>
+                      <a:pPr algn="ctr" fontAlgn="b"/>
+                      <a:endParaRPr lang="en-US" dirty="0">
+                        <a:solidFill>
+                          <a:schemeClr val="tx1"/>
+                        </a:solidFill>
+                      </a:endParaRPr>
+                    </a:p>
+                  </a:txBody>
+                  <a:tcPr marL="9525" marR="9525" marT="9525" marB="0" anchor="b"/>
+                </a:tc>
+              </a:tr>
+              <a:tr h="249846">
+                <a:tc>
+                  <a:txBody>
+                    <a:bodyPr/>
+                    <a:lstStyle/>
+                    <a:p>
+                      <a:pPr algn="ctr" fontAlgn="b"/>
+                      <a:endParaRPr lang="en-US" dirty="0"/>
+                    </a:p>
+                  </a:txBody>
+                  <a:tcPr marL="9525" marR="9525" marT="9525" marB="0" anchor="b"/>
+                </a:tc>
+                <a:tc>
+                  <a:txBody>
+                    <a:bodyPr/>
+                    <a:lstStyle/>
+                    <a:p>
+                      <a:pPr algn="ctr" fontAlgn="b"/>
+                      <a:endParaRPr lang="en-US" dirty="0">
+                        <a:solidFill>
+                          <a:schemeClr val="tx1"/>
+                        </a:solidFill>
+                      </a:endParaRPr>
+                    </a:p>
+                  </a:txBody>
+                  <a:tcPr marL="9525" marR="9525" marT="9525" marB="0" anchor="b"/>
+                </a:tc>
+              </a:tr>
+            </a:tbl>
+          </a:graphicData>
+        </a:graphic>
+      </p:graphicFrame>
+      <p:sp>
+        <p:nvSpPr>
+          <p:cNvPr id="9" name="Title 1"/>
+          <p:cNvSpPr>
+            <a:spLocks noGrp="1"/>
+          </p:cNvSpPr>
+          <p:nvPr>
+            <p:ph type="title"/>
+          </p:nvPr>
+        </p:nvSpPr>
+        <p:spPr>
+          <a:xfrm>
+            <a:off x="787400" y="0"/>
+            <a:ext cx="6243638" cy="1008063"/>
+          </a:xfrm>
+        </p:spPr>
+        <p:txBody>
+          <a:bodyPr/>
+          <a:lstStyle/>
+          <a:p>
+            <a:r>
+              <a:rPr lang="en-US" dirty="0" smtClean="0"/>
+              <a:t>INDS core algorithm – case 1 – no IND</a:t>
+            </a:r>
+            <a:endParaRPr lang="en-US" dirty="0"/>
+          </a:p>
+        </p:txBody>
+      </p:sp>
+      <p:sp>
+        <p:nvSpPr>
+          <p:cNvPr id="10" name="Rounded Rectangle 9"/>
+          <p:cNvSpPr/>
+          <p:nvPr/>
+        </p:nvSpPr>
+        <p:spPr bwMode="auto">
+          <a:xfrm>
+            <a:off x="2419685" y="2005263"/>
+            <a:ext cx="1136316" cy="2045369"/>
+          </a:xfrm>
+          <a:prstGeom prst="roundRect">
+            <a:avLst/>
+          </a:prstGeom>
+          <a:noFill/>
+          <a:ln w="101600" cap="flat" cmpd="sng" algn="ctr">
+            <a:solidFill>
+              <a:srgbClr val="3366FF"/>
+            </a:solidFill>
+            <a:prstDash val="solid"/>
+            <a:round/>
+            <a:headEnd type="none" w="med" len="med"/>
+            <a:tailEnd type="none" w="med" len="med"/>
+          </a:ln>
+          <a:effectLst/>
+        </p:spPr>
+        <p:txBody>
+          <a:bodyPr/>
+          <a:lstStyle/>
+          <a:p>
+            <a:endParaRPr lang="en-US"/>
+          </a:p>
+        </p:txBody>
+      </p:sp>
+      <p:sp>
+        <p:nvSpPr>
+          <p:cNvPr id="12" name="Rounded Rectangle 11"/>
+          <p:cNvSpPr/>
+          <p:nvPr/>
+        </p:nvSpPr>
+        <p:spPr bwMode="auto">
+          <a:xfrm>
+            <a:off x="6208296" y="2010610"/>
+            <a:ext cx="1136316" cy="2045369"/>
+          </a:xfrm>
+          <a:prstGeom prst="roundRect">
+            <a:avLst/>
+          </a:prstGeom>
+          <a:noFill/>
+          <a:ln w="101600" cap="flat" cmpd="sng" algn="ctr">
+            <a:solidFill>
+              <a:srgbClr val="3366FF"/>
+            </a:solidFill>
+            <a:prstDash val="solid"/>
+            <a:round/>
+            <a:headEnd type="none" w="med" len="med"/>
+            <a:tailEnd type="none" w="med" len="med"/>
+          </a:ln>
+          <a:effectLst/>
+        </p:spPr>
+        <p:txBody>
+          <a:bodyPr/>
+          <a:lstStyle/>
+          <a:p>
+            <a:endParaRPr lang="en-US"/>
+          </a:p>
+        </p:txBody>
+      </p:sp>
+      <p:cxnSp>
+        <p:nvCxnSpPr>
+          <p:cNvPr id="13" name="Straight Connector 12"/>
+          <p:cNvCxnSpPr/>
+          <p:nvPr/>
+        </p:nvCxnSpPr>
+        <p:spPr bwMode="auto">
+          <a:xfrm>
+            <a:off x="2123728" y="3021560"/>
+            <a:ext cx="702489" cy="628"/>
+          </a:xfrm>
+          <a:prstGeom prst="line">
+            <a:avLst/>
+          </a:prstGeom>
+          <a:solidFill>
+            <a:schemeClr val="accent1"/>
+          </a:solidFill>
+          <a:ln w="76200" cap="flat" cmpd="sng" algn="ctr">
+            <a:solidFill>
+              <a:srgbClr val="3366FF"/>
+            </a:solidFill>
+            <a:prstDash val="solid"/>
+            <a:round/>
+            <a:headEnd type="none" w="med" len="med"/>
+            <a:tailEnd type="triangle" w="lg"/>
+          </a:ln>
+          <a:effectLst/>
+        </p:spPr>
+      </p:cxnSp>
+      <p:cxnSp>
+        <p:nvCxnSpPr>
+          <p:cNvPr id="19" name="Straight Connector 18"/>
+          <p:cNvCxnSpPr/>
+          <p:nvPr/>
+        </p:nvCxnSpPr>
+        <p:spPr bwMode="auto">
+          <a:xfrm>
+            <a:off x="5885602" y="2772907"/>
+            <a:ext cx="702489" cy="628"/>
+          </a:xfrm>
+          <a:prstGeom prst="line">
+            <a:avLst/>
+          </a:prstGeom>
+          <a:solidFill>
+            <a:schemeClr val="accent1"/>
+          </a:solidFill>
+          <a:ln w="76200" cap="flat" cmpd="sng" algn="ctr">
+            <a:solidFill>
+              <a:srgbClr val="3366FF"/>
+            </a:solidFill>
+            <a:prstDash val="solid"/>
+            <a:round/>
+            <a:headEnd type="none" w="med" len="med"/>
+            <a:tailEnd type="triangle" w="lg"/>
+          </a:ln>
+          <a:effectLst/>
+        </p:spPr>
+      </p:cxnSp>
+      <p:sp>
+        <p:nvSpPr>
+          <p:cNvPr id="20" name="Content Placeholder 2"/>
+          <p:cNvSpPr>
+            <a:spLocks noGrp="1"/>
+          </p:cNvSpPr>
+          <p:nvPr>
+            <p:ph idx="1"/>
+          </p:nvPr>
+        </p:nvSpPr>
+        <p:spPr>
+          <a:xfrm>
+            <a:off x="719138" y="4531895"/>
+            <a:ext cx="8174037" cy="1992730"/>
+          </a:xfrm>
+        </p:spPr>
+        <p:txBody>
+          <a:bodyPr/>
+          <a:lstStyle/>
+          <a:p>
+            <a:pPr marL="285750" indent="-285750">
+              <a:buFont typeface="Arial"/>
+              <a:buChar char="•"/>
+            </a:pPr>
+            <a:r>
+              <a:rPr lang="en-US" dirty="0" smtClean="0"/>
+              <a:t>iterator on the right goes down until</a:t>
+            </a:r>
+          </a:p>
+          <a:p>
+            <a:pPr marL="731838" lvl="1" indent="-285750">
+              <a:buFont typeface="Arial"/>
+              <a:buChar char="•"/>
+            </a:pPr>
+            <a:r>
+              <a:rPr lang="en-US" dirty="0" smtClean="0"/>
+              <a:t>case 1: (left number == right number)</a:t>
+            </a:r>
+          </a:p>
+          <a:p>
+            <a:pPr marL="1179513" lvl="2" indent="-285750">
+              <a:buFont typeface="Arial"/>
+              <a:buChar char="•"/>
+            </a:pPr>
+            <a:r>
+              <a:rPr lang="en-US" dirty="0" smtClean="0"/>
+              <a:t>left iterator increased (algorithm proceeds)</a:t>
+            </a:r>
+          </a:p>
+          <a:p>
+            <a:pPr marL="731838" lvl="1" indent="-285750">
+              <a:buFont typeface="Arial"/>
+              <a:buChar char="•"/>
+            </a:pPr>
+            <a:r>
+              <a:rPr lang="en-US" dirty="0" smtClean="0"/>
+              <a:t>case 2: (right number &gt; left number)</a:t>
+            </a:r>
+          </a:p>
+          <a:p>
+            <a:pPr marL="1179513" lvl="2" indent="-285750">
+              <a:buFont typeface="Arial"/>
+              <a:buChar char="•"/>
+            </a:pPr>
+            <a:r>
+              <a:rPr lang="en-US" dirty="0" smtClean="0"/>
+              <a:t>no IND (algorithm stops)</a:t>
+            </a:r>
+          </a:p>
+        </p:txBody>
+      </p:sp>
+    </p:spTree>
+    <p:extLst>
+      <p:ext uri="{BB962C8B-B14F-4D97-AF65-F5344CB8AC3E}">
+        <p14:creationId xmlns:p14="http://schemas.microsoft.com/office/powerpoint/2010/main" val="3805733949"/>
+      </p:ext>
+    </p:extLst>
+  </p:cSld>
+  <p:clrMapOvr>
+    <a:masterClrMapping/>
+  </p:clrMapOvr>
+</p:sld>
+</file>
+
+<file path=ppt/slides/slide9.xml><?xml version="1.0" encoding="utf-8"?>
+<p:sld xmlns:a="http://schemas.openxmlformats.org/drawingml/2006/main" xmlns:r="http://schemas.openxmlformats.org/officeDocument/2006/relationships" xmlns:p="http://schemas.openxmlformats.org/presentationml/2006/main">
+  <p:cSld>
+    <p:spTree>
+      <p:nvGrpSpPr>
+        <p:cNvPr id="1" name=""/>
+        <p:cNvGrpSpPr/>
+        <p:nvPr/>
+      </p:nvGrpSpPr>
+      <p:grpSpPr>
+        <a:xfrm>
+          <a:off x="0" y="0"/>
+          <a:ext cx="0" cy="0"/>
+          <a:chOff x="0" y="0"/>
+          <a:chExt cx="0" cy="0"/>
+        </a:xfrm>
+      </p:grpSpPr>
+      <p:sp>
+        <p:nvSpPr>
+          <p:cNvPr id="4" name="Footer Placeholder 3"/>
+          <p:cNvSpPr>
+            <a:spLocks noGrp="1"/>
+          </p:cNvSpPr>
+          <p:nvPr>
+            <p:ph type="ftr" sz="quarter" idx="10"/>
+          </p:nvPr>
+        </p:nvSpPr>
+        <p:spPr/>
+        <p:txBody>
+          <a:bodyPr/>
+          <a:lstStyle/>
+          <a:p>
+            <a:r>
+              <a:rPr lang="de-DE" smtClean="0"/>
+              <a:t>DPDC – Assignment 1 | Christoph Oehlke, Markus Hinsche | May 16, 2013 </a:t>
+            </a:r>
+            <a:endParaRPr lang="de-DE"/>
+          </a:p>
+        </p:txBody>
+      </p:sp>
+      <p:sp>
+        <p:nvSpPr>
+          <p:cNvPr id="5" name="Slide Number Placeholder 4"/>
+          <p:cNvSpPr>
+            <a:spLocks noGrp="1"/>
+          </p:cNvSpPr>
+          <p:nvPr>
+            <p:ph type="sldNum" sz="quarter" idx="11"/>
+          </p:nvPr>
+        </p:nvSpPr>
+        <p:spPr/>
+        <p:txBody>
+          <a:bodyPr/>
+          <a:lstStyle/>
+          <a:p>
+            <a:fld id="{0C6113F6-D982-4F1F-82B4-AFA466AB9AFB}" type="slidenum">
+              <a:rPr lang="de-DE" smtClean="0"/>
+              <a:pPr/>
+              <a:t>9</a:t>
+            </a:fld>
+            <a:endParaRPr lang="de-DE"/>
+          </a:p>
+        </p:txBody>
+      </p:sp>
+      <p:graphicFrame>
+        <p:nvGraphicFramePr>
+          <p:cNvPr id="7" name="Table 8"/>
+          <p:cNvGraphicFramePr>
+            <a:graphicFrameLocks noGrp="1"/>
+          </p:cNvGraphicFramePr>
+          <p:nvPr>
+            <p:extLst>
+              <p:ext uri="{D42A27DB-BD31-4B8C-83A1-F6EECF244321}">
+                <p14:modId xmlns:p14="http://schemas.microsoft.com/office/powerpoint/2010/main" val="4137718293"/>
+              </p:ext>
+            </p:extLst>
+          </p:nvPr>
+        </p:nvGraphicFramePr>
+        <p:xfrm>
+          <a:off x="5014249" y="2245892"/>
+          <a:ext cx="2326104" cy="1784985"/>
+        </p:xfrm>
+        <a:graphic>
+          <a:graphicData uri="http://schemas.openxmlformats.org/drawingml/2006/table">
+            <a:tbl>
+              <a:tblPr firstRow="1" bandRow="1">
+                <a:tableStyleId>{5C22544A-7EE6-4342-B048-85BDC9FD1C3A}</a:tableStyleId>
+              </a:tblPr>
+              <a:tblGrid>
+                <a:gridCol w="1163052"/>
+                <a:gridCol w="1163052"/>
+              </a:tblGrid>
+              <a:tr h="249846">
+                <a:tc>
+                  <a:txBody>
+                    <a:bodyPr/>
+                    <a:lstStyle/>
+                    <a:p>
+                      <a:pPr algn="ctr"/>
+                      <a:r>
+                        <a:rPr lang="en-US" dirty="0" smtClean="0">
+                          <a:solidFill>
+                            <a:srgbClr val="FFFFFF"/>
+                          </a:solidFill>
+                        </a:rPr>
+                        <a:t>T1 C1</a:t>
+                      </a:r>
+                      <a:endParaRPr lang="en-US" dirty="0">
+                        <a:solidFill>
+                          <a:srgbClr val="FFFFFF"/>
+                        </a:solidFill>
+                      </a:endParaRPr>
+                    </a:p>
+                  </a:txBody>
+                  <a:tcPr/>
+                </a:tc>
+                <a:tc>
+                  <a:txBody>
+                    <a:bodyPr/>
+                    <a:lstStyle/>
+                    <a:p>
+                      <a:pPr algn="ctr"/>
+                      <a:r>
+                        <a:rPr lang="en-US" dirty="0" smtClean="0"/>
+                        <a:t>T1 C2</a:t>
+                      </a:r>
+                      <a:endParaRPr lang="en-US" dirty="0"/>
+                    </a:p>
+                  </a:txBody>
+                  <a:tcPr/>
+                </a:tc>
+              </a:tr>
+              <a:tr h="249846">
+                <a:tc>
+                  <a:txBody>
+                    <a:bodyPr/>
+                    <a:lstStyle/>
+                    <a:p>
+                      <a:pPr algn="ctr" fontAlgn="b"/>
+                      <a:r>
+                        <a:rPr lang="en-US" dirty="0" smtClean="0">
+                          <a:solidFill>
+                            <a:schemeClr val="tx1"/>
+                          </a:solidFill>
+                        </a:rPr>
+                        <a:t>1</a:t>
+                      </a:r>
+                      <a:endParaRPr lang="en-US" dirty="0">
+                        <a:solidFill>
+                          <a:schemeClr val="tx1"/>
+                        </a:solidFill>
+                      </a:endParaRPr>
+                    </a:p>
+                  </a:txBody>
+                  <a:tcPr marL="9525" marR="9525" marT="9525" marB="0" anchor="b"/>
+                </a:tc>
+                <a:tc>
+                  <a:txBody>
+                    <a:bodyPr/>
+                    <a:lstStyle/>
+                    <a:p>
+                      <a:pPr algn="ctr" fontAlgn="b"/>
+                      <a:r>
+                        <a:rPr lang="en-US" dirty="0" smtClean="0"/>
+                        <a:t>2</a:t>
+                      </a:r>
+                      <a:endParaRPr lang="en-US" dirty="0"/>
+                    </a:p>
+                  </a:txBody>
+                  <a:tcPr marL="9525" marR="9525" marT="9525" marB="0" anchor="b"/>
+                </a:tc>
+              </a:tr>
+              <a:tr h="249846">
+                <a:tc>
+                  <a:txBody>
+                    <a:bodyPr/>
+                    <a:lstStyle/>
+                    <a:p>
+                      <a:pPr algn="ctr" fontAlgn="b"/>
+                      <a:r>
+                        <a:rPr lang="en-US" dirty="0" smtClean="0">
+                          <a:solidFill>
+                            <a:schemeClr val="tx1"/>
+                          </a:solidFill>
+                        </a:rPr>
+                        <a:t>3</a:t>
+                      </a:r>
+                      <a:endParaRPr lang="en-US" dirty="0">
+                        <a:solidFill>
+                          <a:schemeClr val="tx1"/>
+                        </a:solidFill>
+                      </a:endParaRPr>
+                    </a:p>
+                  </a:txBody>
+                  <a:tcPr marL="9525" marR="9525" marT="9525" marB="0" anchor="b"/>
+                </a:tc>
+                <a:tc>
+                  <a:txBody>
+                    <a:bodyPr/>
+                    <a:lstStyle/>
+                    <a:p>
+                      <a:pPr algn="ctr" fontAlgn="b"/>
+                      <a:r>
+                        <a:rPr lang="en-US" dirty="0" smtClean="0"/>
+                        <a:t>5</a:t>
+                      </a:r>
+                      <a:endParaRPr lang="en-US" dirty="0"/>
+                    </a:p>
+                  </a:txBody>
+                  <a:tcPr marL="9525" marR="9525" marT="9525" marB="0" anchor="b"/>
+                </a:tc>
+              </a:tr>
+              <a:tr h="249846">
+                <a:tc>
+                  <a:txBody>
+                    <a:bodyPr/>
+                    <a:lstStyle/>
+                    <a:p>
+                      <a:pPr algn="ctr" fontAlgn="b"/>
+                      <a:r>
+                        <a:rPr lang="en-US" dirty="0" smtClean="0">
+                          <a:solidFill>
+                            <a:schemeClr val="tx1"/>
+                          </a:solidFill>
+                        </a:rPr>
+                        <a:t>4</a:t>
+                      </a:r>
+                      <a:endParaRPr lang="en-US" dirty="0">
+                        <a:solidFill>
+                          <a:schemeClr val="tx1"/>
+                        </a:solidFill>
+                      </a:endParaRPr>
+                    </a:p>
+                  </a:txBody>
+                  <a:tcPr marL="9525" marR="9525" marT="9525" marB="0" anchor="b"/>
+                </a:tc>
+                <a:tc>
+                  <a:txBody>
+                    <a:bodyPr/>
+                    <a:lstStyle/>
+                    <a:p>
+                      <a:pPr algn="ctr" fontAlgn="b"/>
+                      <a:r>
+                        <a:rPr lang="en-US" dirty="0" smtClean="0"/>
+                        <a:t>8</a:t>
+                      </a:r>
+                      <a:endParaRPr lang="en-US" dirty="0"/>
+                    </a:p>
+                  </a:txBody>
+                  <a:tcPr marL="9525" marR="9525" marT="9525" marB="0" anchor="b"/>
+                </a:tc>
+              </a:tr>
+              <a:tr h="249846">
+                <a:tc>
+                  <a:txBody>
+                    <a:bodyPr/>
+                    <a:lstStyle/>
+                    <a:p>
+                      <a:pPr algn="ctr" fontAlgn="b"/>
+                      <a:r>
+                        <a:rPr lang="en-US" dirty="0" smtClean="0">
+                          <a:solidFill>
+                            <a:schemeClr val="tx1"/>
+                          </a:solidFill>
+                        </a:rPr>
+                        <a:t>6 </a:t>
+                      </a:r>
+                      <a:endParaRPr lang="en-US" dirty="0">
+                        <a:solidFill>
+                          <a:schemeClr val="tx1"/>
+                        </a:solidFill>
+                      </a:endParaRPr>
+                    </a:p>
+                  </a:txBody>
+                  <a:tcPr marL="9525" marR="9525" marT="9525" marB="0" anchor="b"/>
+                </a:tc>
+                <a:tc>
+                  <a:txBody>
+                    <a:bodyPr/>
+                    <a:lstStyle/>
+                    <a:p>
+                      <a:pPr algn="ctr" fontAlgn="b"/>
+                      <a:endParaRPr lang="en-US" dirty="0"/>
+                    </a:p>
+                  </a:txBody>
+                  <a:tcPr marL="9525" marR="9525" marT="9525" marB="0" anchor="b"/>
+                </a:tc>
+              </a:tr>
+              <a:tr h="249846">
+                <a:tc>
+                  <a:txBody>
+                    <a:bodyPr/>
+                    <a:lstStyle/>
+                    <a:p>
+                      <a:pPr algn="ctr" fontAlgn="b"/>
+                      <a:r>
+                        <a:rPr lang="en-US" dirty="0" smtClean="0">
+                          <a:solidFill>
+                            <a:schemeClr val="tx1"/>
+                          </a:solidFill>
+                        </a:rPr>
+                        <a:t>7</a:t>
+                      </a:r>
+                      <a:endParaRPr lang="en-US" dirty="0">
+                        <a:solidFill>
+                          <a:schemeClr val="tx1"/>
+                        </a:solidFill>
+                      </a:endParaRPr>
+                    </a:p>
+                  </a:txBody>
+                  <a:tcPr marL="9525" marR="9525" marT="9525" marB="0" anchor="b"/>
+                </a:tc>
+                <a:tc>
+                  <a:txBody>
+                    <a:bodyPr/>
+                    <a:lstStyle/>
+                    <a:p>
+                      <a:pPr algn="ctr" fontAlgn="b"/>
+                      <a:endParaRPr lang="en-US" dirty="0"/>
+                    </a:p>
+                  </a:txBody>
+                  <a:tcPr marL="9525" marR="9525" marT="9525" marB="0" anchor="b"/>
+                </a:tc>
+              </a:tr>
+            </a:tbl>
+          </a:graphicData>
+        </a:graphic>
+      </p:graphicFrame>
+      <p:graphicFrame>
+        <p:nvGraphicFramePr>
+          <p:cNvPr id="8" name="Table 8"/>
+          <p:cNvGraphicFramePr>
+            <a:graphicFrameLocks noGrp="1"/>
+          </p:cNvGraphicFramePr>
+          <p:nvPr>
+            <p:extLst>
+              <p:ext uri="{D42A27DB-BD31-4B8C-83A1-F6EECF244321}">
+                <p14:modId xmlns:p14="http://schemas.microsoft.com/office/powerpoint/2010/main" val="1549086048"/>
+              </p:ext>
+            </p:extLst>
+          </p:nvPr>
+        </p:nvGraphicFramePr>
+        <p:xfrm>
+          <a:off x="2371558" y="2251239"/>
+          <a:ext cx="2326104" cy="1501140"/>
+        </p:xfrm>
+        <a:graphic>
+          <a:graphicData uri="http://schemas.openxmlformats.org/drawingml/2006/table">
+            <a:tbl>
+              <a:tblPr firstRow="1" bandRow="1">
+                <a:tableStyleId>{5C22544A-7EE6-4342-B048-85BDC9FD1C3A}</a:tableStyleId>
+              </a:tblPr>
+              <a:tblGrid>
+                <a:gridCol w="1163052"/>
+                <a:gridCol w="1163052"/>
+              </a:tblGrid>
+              <a:tr h="249846">
+                <a:tc>
+                  <a:txBody>
+                    <a:bodyPr/>
+                    <a:lstStyle/>
+                    <a:p>
+                      <a:pPr algn="ctr"/>
+                      <a:r>
+                        <a:rPr lang="en-US" dirty="0" smtClean="0"/>
+                        <a:t>T2 C1</a:t>
+                      </a:r>
+                      <a:endParaRPr lang="en-US" dirty="0"/>
+                    </a:p>
+                  </a:txBody>
+                  <a:tcPr/>
+                </a:tc>
+                <a:tc>
+                  <a:txBody>
+                    <a:bodyPr/>
+                    <a:lstStyle/>
+                    <a:p>
+                      <a:pPr algn="ctr"/>
+                      <a:r>
+                        <a:rPr lang="en-US" dirty="0" smtClean="0">
+                          <a:solidFill>
+                            <a:schemeClr val="bg1"/>
+                          </a:solidFill>
+                        </a:rPr>
+                        <a:t>T2 C2</a:t>
+                      </a:r>
+                      <a:endParaRPr lang="en-US" dirty="0">
+                        <a:solidFill>
+                          <a:schemeClr val="bg1"/>
+                        </a:solidFill>
+                      </a:endParaRPr>
+                    </a:p>
+                  </a:txBody>
+                  <a:tcPr/>
+                </a:tc>
+              </a:tr>
+              <a:tr h="249846">
+                <a:tc>
+                  <a:txBody>
+                    <a:bodyPr/>
+                    <a:lstStyle/>
+                    <a:p>
+                      <a:pPr algn="ctr" fontAlgn="b"/>
+                      <a:r>
+                        <a:rPr lang="en-US" dirty="0" smtClean="0"/>
+                        <a:t>2</a:t>
+                      </a:r>
+                      <a:endParaRPr lang="en-US" dirty="0"/>
+                    </a:p>
+                  </a:txBody>
+                  <a:tcPr marL="9525" marR="9525" marT="9525" marB="0" anchor="b"/>
+                </a:tc>
+                <a:tc>
+                  <a:txBody>
+                    <a:bodyPr/>
+                    <a:lstStyle/>
+                    <a:p>
+                      <a:pPr algn="ctr" fontAlgn="b"/>
+                      <a:r>
+                        <a:rPr lang="en-US" dirty="0" smtClean="0">
+                          <a:solidFill>
+                            <a:schemeClr val="tx1"/>
+                          </a:solidFill>
+                        </a:rPr>
+                        <a:t>2</a:t>
+                      </a:r>
+                      <a:endParaRPr lang="en-US" dirty="0">
+                        <a:solidFill>
+                          <a:schemeClr val="tx1"/>
+                        </a:solidFill>
+                      </a:endParaRPr>
+                    </a:p>
+                  </a:txBody>
+                  <a:tcPr marL="9525" marR="9525" marT="9525" marB="0" anchor="b"/>
+                </a:tc>
+              </a:tr>
+              <a:tr h="249846">
+                <a:tc>
+                  <a:txBody>
+                    <a:bodyPr/>
+                    <a:lstStyle/>
+                    <a:p>
+                      <a:pPr algn="ctr" fontAlgn="b"/>
+                      <a:r>
+                        <a:rPr lang="en-US" dirty="0" smtClean="0"/>
+                        <a:t>4</a:t>
+                      </a:r>
+                      <a:endParaRPr lang="en-US" dirty="0"/>
+                    </a:p>
+                  </a:txBody>
+                  <a:tcPr marL="9525" marR="9525" marT="9525" marB="0" anchor="b"/>
+                </a:tc>
+                <a:tc>
+                  <a:txBody>
+                    <a:bodyPr/>
+                    <a:lstStyle/>
+                    <a:p>
+                      <a:pPr algn="ctr" fontAlgn="b"/>
+                      <a:r>
+                        <a:rPr lang="en-US" dirty="0" smtClean="0">
+                          <a:solidFill>
+                            <a:schemeClr val="tx1"/>
+                          </a:solidFill>
+                        </a:rPr>
+                        <a:t>5</a:t>
+                      </a:r>
+                      <a:endParaRPr lang="en-US" dirty="0">
+                        <a:solidFill>
+                          <a:schemeClr val="tx1"/>
+                        </a:solidFill>
+                      </a:endParaRPr>
+                    </a:p>
+                  </a:txBody>
+                  <a:tcPr marL="9525" marR="9525" marT="9525" marB="0" anchor="b"/>
+                </a:tc>
+              </a:tr>
+              <a:tr h="249846">
+                <a:tc>
+                  <a:txBody>
+                    <a:bodyPr/>
+                    <a:lstStyle/>
+                    <a:p>
+                      <a:pPr algn="ctr" fontAlgn="b"/>
+                      <a:r>
+                        <a:rPr lang="en-US" dirty="0" smtClean="0"/>
+                        <a:t>5</a:t>
+                      </a:r>
+                      <a:endParaRPr lang="en-US" dirty="0"/>
+                    </a:p>
+                  </a:txBody>
+                  <a:tcPr marL="9525" marR="9525" marT="9525" marB="0" anchor="b"/>
+                </a:tc>
+                <a:tc>
+                  <a:txBody>
+                    <a:bodyPr/>
+                    <a:lstStyle/>
+                    <a:p>
+                      <a:pPr algn="ctr" fontAlgn="b"/>
+                      <a:endParaRPr lang="en-US" dirty="0">
+                        <a:solidFill>
+                          <a:schemeClr val="tx1"/>
+                        </a:solidFill>
+                      </a:endParaRPr>
+                    </a:p>
+                  </a:txBody>
+                  <a:tcPr marL="9525" marR="9525" marT="9525" marB="0" anchor="b"/>
+                </a:tc>
+              </a:tr>
+              <a:tr h="249846">
+                <a:tc>
+                  <a:txBody>
+                    <a:bodyPr/>
+                    <a:lstStyle/>
+                    <a:p>
+                      <a:pPr algn="ctr" fontAlgn="b"/>
+                      <a:endParaRPr lang="en-US" dirty="0"/>
+                    </a:p>
+                  </a:txBody>
+                  <a:tcPr marL="9525" marR="9525" marT="9525" marB="0" anchor="b"/>
+                </a:tc>
+                <a:tc>
+                  <a:txBody>
+                    <a:bodyPr/>
+                    <a:lstStyle/>
+                    <a:p>
+                      <a:pPr algn="ctr" fontAlgn="b"/>
+                      <a:endParaRPr lang="en-US" dirty="0">
+                        <a:solidFill>
+                          <a:schemeClr val="tx1"/>
+                        </a:solidFill>
+                      </a:endParaRPr>
+                    </a:p>
+                  </a:txBody>
+                  <a:tcPr marL="9525" marR="9525" marT="9525" marB="0" anchor="b"/>
+                </a:tc>
+              </a:tr>
+            </a:tbl>
+          </a:graphicData>
+        </a:graphic>
+      </p:graphicFrame>
+      <p:sp>
+        <p:nvSpPr>
+          <p:cNvPr id="9" name="Title 1"/>
+          <p:cNvSpPr>
+            <a:spLocks noGrp="1"/>
+          </p:cNvSpPr>
+          <p:nvPr>
+            <p:ph type="title"/>
+          </p:nvPr>
+        </p:nvSpPr>
+        <p:spPr>
+          <a:xfrm>
+            <a:off x="787400" y="0"/>
+            <a:ext cx="6243638" cy="1008063"/>
+          </a:xfrm>
+        </p:spPr>
+        <p:txBody>
+          <a:bodyPr/>
+          <a:lstStyle/>
+          <a:p>
+            <a:r>
+              <a:rPr lang="en-US" dirty="0" smtClean="0"/>
+              <a:t>INDS core algorithm – case 1 – no IND</a:t>
+            </a:r>
+            <a:endParaRPr lang="en-US" dirty="0"/>
+          </a:p>
+        </p:txBody>
+      </p:sp>
+      <p:sp>
+        <p:nvSpPr>
+          <p:cNvPr id="10" name="Rounded Rectangle 9"/>
+          <p:cNvSpPr/>
+          <p:nvPr/>
+        </p:nvSpPr>
+        <p:spPr bwMode="auto">
+          <a:xfrm>
+            <a:off x="2419685" y="2005263"/>
+            <a:ext cx="1136316" cy="2045369"/>
+          </a:xfrm>
+          <a:prstGeom prst="roundRect">
+            <a:avLst/>
+          </a:prstGeom>
+          <a:noFill/>
+          <a:ln w="101600" cap="flat" cmpd="sng" algn="ctr">
+            <a:solidFill>
+              <a:srgbClr val="3366FF"/>
+            </a:solidFill>
+            <a:prstDash val="solid"/>
+            <a:round/>
+            <a:headEnd type="none" w="med" len="med"/>
+            <a:tailEnd type="none" w="med" len="med"/>
+          </a:ln>
+          <a:effectLst/>
+        </p:spPr>
+        <p:txBody>
+          <a:bodyPr/>
+          <a:lstStyle/>
+          <a:p>
+            <a:endParaRPr lang="en-US"/>
+          </a:p>
+        </p:txBody>
+      </p:sp>
+      <p:sp>
+        <p:nvSpPr>
+          <p:cNvPr id="12" name="Rounded Rectangle 11"/>
+          <p:cNvSpPr/>
+          <p:nvPr/>
+        </p:nvSpPr>
+        <p:spPr bwMode="auto">
+          <a:xfrm>
+            <a:off x="6208296" y="2010610"/>
+            <a:ext cx="1136316" cy="2045369"/>
+          </a:xfrm>
+          <a:prstGeom prst="roundRect">
+            <a:avLst/>
+          </a:prstGeom>
+          <a:noFill/>
+          <a:ln w="101600" cap="flat" cmpd="sng" algn="ctr">
+            <a:solidFill>
+              <a:srgbClr val="3366FF"/>
+            </a:solidFill>
+            <a:prstDash val="solid"/>
+            <a:round/>
+            <a:headEnd type="none" w="med" len="med"/>
+            <a:tailEnd type="none" w="med" len="med"/>
+          </a:ln>
+          <a:effectLst/>
+        </p:spPr>
+        <p:txBody>
+          <a:bodyPr/>
+          <a:lstStyle/>
+          <a:p>
+            <a:endParaRPr lang="en-US"/>
+          </a:p>
+        </p:txBody>
+      </p:sp>
+      <p:cxnSp>
+        <p:nvCxnSpPr>
+          <p:cNvPr id="13" name="Straight Connector 12"/>
+          <p:cNvCxnSpPr/>
+          <p:nvPr/>
+        </p:nvCxnSpPr>
+        <p:spPr bwMode="auto">
+          <a:xfrm>
+            <a:off x="2123728" y="3021560"/>
+            <a:ext cx="702489" cy="628"/>
+          </a:xfrm>
+          <a:prstGeom prst="line">
+            <a:avLst/>
+          </a:prstGeom>
+          <a:solidFill>
+            <a:schemeClr val="accent1"/>
+          </a:solidFill>
+          <a:ln w="76200" cap="flat" cmpd="sng" algn="ctr">
+            <a:solidFill>
+              <a:srgbClr val="3366FF"/>
+            </a:solidFill>
+            <a:prstDash val="solid"/>
+            <a:round/>
+            <a:headEnd type="none" w="med" len="med"/>
+            <a:tailEnd type="triangle" w="lg"/>
+          </a:ln>
+          <a:effectLst/>
+        </p:spPr>
+      </p:cxnSp>
+      <p:cxnSp>
+        <p:nvCxnSpPr>
+          <p:cNvPr id="19" name="Straight Connector 18"/>
+          <p:cNvCxnSpPr/>
+          <p:nvPr/>
+        </p:nvCxnSpPr>
+        <p:spPr bwMode="auto">
+          <a:xfrm>
+            <a:off x="5898971" y="3026907"/>
+            <a:ext cx="702489" cy="628"/>
+          </a:xfrm>
+          <a:prstGeom prst="line">
+            <a:avLst/>
+          </a:prstGeom>
+          <a:solidFill>
+            <a:schemeClr val="accent1"/>
+          </a:solidFill>
+          <a:ln w="76200" cap="flat" cmpd="sng" algn="ctr">
+            <a:solidFill>
+              <a:srgbClr val="3366FF"/>
+            </a:solidFill>
+            <a:prstDash val="solid"/>
+            <a:round/>
+            <a:headEnd type="none" w="med" len="med"/>
+            <a:tailEnd type="triangle" w="lg"/>
+          </a:ln>
+          <a:effectLst/>
+        </p:spPr>
+      </p:cxnSp>
+      <p:sp>
+        <p:nvSpPr>
+          <p:cNvPr id="20" name="Content Placeholder 2"/>
+          <p:cNvSpPr>
+            <a:spLocks noGrp="1"/>
+          </p:cNvSpPr>
+          <p:nvPr>
+            <p:ph idx="1"/>
+          </p:nvPr>
+        </p:nvSpPr>
+        <p:spPr>
+          <a:xfrm>
+            <a:off x="719138" y="4531895"/>
+            <a:ext cx="8174037" cy="1992730"/>
+          </a:xfrm>
+        </p:spPr>
+        <p:txBody>
+          <a:bodyPr/>
+          <a:lstStyle/>
+          <a:p>
+            <a:pPr marL="285750" indent="-285750">
+              <a:buFont typeface="Arial"/>
+              <a:buChar char="•"/>
+            </a:pPr>
+            <a:r>
+              <a:rPr lang="en-US" dirty="0" smtClean="0"/>
+              <a:t>iterator on the right goes down until</a:t>
+            </a:r>
+          </a:p>
+          <a:p>
+            <a:pPr marL="731838" lvl="1" indent="-285750">
+              <a:buFont typeface="Arial"/>
+              <a:buChar char="•"/>
+            </a:pPr>
+            <a:r>
+              <a:rPr lang="en-US" dirty="0" smtClean="0"/>
+              <a:t>case 1: (left number == right number)</a:t>
+            </a:r>
+          </a:p>
+          <a:p>
+            <a:pPr marL="1179513" lvl="2" indent="-285750">
+              <a:buFont typeface="Arial"/>
+              <a:buChar char="•"/>
+            </a:pPr>
+            <a:r>
+              <a:rPr lang="en-US" dirty="0" smtClean="0"/>
+              <a:t>left iterator increased (algorithm proceeds)</a:t>
+            </a:r>
+          </a:p>
+          <a:p>
+            <a:pPr marL="731838" lvl="1" indent="-285750">
+              <a:buFont typeface="Arial"/>
+              <a:buChar char="•"/>
+            </a:pPr>
+            <a:r>
+              <a:rPr lang="en-US" dirty="0" smtClean="0"/>
+              <a:t>case 2: (right number &gt; left number)</a:t>
+            </a:r>
+          </a:p>
+          <a:p>
+            <a:pPr marL="1179513" lvl="2" indent="-285750">
+              <a:buFont typeface="Arial"/>
+              <a:buChar char="•"/>
+            </a:pPr>
+            <a:r>
+              <a:rPr lang="en-US" dirty="0" smtClean="0"/>
+              <a:t>no IND (algorithm stops)</a:t>
+            </a:r>
+          </a:p>
+        </p:txBody>
+      </p:sp>
+    </p:spTree>
+    <p:extLst>
+      <p:ext uri="{BB962C8B-B14F-4D97-AF65-F5344CB8AC3E}">
+        <p14:creationId xmlns:p14="http://schemas.microsoft.com/office/powerpoint/2010/main" val="530322930"/>
       </p:ext>
     </p:extLst>
   </p:cSld>

--- a/exercise2/DPDCAssignment2Group01.pptx
+++ b/exercise2/DPDCAssignment2Group01.pptx
@@ -11061,6 +11061,909 @@
           </a:p>
         </p:txBody>
       </p:sp>
+      <p:sp>
+        <p:nvSpPr>
+          <p:cNvPr id="6" name="Footer Placeholder 3"/>
+          <p:cNvSpPr txBox="1">
+            <a:spLocks/>
+          </p:cNvSpPr>
+          <p:nvPr/>
+        </p:nvSpPr>
+        <p:spPr bwMode="auto">
+          <a:xfrm>
+            <a:off x="719138" y="6561138"/>
+            <a:ext cx="8172450" cy="252412"/>
+          </a:xfrm>
+          <a:prstGeom prst="rect">
+            <a:avLst/>
+          </a:prstGeom>
+          <a:noFill/>
+          <a:ln w="9525">
+            <a:noFill/>
+            <a:miter lim="800000"/>
+            <a:headEnd/>
+            <a:tailEnd/>
+          </a:ln>
+          <a:effectLst/>
+        </p:spPr>
+        <p:txBody>
+          <a:bodyPr vert="horz" wrap="square" lIns="0" tIns="0" rIns="0" bIns="0" numCol="1" anchor="b" anchorCtr="0" compatLnSpc="1">
+            <a:prstTxWarp prst="textNoShape">
+              <a:avLst/>
+            </a:prstTxWarp>
+          </a:bodyPr>
+          <a:lstStyle>
+            <a:defPPr>
+              <a:defRPr lang="de-DE"/>
+            </a:defPPr>
+            <a:lvl1pPr algn="l" rtl="0" fontAlgn="base">
+              <a:spcBef>
+                <a:spcPct val="0"/>
+              </a:spcBef>
+              <a:spcAft>
+                <a:spcPct val="0"/>
+              </a:spcAft>
+              <a:defRPr sz="1400" kern="1200">
+                <a:solidFill>
+                  <a:schemeClr val="bg2"/>
+                </a:solidFill>
+                <a:latin typeface="+mn-lt"/>
+                <a:ea typeface="+mn-ea"/>
+                <a:cs typeface="+mn-cs"/>
+              </a:defRPr>
+            </a:lvl1pPr>
+            <a:lvl2pPr marL="457200" algn="ctr" rtl="0" fontAlgn="base">
+              <a:spcBef>
+                <a:spcPct val="0"/>
+              </a:spcBef>
+              <a:spcAft>
+                <a:spcPct val="0"/>
+              </a:spcAft>
+              <a:defRPr kern="1200">
+                <a:solidFill>
+                  <a:schemeClr val="bg1"/>
+                </a:solidFill>
+                <a:latin typeface="Verdana" pitchFamily="34" charset="0"/>
+                <a:ea typeface="+mn-ea"/>
+                <a:cs typeface="+mn-cs"/>
+              </a:defRPr>
+            </a:lvl2pPr>
+            <a:lvl3pPr marL="914400" algn="ctr" rtl="0" fontAlgn="base">
+              <a:spcBef>
+                <a:spcPct val="0"/>
+              </a:spcBef>
+              <a:spcAft>
+                <a:spcPct val="0"/>
+              </a:spcAft>
+              <a:defRPr kern="1200">
+                <a:solidFill>
+                  <a:schemeClr val="bg1"/>
+                </a:solidFill>
+                <a:latin typeface="Verdana" pitchFamily="34" charset="0"/>
+                <a:ea typeface="+mn-ea"/>
+                <a:cs typeface="+mn-cs"/>
+              </a:defRPr>
+            </a:lvl3pPr>
+            <a:lvl4pPr marL="1371600" algn="ctr" rtl="0" fontAlgn="base">
+              <a:spcBef>
+                <a:spcPct val="0"/>
+              </a:spcBef>
+              <a:spcAft>
+                <a:spcPct val="0"/>
+              </a:spcAft>
+              <a:defRPr kern="1200">
+                <a:solidFill>
+                  <a:schemeClr val="bg1"/>
+                </a:solidFill>
+                <a:latin typeface="Verdana" pitchFamily="34" charset="0"/>
+                <a:ea typeface="+mn-ea"/>
+                <a:cs typeface="+mn-cs"/>
+              </a:defRPr>
+            </a:lvl4pPr>
+            <a:lvl5pPr marL="1828800" algn="ctr" rtl="0" fontAlgn="base">
+              <a:spcBef>
+                <a:spcPct val="0"/>
+              </a:spcBef>
+              <a:spcAft>
+                <a:spcPct val="0"/>
+              </a:spcAft>
+              <a:defRPr kern="1200">
+                <a:solidFill>
+                  <a:schemeClr val="bg1"/>
+                </a:solidFill>
+                <a:latin typeface="Verdana" pitchFamily="34" charset="0"/>
+                <a:ea typeface="+mn-ea"/>
+                <a:cs typeface="+mn-cs"/>
+              </a:defRPr>
+            </a:lvl5pPr>
+            <a:lvl6pPr marL="2286000" algn="l" defTabSz="914400" rtl="0" eaLnBrk="1" latinLnBrk="0" hangingPunct="1">
+              <a:defRPr kern="1200">
+                <a:solidFill>
+                  <a:schemeClr val="bg1"/>
+                </a:solidFill>
+                <a:latin typeface="Verdana" pitchFamily="34" charset="0"/>
+                <a:ea typeface="+mn-ea"/>
+                <a:cs typeface="+mn-cs"/>
+              </a:defRPr>
+            </a:lvl6pPr>
+            <a:lvl7pPr marL="2743200" algn="l" defTabSz="914400" rtl="0" eaLnBrk="1" latinLnBrk="0" hangingPunct="1">
+              <a:defRPr kern="1200">
+                <a:solidFill>
+                  <a:schemeClr val="bg1"/>
+                </a:solidFill>
+                <a:latin typeface="Verdana" pitchFamily="34" charset="0"/>
+                <a:ea typeface="+mn-ea"/>
+                <a:cs typeface="+mn-cs"/>
+              </a:defRPr>
+            </a:lvl7pPr>
+            <a:lvl8pPr marL="3200400" algn="l" defTabSz="914400" rtl="0" eaLnBrk="1" latinLnBrk="0" hangingPunct="1">
+              <a:defRPr kern="1200">
+                <a:solidFill>
+                  <a:schemeClr val="bg1"/>
+                </a:solidFill>
+                <a:latin typeface="Verdana" pitchFamily="34" charset="0"/>
+                <a:ea typeface="+mn-ea"/>
+                <a:cs typeface="+mn-cs"/>
+              </a:defRPr>
+            </a:lvl8pPr>
+            <a:lvl9pPr marL="3657600" algn="l" defTabSz="914400" rtl="0" eaLnBrk="1" latinLnBrk="0" hangingPunct="1">
+              <a:defRPr kern="1200">
+                <a:solidFill>
+                  <a:schemeClr val="bg1"/>
+                </a:solidFill>
+                <a:latin typeface="Verdana" pitchFamily="34" charset="0"/>
+                <a:ea typeface="+mn-ea"/>
+                <a:cs typeface="+mn-cs"/>
+              </a:defRPr>
+            </a:lvl9pPr>
+          </a:lstStyle>
+          <a:p>
+            <a:r>
+              <a:rPr lang="de-DE" smtClean="0"/>
+              <a:t>DPDC – Assignment 1 | Christoph Oehlke, Markus Hinsche | May 16, 2013 </a:t>
+            </a:r>
+            <a:endParaRPr lang="de-DE"/>
+          </a:p>
+        </p:txBody>
+      </p:sp>
+      <p:sp>
+        <p:nvSpPr>
+          <p:cNvPr id="7" name="Slide Number Placeholder 4"/>
+          <p:cNvSpPr txBox="1">
+            <a:spLocks/>
+          </p:cNvSpPr>
+          <p:nvPr/>
+        </p:nvSpPr>
+        <p:spPr bwMode="auto">
+          <a:xfrm>
+            <a:off x="-166688" y="1439863"/>
+            <a:ext cx="547688" cy="333375"/>
+          </a:xfrm>
+          <a:prstGeom prst="rect">
+            <a:avLst/>
+          </a:prstGeom>
+          <a:noFill/>
+          <a:ln w="9525">
+            <a:noFill/>
+            <a:miter lim="800000"/>
+            <a:headEnd/>
+            <a:tailEnd/>
+          </a:ln>
+          <a:effectLst/>
+        </p:spPr>
+        <p:txBody>
+          <a:bodyPr vert="horz" wrap="square" lIns="0" tIns="0" rIns="0" bIns="0" numCol="1" anchor="t" anchorCtr="0" compatLnSpc="1">
+            <a:prstTxWarp prst="textNoShape">
+              <a:avLst/>
+            </a:prstTxWarp>
+          </a:bodyPr>
+          <a:lstStyle>
+            <a:defPPr>
+              <a:defRPr lang="de-DE"/>
+            </a:defPPr>
+            <a:lvl1pPr algn="r" rtl="0" fontAlgn="base">
+              <a:spcBef>
+                <a:spcPct val="0"/>
+              </a:spcBef>
+              <a:spcAft>
+                <a:spcPct val="0"/>
+              </a:spcAft>
+              <a:defRPr sz="1400" kern="1200">
+                <a:solidFill>
+                  <a:schemeClr val="tx2"/>
+                </a:solidFill>
+                <a:latin typeface="Verdana" pitchFamily="34" charset="0"/>
+                <a:ea typeface="+mn-ea"/>
+                <a:cs typeface="+mn-cs"/>
+              </a:defRPr>
+            </a:lvl1pPr>
+            <a:lvl2pPr marL="457200" algn="ctr" rtl="0" fontAlgn="base">
+              <a:spcBef>
+                <a:spcPct val="0"/>
+              </a:spcBef>
+              <a:spcAft>
+                <a:spcPct val="0"/>
+              </a:spcAft>
+              <a:defRPr kern="1200">
+                <a:solidFill>
+                  <a:schemeClr val="bg1"/>
+                </a:solidFill>
+                <a:latin typeface="Verdana" pitchFamily="34" charset="0"/>
+                <a:ea typeface="+mn-ea"/>
+                <a:cs typeface="+mn-cs"/>
+              </a:defRPr>
+            </a:lvl2pPr>
+            <a:lvl3pPr marL="914400" algn="ctr" rtl="0" fontAlgn="base">
+              <a:spcBef>
+                <a:spcPct val="0"/>
+              </a:spcBef>
+              <a:spcAft>
+                <a:spcPct val="0"/>
+              </a:spcAft>
+              <a:defRPr kern="1200">
+                <a:solidFill>
+                  <a:schemeClr val="bg1"/>
+                </a:solidFill>
+                <a:latin typeface="Verdana" pitchFamily="34" charset="0"/>
+                <a:ea typeface="+mn-ea"/>
+                <a:cs typeface="+mn-cs"/>
+              </a:defRPr>
+            </a:lvl3pPr>
+            <a:lvl4pPr marL="1371600" algn="ctr" rtl="0" fontAlgn="base">
+              <a:spcBef>
+                <a:spcPct val="0"/>
+              </a:spcBef>
+              <a:spcAft>
+                <a:spcPct val="0"/>
+              </a:spcAft>
+              <a:defRPr kern="1200">
+                <a:solidFill>
+                  <a:schemeClr val="bg1"/>
+                </a:solidFill>
+                <a:latin typeface="Verdana" pitchFamily="34" charset="0"/>
+                <a:ea typeface="+mn-ea"/>
+                <a:cs typeface="+mn-cs"/>
+              </a:defRPr>
+            </a:lvl4pPr>
+            <a:lvl5pPr marL="1828800" algn="ctr" rtl="0" fontAlgn="base">
+              <a:spcBef>
+                <a:spcPct val="0"/>
+              </a:spcBef>
+              <a:spcAft>
+                <a:spcPct val="0"/>
+              </a:spcAft>
+              <a:defRPr kern="1200">
+                <a:solidFill>
+                  <a:schemeClr val="bg1"/>
+                </a:solidFill>
+                <a:latin typeface="Verdana" pitchFamily="34" charset="0"/>
+                <a:ea typeface="+mn-ea"/>
+                <a:cs typeface="+mn-cs"/>
+              </a:defRPr>
+            </a:lvl5pPr>
+            <a:lvl6pPr marL="2286000" algn="l" defTabSz="914400" rtl="0" eaLnBrk="1" latinLnBrk="0" hangingPunct="1">
+              <a:defRPr kern="1200">
+                <a:solidFill>
+                  <a:schemeClr val="bg1"/>
+                </a:solidFill>
+                <a:latin typeface="Verdana" pitchFamily="34" charset="0"/>
+                <a:ea typeface="+mn-ea"/>
+                <a:cs typeface="+mn-cs"/>
+              </a:defRPr>
+            </a:lvl6pPr>
+            <a:lvl7pPr marL="2743200" algn="l" defTabSz="914400" rtl="0" eaLnBrk="1" latinLnBrk="0" hangingPunct="1">
+              <a:defRPr kern="1200">
+                <a:solidFill>
+                  <a:schemeClr val="bg1"/>
+                </a:solidFill>
+                <a:latin typeface="Verdana" pitchFamily="34" charset="0"/>
+                <a:ea typeface="+mn-ea"/>
+                <a:cs typeface="+mn-cs"/>
+              </a:defRPr>
+            </a:lvl7pPr>
+            <a:lvl8pPr marL="3200400" algn="l" defTabSz="914400" rtl="0" eaLnBrk="1" latinLnBrk="0" hangingPunct="1">
+              <a:defRPr kern="1200">
+                <a:solidFill>
+                  <a:schemeClr val="bg1"/>
+                </a:solidFill>
+                <a:latin typeface="Verdana" pitchFamily="34" charset="0"/>
+                <a:ea typeface="+mn-ea"/>
+                <a:cs typeface="+mn-cs"/>
+              </a:defRPr>
+            </a:lvl8pPr>
+            <a:lvl9pPr marL="3657600" algn="l" defTabSz="914400" rtl="0" eaLnBrk="1" latinLnBrk="0" hangingPunct="1">
+              <a:defRPr kern="1200">
+                <a:solidFill>
+                  <a:schemeClr val="bg1"/>
+                </a:solidFill>
+                <a:latin typeface="Verdana" pitchFamily="34" charset="0"/>
+                <a:ea typeface="+mn-ea"/>
+                <a:cs typeface="+mn-cs"/>
+              </a:defRPr>
+            </a:lvl9pPr>
+          </a:lstStyle>
+          <a:p>
+            <a:fld id="{0C6113F6-D982-4F1F-82B4-AFA466AB9AFB}" type="slidenum">
+              <a:rPr lang="de-DE" smtClean="0"/>
+              <a:pPr/>
+              <a:t>17</a:t>
+            </a:fld>
+            <a:endParaRPr lang="de-DE"/>
+          </a:p>
+        </p:txBody>
+      </p:sp>
+      <p:sp>
+        <p:nvSpPr>
+          <p:cNvPr id="8" name="10-Point Star 7"/>
+          <p:cNvSpPr/>
+          <p:nvPr/>
+        </p:nvSpPr>
+        <p:spPr bwMode="auto">
+          <a:xfrm>
+            <a:off x="4950811" y="4204505"/>
+            <a:ext cx="822960" cy="822960"/>
+          </a:xfrm>
+          <a:prstGeom prst="star10">
+            <a:avLst/>
+          </a:prstGeom>
+          <a:solidFill>
+            <a:srgbClr val="008000"/>
+          </a:solidFill>
+          <a:ln w="9525" cap="flat" cmpd="sng" algn="ctr">
+            <a:solidFill>
+              <a:schemeClr val="tx1"/>
+            </a:solidFill>
+            <a:prstDash val="solid"/>
+            <a:round/>
+            <a:headEnd type="none" w="med" len="med"/>
+            <a:tailEnd type="none" w="med" len="med"/>
+          </a:ln>
+          <a:effectLst/>
+        </p:spPr>
+        <p:txBody>
+          <a:bodyPr/>
+          <a:lstStyle/>
+          <a:p>
+            <a:endParaRPr lang="en-US"/>
+          </a:p>
+        </p:txBody>
+      </p:sp>
+      <p:sp>
+        <p:nvSpPr>
+          <p:cNvPr id="9" name="10-Point Star 8"/>
+          <p:cNvSpPr/>
+          <p:nvPr/>
+        </p:nvSpPr>
+        <p:spPr bwMode="auto">
+          <a:xfrm>
+            <a:off x="1821801" y="4208995"/>
+            <a:ext cx="822960" cy="822960"/>
+          </a:xfrm>
+          <a:prstGeom prst="star10">
+            <a:avLst/>
+          </a:prstGeom>
+          <a:solidFill>
+            <a:srgbClr val="FF0000"/>
+          </a:solidFill>
+          <a:ln w="9525" cap="flat" cmpd="sng" algn="ctr">
+            <a:solidFill>
+              <a:schemeClr val="tx1"/>
+            </a:solidFill>
+            <a:prstDash val="solid"/>
+            <a:round/>
+            <a:headEnd type="none" w="med" len="med"/>
+            <a:tailEnd type="none" w="med" len="med"/>
+          </a:ln>
+          <a:effectLst/>
+        </p:spPr>
+        <p:txBody>
+          <a:bodyPr/>
+          <a:lstStyle/>
+          <a:p>
+            <a:endParaRPr lang="en-US"/>
+          </a:p>
+        </p:txBody>
+      </p:sp>
+      <p:sp>
+        <p:nvSpPr>
+          <p:cNvPr id="10" name="10-Point Star 9"/>
+          <p:cNvSpPr/>
+          <p:nvPr/>
+        </p:nvSpPr>
+        <p:spPr bwMode="auto">
+          <a:xfrm>
+            <a:off x="7153066" y="2918299"/>
+            <a:ext cx="822960" cy="822960"/>
+          </a:xfrm>
+          <a:prstGeom prst="star10">
+            <a:avLst/>
+          </a:prstGeom>
+          <a:solidFill>
+            <a:srgbClr val="3366FF"/>
+          </a:solidFill>
+          <a:ln w="9525" cap="flat" cmpd="sng" algn="ctr">
+            <a:solidFill>
+              <a:schemeClr val="tx1"/>
+            </a:solidFill>
+            <a:prstDash val="solid"/>
+            <a:round/>
+            <a:headEnd type="none" w="med" len="med"/>
+            <a:tailEnd type="none" w="med" len="med"/>
+          </a:ln>
+          <a:effectLst/>
+        </p:spPr>
+        <p:txBody>
+          <a:bodyPr/>
+          <a:lstStyle/>
+          <a:p>
+            <a:endParaRPr lang="en-US"/>
+          </a:p>
+        </p:txBody>
+      </p:sp>
+      <p:graphicFrame>
+        <p:nvGraphicFramePr>
+          <p:cNvPr id="11" name="Table 10"/>
+          <p:cNvGraphicFramePr>
+            <a:graphicFrameLocks noGrp="1"/>
+          </p:cNvGraphicFramePr>
+          <p:nvPr>
+            <p:extLst>
+              <p:ext uri="{D42A27DB-BD31-4B8C-83A1-F6EECF244321}">
+                <p14:modId xmlns:p14="http://schemas.microsoft.com/office/powerpoint/2010/main" val="1908535350"/>
+              </p:ext>
+            </p:extLst>
+          </p:nvPr>
+        </p:nvGraphicFramePr>
+        <p:xfrm>
+          <a:off x="3045153" y="3686731"/>
+          <a:ext cx="1401458" cy="1866065"/>
+        </p:xfrm>
+        <a:graphic>
+          <a:graphicData uri="http://schemas.openxmlformats.org/drawingml/2006/table">
+            <a:tbl>
+              <a:tblPr firstRow="1" bandRow="1">
+                <a:tableStyleId>{5C22544A-7EE6-4342-B048-85BDC9FD1C3A}</a:tableStyleId>
+              </a:tblPr>
+              <a:tblGrid>
+                <a:gridCol w="700729"/>
+                <a:gridCol w="700729"/>
+              </a:tblGrid>
+              <a:tr h="382375">
+                <a:tc>
+                  <a:txBody>
+                    <a:bodyPr/>
+                    <a:lstStyle/>
+                    <a:p>
+                      <a:pPr algn="ctr"/>
+                      <a:r>
+                        <a:rPr lang="en-US" dirty="0" smtClean="0"/>
+                        <a:t>A</a:t>
+                      </a:r>
+                      <a:endParaRPr lang="en-US" dirty="0"/>
+                    </a:p>
+                  </a:txBody>
+                  <a:tcPr/>
+                </a:tc>
+                <a:tc>
+                  <a:txBody>
+                    <a:bodyPr/>
+                    <a:lstStyle/>
+                    <a:p>
+                      <a:pPr algn="ctr"/>
+                      <a:r>
+                        <a:rPr lang="en-US" dirty="0" smtClean="0"/>
+                        <a:t>B</a:t>
+                      </a:r>
+                      <a:endParaRPr lang="en-US" dirty="0"/>
+                    </a:p>
+                  </a:txBody>
+                  <a:tcPr/>
+                </a:tc>
+              </a:tr>
+              <a:tr h="296738">
+                <a:tc>
+                  <a:txBody>
+                    <a:bodyPr/>
+                    <a:lstStyle/>
+                    <a:p>
+                      <a:pPr algn="ctr" fontAlgn="b"/>
+                      <a:r>
+                        <a:rPr lang="en-US" dirty="0" smtClean="0"/>
+                        <a:t>1</a:t>
+                      </a:r>
+                      <a:endParaRPr lang="en-US" dirty="0"/>
+                    </a:p>
+                  </a:txBody>
+                  <a:tcPr marL="9525" marR="9525" marT="9525" marB="0" anchor="b"/>
+                </a:tc>
+                <a:tc>
+                  <a:txBody>
+                    <a:bodyPr/>
+                    <a:lstStyle/>
+                    <a:p>
+                      <a:pPr algn="ctr" fontAlgn="b"/>
+                      <a:r>
+                        <a:rPr lang="en-US" dirty="0" smtClean="0"/>
+                        <a:t>2</a:t>
+                      </a:r>
+                      <a:endParaRPr lang="en-US" dirty="0"/>
+                    </a:p>
+                  </a:txBody>
+                  <a:tcPr marL="9525" marR="9525" marT="9525" marB="0" anchor="b"/>
+                </a:tc>
+              </a:tr>
+              <a:tr h="296738">
+                <a:tc>
+                  <a:txBody>
+                    <a:bodyPr/>
+                    <a:lstStyle/>
+                    <a:p>
+                      <a:pPr algn="ctr" fontAlgn="b"/>
+                      <a:r>
+                        <a:rPr lang="en-US" dirty="0" smtClean="0"/>
+                        <a:t>3</a:t>
+                      </a:r>
+                      <a:endParaRPr lang="en-US" dirty="0"/>
+                    </a:p>
+                  </a:txBody>
+                  <a:tcPr marL="9525" marR="9525" marT="9525" marB="0" anchor="b"/>
+                </a:tc>
+                <a:tc>
+                  <a:txBody>
+                    <a:bodyPr/>
+                    <a:lstStyle/>
+                    <a:p>
+                      <a:pPr algn="ctr" fontAlgn="b"/>
+                      <a:r>
+                        <a:rPr lang="en-US" dirty="0" smtClean="0"/>
+                        <a:t>5</a:t>
+                      </a:r>
+                      <a:endParaRPr lang="en-US" dirty="0"/>
+                    </a:p>
+                  </a:txBody>
+                  <a:tcPr marL="9525" marR="9525" marT="9525" marB="0" anchor="b"/>
+                </a:tc>
+              </a:tr>
+              <a:tr h="296738">
+                <a:tc>
+                  <a:txBody>
+                    <a:bodyPr/>
+                    <a:lstStyle/>
+                    <a:p>
+                      <a:pPr algn="ctr" fontAlgn="b"/>
+                      <a:r>
+                        <a:rPr lang="en-US" dirty="0" smtClean="0"/>
+                        <a:t>4</a:t>
+                      </a:r>
+                      <a:endParaRPr lang="en-US" dirty="0"/>
+                    </a:p>
+                  </a:txBody>
+                  <a:tcPr marL="9525" marR="9525" marT="9525" marB="0" anchor="b"/>
+                </a:tc>
+                <a:tc>
+                  <a:txBody>
+                    <a:bodyPr/>
+                    <a:lstStyle/>
+                    <a:p>
+                      <a:pPr algn="ctr" fontAlgn="b"/>
+                      <a:r>
+                        <a:rPr lang="en-US" dirty="0" smtClean="0"/>
+                        <a:t>8</a:t>
+                      </a:r>
+                      <a:endParaRPr lang="en-US" dirty="0"/>
+                    </a:p>
+                  </a:txBody>
+                  <a:tcPr marL="9525" marR="9525" marT="9525" marB="0" anchor="b"/>
+                </a:tc>
+              </a:tr>
+              <a:tr h="296738">
+                <a:tc>
+                  <a:txBody>
+                    <a:bodyPr/>
+                    <a:lstStyle/>
+                    <a:p>
+                      <a:pPr algn="ctr" fontAlgn="b"/>
+                      <a:r>
+                        <a:rPr lang="en-US" dirty="0" smtClean="0"/>
+                        <a:t>6 </a:t>
+                      </a:r>
+                      <a:endParaRPr lang="en-US" dirty="0"/>
+                    </a:p>
+                  </a:txBody>
+                  <a:tcPr marL="9525" marR="9525" marT="9525" marB="0" anchor="b"/>
+                </a:tc>
+                <a:tc>
+                  <a:txBody>
+                    <a:bodyPr/>
+                    <a:lstStyle/>
+                    <a:p>
+                      <a:pPr algn="ctr" fontAlgn="b"/>
+                      <a:endParaRPr lang="en-US" dirty="0"/>
+                    </a:p>
+                  </a:txBody>
+                  <a:tcPr marL="9525" marR="9525" marT="9525" marB="0" anchor="b"/>
+                </a:tc>
+              </a:tr>
+              <a:tr h="296738">
+                <a:tc>
+                  <a:txBody>
+                    <a:bodyPr/>
+                    <a:lstStyle/>
+                    <a:p>
+                      <a:pPr algn="ctr" fontAlgn="b"/>
+                      <a:r>
+                        <a:rPr lang="en-US" dirty="0" smtClean="0"/>
+                        <a:t>7</a:t>
+                      </a:r>
+                      <a:endParaRPr lang="en-US" dirty="0"/>
+                    </a:p>
+                  </a:txBody>
+                  <a:tcPr marL="9525" marR="9525" marT="9525" marB="0" anchor="b"/>
+                </a:tc>
+                <a:tc>
+                  <a:txBody>
+                    <a:bodyPr/>
+                    <a:lstStyle/>
+                    <a:p>
+                      <a:pPr algn="ctr" fontAlgn="b"/>
+                      <a:endParaRPr lang="en-US" dirty="0"/>
+                    </a:p>
+                  </a:txBody>
+                  <a:tcPr marL="9525" marR="9525" marT="9525" marB="0" anchor="b"/>
+                </a:tc>
+              </a:tr>
+            </a:tbl>
+          </a:graphicData>
+        </a:graphic>
+      </p:graphicFrame>
+      <p:sp>
+        <p:nvSpPr>
+          <p:cNvPr id="12" name="Multidocument 11"/>
+          <p:cNvSpPr/>
+          <p:nvPr/>
+        </p:nvSpPr>
+        <p:spPr bwMode="auto">
+          <a:xfrm>
+            <a:off x="571708" y="4203760"/>
+            <a:ext cx="822960" cy="822960"/>
+          </a:xfrm>
+          <a:prstGeom prst="flowChartMultidocument">
+            <a:avLst/>
+          </a:prstGeom>
+          <a:solidFill>
+            <a:schemeClr val="accent1"/>
+          </a:solidFill>
+          <a:ln w="9525" cap="flat" cmpd="sng" algn="ctr">
+            <a:solidFill>
+              <a:schemeClr val="tx1"/>
+            </a:solidFill>
+            <a:prstDash val="solid"/>
+            <a:round/>
+            <a:headEnd type="none" w="med" len="med"/>
+            <a:tailEnd type="none" w="med" len="med"/>
+          </a:ln>
+          <a:effectLst/>
+        </p:spPr>
+        <p:txBody>
+          <a:bodyPr/>
+          <a:lstStyle/>
+          <a:p>
+            <a:endParaRPr lang="en-US"/>
+          </a:p>
+        </p:txBody>
+      </p:sp>
+      <p:sp>
+        <p:nvSpPr>
+          <p:cNvPr id="13" name="10-Point Star 12"/>
+          <p:cNvSpPr/>
+          <p:nvPr/>
+        </p:nvSpPr>
+        <p:spPr bwMode="auto">
+          <a:xfrm>
+            <a:off x="7155257" y="5487561"/>
+            <a:ext cx="822960" cy="822960"/>
+          </a:xfrm>
+          <a:prstGeom prst="star10">
+            <a:avLst/>
+          </a:prstGeom>
+          <a:solidFill>
+            <a:srgbClr val="3366FF"/>
+          </a:solidFill>
+          <a:ln w="9525" cap="flat" cmpd="sng" algn="ctr">
+            <a:solidFill>
+              <a:schemeClr val="tx1"/>
+            </a:solidFill>
+            <a:prstDash val="solid"/>
+            <a:round/>
+            <a:headEnd type="none" w="med" len="med"/>
+            <a:tailEnd type="none" w="med" len="med"/>
+          </a:ln>
+          <a:effectLst/>
+        </p:spPr>
+        <p:txBody>
+          <a:bodyPr/>
+          <a:lstStyle/>
+          <a:p>
+            <a:endParaRPr lang="en-US"/>
+          </a:p>
+        </p:txBody>
+      </p:sp>
+      <p:sp>
+        <p:nvSpPr>
+          <p:cNvPr id="14" name="10-Point Star 13"/>
+          <p:cNvSpPr/>
+          <p:nvPr/>
+        </p:nvSpPr>
+        <p:spPr bwMode="auto">
+          <a:xfrm>
+            <a:off x="7157447" y="4206233"/>
+            <a:ext cx="822960" cy="822960"/>
+          </a:xfrm>
+          <a:prstGeom prst="star10">
+            <a:avLst/>
+          </a:prstGeom>
+          <a:solidFill>
+            <a:srgbClr val="3366FF"/>
+          </a:solidFill>
+          <a:ln w="9525" cap="flat" cmpd="sng" algn="ctr">
+            <a:solidFill>
+              <a:schemeClr val="tx1"/>
+            </a:solidFill>
+            <a:prstDash val="solid"/>
+            <a:round/>
+            <a:headEnd type="none" w="med" len="med"/>
+            <a:tailEnd type="none" w="med" len="med"/>
+          </a:ln>
+          <a:effectLst/>
+        </p:spPr>
+        <p:txBody>
+          <a:bodyPr/>
+          <a:lstStyle/>
+          <a:p>
+            <a:endParaRPr lang="en-US"/>
+          </a:p>
+        </p:txBody>
+      </p:sp>
+      <p:cxnSp>
+        <p:nvCxnSpPr>
+          <p:cNvPr id="15" name="Straight Connector 14"/>
+          <p:cNvCxnSpPr/>
+          <p:nvPr/>
+        </p:nvCxnSpPr>
+        <p:spPr bwMode="auto">
+          <a:xfrm>
+            <a:off x="1196355" y="4620208"/>
+            <a:ext cx="702489" cy="628"/>
+          </a:xfrm>
+          <a:prstGeom prst="line">
+            <a:avLst/>
+          </a:prstGeom>
+          <a:ln>
+            <a:headEnd type="none" w="med" len="med"/>
+            <a:tailEnd type="triangle" w="lg"/>
+          </a:ln>
+        </p:spPr>
+        <p:style>
+          <a:lnRef idx="3">
+            <a:schemeClr val="dk1"/>
+          </a:lnRef>
+          <a:fillRef idx="0">
+            <a:schemeClr val="dk1"/>
+          </a:fillRef>
+          <a:effectRef idx="2">
+            <a:schemeClr val="dk1"/>
+          </a:effectRef>
+          <a:fontRef idx="minor">
+            <a:schemeClr val="tx1"/>
+          </a:fontRef>
+        </p:style>
+      </p:cxnSp>
+      <p:cxnSp>
+        <p:nvCxnSpPr>
+          <p:cNvPr id="16" name="Straight Connector 15"/>
+          <p:cNvCxnSpPr>
+            <a:endCxn id="11" idx="1"/>
+          </p:cNvCxnSpPr>
+          <p:nvPr/>
+        </p:nvCxnSpPr>
+        <p:spPr bwMode="auto">
+          <a:xfrm>
+            <a:off x="2539905" y="4615239"/>
+            <a:ext cx="505248" cy="4524"/>
+          </a:xfrm>
+          <a:prstGeom prst="line">
+            <a:avLst/>
+          </a:prstGeom>
+          <a:ln>
+            <a:headEnd type="none" w="med" len="med"/>
+            <a:tailEnd type="triangle" w="lg"/>
+          </a:ln>
+        </p:spPr>
+        <p:style>
+          <a:lnRef idx="3">
+            <a:schemeClr val="dk1"/>
+          </a:lnRef>
+          <a:fillRef idx="0">
+            <a:schemeClr val="dk1"/>
+          </a:fillRef>
+          <a:effectRef idx="2">
+            <a:schemeClr val="dk1"/>
+          </a:effectRef>
+          <a:fontRef idx="minor">
+            <a:schemeClr val="tx1"/>
+          </a:fontRef>
+        </p:style>
+      </p:cxnSp>
+      <p:cxnSp>
+        <p:nvCxnSpPr>
+          <p:cNvPr id="17" name="Straight Connector 16"/>
+          <p:cNvCxnSpPr>
+            <a:stCxn id="11" idx="0"/>
+          </p:cNvCxnSpPr>
+          <p:nvPr/>
+        </p:nvCxnSpPr>
+        <p:spPr bwMode="auto">
+          <a:xfrm flipH="1" flipV="1">
+            <a:off x="3721098" y="2512439"/>
+            <a:ext cx="24784" cy="1174292"/>
+          </a:xfrm>
+          <a:prstGeom prst="line">
+            <a:avLst/>
+          </a:prstGeom>
+          <a:ln>
+            <a:headEnd type="none" w="med" len="med"/>
+            <a:tailEnd type="triangle" w="lg"/>
+          </a:ln>
+        </p:spPr>
+        <p:style>
+          <a:lnRef idx="3">
+            <a:schemeClr val="dk1"/>
+          </a:lnRef>
+          <a:fillRef idx="0">
+            <a:schemeClr val="dk1"/>
+          </a:fillRef>
+          <a:effectRef idx="2">
+            <a:schemeClr val="dk1"/>
+          </a:effectRef>
+          <a:fontRef idx="minor">
+            <a:schemeClr val="tx1"/>
+          </a:fontRef>
+        </p:style>
+      </p:cxnSp>
+      <p:cxnSp>
+        <p:nvCxnSpPr>
+          <p:cNvPr id="18" name="Straight Connector 17"/>
+          <p:cNvCxnSpPr/>
+          <p:nvPr/>
+        </p:nvCxnSpPr>
+        <p:spPr bwMode="auto">
+          <a:xfrm>
+            <a:off x="3952903" y="2446366"/>
+            <a:ext cx="20819" cy="1281327"/>
+          </a:xfrm>
+          <a:prstGeom prst="line">
+            <a:avLst/>
+          </a:prstGeom>
+          <a:ln>
+            <a:headEnd type="none" w="med" len="med"/>
+            <a:tailEnd type="triangle" w="lg"/>
+          </a:ln>
+        </p:spPr>
+        <p:style>
+          <a:lnRef idx="3">
+            <a:schemeClr val="dk1"/>
+          </a:lnRef>
+          <a:fillRef idx="0">
+            <a:schemeClr val="dk1"/>
+          </a:fillRef>
+          <a:effectRef idx="2">
+            <a:schemeClr val="dk1"/>
+          </a:effectRef>
+          <a:fontRef idx="minor">
+            <a:schemeClr val="tx1"/>
+          </a:fontRef>
+        </p:style>
+      </p:cxnSp>
     </p:spTree>
     <p:extLst>
       <p:ext uri="{BB962C8B-B14F-4D97-AF65-F5344CB8AC3E}">
@@ -11140,7 +12043,7 @@
             </a:pPr>
             <a:r>
               <a:rPr lang="en-US" dirty="0" smtClean="0"/>
-              <a:t>Read + Preprocess: 3min15sec</a:t>
+              <a:t>Part 1: Read from file + Preprocess: 3min15sec</a:t>
             </a:r>
             <a:endParaRPr lang="en-US" dirty="0"/>
           </a:p>
@@ -11151,7 +12054,7 @@
             </a:pPr>
             <a:r>
               <a:rPr lang="en-US" dirty="0" smtClean="0"/>
-              <a:t>Core Processing: 1min</a:t>
+              <a:t>Part 2: INDs Core Processing: 1min</a:t>
             </a:r>
           </a:p>
           <a:p>
@@ -11172,7 +12075,7 @@
             </a:pPr>
             <a:r>
               <a:rPr lang="en-US" dirty="0" smtClean="0"/>
-              <a:t>No, we could do better by preprocessing and finding computing INDs in parallel</a:t>
+              <a:t>No, we did better by doing part 1 and 2 in parallel</a:t>
             </a:r>
           </a:p>
           <a:p>
@@ -11250,7 +12153,7 @@
         </p:nvSpPr>
         <p:spPr bwMode="auto">
           <a:xfrm>
-            <a:off x="694617" y="4763592"/>
+            <a:off x="694617" y="4422217"/>
             <a:ext cx="822960" cy="822960"/>
           </a:xfrm>
           <a:prstGeom prst="mathPlus">
@@ -11286,7 +12189,7 @@
         </p:nvSpPr>
         <p:spPr bwMode="auto">
           <a:xfrm>
-            <a:off x="694608" y="5734638"/>
+            <a:off x="694608" y="5393263"/>
             <a:ext cx="822960" cy="822960"/>
           </a:xfrm>
           <a:prstGeom prst="mathMinus">
@@ -11322,7 +12225,7 @@
         </p:nvSpPr>
         <p:spPr>
           <a:xfrm>
-            <a:off x="1603230" y="4709256"/>
+            <a:off x="1603230" y="4367881"/>
             <a:ext cx="4572000" cy="1754327"/>
           </a:xfrm>
           <a:prstGeom prst="rect">
@@ -11495,25 +12398,6 @@
       </p:sp>
       <p:sp>
         <p:nvSpPr>
-          <p:cNvPr id="3" name="Content Placeholder 2"/>
-          <p:cNvSpPr>
-            <a:spLocks noGrp="1"/>
-          </p:cNvSpPr>
-          <p:nvPr>
-            <p:ph idx="1"/>
-          </p:nvPr>
-        </p:nvSpPr>
-        <p:spPr/>
-        <p:txBody>
-          <a:bodyPr/>
-          <a:lstStyle/>
-          <a:p>
-            <a:endParaRPr lang="en-US" dirty="0"/>
-          </a:p>
-        </p:txBody>
-      </p:sp>
-      <p:sp>
-        <p:nvSpPr>
           <p:cNvPr id="4" name="Footer Placeholder 3"/>
           <p:cNvSpPr>
             <a:spLocks noGrp="1"/>
@@ -11567,7 +12451,7 @@
         </p:nvSpPr>
         <p:spPr bwMode="auto">
           <a:xfrm>
-            <a:off x="4240730" y="2743467"/>
+            <a:off x="4950811" y="4204505"/>
             <a:ext cx="822960" cy="822960"/>
           </a:xfrm>
           <a:prstGeom prst="star10">
@@ -11603,7 +12487,7 @@
         </p:nvSpPr>
         <p:spPr bwMode="auto">
           <a:xfrm>
-            <a:off x="2040288" y="2788921"/>
+            <a:off x="1821801" y="4208995"/>
             <a:ext cx="822960" cy="822960"/>
           </a:xfrm>
           <a:prstGeom prst="star10">
@@ -11639,7 +12523,7 @@
         </p:nvSpPr>
         <p:spPr bwMode="auto">
           <a:xfrm>
-            <a:off x="6483951" y="2740796"/>
+            <a:off x="7153066" y="2918299"/>
             <a:ext cx="822960" cy="822960"/>
           </a:xfrm>
           <a:prstGeom prst="star10">
@@ -11667,6 +12551,512 @@
           </a:p>
         </p:txBody>
       </p:sp>
+      <p:graphicFrame>
+        <p:nvGraphicFramePr>
+          <p:cNvPr id="11" name="Table 10"/>
+          <p:cNvGraphicFramePr>
+            <a:graphicFrameLocks noGrp="1"/>
+          </p:cNvGraphicFramePr>
+          <p:nvPr>
+            <p:extLst>
+              <p:ext uri="{D42A27DB-BD31-4B8C-83A1-F6EECF244321}">
+                <p14:modId xmlns:p14="http://schemas.microsoft.com/office/powerpoint/2010/main" val="3673987302"/>
+              </p:ext>
+            </p:extLst>
+          </p:nvPr>
+        </p:nvGraphicFramePr>
+        <p:xfrm>
+          <a:off x="3045153" y="3686731"/>
+          <a:ext cx="1401458" cy="1866065"/>
+        </p:xfrm>
+        <a:graphic>
+          <a:graphicData uri="http://schemas.openxmlformats.org/drawingml/2006/table">
+            <a:tbl>
+              <a:tblPr firstRow="1" bandRow="1">
+                <a:tableStyleId>{5C22544A-7EE6-4342-B048-85BDC9FD1C3A}</a:tableStyleId>
+              </a:tblPr>
+              <a:tblGrid>
+                <a:gridCol w="700729"/>
+                <a:gridCol w="700729"/>
+              </a:tblGrid>
+              <a:tr h="382375">
+                <a:tc>
+                  <a:txBody>
+                    <a:bodyPr/>
+                    <a:lstStyle/>
+                    <a:p>
+                      <a:pPr algn="ctr"/>
+                      <a:r>
+                        <a:rPr lang="en-US" dirty="0" smtClean="0"/>
+                        <a:t>A</a:t>
+                      </a:r>
+                      <a:endParaRPr lang="en-US" dirty="0"/>
+                    </a:p>
+                  </a:txBody>
+                  <a:tcPr/>
+                </a:tc>
+                <a:tc>
+                  <a:txBody>
+                    <a:bodyPr/>
+                    <a:lstStyle/>
+                    <a:p>
+                      <a:pPr algn="ctr"/>
+                      <a:r>
+                        <a:rPr lang="en-US" dirty="0" smtClean="0"/>
+                        <a:t>B</a:t>
+                      </a:r>
+                      <a:endParaRPr lang="en-US" dirty="0"/>
+                    </a:p>
+                  </a:txBody>
+                  <a:tcPr/>
+                </a:tc>
+              </a:tr>
+              <a:tr h="296738">
+                <a:tc>
+                  <a:txBody>
+                    <a:bodyPr/>
+                    <a:lstStyle/>
+                    <a:p>
+                      <a:pPr algn="ctr" fontAlgn="b"/>
+                      <a:r>
+                        <a:rPr lang="en-US" dirty="0" smtClean="0"/>
+                        <a:t>1</a:t>
+                      </a:r>
+                      <a:endParaRPr lang="en-US" dirty="0"/>
+                    </a:p>
+                  </a:txBody>
+                  <a:tcPr marL="9525" marR="9525" marT="9525" marB="0" anchor="b"/>
+                </a:tc>
+                <a:tc>
+                  <a:txBody>
+                    <a:bodyPr/>
+                    <a:lstStyle/>
+                    <a:p>
+                      <a:pPr algn="ctr" fontAlgn="b"/>
+                      <a:r>
+                        <a:rPr lang="en-US" dirty="0" smtClean="0"/>
+                        <a:t>2</a:t>
+                      </a:r>
+                      <a:endParaRPr lang="en-US" dirty="0"/>
+                    </a:p>
+                  </a:txBody>
+                  <a:tcPr marL="9525" marR="9525" marT="9525" marB="0" anchor="b"/>
+                </a:tc>
+              </a:tr>
+              <a:tr h="296738">
+                <a:tc>
+                  <a:txBody>
+                    <a:bodyPr/>
+                    <a:lstStyle/>
+                    <a:p>
+                      <a:pPr algn="ctr" fontAlgn="b"/>
+                      <a:r>
+                        <a:rPr lang="en-US" dirty="0" smtClean="0"/>
+                        <a:t>3</a:t>
+                      </a:r>
+                      <a:endParaRPr lang="en-US" dirty="0"/>
+                    </a:p>
+                  </a:txBody>
+                  <a:tcPr marL="9525" marR="9525" marT="9525" marB="0" anchor="b"/>
+                </a:tc>
+                <a:tc>
+                  <a:txBody>
+                    <a:bodyPr/>
+                    <a:lstStyle/>
+                    <a:p>
+                      <a:pPr algn="ctr" fontAlgn="b"/>
+                      <a:r>
+                        <a:rPr lang="en-US" dirty="0" smtClean="0"/>
+                        <a:t>5</a:t>
+                      </a:r>
+                      <a:endParaRPr lang="en-US" dirty="0"/>
+                    </a:p>
+                  </a:txBody>
+                  <a:tcPr marL="9525" marR="9525" marT="9525" marB="0" anchor="b"/>
+                </a:tc>
+              </a:tr>
+              <a:tr h="296738">
+                <a:tc>
+                  <a:txBody>
+                    <a:bodyPr/>
+                    <a:lstStyle/>
+                    <a:p>
+                      <a:pPr algn="ctr" fontAlgn="b"/>
+                      <a:r>
+                        <a:rPr lang="en-US" dirty="0" smtClean="0"/>
+                        <a:t>4</a:t>
+                      </a:r>
+                      <a:endParaRPr lang="en-US" dirty="0"/>
+                    </a:p>
+                  </a:txBody>
+                  <a:tcPr marL="9525" marR="9525" marT="9525" marB="0" anchor="b"/>
+                </a:tc>
+                <a:tc>
+                  <a:txBody>
+                    <a:bodyPr/>
+                    <a:lstStyle/>
+                    <a:p>
+                      <a:pPr algn="ctr" fontAlgn="b"/>
+                      <a:r>
+                        <a:rPr lang="en-US" dirty="0" smtClean="0"/>
+                        <a:t>8</a:t>
+                      </a:r>
+                      <a:endParaRPr lang="en-US" dirty="0"/>
+                    </a:p>
+                  </a:txBody>
+                  <a:tcPr marL="9525" marR="9525" marT="9525" marB="0" anchor="b"/>
+                </a:tc>
+              </a:tr>
+              <a:tr h="296738">
+                <a:tc>
+                  <a:txBody>
+                    <a:bodyPr/>
+                    <a:lstStyle/>
+                    <a:p>
+                      <a:pPr algn="ctr" fontAlgn="b"/>
+                      <a:r>
+                        <a:rPr lang="en-US" dirty="0" smtClean="0"/>
+                        <a:t>6 </a:t>
+                      </a:r>
+                      <a:endParaRPr lang="en-US" dirty="0"/>
+                    </a:p>
+                  </a:txBody>
+                  <a:tcPr marL="9525" marR="9525" marT="9525" marB="0" anchor="b"/>
+                </a:tc>
+                <a:tc>
+                  <a:txBody>
+                    <a:bodyPr/>
+                    <a:lstStyle/>
+                    <a:p>
+                      <a:pPr algn="ctr" fontAlgn="b"/>
+                      <a:endParaRPr lang="en-US" dirty="0"/>
+                    </a:p>
+                  </a:txBody>
+                  <a:tcPr marL="9525" marR="9525" marT="9525" marB="0" anchor="b"/>
+                </a:tc>
+              </a:tr>
+              <a:tr h="296738">
+                <a:tc>
+                  <a:txBody>
+                    <a:bodyPr/>
+                    <a:lstStyle/>
+                    <a:p>
+                      <a:pPr algn="ctr" fontAlgn="b"/>
+                      <a:r>
+                        <a:rPr lang="en-US" dirty="0" smtClean="0"/>
+                        <a:t>7</a:t>
+                      </a:r>
+                      <a:endParaRPr lang="en-US" dirty="0"/>
+                    </a:p>
+                  </a:txBody>
+                  <a:tcPr marL="9525" marR="9525" marT="9525" marB="0" anchor="b"/>
+                </a:tc>
+                <a:tc>
+                  <a:txBody>
+                    <a:bodyPr/>
+                    <a:lstStyle/>
+                    <a:p>
+                      <a:pPr algn="ctr" fontAlgn="b"/>
+                      <a:endParaRPr lang="en-US" dirty="0"/>
+                    </a:p>
+                  </a:txBody>
+                  <a:tcPr marL="9525" marR="9525" marT="9525" marB="0" anchor="b"/>
+                </a:tc>
+              </a:tr>
+            </a:tbl>
+          </a:graphicData>
+        </a:graphic>
+      </p:graphicFrame>
+      <p:sp>
+        <p:nvSpPr>
+          <p:cNvPr id="12" name="Multidocument 11"/>
+          <p:cNvSpPr/>
+          <p:nvPr/>
+        </p:nvSpPr>
+        <p:spPr bwMode="auto">
+          <a:xfrm>
+            <a:off x="571708" y="4203760"/>
+            <a:ext cx="822960" cy="822960"/>
+          </a:xfrm>
+          <a:prstGeom prst="flowChartMultidocument">
+            <a:avLst/>
+          </a:prstGeom>
+          <a:solidFill>
+            <a:schemeClr val="accent1"/>
+          </a:solidFill>
+          <a:ln w="9525" cap="flat" cmpd="sng" algn="ctr">
+            <a:solidFill>
+              <a:schemeClr val="tx1"/>
+            </a:solidFill>
+            <a:prstDash val="solid"/>
+            <a:round/>
+            <a:headEnd type="none" w="med" len="med"/>
+            <a:tailEnd type="none" w="med" len="med"/>
+          </a:ln>
+          <a:effectLst/>
+        </p:spPr>
+        <p:txBody>
+          <a:bodyPr/>
+          <a:lstStyle/>
+          <a:p>
+            <a:endParaRPr lang="en-US"/>
+          </a:p>
+        </p:txBody>
+      </p:sp>
+      <p:pic>
+        <p:nvPicPr>
+          <p:cNvPr id="15" name="Picture 14" descr="book-icon-hi.jpg"/>
+          <p:cNvPicPr>
+            <a:picLocks noChangeAspect="1"/>
+          </p:cNvPicPr>
+          <p:nvPr/>
+        </p:nvPicPr>
+        <p:blipFill rotWithShape="1">
+          <a:blip r:embed="rId2">
+            <a:extLst>
+              <a:ext uri="{BEBA8EAE-BF5A-486C-A8C5-ECC9F3942E4B}">
+                <a14:imgProps xmlns:a14="http://schemas.microsoft.com/office/drawing/2010/main">
+                  <a14:imgLayer r:embed="rId3">
+                    <a14:imgEffect>
+                      <a14:backgroundRemoval t="10000" b="90000" l="3917" r="95667">
+                        <a14:foregroundMark x1="25250" y1="18417" x2="25250" y2="18417"/>
+                        <a14:foregroundMark x1="82250" y1="72083" x2="82250" y2="72083"/>
+                      </a14:backgroundRemoval>
+                    </a14:imgEffect>
+                  </a14:imgLayer>
+                </a14:imgProps>
+              </a:ext>
+              <a:ext uri="{28A0092B-C50C-407E-A947-70E740481C1C}">
+                <a14:useLocalDpi xmlns:a14="http://schemas.microsoft.com/office/drawing/2010/main" val="0"/>
+              </a:ext>
+            </a:extLst>
+          </a:blip>
+          <a:srcRect l="2760" t="10870" r="2752" b="18895"/>
+          <a:stretch/>
+        </p:blipFill>
+        <p:spPr>
+          <a:xfrm>
+            <a:off x="2949567" y="1365457"/>
+            <a:ext cx="1543061" cy="1146982"/>
+          </a:xfrm>
+          <a:prstGeom prst="rect">
+            <a:avLst/>
+          </a:prstGeom>
+        </p:spPr>
+      </p:pic>
+      <p:sp>
+        <p:nvSpPr>
+          <p:cNvPr id="17" name="10-Point Star 16"/>
+          <p:cNvSpPr/>
+          <p:nvPr/>
+        </p:nvSpPr>
+        <p:spPr bwMode="auto">
+          <a:xfrm>
+            <a:off x="7155257" y="5487561"/>
+            <a:ext cx="822960" cy="822960"/>
+          </a:xfrm>
+          <a:prstGeom prst="star10">
+            <a:avLst/>
+          </a:prstGeom>
+          <a:solidFill>
+            <a:srgbClr val="3366FF"/>
+          </a:solidFill>
+          <a:ln w="9525" cap="flat" cmpd="sng" algn="ctr">
+            <a:solidFill>
+              <a:schemeClr val="tx1"/>
+            </a:solidFill>
+            <a:prstDash val="solid"/>
+            <a:round/>
+            <a:headEnd type="none" w="med" len="med"/>
+            <a:tailEnd type="none" w="med" len="med"/>
+          </a:ln>
+          <a:effectLst/>
+        </p:spPr>
+        <p:txBody>
+          <a:bodyPr/>
+          <a:lstStyle/>
+          <a:p>
+            <a:endParaRPr lang="en-US"/>
+          </a:p>
+        </p:txBody>
+      </p:sp>
+      <p:sp>
+        <p:nvSpPr>
+          <p:cNvPr id="18" name="10-Point Star 17"/>
+          <p:cNvSpPr/>
+          <p:nvPr/>
+        </p:nvSpPr>
+        <p:spPr bwMode="auto">
+          <a:xfrm>
+            <a:off x="7157447" y="4206233"/>
+            <a:ext cx="822960" cy="822960"/>
+          </a:xfrm>
+          <a:prstGeom prst="star10">
+            <a:avLst/>
+          </a:prstGeom>
+          <a:solidFill>
+            <a:srgbClr val="3366FF"/>
+          </a:solidFill>
+          <a:ln w="9525" cap="flat" cmpd="sng" algn="ctr">
+            <a:solidFill>
+              <a:schemeClr val="tx1"/>
+            </a:solidFill>
+            <a:prstDash val="solid"/>
+            <a:round/>
+            <a:headEnd type="none" w="med" len="med"/>
+            <a:tailEnd type="none" w="med" len="med"/>
+          </a:ln>
+          <a:effectLst/>
+        </p:spPr>
+        <p:txBody>
+          <a:bodyPr/>
+          <a:lstStyle/>
+          <a:p>
+            <a:endParaRPr lang="en-US"/>
+          </a:p>
+        </p:txBody>
+      </p:sp>
+      <p:cxnSp>
+        <p:nvCxnSpPr>
+          <p:cNvPr id="19" name="Straight Connector 18"/>
+          <p:cNvCxnSpPr/>
+          <p:nvPr/>
+        </p:nvCxnSpPr>
+        <p:spPr bwMode="auto">
+          <a:xfrm>
+            <a:off x="1196355" y="4620208"/>
+            <a:ext cx="702489" cy="628"/>
+          </a:xfrm>
+          <a:prstGeom prst="line">
+            <a:avLst/>
+          </a:prstGeom>
+          <a:ln>
+            <a:headEnd type="none" w="med" len="med"/>
+            <a:tailEnd type="triangle" w="lg"/>
+          </a:ln>
+        </p:spPr>
+        <p:style>
+          <a:lnRef idx="3">
+            <a:schemeClr val="dk1"/>
+          </a:lnRef>
+          <a:fillRef idx="0">
+            <a:schemeClr val="dk1"/>
+          </a:fillRef>
+          <a:effectRef idx="2">
+            <a:schemeClr val="dk1"/>
+          </a:effectRef>
+          <a:fontRef idx="minor">
+            <a:schemeClr val="tx1"/>
+          </a:fontRef>
+        </p:style>
+      </p:cxnSp>
+      <p:cxnSp>
+        <p:nvCxnSpPr>
+          <p:cNvPr id="20" name="Straight Connector 19"/>
+          <p:cNvCxnSpPr>
+            <a:endCxn id="11" idx="1"/>
+          </p:cNvCxnSpPr>
+          <p:nvPr/>
+        </p:nvCxnSpPr>
+        <p:spPr bwMode="auto">
+          <a:xfrm>
+            <a:off x="2539905" y="4615239"/>
+            <a:ext cx="505248" cy="4524"/>
+          </a:xfrm>
+          <a:prstGeom prst="line">
+            <a:avLst/>
+          </a:prstGeom>
+          <a:ln>
+            <a:headEnd type="none" w="med" len="med"/>
+            <a:tailEnd type="triangle" w="lg"/>
+          </a:ln>
+        </p:spPr>
+        <p:style>
+          <a:lnRef idx="3">
+            <a:schemeClr val="dk1"/>
+          </a:lnRef>
+          <a:fillRef idx="0">
+            <a:schemeClr val="dk1"/>
+          </a:fillRef>
+          <a:effectRef idx="2">
+            <a:schemeClr val="dk1"/>
+          </a:effectRef>
+          <a:fontRef idx="minor">
+            <a:schemeClr val="tx1"/>
+          </a:fontRef>
+        </p:style>
+      </p:cxnSp>
+      <p:cxnSp>
+        <p:nvCxnSpPr>
+          <p:cNvPr id="23" name="Straight Connector 22"/>
+          <p:cNvCxnSpPr>
+            <a:stCxn id="11" idx="0"/>
+            <a:endCxn id="15" idx="2"/>
+          </p:cNvCxnSpPr>
+          <p:nvPr/>
+        </p:nvCxnSpPr>
+        <p:spPr bwMode="auto">
+          <a:xfrm flipH="1" flipV="1">
+            <a:off x="3721098" y="2512439"/>
+            <a:ext cx="24784" cy="1174292"/>
+          </a:xfrm>
+          <a:prstGeom prst="line">
+            <a:avLst/>
+          </a:prstGeom>
+          <a:ln>
+            <a:headEnd type="none" w="med" len="med"/>
+            <a:tailEnd type="triangle" w="lg"/>
+          </a:ln>
+        </p:spPr>
+        <p:style>
+          <a:lnRef idx="3">
+            <a:schemeClr val="dk1"/>
+          </a:lnRef>
+          <a:fillRef idx="0">
+            <a:schemeClr val="dk1"/>
+          </a:fillRef>
+          <a:effectRef idx="2">
+            <a:schemeClr val="dk1"/>
+          </a:effectRef>
+          <a:fontRef idx="minor">
+            <a:schemeClr val="tx1"/>
+          </a:fontRef>
+        </p:style>
+      </p:cxnSp>
+      <p:cxnSp>
+        <p:nvCxnSpPr>
+          <p:cNvPr id="26" name="Straight Connector 25"/>
+          <p:cNvCxnSpPr/>
+          <p:nvPr/>
+        </p:nvCxnSpPr>
+        <p:spPr bwMode="auto">
+          <a:xfrm>
+            <a:off x="3952903" y="2446366"/>
+            <a:ext cx="20819" cy="1281327"/>
+          </a:xfrm>
+          <a:prstGeom prst="line">
+            <a:avLst/>
+          </a:prstGeom>
+          <a:ln>
+            <a:headEnd type="none" w="med" len="med"/>
+            <a:tailEnd type="triangle" w="lg"/>
+          </a:ln>
+        </p:spPr>
+        <p:style>
+          <a:lnRef idx="3">
+            <a:schemeClr val="dk1"/>
+          </a:lnRef>
+          <a:fillRef idx="0">
+            <a:schemeClr val="dk1"/>
+          </a:fillRef>
+          <a:effectRef idx="2">
+            <a:schemeClr val="dk1"/>
+          </a:effectRef>
+          <a:fontRef idx="minor">
+            <a:schemeClr val="tx1"/>
+          </a:fontRef>
+        </p:style>
+      </p:cxnSp>
     </p:spTree>
     <p:extLst>
       <p:ext uri="{BB962C8B-B14F-4D97-AF65-F5344CB8AC3E}">
@@ -12499,6 +13889,13 @@
   <p:clrMapOvr>
     <a:masterClrMapping/>
   </p:clrMapOvr>
+  <p:timing>
+    <p:tnLst>
+      <p:par>
+        <p:cTn xmlns:p14="http://schemas.microsoft.com/office/powerpoint/2010/main" id="1" dur="indefinite" restart="never" nodeType="tmRoot"/>
+      </p:par>
+    </p:tnLst>
+  </p:timing>
 </p:sld>
 </file>
 
@@ -12578,8 +13975,12 @@
               <a:buChar char="•"/>
             </a:pPr>
             <a:r>
+              <a:rPr lang="en-US" dirty="0"/>
+              <a:t>C</a:t>
+            </a:r>
+            <a:r>
               <a:rPr lang="en-US" dirty="0" smtClean="0"/>
-              <a:t>checks combinations </a:t>
+              <a:t>hecks combinations </a:t>
             </a:r>
           </a:p>
           <a:p>
@@ -13290,6 +14691,13 @@
   <p:clrMapOvr>
     <a:masterClrMapping/>
   </p:clrMapOvr>
+  <p:timing>
+    <p:tnLst>
+      <p:par>
+        <p:cTn xmlns:p14="http://schemas.microsoft.com/office/powerpoint/2010/main" id="1" dur="indefinite" restart="never" nodeType="tmRoot"/>
+      </p:par>
+    </p:tnLst>
+  </p:timing>
 </p:sld>
 </file>
 
@@ -13507,6 +14915,13 @@
   <p:clrMapOvr>
     <a:masterClrMapping/>
   </p:clrMapOvr>
+  <p:timing>
+    <p:tnLst>
+      <p:par>
+        <p:cTn xmlns:p14="http://schemas.microsoft.com/office/powerpoint/2010/main" id="1" dur="indefinite" restart="never" nodeType="tmRoot"/>
+      </p:par>
+    </p:tnLst>
+  </p:timing>
 </p:sld>
 </file>
 
@@ -14285,6 +15700,13 @@
   <p:clrMapOvr>
     <a:masterClrMapping/>
   </p:clrMapOvr>
+  <p:timing>
+    <p:tnLst>
+      <p:par>
+        <p:cTn xmlns:p14="http://schemas.microsoft.com/office/powerpoint/2010/main" id="1" dur="indefinite" restart="never" nodeType="tmRoot"/>
+      </p:par>
+    </p:tnLst>
+  </p:timing>
 </p:sld>
 </file>
 
